--- a/Программирование.pptx
+++ b/Программирование.pptx
@@ -5,7 +5,7 @@
     <p:sldMasterId id="2147483662" r:id="rId1"/>
   </p:sldMasterIdLst>
   <p:notesMasterIdLst>
-    <p:notesMasterId r:id="rId31"/>
+    <p:notesMasterId r:id="rId27"/>
   </p:notesMasterIdLst>
   <p:sldIdLst>
     <p:sldId id="256" r:id="rId2"/>
@@ -13,47 +13,57 @@
     <p:sldId id="258" r:id="rId4"/>
     <p:sldId id="262" r:id="rId5"/>
     <p:sldId id="263" r:id="rId6"/>
-    <p:sldId id="291" r:id="rId7"/>
-    <p:sldId id="292" r:id="rId8"/>
-    <p:sldId id="296" r:id="rId9"/>
-    <p:sldId id="294" r:id="rId10"/>
-    <p:sldId id="295" r:id="rId11"/>
-    <p:sldId id="297" r:id="rId12"/>
-    <p:sldId id="298" r:id="rId13"/>
-    <p:sldId id="306" r:id="rId14"/>
-    <p:sldId id="305" r:id="rId15"/>
-    <p:sldId id="308" r:id="rId16"/>
-    <p:sldId id="293" r:id="rId17"/>
-    <p:sldId id="310" r:id="rId18"/>
-    <p:sldId id="309" r:id="rId19"/>
-    <p:sldId id="311" r:id="rId20"/>
-    <p:sldId id="299" r:id="rId21"/>
-    <p:sldId id="300" r:id="rId22"/>
-    <p:sldId id="312" r:id="rId23"/>
-    <p:sldId id="301" r:id="rId24"/>
-    <p:sldId id="302" r:id="rId25"/>
-    <p:sldId id="303" r:id="rId26"/>
-    <p:sldId id="275" r:id="rId27"/>
-    <p:sldId id="283" r:id="rId28"/>
-    <p:sldId id="289" r:id="rId29"/>
-    <p:sldId id="290" r:id="rId30"/>
+    <p:sldId id="303" r:id="rId7"/>
+    <p:sldId id="304" r:id="rId8"/>
+    <p:sldId id="305" r:id="rId9"/>
+    <p:sldId id="306" r:id="rId10"/>
+    <p:sldId id="307" r:id="rId11"/>
+    <p:sldId id="308" r:id="rId12"/>
+    <p:sldId id="316" r:id="rId13"/>
+    <p:sldId id="317" r:id="rId14"/>
+    <p:sldId id="318" r:id="rId15"/>
+    <p:sldId id="309" r:id="rId16"/>
+    <p:sldId id="310" r:id="rId17"/>
+    <p:sldId id="311" r:id="rId18"/>
+    <p:sldId id="312" r:id="rId19"/>
+    <p:sldId id="313" r:id="rId20"/>
+    <p:sldId id="314" r:id="rId21"/>
+    <p:sldId id="315" r:id="rId22"/>
+    <p:sldId id="275" r:id="rId23"/>
+    <p:sldId id="283" r:id="rId24"/>
+    <p:sldId id="289" r:id="rId25"/>
+    <p:sldId id="290" r:id="rId26"/>
   </p:sldIdLst>
   <p:sldSz cx="9144000" cy="5143500" type="screen16x9"/>
   <p:notesSz cx="6858000" cy="9144000"/>
   <p:embeddedFontLst>
     <p:embeddedFont>
-      <p:font typeface="Roboto" pitchFamily="2" charset="0"/>
+      <p:font typeface="Consolas" panose="020B0609020204030204" pitchFamily="49" charset="0"/>
+      <p:regular r:id="rId28"/>
+      <p:bold r:id="rId29"/>
+      <p:italic r:id="rId30"/>
+      <p:boldItalic r:id="rId31"/>
+    </p:embeddedFont>
+    <p:embeddedFont>
+      <p:font typeface="Helvetica" panose="020B0604020202020204" pitchFamily="34" charset="0"/>
       <p:regular r:id="rId32"/>
       <p:bold r:id="rId33"/>
       <p:italic r:id="rId34"/>
       <p:boldItalic r:id="rId35"/>
     </p:embeddedFont>
     <p:embeddedFont>
-      <p:font typeface="Segoe UI" panose="020B0502040204020203" pitchFamily="34" charset="0"/>
+      <p:font typeface="Roboto" panose="02000000000000000000" pitchFamily="2" charset="0"/>
       <p:regular r:id="rId36"/>
       <p:bold r:id="rId37"/>
       <p:italic r:id="rId38"/>
       <p:boldItalic r:id="rId39"/>
+    </p:embeddedFont>
+    <p:embeddedFont>
+      <p:font typeface="Segoe UI" panose="020B0502040204020203" pitchFamily="34" charset="0"/>
+      <p:regular r:id="rId40"/>
+      <p:bold r:id="rId41"/>
+      <p:italic r:id="rId42"/>
+      <p:boldItalic r:id="rId43"/>
     </p:embeddedFont>
   </p:embeddedFontLst>
   <p:defaultTextStyle>
@@ -6570,7 +6580,7 @@
           <p:cNvPr id="2" name="Заголовок 1">
             <a:extLst>
               <a:ext uri="{FF2B5EF4-FFF2-40B4-BE49-F238E27FC236}">
-                <a16:creationId xmlns:a16="http://schemas.microsoft.com/office/drawing/2014/main" id="{2E82D768-F30E-93CD-7CC3-ABA6C4F3C0EC}"/>
+                <a16:creationId xmlns:a16="http://schemas.microsoft.com/office/drawing/2014/main" id="{83CFB57A-E367-5736-E05B-90420CF04FE1}"/>
               </a:ext>
             </a:extLst>
           </p:cNvPr>
@@ -6588,17 +6598,17 @@
           <a:p>
             <a:r>
               <a:rPr lang="ru-RU" dirty="0"/>
-              <a:t>Добавление данных</a:t>
+              <a:t>Скалярные функции</a:t>
             </a:r>
           </a:p>
         </p:txBody>
       </p:sp>
       <p:sp>
         <p:nvSpPr>
-          <p:cNvPr id="4" name="TextBox 3">
+          <p:cNvPr id="3" name="TextBox 2">
             <a:extLst>
               <a:ext uri="{FF2B5EF4-FFF2-40B4-BE49-F238E27FC236}">
-                <a16:creationId xmlns:a16="http://schemas.microsoft.com/office/drawing/2014/main" id="{70CA2F63-123E-8E29-5BA0-3A170927C730}"/>
+                <a16:creationId xmlns:a16="http://schemas.microsoft.com/office/drawing/2014/main" id="{FA21A26B-3AB4-73D5-A63E-C9E7D54D6328}"/>
               </a:ext>
             </a:extLst>
           </p:cNvPr>
@@ -6607,8 +6617,8 @@
         </p:nvSpPr>
         <p:spPr>
           <a:xfrm>
-            <a:off x="415158" y="1232564"/>
-            <a:ext cx="7551683" cy="458074"/>
+            <a:off x="500550" y="1121824"/>
+            <a:ext cx="8412222" cy="3477875"/>
           </a:xfrm>
           <a:prstGeom prst="rect">
             <a:avLst/>
@@ -6616,218 +6626,110 @@
           <a:noFill/>
         </p:spPr>
         <p:txBody>
-          <a:bodyPr wrap="square">
+          <a:bodyPr wrap="square" rtlCol="0">
             <a:spAutoFit/>
           </a:bodyPr>
           <a:lstStyle/>
           <a:p>
-            <a:pPr indent="269875" algn="just">
-              <a:lnSpc>
-                <a:spcPct val="150000"/>
-              </a:lnSpc>
+            <a:pPr>
+              <a:buClr>
+                <a:schemeClr val="bg1"/>
+              </a:buClr>
             </a:pPr>
             <a:r>
-              <a:rPr lang="ru-RU" sz="1800" dirty="0">
+              <a:rPr lang="ru-RU" sz="2000" dirty="0">
                 <a:solidFill>
                   <a:schemeClr val="bg1"/>
                 </a:solidFill>
-                <a:effectLst/>
-                <a:latin typeface="Times New Roman" panose="02020603050405020304" pitchFamily="18" charset="0"/>
-                <a:ea typeface="Calibri" panose="020F0502020204030204" pitchFamily="34" charset="0"/>
-                <a:cs typeface="Times New Roman" panose="02020603050405020304" pitchFamily="18" charset="0"/>
-              </a:rPr>
-              <a:t>Копирование только некоторых столбцов из одной таблицы в другую:</a:t>
-            </a:r>
-          </a:p>
-        </p:txBody>
-      </p:sp>
-      <p:sp>
-        <p:nvSpPr>
-          <p:cNvPr id="6" name="TextBox 5">
-            <a:extLst>
-              <a:ext uri="{FF2B5EF4-FFF2-40B4-BE49-F238E27FC236}">
-                <a16:creationId xmlns:a16="http://schemas.microsoft.com/office/drawing/2014/main" id="{A12643E9-FB83-0720-3C0C-C96B858DF29F}"/>
-              </a:ext>
-            </a:extLst>
-          </p:cNvPr>
-          <p:cNvSpPr txBox="1"/>
-          <p:nvPr/>
-        </p:nvSpPr>
-        <p:spPr>
-          <a:xfrm>
-            <a:off x="616164" y="2030119"/>
-            <a:ext cx="7991808" cy="1323439"/>
-          </a:xfrm>
-          <a:prstGeom prst="rect">
-            <a:avLst/>
-          </a:prstGeom>
-          <a:noFill/>
-        </p:spPr>
-        <p:txBody>
-          <a:bodyPr wrap="square">
-            <a:spAutoFit/>
-          </a:bodyPr>
-          <a:lstStyle/>
-          <a:p>
-            <a:r>
-              <a:rPr lang="en-US" sz="2000" b="0" i="0" dirty="0">
+              </a:rPr>
+              <a:t>Тип возвращаемого значения может быть любым типом данных, кроме текста, </a:t>
+            </a:r>
+            <a:r>
+              <a:rPr lang="ru-RU" sz="2000" dirty="0" err="1">
                 <a:solidFill>
                   <a:schemeClr val="bg1"/>
                 </a:solidFill>
-                <a:effectLst/>
-                <a:latin typeface="Courier New" panose="02070309020205020404" pitchFamily="49" charset="0"/>
-                <a:cs typeface="Courier New" panose="02070309020205020404" pitchFamily="49" charset="0"/>
-              </a:rPr>
-              <a:t>INSERT INTO table2 (</a:t>
-            </a:r>
-            <a:r>
-              <a:rPr lang="en-US" sz="2000" dirty="0">
+              </a:rPr>
+              <a:t>ntext</a:t>
+            </a:r>
+            <a:r>
+              <a:rPr lang="ru-RU" sz="2000" dirty="0">
                 <a:solidFill>
                   <a:schemeClr val="bg1"/>
                 </a:solidFill>
-                <a:latin typeface="Courier New" panose="02070309020205020404" pitchFamily="49" charset="0"/>
-                <a:cs typeface="Courier New" panose="02070309020205020404" pitchFamily="49" charset="0"/>
-              </a:rPr>
-              <a:t>Field1, ...,</a:t>
-            </a:r>
+              </a:rPr>
+              <a:t>, изображения, курсора и метки времени.</a:t>
+            </a:r>
+          </a:p>
+          <a:p>
+            <a:pPr>
+              <a:buClr>
+                <a:schemeClr val="bg1"/>
+              </a:buClr>
+            </a:pPr>
+            <a:r>
+              <a:rPr lang="ru-RU" sz="2000" b="1" dirty="0">
+                <a:solidFill>
+                  <a:schemeClr val="bg1"/>
+                </a:solidFill>
+              </a:rPr>
+              <a:t>Ограничения</a:t>
+            </a:r>
+          </a:p>
+          <a:p>
+            <a:pPr marL="457200" indent="-457200">
+              <a:buClr>
+                <a:schemeClr val="bg1"/>
+              </a:buClr>
+              <a:buAutoNum type="arabicPeriod"/>
+            </a:pPr>
             <a:r>
               <a:rPr lang="ru-RU" sz="2000" dirty="0">
                 <a:solidFill>
                   <a:schemeClr val="bg1"/>
                 </a:solidFill>
-                <a:latin typeface="Courier New" panose="02070309020205020404" pitchFamily="49" charset="0"/>
-                <a:cs typeface="Courier New" panose="02070309020205020404" pitchFamily="49" charset="0"/>
-              </a:rPr>
-              <a:t> </a:t>
-            </a:r>
-            <a:r>
-              <a:rPr lang="en-US" sz="2000" dirty="0" err="1">
+              </a:rPr>
+              <a:t>Пользовательские функции не могут возвращать несколько наборов результатов. Используйте хранимую процедуру, если вам нужно вернуть несколько наборов результатов.</a:t>
+            </a:r>
+          </a:p>
+          <a:p>
+            <a:pPr marL="457200" indent="-457200">
+              <a:buClr>
+                <a:schemeClr val="bg1"/>
+              </a:buClr>
+              <a:buAutoNum type="arabicPeriod"/>
+            </a:pPr>
+            <a:r>
+              <a:rPr lang="ru-RU" sz="2000" dirty="0">
                 <a:solidFill>
                   <a:schemeClr val="bg1"/>
                 </a:solidFill>
-                <a:latin typeface="Courier New" panose="02070309020205020404" pitchFamily="49" charset="0"/>
-                <a:cs typeface="Courier New" panose="02070309020205020404" pitchFamily="49" charset="0"/>
-              </a:rPr>
-              <a:t>FieldN</a:t>
-            </a:r>
-            <a:r>
-              <a:rPr lang="en-US" sz="2000" dirty="0">
+              </a:rPr>
+              <a:t>Обработка ошибок ограничена в определяемой пользователем функции. UDF не поддерживает TRY...CATCH, @ERROR или RAISERROR.</a:t>
+            </a:r>
+          </a:p>
+          <a:p>
+            <a:pPr marL="457200" indent="-457200">
+              <a:buClr>
+                <a:schemeClr val="bg1"/>
+              </a:buClr>
+              <a:buAutoNum type="arabicPeriod"/>
+            </a:pPr>
+            <a:r>
+              <a:rPr lang="ru-RU" sz="2000" dirty="0">
                 <a:solidFill>
                   <a:schemeClr val="bg1"/>
                 </a:solidFill>
-                <a:latin typeface="Courier New" panose="02070309020205020404" pitchFamily="49" charset="0"/>
-                <a:cs typeface="Courier New" panose="02070309020205020404" pitchFamily="49" charset="0"/>
-              </a:rPr>
-              <a:t>)</a:t>
-            </a:r>
-            <a:endParaRPr lang="en-US" sz="2000" b="0" i="0" dirty="0">
-              <a:solidFill>
-                <a:schemeClr val="bg1"/>
-              </a:solidFill>
-              <a:effectLst/>
-              <a:latin typeface="Courier New" panose="02070309020205020404" pitchFamily="49" charset="0"/>
-              <a:cs typeface="Courier New" panose="02070309020205020404" pitchFamily="49" charset="0"/>
-            </a:endParaRPr>
-          </a:p>
-          <a:p>
-            <a:r>
-              <a:rPr lang="en-US" sz="2000" b="0" i="0" dirty="0">
-                <a:solidFill>
-                  <a:schemeClr val="bg1"/>
-                </a:solidFill>
-                <a:effectLst/>
-                <a:latin typeface="Courier New" panose="02070309020205020404" pitchFamily="49" charset="0"/>
-                <a:cs typeface="Courier New" panose="02070309020205020404" pitchFamily="49" charset="0"/>
-              </a:rPr>
-              <a:t>SELECT </a:t>
-            </a:r>
-            <a:r>
-              <a:rPr lang="en-US" sz="2000" dirty="0">
-                <a:solidFill>
-                  <a:schemeClr val="bg1"/>
-                </a:solidFill>
-                <a:latin typeface="Courier New" panose="02070309020205020404" pitchFamily="49" charset="0"/>
-                <a:cs typeface="Courier New" panose="02070309020205020404" pitchFamily="49" charset="0"/>
-              </a:rPr>
-              <a:t>Field1, ...,</a:t>
-            </a:r>
-            <a:r>
-              <a:rPr lang="ru-RU" sz="2000" dirty="0">
-                <a:solidFill>
-                  <a:schemeClr val="bg1"/>
-                </a:solidFill>
-                <a:latin typeface="Courier New" panose="02070309020205020404" pitchFamily="49" charset="0"/>
-                <a:cs typeface="Courier New" panose="02070309020205020404" pitchFamily="49" charset="0"/>
-              </a:rPr>
-              <a:t> </a:t>
-            </a:r>
-            <a:r>
-              <a:rPr lang="en-US" sz="2000" dirty="0" err="1">
-                <a:solidFill>
-                  <a:schemeClr val="bg1"/>
-                </a:solidFill>
-                <a:latin typeface="Courier New" panose="02070309020205020404" pitchFamily="49" charset="0"/>
-                <a:cs typeface="Courier New" panose="02070309020205020404" pitchFamily="49" charset="0"/>
-              </a:rPr>
-              <a:t>FieldN</a:t>
-            </a:r>
-            <a:r>
-              <a:rPr lang="en-US" sz="2000" dirty="0">
-                <a:solidFill>
-                  <a:schemeClr val="bg1"/>
-                </a:solidFill>
-                <a:latin typeface="Courier New" panose="02070309020205020404" pitchFamily="49" charset="0"/>
-                <a:cs typeface="Courier New" panose="02070309020205020404" pitchFamily="49" charset="0"/>
-              </a:rPr>
-              <a:t> </a:t>
-            </a:r>
-            <a:endParaRPr lang="ru-RU" sz="2000" dirty="0">
-              <a:solidFill>
-                <a:schemeClr val="bg1"/>
-              </a:solidFill>
-              <a:latin typeface="Courier New" panose="02070309020205020404" pitchFamily="49" charset="0"/>
-              <a:cs typeface="Courier New" panose="02070309020205020404" pitchFamily="49" charset="0"/>
-            </a:endParaRPr>
-          </a:p>
-          <a:p>
-            <a:r>
-              <a:rPr lang="en-US" sz="2000" b="0" i="0" dirty="0">
-                <a:solidFill>
-                  <a:schemeClr val="bg1"/>
-                </a:solidFill>
-                <a:effectLst/>
-                <a:latin typeface="Courier New" panose="02070309020205020404" pitchFamily="49" charset="0"/>
-                <a:cs typeface="Courier New" panose="02070309020205020404" pitchFamily="49" charset="0"/>
-              </a:rPr>
-              <a:t>FROM table1</a:t>
-            </a:r>
-          </a:p>
-          <a:p>
-            <a:r>
-              <a:rPr lang="en-US" sz="2000" b="0" i="0" dirty="0">
-                <a:solidFill>
-                  <a:schemeClr val="bg1"/>
-                </a:solidFill>
-                <a:effectLst/>
-                <a:latin typeface="Courier New" panose="02070309020205020404" pitchFamily="49" charset="0"/>
-                <a:cs typeface="Courier New" panose="02070309020205020404" pitchFamily="49" charset="0"/>
-              </a:rPr>
-              <a:t>WHERE condition;</a:t>
-            </a:r>
-            <a:endParaRPr lang="en-US" sz="2000" dirty="0">
-              <a:solidFill>
-                <a:schemeClr val="bg1"/>
-              </a:solidFill>
-              <a:latin typeface="Courier New" panose="02070309020205020404" pitchFamily="49" charset="0"/>
-              <a:cs typeface="Courier New" panose="02070309020205020404" pitchFamily="49" charset="0"/>
-            </a:endParaRPr>
+              </a:rPr>
+              <a:t>Пользовательские функции не могут вызывать хранимую процедуру.</a:t>
+            </a:r>
           </a:p>
         </p:txBody>
       </p:sp>
     </p:spTree>
     <p:extLst>
       <p:ext uri="{BB962C8B-B14F-4D97-AF65-F5344CB8AC3E}">
-        <p14:creationId xmlns:p14="http://schemas.microsoft.com/office/powerpoint/2010/main" val="3018318741"/>
+        <p14:creationId xmlns:p14="http://schemas.microsoft.com/office/powerpoint/2010/main" val="334374826"/>
       </p:ext>
     </p:extLst>
   </p:cSld>
@@ -6859,7 +6761,7 @@
           <p:cNvPr id="2" name="Заголовок 1">
             <a:extLst>
               <a:ext uri="{FF2B5EF4-FFF2-40B4-BE49-F238E27FC236}">
-                <a16:creationId xmlns:a16="http://schemas.microsoft.com/office/drawing/2014/main" id="{2E82D768-F30E-93CD-7CC3-ABA6C4F3C0EC}"/>
+                <a16:creationId xmlns:a16="http://schemas.microsoft.com/office/drawing/2014/main" id="{83CFB57A-E367-5736-E05B-90420CF04FE1}"/>
               </a:ext>
             </a:extLst>
           </p:cNvPr>
@@ -6877,22 +6779,17 @@
           <a:p>
             <a:r>
               <a:rPr lang="ru-RU" dirty="0"/>
-              <a:t>Добавление данных</a:t>
-            </a:r>
-            <a:r>
-              <a:rPr lang="en-US" dirty="0"/>
-              <a:t> LIVE</a:t>
-            </a:r>
-            <a:endParaRPr lang="ru-RU" dirty="0"/>
+              <a:t>Скалярные функции</a:t>
+            </a:r>
           </a:p>
         </p:txBody>
       </p:sp>
       <p:sp>
         <p:nvSpPr>
-          <p:cNvPr id="4" name="TextBox 3">
+          <p:cNvPr id="3" name="TextBox 2">
             <a:extLst>
               <a:ext uri="{FF2B5EF4-FFF2-40B4-BE49-F238E27FC236}">
-                <a16:creationId xmlns:a16="http://schemas.microsoft.com/office/drawing/2014/main" id="{70CA2F63-123E-8E29-5BA0-3A170927C730}"/>
+                <a16:creationId xmlns:a16="http://schemas.microsoft.com/office/drawing/2014/main" id="{FA21A26B-3AB4-73D5-A63E-C9E7D54D6328}"/>
               </a:ext>
             </a:extLst>
           </p:cNvPr>
@@ -6901,8 +6798,8 @@
         </p:nvSpPr>
         <p:spPr>
           <a:xfrm>
-            <a:off x="415158" y="1232564"/>
-            <a:ext cx="7551683" cy="2120068"/>
+            <a:off x="500550" y="1121824"/>
+            <a:ext cx="8412222" cy="1938992"/>
           </a:xfrm>
           <a:prstGeom prst="rect">
             <a:avLst/>
@@ -6910,87 +6807,65 @@
           <a:noFill/>
         </p:spPr>
         <p:txBody>
-          <a:bodyPr wrap="square">
+          <a:bodyPr wrap="square" rtlCol="0">
             <a:spAutoFit/>
           </a:bodyPr>
           <a:lstStyle/>
           <a:p>
-            <a:pPr indent="269875" algn="just">
-              <a:lnSpc>
-                <a:spcPct val="150000"/>
-              </a:lnSpc>
+            <a:pPr>
+              <a:buClr>
+                <a:schemeClr val="bg1"/>
+              </a:buClr>
             </a:pPr>
             <a:r>
-              <a:rPr lang="ru-RU" sz="1800" dirty="0">
+              <a:rPr lang="ru-RU" sz="2000" dirty="0">
                 <a:solidFill>
                   <a:schemeClr val="bg1"/>
                 </a:solidFill>
-                <a:latin typeface="Times New Roman" panose="02020603050405020304" pitchFamily="18" charset="0"/>
-                <a:ea typeface="Calibri" panose="020F0502020204030204" pitchFamily="34" charset="0"/>
-                <a:cs typeface="Times New Roman" panose="02020603050405020304" pitchFamily="18" charset="0"/>
-              </a:rPr>
-              <a:t>Порядок вставляемых значений.</a:t>
-            </a:r>
-          </a:p>
-          <a:p>
-            <a:pPr indent="269875" algn="just">
-              <a:lnSpc>
-                <a:spcPct val="150000"/>
-              </a:lnSpc>
+              </a:rPr>
+              <a:t>4. Пользовательские функции не могут использовать динамический SQL или временные таблицы. Табличные переменные разрешены.</a:t>
+            </a:r>
+            <a:br>
+              <a:rPr lang="ru-RU" sz="2000" dirty="0">
+                <a:solidFill>
+                  <a:schemeClr val="bg1"/>
+                </a:solidFill>
+              </a:rPr>
+            </a:br>
+            <a:r>
+              <a:rPr lang="ru-RU" sz="2000" dirty="0">
+                <a:solidFill>
+                  <a:schemeClr val="bg1"/>
+                </a:solidFill>
+              </a:rPr>
+              <a:t>5. Операторы SET не разрешены в определяемых пользователем функциях.</a:t>
+            </a:r>
+            <a:br>
+              <a:rPr lang="ru-RU" sz="2000" dirty="0">
+                <a:solidFill>
+                  <a:schemeClr val="bg1"/>
+                </a:solidFill>
+              </a:rPr>
+            </a:br>
+            <a:r>
+              <a:rPr lang="ru-RU" sz="2000" dirty="0">
+                <a:solidFill>
+                  <a:schemeClr val="bg1"/>
+                </a:solidFill>
+              </a:rPr>
+              <a:t>6. Предложение FOR XML не допускается.</a:t>
+            </a:r>
+          </a:p>
+          <a:p>
+            <a:pPr>
+              <a:buClr>
+                <a:schemeClr val="bg1"/>
+              </a:buClr>
             </a:pPr>
-            <a:r>
-              <a:rPr lang="ru-RU" sz="1800" dirty="0">
-                <a:solidFill>
-                  <a:schemeClr val="bg1"/>
-                </a:solidFill>
-                <a:effectLst/>
-                <a:latin typeface="Times New Roman" panose="02020603050405020304" pitchFamily="18" charset="0"/>
-                <a:ea typeface="Calibri" panose="020F0502020204030204" pitchFamily="34" charset="0"/>
-                <a:cs typeface="Times New Roman" panose="02020603050405020304" pitchFamily="18" charset="0"/>
-              </a:rPr>
-              <a:t>Зачем явно указывать наименование полей?</a:t>
-            </a:r>
-            <a:endParaRPr lang="en-US" sz="1800" dirty="0">
+            <a:endParaRPr lang="ru-RU" sz="2000" dirty="0">
               <a:solidFill>
                 <a:schemeClr val="bg1"/>
               </a:solidFill>
-              <a:effectLst/>
-              <a:latin typeface="Times New Roman" panose="02020603050405020304" pitchFamily="18" charset="0"/>
-              <a:ea typeface="Calibri" panose="020F0502020204030204" pitchFamily="34" charset="0"/>
-              <a:cs typeface="Times New Roman" panose="02020603050405020304" pitchFamily="18" charset="0"/>
-            </a:endParaRPr>
-          </a:p>
-          <a:p>
-            <a:pPr indent="269875" algn="just">
-              <a:lnSpc>
-                <a:spcPct val="150000"/>
-              </a:lnSpc>
-            </a:pPr>
-            <a:r>
-              <a:rPr lang="ru-RU" sz="1800" dirty="0">
-                <a:solidFill>
-                  <a:schemeClr val="bg1"/>
-                </a:solidFill>
-                <a:latin typeface="Times New Roman" panose="02020603050405020304" pitchFamily="18" charset="0"/>
-                <a:cs typeface="Times New Roman" panose="02020603050405020304" pitchFamily="18" charset="0"/>
-              </a:rPr>
-              <a:t>Используйте функцию @@ROWCOUNT, чтобы вернуть клиентскому приложению количество вставленных строк.</a:t>
-            </a:r>
-          </a:p>
-          <a:p>
-            <a:pPr indent="269875" algn="just">
-              <a:lnSpc>
-                <a:spcPct val="150000"/>
-              </a:lnSpc>
-            </a:pPr>
-            <a:endParaRPr lang="ru-RU" sz="1800" dirty="0">
-              <a:solidFill>
-                <a:schemeClr val="bg1"/>
-              </a:solidFill>
-              <a:effectLst/>
-              <a:latin typeface="Times New Roman" panose="02020603050405020304" pitchFamily="18" charset="0"/>
-              <a:ea typeface="Calibri" panose="020F0502020204030204" pitchFamily="34" charset="0"/>
-              <a:cs typeface="Times New Roman" panose="02020603050405020304" pitchFamily="18" charset="0"/>
             </a:endParaRPr>
           </a:p>
         </p:txBody>
@@ -6998,7 +6873,7 @@
     </p:spTree>
     <p:extLst>
       <p:ext uri="{BB962C8B-B14F-4D97-AF65-F5344CB8AC3E}">
-        <p14:creationId xmlns:p14="http://schemas.microsoft.com/office/powerpoint/2010/main" val="1389332940"/>
+        <p14:creationId xmlns:p14="http://schemas.microsoft.com/office/powerpoint/2010/main" val="2662734489"/>
       </p:ext>
     </p:extLst>
   </p:cSld>
@@ -7030,7 +6905,7 @@
           <p:cNvPr id="2" name="Заголовок 1">
             <a:extLst>
               <a:ext uri="{FF2B5EF4-FFF2-40B4-BE49-F238E27FC236}">
-                <a16:creationId xmlns:a16="http://schemas.microsoft.com/office/drawing/2014/main" id="{5E570BF0-5D45-2938-A4E5-BDFA486E90CB}"/>
+                <a16:creationId xmlns:a16="http://schemas.microsoft.com/office/drawing/2014/main" id="{6EAED64F-542A-B9C0-279C-7B8096D5C8F8}"/>
               </a:ext>
             </a:extLst>
           </p:cNvPr>
@@ -7047,18 +6922,19 @@
           <a:lstStyle/>
           <a:p>
             <a:r>
-              <a:rPr lang="ru-RU" dirty="0"/>
-              <a:t>Удаление данных</a:t>
-            </a:r>
+              <a:rPr lang="en-US" dirty="0"/>
+              <a:t>EXECUTE AS</a:t>
+            </a:r>
+            <a:endParaRPr lang="ru-RU" dirty="0"/>
           </a:p>
         </p:txBody>
       </p:sp>
       <p:sp>
         <p:nvSpPr>
-          <p:cNvPr id="4" name="TextBox 3">
+          <p:cNvPr id="3" name="TextBox 2">
             <a:extLst>
               <a:ext uri="{FF2B5EF4-FFF2-40B4-BE49-F238E27FC236}">
-                <a16:creationId xmlns:a16="http://schemas.microsoft.com/office/drawing/2014/main" id="{4E41F64D-076E-E1C7-9A36-128CADFE367D}"/>
+                <a16:creationId xmlns:a16="http://schemas.microsoft.com/office/drawing/2014/main" id="{17FFCFB7-D104-FAA3-A6E2-F95FDE782645}"/>
               </a:ext>
             </a:extLst>
           </p:cNvPr>
@@ -7067,8 +6943,8 @@
         </p:nvSpPr>
         <p:spPr>
           <a:xfrm>
-            <a:off x="500550" y="1203139"/>
-            <a:ext cx="7991808" cy="1015663"/>
+            <a:off x="500550" y="1121824"/>
+            <a:ext cx="8412222" cy="2862322"/>
           </a:xfrm>
           <a:prstGeom prst="rect">
             <a:avLst/>
@@ -7076,66 +6952,84 @@
           <a:noFill/>
         </p:spPr>
         <p:txBody>
-          <a:bodyPr wrap="square">
+          <a:bodyPr wrap="square" rtlCol="0">
             <a:spAutoFit/>
           </a:bodyPr>
           <a:lstStyle/>
           <a:p>
-            <a:r>
-              <a:rPr lang="en-US" sz="2000" b="0" i="0" dirty="0">
+            <a:pPr>
+              <a:buClr>
+                <a:schemeClr val="bg1"/>
+              </a:buClr>
+            </a:pPr>
+            <a:r>
+              <a:rPr lang="ru-RU" sz="1600" b="1" i="0" dirty="0">
+                <a:solidFill>
+                  <a:srgbClr val="E6E6E6"/>
+                </a:solidFill>
+                <a:effectLst/>
+                <a:latin typeface="Segoe UI" panose="020B0502040204020203" pitchFamily="34" charset="0"/>
+              </a:rPr>
+              <a:t>Функции (кроме встроенных функций с табличным значением), хранимые процедуры и триггеры DML:</a:t>
+            </a:r>
+            <a:endParaRPr lang="en-US" sz="1600" b="1" i="0" dirty="0">
+              <a:solidFill>
+                <a:srgbClr val="E6E6E6"/>
+              </a:solidFill>
+              <a:effectLst/>
+              <a:latin typeface="Segoe UI" panose="020B0502040204020203" pitchFamily="34" charset="0"/>
+            </a:endParaRPr>
+          </a:p>
+          <a:p>
+            <a:pPr>
+              <a:buClr>
+                <a:schemeClr val="bg1"/>
+              </a:buClr>
+            </a:pPr>
+            <a:r>
+              <a:rPr lang="en-US" sz="2800" b="1" i="0" dirty="0">
+                <a:solidFill>
+                  <a:srgbClr val="E6E6E6"/>
+                </a:solidFill>
+                <a:effectLst/>
+                <a:latin typeface="Segoe UI" panose="020B0502040204020203" pitchFamily="34" charset="0"/>
+              </a:rPr>
+              <a:t>CALLER</a:t>
+            </a:r>
+          </a:p>
+          <a:p>
+            <a:pPr>
+              <a:buClr>
+                <a:schemeClr val="bg1"/>
+              </a:buClr>
+            </a:pPr>
+            <a:r>
+              <a:rPr lang="ru-RU" sz="2000" dirty="0">
                 <a:solidFill>
                   <a:schemeClr val="bg1"/>
                 </a:solidFill>
-                <a:effectLst/>
-                <a:latin typeface="Courier New" panose="02070309020205020404" pitchFamily="49" charset="0"/>
-                <a:cs typeface="Courier New" panose="02070309020205020404" pitchFamily="49" charset="0"/>
-              </a:rPr>
-              <a:t>DELETE</a:t>
-            </a:r>
-          </a:p>
-          <a:p>
-            <a:r>
-              <a:rPr lang="en-US" sz="2000" b="0" i="0" dirty="0">
-                <a:solidFill>
-                  <a:schemeClr val="bg1"/>
-                </a:solidFill>
-                <a:effectLst/>
-                <a:latin typeface="Courier New" panose="02070309020205020404" pitchFamily="49" charset="0"/>
-                <a:cs typeface="Courier New" panose="02070309020205020404" pitchFamily="49" charset="0"/>
-              </a:rPr>
-              <a:t>FROM table</a:t>
-            </a:r>
-            <a:endParaRPr lang="ru-RU" sz="2000" b="0" i="0" dirty="0">
+              </a:rPr>
+              <a:t>Указывает, что операторы внутри модуля выполняются в контексте вызывающего модуля. Пользователь, выполняющий модуль, должен иметь соответствующие разрешения не только для самого модуля, но и для любых объектов базы данных, на которые ссылается модуль.</a:t>
+            </a:r>
+            <a:endParaRPr lang="en-US" sz="2000" dirty="0">
               <a:solidFill>
                 <a:schemeClr val="bg1"/>
               </a:solidFill>
-              <a:effectLst/>
-              <a:latin typeface="Courier New" panose="02070309020205020404" pitchFamily="49" charset="0"/>
-              <a:cs typeface="Courier New" panose="02070309020205020404" pitchFamily="49" charset="0"/>
             </a:endParaRPr>
           </a:p>
           <a:p>
-            <a:r>
-              <a:rPr lang="ru-RU" sz="2000" b="0" i="0" dirty="0">
+            <a:pPr>
+              <a:buClr>
+                <a:schemeClr val="bg1"/>
+              </a:buClr>
+            </a:pPr>
+            <a:r>
+              <a:rPr lang="ru-RU" sz="2000" dirty="0">
                 <a:solidFill>
                   <a:schemeClr val="bg1"/>
                 </a:solidFill>
-                <a:effectLst/>
-                <a:latin typeface="Courier New" panose="02070309020205020404" pitchFamily="49" charset="0"/>
-                <a:cs typeface="Courier New" panose="02070309020205020404" pitchFamily="49" charset="0"/>
-              </a:rPr>
-              <a:t>--</a:t>
-            </a:r>
-            <a:r>
-              <a:rPr lang="en-US" sz="2000" b="0" i="0" dirty="0">
-                <a:solidFill>
-                  <a:schemeClr val="bg1"/>
-                </a:solidFill>
-                <a:effectLst/>
-                <a:latin typeface="Courier New" panose="02070309020205020404" pitchFamily="49" charset="0"/>
-                <a:cs typeface="Courier New" panose="02070309020205020404" pitchFamily="49" charset="0"/>
-              </a:rPr>
-              <a:t>WHERE condition;</a:t>
+              </a:rPr>
+              <a:t>CALLER используется по умолчанию для всех модулей</a:t>
             </a:r>
           </a:p>
         </p:txBody>
@@ -7143,7 +7037,7 @@
     </p:spTree>
     <p:extLst>
       <p:ext uri="{BB962C8B-B14F-4D97-AF65-F5344CB8AC3E}">
-        <p14:creationId xmlns:p14="http://schemas.microsoft.com/office/powerpoint/2010/main" val="2982553598"/>
+        <p14:creationId xmlns:p14="http://schemas.microsoft.com/office/powerpoint/2010/main" val="2540789055"/>
       </p:ext>
     </p:extLst>
   </p:cSld>
@@ -7175,7 +7069,7 @@
           <p:cNvPr id="2" name="Заголовок 1">
             <a:extLst>
               <a:ext uri="{FF2B5EF4-FFF2-40B4-BE49-F238E27FC236}">
-                <a16:creationId xmlns:a16="http://schemas.microsoft.com/office/drawing/2014/main" id="{2E82D768-F30E-93CD-7CC3-ABA6C4F3C0EC}"/>
+                <a16:creationId xmlns:a16="http://schemas.microsoft.com/office/drawing/2014/main" id="{6EAED64F-542A-B9C0-279C-7B8096D5C8F8}"/>
               </a:ext>
             </a:extLst>
           </p:cNvPr>
@@ -7192,12 +7086,8 @@
           <a:lstStyle/>
           <a:p>
             <a:r>
-              <a:rPr lang="ru-RU" dirty="0"/>
-              <a:t>Удаление данных</a:t>
-            </a:r>
-            <a:r>
               <a:rPr lang="en-US" dirty="0"/>
-              <a:t> LIVE</a:t>
+              <a:t>EXECUTE AS</a:t>
             </a:r>
             <a:endParaRPr lang="ru-RU" dirty="0"/>
           </a:p>
@@ -7205,10 +7095,10 @@
       </p:sp>
       <p:sp>
         <p:nvSpPr>
-          <p:cNvPr id="4" name="TextBox 3">
+          <p:cNvPr id="3" name="TextBox 2">
             <a:extLst>
               <a:ext uri="{FF2B5EF4-FFF2-40B4-BE49-F238E27FC236}">
-                <a16:creationId xmlns:a16="http://schemas.microsoft.com/office/drawing/2014/main" id="{70CA2F63-123E-8E29-5BA0-3A170927C730}"/>
+                <a16:creationId xmlns:a16="http://schemas.microsoft.com/office/drawing/2014/main" id="{17FFCFB7-D104-FAA3-A6E2-F95FDE782645}"/>
               </a:ext>
             </a:extLst>
           </p:cNvPr>
@@ -7217,8 +7107,8 @@
         </p:nvSpPr>
         <p:spPr>
           <a:xfrm>
-            <a:off x="415158" y="1232564"/>
-            <a:ext cx="7551683" cy="873572"/>
+            <a:off x="500550" y="1121824"/>
+            <a:ext cx="8412222" cy="1877437"/>
           </a:xfrm>
           <a:prstGeom prst="rect">
             <a:avLst/>
@@ -7226,45 +7116,63 @@
           <a:noFill/>
         </p:spPr>
         <p:txBody>
-          <a:bodyPr wrap="square">
+          <a:bodyPr wrap="square" rtlCol="0">
             <a:spAutoFit/>
           </a:bodyPr>
           <a:lstStyle/>
           <a:p>
-            <a:pPr indent="269875" algn="just">
-              <a:lnSpc>
-                <a:spcPct val="150000"/>
-              </a:lnSpc>
+            <a:pPr>
+              <a:buClr>
+                <a:schemeClr val="bg1"/>
+              </a:buClr>
             </a:pPr>
             <a:r>
-              <a:rPr lang="ru-RU" sz="1800" dirty="0">
+              <a:rPr lang="en-US" sz="3600" b="1" i="0" dirty="0">
+                <a:solidFill>
+                  <a:srgbClr val="E6E6E6"/>
+                </a:solidFill>
+                <a:effectLst/>
+                <a:latin typeface="Segoe UI" panose="020B0502040204020203" pitchFamily="34" charset="0"/>
+              </a:rPr>
+              <a:t>SELF</a:t>
+            </a:r>
+            <a:endParaRPr lang="en-US" sz="2800" b="1" i="0" dirty="0">
+              <a:solidFill>
+                <a:srgbClr val="E6E6E6"/>
+              </a:solidFill>
+              <a:effectLst/>
+              <a:latin typeface="Segoe UI" panose="020B0502040204020203" pitchFamily="34" charset="0"/>
+            </a:endParaRPr>
+          </a:p>
+          <a:p>
+            <a:pPr>
+              <a:buClr>
+                <a:schemeClr val="bg1"/>
+              </a:buClr>
+            </a:pPr>
+            <a:r>
+              <a:rPr lang="ru-RU" sz="2000" dirty="0">
                 <a:solidFill>
                   <a:schemeClr val="bg1"/>
                 </a:solidFill>
-                <a:latin typeface="Times New Roman" panose="02020603050405020304" pitchFamily="18" charset="0"/>
-                <a:ea typeface="Calibri" panose="020F0502020204030204" pitchFamily="34" charset="0"/>
-                <a:cs typeface="Times New Roman" panose="02020603050405020304" pitchFamily="18" charset="0"/>
-              </a:rPr>
-              <a:t>Удаление записей по критерию</a:t>
-            </a:r>
-          </a:p>
-          <a:p>
-            <a:pPr indent="269875" algn="just">
-              <a:lnSpc>
-                <a:spcPct val="150000"/>
-              </a:lnSpc>
-            </a:pPr>
-            <a:r>
-              <a:rPr lang="ru-RU" sz="1800" dirty="0">
+              </a:rPr>
+              <a:t>EXECUTE AS SELF эквивалентно EXECUTE AS &lt;</a:t>
+            </a:r>
+            <a:r>
+              <a:rPr lang="ru-RU" sz="2000" dirty="0" err="1">
                 <a:solidFill>
                   <a:schemeClr val="bg1"/>
                 </a:solidFill>
-                <a:effectLst/>
-                <a:latin typeface="Times New Roman" panose="02020603050405020304" pitchFamily="18" charset="0"/>
-                <a:ea typeface="Calibri" panose="020F0502020204030204" pitchFamily="34" charset="0"/>
-                <a:cs typeface="Times New Roman" panose="02020603050405020304" pitchFamily="18" charset="0"/>
-              </a:rPr>
-              <a:t>Удаление дубликатов</a:t>
+              </a:rPr>
+              <a:t>имя_пользователя</a:t>
+            </a:r>
+            <a:r>
+              <a:rPr lang="ru-RU" sz="2000" dirty="0">
+                <a:solidFill>
+                  <a:schemeClr val="bg1"/>
+                </a:solidFill>
+              </a:rPr>
+              <a:t>&gt;, где указанный пользователь — это человек, создающий или изменяющий модуль. Фактический идентификатор пользователя, создающего или изменяющего модули</a:t>
             </a:r>
           </a:p>
         </p:txBody>
@@ -7272,7 +7180,7 @@
     </p:spTree>
     <p:extLst>
       <p:ext uri="{BB962C8B-B14F-4D97-AF65-F5344CB8AC3E}">
-        <p14:creationId xmlns:p14="http://schemas.microsoft.com/office/powerpoint/2010/main" val="769190811"/>
+        <p14:creationId xmlns:p14="http://schemas.microsoft.com/office/powerpoint/2010/main" val="613718024"/>
       </p:ext>
     </p:extLst>
   </p:cSld>
@@ -7304,7 +7212,7 @@
           <p:cNvPr id="2" name="Заголовок 1">
             <a:extLst>
               <a:ext uri="{FF2B5EF4-FFF2-40B4-BE49-F238E27FC236}">
-                <a16:creationId xmlns:a16="http://schemas.microsoft.com/office/drawing/2014/main" id="{5E570BF0-5D45-2938-A4E5-BDFA486E90CB}"/>
+                <a16:creationId xmlns:a16="http://schemas.microsoft.com/office/drawing/2014/main" id="{6EAED64F-542A-B9C0-279C-7B8096D5C8F8}"/>
               </a:ext>
             </a:extLst>
           </p:cNvPr>
@@ -7321,9 +7229,10 @@
           <a:lstStyle/>
           <a:p>
             <a:r>
-              <a:rPr lang="ru-RU" dirty="0"/>
-              <a:t>Удаление данных</a:t>
-            </a:r>
+              <a:rPr lang="en-US" dirty="0"/>
+              <a:t>EXECUTE AS</a:t>
+            </a:r>
+            <a:endParaRPr lang="ru-RU" dirty="0"/>
           </a:p>
         </p:txBody>
       </p:sp>
@@ -7332,7 +7241,7 @@
           <p:cNvPr id="3" name="TextBox 2">
             <a:extLst>
               <a:ext uri="{FF2B5EF4-FFF2-40B4-BE49-F238E27FC236}">
-                <a16:creationId xmlns:a16="http://schemas.microsoft.com/office/drawing/2014/main" id="{E3AF182B-1C0F-6A6A-2E20-0974BA2DF4C9}"/>
+                <a16:creationId xmlns:a16="http://schemas.microsoft.com/office/drawing/2014/main" id="{17FFCFB7-D104-FAA3-A6E2-F95FDE782645}"/>
               </a:ext>
             </a:extLst>
           </p:cNvPr>
@@ -7341,8 +7250,8 @@
         </p:nvSpPr>
         <p:spPr>
           <a:xfrm>
-            <a:off x="500550" y="1262864"/>
-            <a:ext cx="7991808" cy="400110"/>
+            <a:off x="500550" y="1121824"/>
+            <a:ext cx="8412222" cy="2000548"/>
           </a:xfrm>
           <a:prstGeom prst="rect">
             <a:avLst/>
@@ -7350,104 +7259,47 @@
           <a:noFill/>
         </p:spPr>
         <p:txBody>
-          <a:bodyPr wrap="square">
+          <a:bodyPr wrap="square" rtlCol="0">
             <a:spAutoFit/>
           </a:bodyPr>
           <a:lstStyle/>
           <a:p>
-            <a:r>
-              <a:rPr lang="ru-RU" sz="2000" b="0" i="0" dirty="0">
+            <a:pPr>
+              <a:buClr>
+                <a:schemeClr val="bg1"/>
+              </a:buClr>
+            </a:pPr>
+            <a:r>
+              <a:rPr lang="en-US" sz="4400" b="1" i="0" dirty="0">
+                <a:solidFill>
+                  <a:srgbClr val="E6E6E6"/>
+                </a:solidFill>
+                <a:effectLst/>
+                <a:latin typeface="Segoe UI" panose="020B0502040204020203" pitchFamily="34" charset="0"/>
+              </a:rPr>
+              <a:t>OWNER</a:t>
+            </a:r>
+            <a:endParaRPr lang="en-US" sz="2800" b="1" i="0" dirty="0">
+              <a:solidFill>
+                <a:srgbClr val="E6E6E6"/>
+              </a:solidFill>
+              <a:effectLst/>
+              <a:latin typeface="Segoe UI" panose="020B0502040204020203" pitchFamily="34" charset="0"/>
+            </a:endParaRPr>
+          </a:p>
+          <a:p>
+            <a:pPr>
+              <a:buClr>
+                <a:schemeClr val="bg1"/>
+              </a:buClr>
+            </a:pPr>
+            <a:r>
+              <a:rPr lang="ru-RU" sz="2000" dirty="0">
                 <a:solidFill>
                   <a:schemeClr val="bg1"/>
                 </a:solidFill>
-                <a:effectLst/>
-                <a:latin typeface="Times New Roman" panose="02020603050405020304" pitchFamily="18" charset="0"/>
-                <a:cs typeface="Times New Roman" panose="02020603050405020304" pitchFamily="18" charset="0"/>
-              </a:rPr>
-              <a:t>Какие строки удалит следующий код?</a:t>
-            </a:r>
-            <a:endParaRPr lang="en-US" sz="2000" dirty="0">
-              <a:solidFill>
-                <a:schemeClr val="bg1"/>
-              </a:solidFill>
-              <a:latin typeface="Times New Roman" panose="02020603050405020304" pitchFamily="18" charset="0"/>
-              <a:cs typeface="Times New Roman" panose="02020603050405020304" pitchFamily="18" charset="0"/>
-            </a:endParaRPr>
-          </a:p>
-        </p:txBody>
-      </p:sp>
-      <p:sp>
-        <p:nvSpPr>
-          <p:cNvPr id="4" name="TextBox 3">
-            <a:extLst>
-              <a:ext uri="{FF2B5EF4-FFF2-40B4-BE49-F238E27FC236}">
-                <a16:creationId xmlns:a16="http://schemas.microsoft.com/office/drawing/2014/main" id="{4E41F64D-076E-E1C7-9A36-128CADFE367D}"/>
-              </a:ext>
-            </a:extLst>
-          </p:cNvPr>
-          <p:cNvSpPr txBox="1"/>
-          <p:nvPr/>
-        </p:nvSpPr>
-        <p:spPr>
-          <a:xfrm>
-            <a:off x="500550" y="2106250"/>
-            <a:ext cx="7991808" cy="707886"/>
-          </a:xfrm>
-          <a:prstGeom prst="rect">
-            <a:avLst/>
-          </a:prstGeom>
-          <a:noFill/>
-        </p:spPr>
-        <p:txBody>
-          <a:bodyPr wrap="square">
-            <a:spAutoFit/>
-          </a:bodyPr>
-          <a:lstStyle/>
-          <a:p>
-            <a:r>
-              <a:rPr lang="en-US" sz="2000" b="0" i="0" dirty="0">
-                <a:solidFill>
-                  <a:schemeClr val="bg1"/>
-                </a:solidFill>
-                <a:effectLst/>
-                <a:latin typeface="Courier New" panose="02070309020205020404" pitchFamily="49" charset="0"/>
-                <a:cs typeface="Courier New" panose="02070309020205020404" pitchFamily="49" charset="0"/>
-              </a:rPr>
-              <a:t>DELETE </a:t>
-            </a:r>
-            <a:r>
-              <a:rPr lang="en-US" sz="2000" dirty="0">
-                <a:solidFill>
-                  <a:schemeClr val="bg1"/>
-                </a:solidFill>
-                <a:latin typeface="Courier New" panose="02070309020205020404" pitchFamily="49" charset="0"/>
-                <a:cs typeface="Courier New" panose="02070309020205020404" pitchFamily="49" charset="0"/>
-              </a:rPr>
-              <a:t>TOP(1000)</a:t>
-            </a:r>
-            <a:r>
-              <a:rPr lang="en-US" sz="2000" b="0" i="0" dirty="0">
-                <a:solidFill>
-                  <a:schemeClr val="bg1"/>
-                </a:solidFill>
-                <a:effectLst/>
-                <a:latin typeface="Courier New" panose="02070309020205020404" pitchFamily="49" charset="0"/>
-                <a:cs typeface="Courier New" panose="02070309020205020404" pitchFamily="49" charset="0"/>
-              </a:rPr>
-              <a:t> </a:t>
-            </a:r>
-          </a:p>
-          <a:p>
-            <a:r>
-              <a:rPr lang="en-US" sz="2000" b="0" i="0" dirty="0">
-                <a:solidFill>
-                  <a:schemeClr val="bg1"/>
-                </a:solidFill>
-                <a:effectLst/>
-                <a:latin typeface="Courier New" panose="02070309020205020404" pitchFamily="49" charset="0"/>
-                <a:cs typeface="Courier New" panose="02070309020205020404" pitchFamily="49" charset="0"/>
-              </a:rPr>
-              <a:t>FROM table1;</a:t>
+              </a:rPr>
+              <a:t>Указывает, что инструкции внутри модуля выполняются в контексте текущего владельца модуля. Если у модуля не указан владелец, используется владелец схемы модуля. OWNER не может быть указан для триггеров DDL или входа в систему.</a:t>
             </a:r>
           </a:p>
         </p:txBody>
@@ -7455,7 +7307,7 @@
     </p:spTree>
     <p:extLst>
       <p:ext uri="{BB962C8B-B14F-4D97-AF65-F5344CB8AC3E}">
-        <p14:creationId xmlns:p14="http://schemas.microsoft.com/office/powerpoint/2010/main" val="1619902309"/>
+        <p14:creationId xmlns:p14="http://schemas.microsoft.com/office/powerpoint/2010/main" val="1484202929"/>
       </p:ext>
     </p:extLst>
   </p:cSld>
@@ -7487,7 +7339,7 @@
           <p:cNvPr id="2" name="Заголовок 1">
             <a:extLst>
               <a:ext uri="{FF2B5EF4-FFF2-40B4-BE49-F238E27FC236}">
-                <a16:creationId xmlns:a16="http://schemas.microsoft.com/office/drawing/2014/main" id="{2E82D768-F30E-93CD-7CC3-ABA6C4F3C0EC}"/>
+                <a16:creationId xmlns:a16="http://schemas.microsoft.com/office/drawing/2014/main" id="{83CFB57A-E367-5736-E05B-90420CF04FE1}"/>
               </a:ext>
             </a:extLst>
           </p:cNvPr>
@@ -7505,89 +7357,7 @@
           <a:p>
             <a:r>
               <a:rPr lang="ru-RU" dirty="0"/>
-              <a:t>Удаление данных</a:t>
-            </a:r>
-            <a:r>
-              <a:rPr lang="en-US" dirty="0"/>
-              <a:t> LIVE</a:t>
-            </a:r>
-            <a:endParaRPr lang="ru-RU" dirty="0"/>
-          </a:p>
-        </p:txBody>
-      </p:sp>
-      <p:sp>
-        <p:nvSpPr>
-          <p:cNvPr id="4" name="TextBox 3">
-            <a:extLst>
-              <a:ext uri="{FF2B5EF4-FFF2-40B4-BE49-F238E27FC236}">
-                <a16:creationId xmlns:a16="http://schemas.microsoft.com/office/drawing/2014/main" id="{70CA2F63-123E-8E29-5BA0-3A170927C730}"/>
-              </a:ext>
-            </a:extLst>
-          </p:cNvPr>
-          <p:cNvSpPr txBox="1"/>
-          <p:nvPr/>
-        </p:nvSpPr>
-        <p:spPr>
-          <a:xfrm>
-            <a:off x="415158" y="1232564"/>
-            <a:ext cx="7551683" cy="873572"/>
-          </a:xfrm>
-          <a:prstGeom prst="rect">
-            <a:avLst/>
-          </a:prstGeom>
-          <a:noFill/>
-        </p:spPr>
-        <p:txBody>
-          <a:bodyPr wrap="square">
-            <a:spAutoFit/>
-          </a:bodyPr>
-          <a:lstStyle/>
-          <a:p>
-            <a:pPr indent="269875" algn="just">
-              <a:lnSpc>
-                <a:spcPct val="150000"/>
-              </a:lnSpc>
-            </a:pPr>
-            <a:r>
-              <a:rPr lang="ru-RU" sz="1800" dirty="0">
-                <a:solidFill>
-                  <a:schemeClr val="bg1"/>
-                </a:solidFill>
-                <a:latin typeface="Times New Roman" panose="02020603050405020304" pitchFamily="18" charset="0"/>
-                <a:ea typeface="Calibri" panose="020F0502020204030204" pitchFamily="34" charset="0"/>
-                <a:cs typeface="Times New Roman" panose="02020603050405020304" pitchFamily="18" charset="0"/>
-              </a:rPr>
-              <a:t>Удаление записей </a:t>
-            </a:r>
-            <a:r>
-              <a:rPr lang="en-US" sz="1800" dirty="0">
-                <a:solidFill>
-                  <a:schemeClr val="bg1"/>
-                </a:solidFill>
-                <a:latin typeface="Times New Roman" panose="02020603050405020304" pitchFamily="18" charset="0"/>
-                <a:ea typeface="Calibri" panose="020F0502020204030204" pitchFamily="34" charset="0"/>
-                <a:cs typeface="Times New Roman" panose="02020603050405020304" pitchFamily="18" charset="0"/>
-              </a:rPr>
-              <a:t>TOP(…)</a:t>
-            </a:r>
-          </a:p>
-          <a:p>
-            <a:pPr indent="269875" algn="just">
-              <a:lnSpc>
-                <a:spcPct val="150000"/>
-              </a:lnSpc>
-            </a:pPr>
-            <a:r>
-              <a:rPr lang="ru-RU" sz="1800" dirty="0">
-                <a:solidFill>
-                  <a:schemeClr val="bg1"/>
-                </a:solidFill>
-                <a:effectLst/>
-                <a:latin typeface="Times New Roman" panose="02020603050405020304" pitchFamily="18" charset="0"/>
-                <a:ea typeface="Calibri" panose="020F0502020204030204" pitchFamily="34" charset="0"/>
-                <a:cs typeface="Times New Roman" panose="02020603050405020304" pitchFamily="18" charset="0"/>
-              </a:rPr>
-              <a:t>Удаление данных по частям </a:t>
+              <a:t>Табличные функции</a:t>
             </a:r>
           </a:p>
         </p:txBody>
@@ -7595,7 +7365,7 @@
     </p:spTree>
     <p:extLst>
       <p:ext uri="{BB962C8B-B14F-4D97-AF65-F5344CB8AC3E}">
-        <p14:creationId xmlns:p14="http://schemas.microsoft.com/office/powerpoint/2010/main" val="2178713384"/>
+        <p14:creationId xmlns:p14="http://schemas.microsoft.com/office/powerpoint/2010/main" val="3862114052"/>
       </p:ext>
     </p:extLst>
   </p:cSld>
@@ -7627,7 +7397,7 @@
           <p:cNvPr id="2" name="Заголовок 1">
             <a:extLst>
               <a:ext uri="{FF2B5EF4-FFF2-40B4-BE49-F238E27FC236}">
-                <a16:creationId xmlns:a16="http://schemas.microsoft.com/office/drawing/2014/main" id="{5E570BF0-5D45-2938-A4E5-BDFA486E90CB}"/>
+                <a16:creationId xmlns:a16="http://schemas.microsoft.com/office/drawing/2014/main" id="{00A06823-A40C-3486-CDD6-004A156AEFD0}"/>
               </a:ext>
             </a:extLst>
           </p:cNvPr>
@@ -7644,129 +7414,27 @@
           <a:lstStyle/>
           <a:p>
             <a:r>
-              <a:rPr lang="ru-RU" dirty="0"/>
-              <a:t>Редактирование данных</a:t>
-            </a:r>
-          </a:p>
-        </p:txBody>
-      </p:sp>
-      <p:sp>
-        <p:nvSpPr>
-          <p:cNvPr id="3" name="TextBox 2">
-            <a:extLst>
-              <a:ext uri="{FF2B5EF4-FFF2-40B4-BE49-F238E27FC236}">
-                <a16:creationId xmlns:a16="http://schemas.microsoft.com/office/drawing/2014/main" id="{E3AF182B-1C0F-6A6A-2E20-0974BA2DF4C9}"/>
-              </a:ext>
-            </a:extLst>
-          </p:cNvPr>
-          <p:cNvSpPr txBox="1"/>
-          <p:nvPr/>
-        </p:nvSpPr>
-        <p:spPr>
-          <a:xfrm>
-            <a:off x="500550" y="1262864"/>
-            <a:ext cx="7991808" cy="1015663"/>
-          </a:xfrm>
-          <a:prstGeom prst="rect">
-            <a:avLst/>
-          </a:prstGeom>
-          <a:noFill/>
-        </p:spPr>
-        <p:txBody>
-          <a:bodyPr wrap="square">
-            <a:spAutoFit/>
-          </a:bodyPr>
-          <a:lstStyle/>
-          <a:p>
-            <a:r>
-              <a:rPr lang="en-US" sz="2000" b="0" i="0" dirty="0">
-                <a:solidFill>
-                  <a:schemeClr val="bg1"/>
+              <a:rPr lang="en-US" dirty="0"/>
+              <a:t>Multi-statement </a:t>
+            </a:r>
+            <a:r>
+              <a:rPr lang="en-US" b="1" i="0" dirty="0">
+                <a:solidFill>
+                  <a:srgbClr val="E6E6E6"/>
                 </a:solidFill>
                 <a:effectLst/>
-                <a:latin typeface="Courier New" panose="02070309020205020404" pitchFamily="49" charset="0"/>
-                <a:cs typeface="Courier New" panose="02070309020205020404" pitchFamily="49" charset="0"/>
-              </a:rPr>
-              <a:t>UPDATE </a:t>
-            </a:r>
-            <a:r>
-              <a:rPr lang="en-US" sz="2000" dirty="0" err="1">
-                <a:solidFill>
-                  <a:schemeClr val="bg1"/>
-                </a:solidFill>
-                <a:latin typeface="Courier New" panose="02070309020205020404" pitchFamily="49" charset="0"/>
-                <a:cs typeface="Courier New" panose="02070309020205020404" pitchFamily="49" charset="0"/>
-              </a:rPr>
-              <a:t>TableName</a:t>
-            </a:r>
-            <a:r>
-              <a:rPr lang="en-US" sz="2000" b="0" i="0" dirty="0">
-                <a:solidFill>
-                  <a:schemeClr val="bg1"/>
-                </a:solidFill>
-                <a:effectLst/>
-                <a:latin typeface="Courier New" panose="02070309020205020404" pitchFamily="49" charset="0"/>
-                <a:cs typeface="Courier New" panose="02070309020205020404" pitchFamily="49" charset="0"/>
-              </a:rPr>
-              <a:t> </a:t>
-            </a:r>
-          </a:p>
-          <a:p>
-            <a:r>
-              <a:rPr lang="en-US" sz="2000" b="0" i="0" dirty="0">
-                <a:solidFill>
-                  <a:schemeClr val="bg1"/>
-                </a:solidFill>
-                <a:effectLst/>
-                <a:latin typeface="Courier New" panose="02070309020205020404" pitchFamily="49" charset="0"/>
-                <a:cs typeface="Courier New" panose="02070309020205020404" pitchFamily="49" charset="0"/>
-              </a:rPr>
-              <a:t>SET </a:t>
-            </a:r>
-            <a:r>
-              <a:rPr lang="en-US" sz="2000" dirty="0">
-                <a:solidFill>
-                  <a:schemeClr val="bg1"/>
-                </a:solidFill>
-                <a:latin typeface="Courier New" panose="02070309020205020404" pitchFamily="49" charset="0"/>
-                <a:cs typeface="Courier New" panose="02070309020205020404" pitchFamily="49" charset="0"/>
-              </a:rPr>
-              <a:t>Field1 = value</a:t>
-            </a:r>
-            <a:endParaRPr lang="ru-RU" sz="2000" dirty="0">
-              <a:solidFill>
-                <a:schemeClr val="bg1"/>
-              </a:solidFill>
-              <a:latin typeface="Courier New" panose="02070309020205020404" pitchFamily="49" charset="0"/>
-              <a:cs typeface="Courier New" panose="02070309020205020404" pitchFamily="49" charset="0"/>
-            </a:endParaRPr>
-          </a:p>
-          <a:p>
-            <a:r>
-              <a:rPr lang="en-US" sz="2000" b="0" i="0" dirty="0">
-                <a:solidFill>
-                  <a:schemeClr val="bg1"/>
-                </a:solidFill>
-                <a:effectLst/>
-                <a:latin typeface="Courier New" panose="02070309020205020404" pitchFamily="49" charset="0"/>
-                <a:cs typeface="Courier New" panose="02070309020205020404" pitchFamily="49" charset="0"/>
-              </a:rPr>
-              <a:t>--WHERE condition;</a:t>
-            </a:r>
-            <a:endParaRPr lang="en-US" sz="2000" dirty="0">
-              <a:solidFill>
-                <a:schemeClr val="bg1"/>
-              </a:solidFill>
-              <a:latin typeface="Courier New" panose="02070309020205020404" pitchFamily="49" charset="0"/>
-              <a:cs typeface="Courier New" panose="02070309020205020404" pitchFamily="49" charset="0"/>
-            </a:endParaRPr>
+                <a:latin typeface="Segoe UI" panose="020B0502040204020203" pitchFamily="34" charset="0"/>
+              </a:rPr>
+              <a:t>table-valued function</a:t>
+            </a:r>
+            <a:endParaRPr lang="ru-RU" dirty="0"/>
           </a:p>
         </p:txBody>
       </p:sp>
     </p:spTree>
     <p:extLst>
       <p:ext uri="{BB962C8B-B14F-4D97-AF65-F5344CB8AC3E}">
-        <p14:creationId xmlns:p14="http://schemas.microsoft.com/office/powerpoint/2010/main" val="3876493460"/>
+        <p14:creationId xmlns:p14="http://schemas.microsoft.com/office/powerpoint/2010/main" val="660993735"/>
       </p:ext>
     </p:extLst>
   </p:cSld>
@@ -7798,7 +7466,7 @@
           <p:cNvPr id="2" name="Заголовок 1">
             <a:extLst>
               <a:ext uri="{FF2B5EF4-FFF2-40B4-BE49-F238E27FC236}">
-                <a16:creationId xmlns:a16="http://schemas.microsoft.com/office/drawing/2014/main" id="{5E570BF0-5D45-2938-A4E5-BDFA486E90CB}"/>
+                <a16:creationId xmlns:a16="http://schemas.microsoft.com/office/drawing/2014/main" id="{00A06823-A40C-3486-CDD6-004A156AEFD0}"/>
               </a:ext>
             </a:extLst>
           </p:cNvPr>
@@ -7816,22 +7484,17 @@
           <a:p>
             <a:r>
               <a:rPr lang="ru-RU" dirty="0"/>
-              <a:t>Редактирование данных</a:t>
-            </a:r>
-            <a:r>
-              <a:rPr lang="en-US" dirty="0"/>
-              <a:t> Live</a:t>
-            </a:r>
-            <a:endParaRPr lang="ru-RU" dirty="0"/>
+              <a:t>Хранимые процедуры</a:t>
+            </a:r>
           </a:p>
         </p:txBody>
       </p:sp>
       <p:sp>
         <p:nvSpPr>
-          <p:cNvPr id="5" name="TextBox 4">
+          <p:cNvPr id="3" name="TextBox 2">
             <a:extLst>
               <a:ext uri="{FF2B5EF4-FFF2-40B4-BE49-F238E27FC236}">
-                <a16:creationId xmlns:a16="http://schemas.microsoft.com/office/drawing/2014/main" id="{99C8A7CE-B173-83E5-CB2E-96BA8DDA17F8}"/>
+                <a16:creationId xmlns:a16="http://schemas.microsoft.com/office/drawing/2014/main" id="{7B850070-199C-1D98-D298-0EBE6BC7F575}"/>
               </a:ext>
             </a:extLst>
           </p:cNvPr>
@@ -7840,8 +7503,8 @@
         </p:nvSpPr>
         <p:spPr>
           <a:xfrm>
-            <a:off x="651642" y="1226569"/>
-            <a:ext cx="7991808" cy="707886"/>
+            <a:off x="500550" y="1121824"/>
+            <a:ext cx="8412222" cy="1015663"/>
           </a:xfrm>
           <a:prstGeom prst="rect">
             <a:avLst/>
@@ -7849,42 +7512,53 @@
           <a:noFill/>
         </p:spPr>
         <p:txBody>
-          <a:bodyPr wrap="square">
+          <a:bodyPr wrap="square" rtlCol="0">
             <a:spAutoFit/>
           </a:bodyPr>
           <a:lstStyle/>
           <a:p>
+            <a:pPr>
+              <a:buClr>
+                <a:schemeClr val="bg1"/>
+              </a:buClr>
+            </a:pPr>
             <a:r>
               <a:rPr lang="ru-RU" sz="2000" dirty="0">
                 <a:solidFill>
                   <a:schemeClr val="bg1"/>
                 </a:solidFill>
-                <a:latin typeface="Times New Roman" panose="02020603050405020304" pitchFamily="18" charset="0"/>
-                <a:cs typeface="Times New Roman" panose="02020603050405020304" pitchFamily="18" charset="0"/>
-              </a:rPr>
-              <a:t>Изменим данные в таблице, где…</a:t>
-            </a:r>
-          </a:p>
-          <a:p>
+              </a:rPr>
+              <a:t>Пользовательские</a:t>
+            </a:r>
+          </a:p>
+          <a:p>
+            <a:pPr>
+              <a:buClr>
+                <a:schemeClr val="bg1"/>
+              </a:buClr>
+            </a:pPr>
             <a:r>
               <a:rPr lang="ru-RU" sz="2000" dirty="0">
                 <a:solidFill>
                   <a:schemeClr val="bg1"/>
                 </a:solidFill>
-                <a:latin typeface="Times New Roman" panose="02020603050405020304" pitchFamily="18" charset="0"/>
-                <a:cs typeface="Times New Roman" panose="02020603050405020304" pitchFamily="18" charset="0"/>
-              </a:rPr>
-              <a:t>Выведем значения измененных строк, используя </a:t>
-            </a:r>
-            <a:r>
-              <a:rPr lang="en-US" sz="2000" dirty="0">
+              </a:rPr>
+              <a:t>Временные</a:t>
+            </a:r>
+          </a:p>
+          <a:p>
+            <a:pPr>
+              <a:buClr>
+                <a:schemeClr val="bg1"/>
+              </a:buClr>
+            </a:pPr>
+            <a:r>
+              <a:rPr lang="ru-RU" sz="2000" dirty="0">
                 <a:solidFill>
                   <a:schemeClr val="bg1"/>
                 </a:solidFill>
-                <a:latin typeface="Times New Roman" panose="02020603050405020304" pitchFamily="18" charset="0"/>
-                <a:cs typeface="Times New Roman" panose="02020603050405020304" pitchFamily="18" charset="0"/>
-              </a:rPr>
-              <a:t>OUTPUT</a:t>
+              </a:rPr>
+              <a:t>Системные</a:t>
             </a:r>
           </a:p>
         </p:txBody>
@@ -7892,7 +7566,7 @@
     </p:spTree>
     <p:extLst>
       <p:ext uri="{BB962C8B-B14F-4D97-AF65-F5344CB8AC3E}">
-        <p14:creationId xmlns:p14="http://schemas.microsoft.com/office/powerpoint/2010/main" val="1317899404"/>
+        <p14:creationId xmlns:p14="http://schemas.microsoft.com/office/powerpoint/2010/main" val="980060165"/>
       </p:ext>
     </p:extLst>
   </p:cSld>
@@ -7924,7 +7598,7 @@
           <p:cNvPr id="2" name="Заголовок 1">
             <a:extLst>
               <a:ext uri="{FF2B5EF4-FFF2-40B4-BE49-F238E27FC236}">
-                <a16:creationId xmlns:a16="http://schemas.microsoft.com/office/drawing/2014/main" id="{5E570BF0-5D45-2938-A4E5-BDFA486E90CB}"/>
+                <a16:creationId xmlns:a16="http://schemas.microsoft.com/office/drawing/2014/main" id="{77363AD7-FFE1-0628-56EB-00B5BE131CE9}"/>
               </a:ext>
             </a:extLst>
           </p:cNvPr>
@@ -7941,9 +7615,16 @@
           <a:lstStyle/>
           <a:p>
             <a:r>
-              <a:rPr lang="ru-RU" dirty="0"/>
-              <a:t>Редактирование данных</a:t>
-            </a:r>
+              <a:rPr lang="ru-RU" sz="3200" b="1" i="0" dirty="0">
+                <a:solidFill>
+                  <a:schemeClr val="bg1"/>
+                </a:solidFill>
+                <a:effectLst/>
+                <a:latin typeface="Calibri" panose="020F0502020204030204" pitchFamily="34" charset="0"/>
+              </a:rPr>
+              <a:t>Параметры и хранимая процедура</a:t>
+            </a:r>
+            <a:endParaRPr lang="ru-RU" dirty="0"/>
           </a:p>
         </p:txBody>
       </p:sp>
@@ -7952,7 +7633,7 @@
           <p:cNvPr id="4" name="TextBox 3">
             <a:extLst>
               <a:ext uri="{FF2B5EF4-FFF2-40B4-BE49-F238E27FC236}">
-                <a16:creationId xmlns:a16="http://schemas.microsoft.com/office/drawing/2014/main" id="{4E41F64D-076E-E1C7-9A36-128CADFE367D}"/>
+                <a16:creationId xmlns:a16="http://schemas.microsoft.com/office/drawing/2014/main" id="{971D8C71-F3D9-88BF-CD17-E5A168488869}"/>
               </a:ext>
             </a:extLst>
           </p:cNvPr>
@@ -7961,8 +7642,8 @@
         </p:nvSpPr>
         <p:spPr>
           <a:xfrm>
-            <a:off x="500550" y="1087957"/>
-            <a:ext cx="7991808" cy="3170099"/>
+            <a:off x="409903" y="1338673"/>
+            <a:ext cx="8334703" cy="2462213"/>
           </a:xfrm>
           <a:prstGeom prst="rect">
             <a:avLst/>
@@ -7976,209 +7657,255 @@
           <a:lstStyle/>
           <a:p>
             <a:r>
+              <a:rPr lang="ru-RU" sz="2000" b="0" i="0" dirty="0">
+                <a:solidFill>
+                  <a:schemeClr val="bg1"/>
+                </a:solidFill>
+                <a:effectLst/>
+                <a:latin typeface="Consolas" panose="020B0609020204030204" pitchFamily="49" charset="0"/>
+              </a:rPr>
+              <a:t>CREATE PROCEDURE </a:t>
+            </a:r>
+            <a:r>
+              <a:rPr lang="ru-RU" sz="2000" b="0" i="0" dirty="0" err="1">
+                <a:solidFill>
+                  <a:schemeClr val="bg1"/>
+                </a:solidFill>
+                <a:effectLst/>
+                <a:latin typeface="Consolas" panose="020B0609020204030204" pitchFamily="49" charset="0"/>
+              </a:rPr>
+              <a:t>SampleProcedure</a:t>
+            </a:r>
+            <a:r>
+              <a:rPr lang="ru-RU" sz="2000" b="0" i="0" dirty="0">
+                <a:solidFill>
+                  <a:schemeClr val="bg1"/>
+                </a:solidFill>
+                <a:effectLst/>
+                <a:latin typeface="Consolas" panose="020B0609020204030204" pitchFamily="49" charset="0"/>
+              </a:rPr>
+              <a:t> @EmployeeIDPar</a:t>
+            </a:r>
+            <a:r>
               <a:rPr lang="en-US" sz="2000" b="0" i="0" dirty="0">
                 <a:solidFill>
                   <a:schemeClr val="bg1"/>
                 </a:solidFill>
                 <a:effectLst/>
-                <a:latin typeface="Courier New" panose="02070309020205020404" pitchFamily="49" charset="0"/>
-                <a:cs typeface="Courier New" panose="02070309020205020404" pitchFamily="49" charset="0"/>
-              </a:rPr>
-              <a:t>UPDATE alias1 </a:t>
-            </a:r>
-          </a:p>
-          <a:p>
-            <a:r>
-              <a:rPr lang="en-US" sz="2000" dirty="0">
+                <a:latin typeface="Consolas" panose="020B0609020204030204" pitchFamily="49" charset="0"/>
+              </a:rPr>
+              <a:t>a</a:t>
+            </a:r>
+            <a:r>
+              <a:rPr lang="ru-RU" sz="2000" b="0" i="0" dirty="0">
                 <a:solidFill>
                   <a:schemeClr val="bg1"/>
                 </a:solidFill>
-                <a:latin typeface="Courier New" panose="02070309020205020404" pitchFamily="49" charset="0"/>
-                <a:cs typeface="Courier New" panose="02070309020205020404" pitchFamily="49" charset="0"/>
-              </a:rPr>
-              <a:t>    </a:t>
-            </a:r>
-            <a:r>
-              <a:rPr lang="en-US" sz="2000" b="0" i="0" dirty="0">
+                <a:effectLst/>
+                <a:latin typeface="Consolas" panose="020B0609020204030204" pitchFamily="49" charset="0"/>
+              </a:rPr>
+              <a:t>m INT,</a:t>
+            </a:r>
+            <a:br>
+              <a:rPr lang="ru-RU" sz="2000" b="0" i="0" dirty="0">
                 <a:solidFill>
                   <a:schemeClr val="bg1"/>
                 </a:solidFill>
                 <a:effectLst/>
-                <a:latin typeface="Courier New" panose="02070309020205020404" pitchFamily="49" charset="0"/>
-                <a:cs typeface="Courier New" panose="02070309020205020404" pitchFamily="49" charset="0"/>
-              </a:rPr>
-              <a:t>SET </a:t>
-            </a:r>
-            <a:r>
-              <a:rPr lang="en-US" sz="2000" dirty="0">
+                <a:latin typeface="Consolas" panose="020B0609020204030204" pitchFamily="49" charset="0"/>
+              </a:rPr>
+            </a:br>
+            <a:r>
+              <a:rPr lang="ru-RU" sz="2000" b="0" i="0" dirty="0">
                 <a:solidFill>
                   <a:schemeClr val="bg1"/>
                 </a:solidFill>
-                <a:latin typeface="Courier New" panose="02070309020205020404" pitchFamily="49" charset="0"/>
-                <a:cs typeface="Courier New" panose="02070309020205020404" pitchFamily="49" charset="0"/>
-              </a:rPr>
-              <a:t>Field1</a:t>
-            </a:r>
-            <a:r>
-              <a:rPr lang="en-US" sz="2000" b="0" i="0" dirty="0">
+                <a:effectLst/>
+                <a:latin typeface="Consolas" panose="020B0609020204030204" pitchFamily="49" charset="0"/>
+              </a:rPr>
+              <a:t>@MaxTotal INT OUTPUT</a:t>
+            </a:r>
+            <a:br>
+              <a:rPr lang="ru-RU" sz="2000" b="0" i="0" dirty="0">
                 <a:solidFill>
                   <a:schemeClr val="bg1"/>
                 </a:solidFill>
                 <a:effectLst/>
-                <a:latin typeface="Courier New" panose="02070309020205020404" pitchFamily="49" charset="0"/>
-                <a:cs typeface="Courier New" panose="02070309020205020404" pitchFamily="49" charset="0"/>
-              </a:rPr>
-              <a:t> = alias2.value1 </a:t>
-            </a:r>
-          </a:p>
-          <a:p>
-            <a:r>
-              <a:rPr lang="en-US" sz="2000" b="0" i="0" dirty="0">
+                <a:latin typeface="Consolas" panose="020B0609020204030204" pitchFamily="49" charset="0"/>
+              </a:rPr>
+            </a:br>
+            <a:r>
+              <a:rPr lang="ru-RU" sz="2000" b="0" i="0" dirty="0">
                 <a:solidFill>
                   <a:schemeClr val="bg1"/>
                 </a:solidFill>
                 <a:effectLst/>
-                <a:latin typeface="Courier New" panose="02070309020205020404" pitchFamily="49" charset="0"/>
-                <a:cs typeface="Courier New" panose="02070309020205020404" pitchFamily="49" charset="0"/>
-              </a:rPr>
-              <a:t>FROM table1 as alias1 </a:t>
-            </a:r>
-          </a:p>
-          <a:p>
-            <a:r>
-              <a:rPr lang="en-US" sz="2000" b="0" i="0" dirty="0">
+                <a:latin typeface="Calibri" panose="020F0502020204030204" pitchFamily="34" charset="0"/>
+              </a:rPr>
+              <a:t>Указание направления параметров</a:t>
+            </a:r>
+            <a:br>
+              <a:rPr lang="ru-RU" sz="2000" b="0" i="0" dirty="0">
                 <a:solidFill>
                   <a:schemeClr val="bg1"/>
                 </a:solidFill>
                 <a:effectLst/>
-                <a:latin typeface="Courier New" panose="02070309020205020404" pitchFamily="49" charset="0"/>
-                <a:cs typeface="Courier New" panose="02070309020205020404" pitchFamily="49" charset="0"/>
-              </a:rPr>
-              <a:t>    JOIN table2 as alias2 ON table1.id = table2.id </a:t>
-            </a:r>
-          </a:p>
-          <a:p>
-            <a:r>
-              <a:rPr lang="en-US" sz="2000" b="0" i="0" dirty="0">
+                <a:latin typeface="Calibri" panose="020F0502020204030204" pitchFamily="34" charset="0"/>
+              </a:rPr>
+            </a:br>
+            <a:r>
+              <a:rPr lang="ru-RU" sz="2000" b="0" i="0" dirty="0">
                 <a:solidFill>
                   <a:schemeClr val="bg1"/>
                 </a:solidFill>
                 <a:effectLst/>
-                <a:latin typeface="Courier New" panose="02070309020205020404" pitchFamily="49" charset="0"/>
-                <a:cs typeface="Courier New" panose="02070309020205020404" pitchFamily="49" charset="0"/>
-              </a:rPr>
-              <a:t>    WHERE alias1.</a:t>
-            </a:r>
-            <a:r>
-              <a:rPr lang="en-US" sz="2000" dirty="0">
+                <a:latin typeface="Consolas" panose="020B0609020204030204" pitchFamily="49" charset="0"/>
+              </a:rPr>
+              <a:t>IN – </a:t>
+            </a:r>
+            <a:r>
+              <a:rPr lang="ru-RU" sz="2000" b="0" i="0" dirty="0">
                 <a:solidFill>
                   <a:schemeClr val="bg1"/>
                 </a:solidFill>
-                <a:latin typeface="Courier New" panose="02070309020205020404" pitchFamily="49" charset="0"/>
-                <a:cs typeface="Courier New" panose="02070309020205020404" pitchFamily="49" charset="0"/>
-              </a:rPr>
-              <a:t>Field2</a:t>
-            </a:r>
-            <a:r>
-              <a:rPr lang="en-US" sz="2000" b="0" i="0" dirty="0">
+                <a:effectLst/>
+                <a:latin typeface="Calibri" panose="020F0502020204030204" pitchFamily="34" charset="0"/>
+              </a:rPr>
+              <a:t>входной (по ум</a:t>
+            </a:r>
+            <a:r>
+              <a:rPr lang="ru-RU" sz="2000" dirty="0">
                 <a:solidFill>
                   <a:schemeClr val="bg1"/>
                 </a:solidFill>
+                <a:latin typeface="Calibri" panose="020F0502020204030204" pitchFamily="34" charset="0"/>
+              </a:rPr>
+              <a:t>о</a:t>
+            </a:r>
+            <a:r>
+              <a:rPr lang="ru-RU" sz="2000" b="0" i="0" dirty="0">
+                <a:solidFill>
+                  <a:schemeClr val="bg1"/>
+                </a:solidFill>
                 <a:effectLst/>
-                <a:latin typeface="Courier New" panose="02070309020205020404" pitchFamily="49" charset="0"/>
-                <a:cs typeface="Courier New" panose="02070309020205020404" pitchFamily="49" charset="0"/>
-              </a:rPr>
-              <a:t> = value2 ;</a:t>
-            </a:r>
-            <a:endParaRPr lang="ru-RU" sz="2000" b="0" i="0" dirty="0">
+                <a:latin typeface="Calibri" panose="020F0502020204030204" pitchFamily="34" charset="0"/>
+              </a:rPr>
+              <a:t>лчанию)</a:t>
+            </a:r>
+            <a:br>
+              <a:rPr lang="ru-RU" sz="2000" b="0" i="0" dirty="0">
+                <a:solidFill>
+                  <a:schemeClr val="bg1"/>
+                </a:solidFill>
+                <a:effectLst/>
+                <a:latin typeface="Calibri" panose="020F0502020204030204" pitchFamily="34" charset="0"/>
+              </a:rPr>
+            </a:br>
+            <a:r>
+              <a:rPr lang="ru-RU" sz="2000" b="0" i="0" dirty="0">
+                <a:solidFill>
+                  <a:schemeClr val="bg1"/>
+                </a:solidFill>
+                <a:effectLst/>
+                <a:latin typeface="Consolas" panose="020B0609020204030204" pitchFamily="49" charset="0"/>
+              </a:rPr>
+              <a:t>OUTPUT(OUT) - </a:t>
+            </a:r>
+            <a:r>
+              <a:rPr lang="ru-RU" sz="2000" b="0" i="0" dirty="0">
+                <a:solidFill>
+                  <a:schemeClr val="bg1"/>
+                </a:solidFill>
+                <a:effectLst/>
+                <a:latin typeface="Calibri" panose="020F0502020204030204" pitchFamily="34" charset="0"/>
+              </a:rPr>
+              <a:t>выходной</a:t>
+            </a:r>
+            <a:br>
+              <a:rPr lang="ru-RU" sz="2000" b="0" i="0" dirty="0">
+                <a:solidFill>
+                  <a:schemeClr val="bg1"/>
+                </a:solidFill>
+                <a:effectLst/>
+                <a:latin typeface="Calibri" panose="020F0502020204030204" pitchFamily="34" charset="0"/>
+              </a:rPr>
+            </a:br>
+            <a:r>
+              <a:rPr lang="ru-RU" sz="2000" b="0" i="0" dirty="0">
+                <a:solidFill>
+                  <a:schemeClr val="bg1"/>
+                </a:solidFill>
+                <a:effectLst/>
+                <a:latin typeface="Calibri" panose="020F0502020204030204" pitchFamily="34" charset="0"/>
+              </a:rPr>
+              <a:t>Типы данных параметров</a:t>
+            </a:r>
+            <a:br>
+              <a:rPr lang="ru-RU" sz="2000" b="0" i="0" dirty="0">
+                <a:solidFill>
+                  <a:schemeClr val="bg1"/>
+                </a:solidFill>
+                <a:effectLst/>
+                <a:latin typeface="Calibri" panose="020F0502020204030204" pitchFamily="34" charset="0"/>
+              </a:rPr>
+            </a:br>
+            <a:r>
+              <a:rPr lang="ru-RU" sz="2000" b="0" i="0" dirty="0">
+                <a:solidFill>
+                  <a:schemeClr val="bg1"/>
+                </a:solidFill>
+                <a:effectLst/>
+                <a:latin typeface="Consolas" panose="020B0609020204030204" pitchFamily="49" charset="0"/>
+              </a:rPr>
+              <a:t>RETURN </a:t>
+            </a:r>
+            <a:r>
+              <a:rPr lang="ru-RU" sz="2000" b="0" i="0" dirty="0">
+                <a:solidFill>
+                  <a:schemeClr val="bg1"/>
+                </a:solidFill>
+                <a:effectLst/>
+                <a:latin typeface="Helvetica" panose="020B0604020202020204" pitchFamily="34" charset="0"/>
+              </a:rPr>
+              <a:t>- </a:t>
+            </a:r>
+            <a:r>
+              <a:rPr lang="ru-RU" sz="2000" b="0" i="0" dirty="0">
+                <a:solidFill>
+                  <a:schemeClr val="bg1"/>
+                </a:solidFill>
+                <a:effectLst/>
+                <a:latin typeface="Arial" panose="020B0604020202020204" pitchFamily="34" charset="0"/>
+              </a:rPr>
+              <a:t>Возврат данных из хранимой процедуры</a:t>
+            </a:r>
+            <a:r>
+              <a:rPr lang="ru-RU" sz="2000" dirty="0">
+                <a:solidFill>
+                  <a:schemeClr val="bg1"/>
+                </a:solidFill>
+              </a:rPr>
+              <a:t> </a:t>
+            </a:r>
+            <a:br>
+              <a:rPr lang="ru-RU" dirty="0">
+                <a:solidFill>
+                  <a:schemeClr val="bg1"/>
+                </a:solidFill>
+              </a:rPr>
+            </a:br>
+            <a:endParaRPr lang="ru-RU" dirty="0">
               <a:solidFill>
                 <a:schemeClr val="bg1"/>
               </a:solidFill>
-              <a:effectLst/>
-              <a:latin typeface="Courier New" panose="02070309020205020404" pitchFamily="49" charset="0"/>
-              <a:cs typeface="Courier New" panose="02070309020205020404" pitchFamily="49" charset="0"/>
             </a:endParaRPr>
-          </a:p>
-          <a:p>
-            <a:endParaRPr lang="ru-RU" sz="2000" dirty="0">
-              <a:solidFill>
-                <a:schemeClr val="bg1"/>
-              </a:solidFill>
-              <a:latin typeface="Courier New" panose="02070309020205020404" pitchFamily="49" charset="0"/>
-              <a:cs typeface="Courier New" panose="02070309020205020404" pitchFamily="49" charset="0"/>
-            </a:endParaRPr>
-          </a:p>
-          <a:p>
-            <a:r>
-              <a:rPr lang="en-US" sz="2000" dirty="0">
-                <a:solidFill>
-                  <a:schemeClr val="bg1"/>
-                </a:solidFill>
-                <a:latin typeface="Courier New" panose="02070309020205020404" pitchFamily="49" charset="0"/>
-                <a:cs typeface="Courier New" panose="02070309020205020404" pitchFamily="49" charset="0"/>
-              </a:rPr>
-              <a:t>UPDATE </a:t>
-            </a:r>
-            <a:r>
-              <a:rPr lang="en-US" sz="2000" dirty="0" err="1">
-                <a:solidFill>
-                  <a:schemeClr val="bg1"/>
-                </a:solidFill>
-                <a:latin typeface="Courier New" panose="02070309020205020404" pitchFamily="49" charset="0"/>
-                <a:cs typeface="Courier New" panose="02070309020205020404" pitchFamily="49" charset="0"/>
-              </a:rPr>
-              <a:t>TableName</a:t>
-            </a:r>
-            <a:endParaRPr lang="en-US" sz="2000" dirty="0">
-              <a:solidFill>
-                <a:schemeClr val="bg1"/>
-              </a:solidFill>
-              <a:latin typeface="Courier New" panose="02070309020205020404" pitchFamily="49" charset="0"/>
-              <a:cs typeface="Courier New" panose="02070309020205020404" pitchFamily="49" charset="0"/>
-            </a:endParaRPr>
-          </a:p>
-          <a:p>
-            <a:r>
-              <a:rPr lang="en-US" sz="2000" dirty="0">
-                <a:solidFill>
-                  <a:schemeClr val="bg1"/>
-                </a:solidFill>
-                <a:latin typeface="Courier New" panose="02070309020205020404" pitchFamily="49" charset="0"/>
-                <a:cs typeface="Courier New" panose="02070309020205020404" pitchFamily="49" charset="0"/>
-              </a:rPr>
-              <a:t>SET Column = </a:t>
-            </a:r>
-          </a:p>
-          <a:p>
-            <a:r>
-              <a:rPr lang="en-US" sz="2000" dirty="0">
-                <a:solidFill>
-                  <a:schemeClr val="bg1"/>
-                </a:solidFill>
-                <a:latin typeface="Courier New" panose="02070309020205020404" pitchFamily="49" charset="0"/>
-                <a:cs typeface="Courier New" panose="02070309020205020404" pitchFamily="49" charset="0"/>
-              </a:rPr>
-              <a:t>    (SELECT ...)</a:t>
-            </a:r>
-          </a:p>
-          <a:p>
-            <a:r>
-              <a:rPr lang="en-US" sz="2000" dirty="0">
-                <a:solidFill>
-                  <a:schemeClr val="bg1"/>
-                </a:solidFill>
-                <a:latin typeface="Courier New" panose="02070309020205020404" pitchFamily="49" charset="0"/>
-                <a:cs typeface="Courier New" panose="02070309020205020404" pitchFamily="49" charset="0"/>
-              </a:rPr>
-              <a:t>WHERE condition;</a:t>
-            </a:r>
           </a:p>
         </p:txBody>
       </p:sp>
     </p:spTree>
     <p:extLst>
       <p:ext uri="{BB962C8B-B14F-4D97-AF65-F5344CB8AC3E}">
-        <p14:creationId xmlns:p14="http://schemas.microsoft.com/office/powerpoint/2010/main" val="1548152450"/>
+        <p14:creationId xmlns:p14="http://schemas.microsoft.com/office/powerpoint/2010/main" val="1514867884"/>
       </p:ext>
     </p:extLst>
   </p:cSld>
@@ -8210,7 +7937,7 @@
           <p:cNvPr id="2" name="Заголовок 1">
             <a:extLst>
               <a:ext uri="{FF2B5EF4-FFF2-40B4-BE49-F238E27FC236}">
-                <a16:creationId xmlns:a16="http://schemas.microsoft.com/office/drawing/2014/main" id="{5E570BF0-5D45-2938-A4E5-BDFA486E90CB}"/>
+                <a16:creationId xmlns:a16="http://schemas.microsoft.com/office/drawing/2014/main" id="{77363AD7-FFE1-0628-56EB-00B5BE131CE9}"/>
               </a:ext>
             </a:extLst>
           </p:cNvPr>
@@ -8227,21 +7954,135 @@
           <a:lstStyle/>
           <a:p>
             <a:r>
-              <a:rPr lang="ru-RU" dirty="0"/>
-              <a:t>Редактирование данных</a:t>
-            </a:r>
-            <a:r>
-              <a:rPr lang="en-US" dirty="0"/>
-              <a:t> LIVE</a:t>
-            </a:r>
-            <a:endParaRPr lang="ru-RU" dirty="0"/>
+              <a:rPr lang="ru-RU" sz="3200" b="1" i="0" dirty="0">
+                <a:solidFill>
+                  <a:schemeClr val="bg1"/>
+                </a:solidFill>
+                <a:effectLst/>
+                <a:latin typeface="Calibri" panose="020F0502020204030204" pitchFamily="34" charset="0"/>
+              </a:rPr>
+              <a:t>Передача параметров в хранимую процедуру</a:t>
+            </a:r>
+          </a:p>
+        </p:txBody>
+      </p:sp>
+      <p:sp>
+        <p:nvSpPr>
+          <p:cNvPr id="4" name="TextBox 3">
+            <a:extLst>
+              <a:ext uri="{FF2B5EF4-FFF2-40B4-BE49-F238E27FC236}">
+                <a16:creationId xmlns:a16="http://schemas.microsoft.com/office/drawing/2014/main" id="{971D8C71-F3D9-88BF-CD17-E5A168488869}"/>
+              </a:ext>
+            </a:extLst>
+          </p:cNvPr>
+          <p:cNvSpPr txBox="1"/>
+          <p:nvPr/>
+        </p:nvSpPr>
+        <p:spPr>
+          <a:xfrm>
+            <a:off x="409903" y="1338673"/>
+            <a:ext cx="8334703" cy="2154436"/>
+          </a:xfrm>
+          <a:prstGeom prst="rect">
+            <a:avLst/>
+          </a:prstGeom>
+          <a:noFill/>
+        </p:spPr>
+        <p:txBody>
+          <a:bodyPr wrap="square">
+            <a:spAutoFit/>
+          </a:bodyPr>
+          <a:lstStyle/>
+          <a:p>
+            <a:r>
+              <a:rPr lang="ru-RU" sz="2000" b="1" i="0" dirty="0">
+                <a:solidFill>
+                  <a:schemeClr val="bg1"/>
+                </a:solidFill>
+                <a:effectLst/>
+                <a:latin typeface="Calibri" panose="020F0502020204030204" pitchFamily="34" charset="0"/>
+              </a:rPr>
+              <a:t>Виды передачи параметров</a:t>
+            </a:r>
+          </a:p>
+          <a:p>
+            <a:r>
+              <a:rPr lang="ru-RU" sz="2000" b="1" i="0" dirty="0">
+                <a:solidFill>
+                  <a:schemeClr val="bg1"/>
+                </a:solidFill>
+                <a:effectLst/>
+                <a:latin typeface="Calibri" panose="020F0502020204030204" pitchFamily="34" charset="0"/>
+              </a:rPr>
+              <a:t>1) Позиционная передача (по умолчанию) - все</a:t>
+            </a:r>
+          </a:p>
+          <a:p>
+            <a:r>
+              <a:rPr lang="ru-RU" sz="2000" b="1" i="0" dirty="0">
+                <a:solidFill>
+                  <a:schemeClr val="bg1"/>
+                </a:solidFill>
+                <a:effectLst/>
+                <a:latin typeface="Calibri" panose="020F0502020204030204" pitchFamily="34" charset="0"/>
+              </a:rPr>
+              <a:t>параметры должны быть указаны строго в заданном</a:t>
+            </a:r>
+          </a:p>
+          <a:p>
+            <a:r>
+              <a:rPr lang="ru-RU" sz="2000" b="1" i="0" dirty="0">
+                <a:solidFill>
+                  <a:schemeClr val="bg1"/>
+                </a:solidFill>
+                <a:effectLst/>
+                <a:latin typeface="Calibri" panose="020F0502020204030204" pitchFamily="34" charset="0"/>
+              </a:rPr>
+              <a:t>порядке.</a:t>
+            </a:r>
+          </a:p>
+          <a:p>
+            <a:r>
+              <a:rPr lang="ru-RU" sz="2000" b="1" i="0" dirty="0">
+                <a:solidFill>
+                  <a:schemeClr val="bg1"/>
+                </a:solidFill>
+                <a:effectLst/>
+                <a:latin typeface="Calibri" panose="020F0502020204030204" pitchFamily="34" charset="0"/>
+              </a:rPr>
+              <a:t>2) Именная передача – перед параметром указывается</a:t>
+            </a:r>
+          </a:p>
+          <a:p>
+            <a:r>
+              <a:rPr lang="ru-RU" sz="2000" b="1" i="0" dirty="0">
+                <a:solidFill>
+                  <a:schemeClr val="bg1"/>
+                </a:solidFill>
+                <a:effectLst/>
+                <a:latin typeface="Calibri" panose="020F0502020204030204" pitchFamily="34" charset="0"/>
+              </a:rPr>
+              <a:t>имя параметра</a:t>
+            </a:r>
+            <a:br>
+              <a:rPr lang="ru-RU" dirty="0">
+                <a:solidFill>
+                  <a:schemeClr val="bg1"/>
+                </a:solidFill>
+              </a:rPr>
+            </a:br>
+            <a:endParaRPr lang="ru-RU" dirty="0">
+              <a:solidFill>
+                <a:schemeClr val="bg1"/>
+              </a:solidFill>
+            </a:endParaRPr>
           </a:p>
         </p:txBody>
       </p:sp>
     </p:spTree>
     <p:extLst>
       <p:ext uri="{BB962C8B-B14F-4D97-AF65-F5344CB8AC3E}">
-        <p14:creationId xmlns:p14="http://schemas.microsoft.com/office/powerpoint/2010/main" val="250829060"/>
+        <p14:creationId xmlns:p14="http://schemas.microsoft.com/office/powerpoint/2010/main" val="2448086013"/>
       </p:ext>
     </p:extLst>
   </p:cSld>
@@ -8538,7 +8379,7 @@
           <p:cNvPr id="2" name="Заголовок 1">
             <a:extLst>
               <a:ext uri="{FF2B5EF4-FFF2-40B4-BE49-F238E27FC236}">
-                <a16:creationId xmlns:a16="http://schemas.microsoft.com/office/drawing/2014/main" id="{4DD2389B-987E-000D-AE71-49901C3905A1}"/>
+                <a16:creationId xmlns:a16="http://schemas.microsoft.com/office/drawing/2014/main" id="{77363AD7-FFE1-0628-56EB-00B5BE131CE9}"/>
               </a:ext>
             </a:extLst>
           </p:cNvPr>
@@ -8555,19 +8396,24 @@
           <a:lstStyle/>
           <a:p>
             <a:r>
-              <a:rPr lang="en-US" dirty="0"/>
-              <a:t>MERGE</a:t>
-            </a:r>
-            <a:endParaRPr lang="ru-RU" dirty="0"/>
+              <a:rPr lang="ru-RU" sz="3200" b="1" i="0" dirty="0">
+                <a:solidFill>
+                  <a:schemeClr val="bg1"/>
+                </a:solidFill>
+                <a:effectLst/>
+                <a:latin typeface="Calibri" panose="020F0502020204030204" pitchFamily="34" charset="0"/>
+              </a:rPr>
+              <a:t>Обработка ошибок в хранимой процедуре</a:t>
+            </a:r>
           </a:p>
         </p:txBody>
       </p:sp>
       <p:sp>
         <p:nvSpPr>
-          <p:cNvPr id="3" name="TextBox 2">
+          <p:cNvPr id="4" name="TextBox 3">
             <a:extLst>
               <a:ext uri="{FF2B5EF4-FFF2-40B4-BE49-F238E27FC236}">
-                <a16:creationId xmlns:a16="http://schemas.microsoft.com/office/drawing/2014/main" id="{BBB51781-1FEB-AB36-BE24-93D01F518059}"/>
+                <a16:creationId xmlns:a16="http://schemas.microsoft.com/office/drawing/2014/main" id="{971D8C71-F3D9-88BF-CD17-E5A168488869}"/>
               </a:ext>
             </a:extLst>
           </p:cNvPr>
@@ -8576,8 +8422,8 @@
         </p:nvSpPr>
         <p:spPr>
           <a:xfrm>
-            <a:off x="395447" y="1426624"/>
-            <a:ext cx="7991808" cy="2554545"/>
+            <a:off x="409903" y="1338673"/>
+            <a:ext cx="8334703" cy="2154436"/>
           </a:xfrm>
           <a:prstGeom prst="rect">
             <a:avLst/>
@@ -8591,212 +8437,114 @@
           <a:lstStyle/>
           <a:p>
             <a:r>
-              <a:rPr lang="en-US" sz="2000" b="0" i="0" dirty="0">
+              <a:rPr lang="ru-RU" sz="2000" b="1" i="0" dirty="0">
                 <a:solidFill>
                   <a:schemeClr val="bg1"/>
                 </a:solidFill>
                 <a:effectLst/>
-                <a:latin typeface="Courier New" panose="02070309020205020404" pitchFamily="49" charset="0"/>
-                <a:cs typeface="Courier New" panose="02070309020205020404" pitchFamily="49" charset="0"/>
-              </a:rPr>
-              <a:t>MERGE </a:t>
-            </a:r>
-            <a:r>
-              <a:rPr lang="en-US" sz="2000" b="0" i="0" dirty="0" err="1">
+                <a:latin typeface="Calibri" panose="020F0502020204030204" pitchFamily="34" charset="0"/>
+              </a:rPr>
+              <a:t>• @@ERROR. Код ошибки. Возвращает 0, если в предыдущей</a:t>
+            </a:r>
+          </a:p>
+          <a:p>
+            <a:r>
+              <a:rPr lang="ru-RU" sz="2000" b="1" i="0" dirty="0">
                 <a:solidFill>
                   <a:schemeClr val="bg1"/>
                 </a:solidFill>
                 <a:effectLst/>
-                <a:latin typeface="Courier New" panose="02070309020205020404" pitchFamily="49" charset="0"/>
-                <a:cs typeface="Courier New" panose="02070309020205020404" pitchFamily="49" charset="0"/>
-              </a:rPr>
-              <a:t>target_table</a:t>
-            </a:r>
-            <a:r>
-              <a:rPr lang="en-US" sz="2000" b="0" i="0" dirty="0">
+                <a:latin typeface="Calibri" panose="020F0502020204030204" pitchFamily="34" charset="0"/>
+              </a:rPr>
+              <a:t>инструкции </a:t>
+            </a:r>
+            <a:r>
+              <a:rPr lang="ru-RU" sz="2000" b="1" i="0" dirty="0" err="1">
                 <a:solidFill>
                   <a:schemeClr val="bg1"/>
                 </a:solidFill>
                 <a:effectLst/>
-                <a:latin typeface="Courier New" panose="02070309020205020404" pitchFamily="49" charset="0"/>
-                <a:cs typeface="Courier New" panose="02070309020205020404" pitchFamily="49" charset="0"/>
-              </a:rPr>
-              <a:t> USING </a:t>
-            </a:r>
-            <a:r>
-              <a:rPr lang="en-US" sz="2000" b="0" i="0" dirty="0" err="1">
+                <a:latin typeface="Calibri" panose="020F0502020204030204" pitchFamily="34" charset="0"/>
+              </a:rPr>
+              <a:t>Transact</a:t>
+            </a:r>
+            <a:r>
+              <a:rPr lang="ru-RU" sz="2000" b="1" i="0" dirty="0">
                 <a:solidFill>
                   <a:schemeClr val="bg1"/>
                 </a:solidFill>
                 <a:effectLst/>
-                <a:latin typeface="Courier New" panose="02070309020205020404" pitchFamily="49" charset="0"/>
-                <a:cs typeface="Courier New" panose="02070309020205020404" pitchFamily="49" charset="0"/>
-              </a:rPr>
-              <a:t>source_table</a:t>
-            </a:r>
-            <a:endParaRPr lang="en-US" sz="2000" b="0" i="0" dirty="0">
+                <a:latin typeface="Calibri" panose="020F0502020204030204" pitchFamily="34" charset="0"/>
+              </a:rPr>
+              <a:t>-SQL не возникло ошибок.</a:t>
+            </a:r>
+          </a:p>
+          <a:p>
+            <a:r>
+              <a:rPr lang="ru-RU" sz="2000" b="1" i="0" dirty="0">
+                <a:solidFill>
+                  <a:schemeClr val="bg1"/>
+                </a:solidFill>
+                <a:effectLst/>
+                <a:latin typeface="Calibri" panose="020F0502020204030204" pitchFamily="34" charset="0"/>
+              </a:rPr>
+              <a:t>• @@TRANCOUNT. Возвращает число инструкций BEGIN</a:t>
+            </a:r>
+          </a:p>
+          <a:p>
+            <a:r>
+              <a:rPr lang="ru-RU" sz="2000" b="1" i="0" dirty="0">
+                <a:solidFill>
+                  <a:schemeClr val="bg1"/>
+                </a:solidFill>
+                <a:effectLst/>
+                <a:latin typeface="Calibri" panose="020F0502020204030204" pitchFamily="34" charset="0"/>
+              </a:rPr>
+              <a:t>TRANSACTION, выполненных в текущем соединении</a:t>
+            </a:r>
+          </a:p>
+          <a:p>
+            <a:r>
+              <a:rPr lang="ru-RU" sz="2000" b="1" i="0" dirty="0">
+                <a:solidFill>
+                  <a:schemeClr val="bg1"/>
+                </a:solidFill>
+                <a:effectLst/>
+                <a:latin typeface="Calibri" panose="020F0502020204030204" pitchFamily="34" charset="0"/>
+              </a:rPr>
+              <a:t>• @@ROWCOUNT Возвращает число строк, затронутых при</a:t>
+            </a:r>
+          </a:p>
+          <a:p>
+            <a:r>
+              <a:rPr lang="ru-RU" sz="2000" b="1" i="0" dirty="0">
+                <a:solidFill>
+                  <a:schemeClr val="bg1"/>
+                </a:solidFill>
+                <a:effectLst/>
+                <a:latin typeface="Calibri" panose="020F0502020204030204" pitchFamily="34" charset="0"/>
+              </a:rPr>
+              <a:t>выполнении последней инструкции.</a:t>
+            </a:r>
+            <a:br>
+              <a:rPr lang="ru-RU" dirty="0">
+                <a:solidFill>
+                  <a:schemeClr val="bg1"/>
+                </a:solidFill>
+              </a:rPr>
+            </a:br>
+            <a:endParaRPr lang="ru-RU" dirty="0">
               <a:solidFill>
                 <a:schemeClr val="bg1"/>
               </a:solidFill>
-              <a:effectLst/>
-              <a:latin typeface="Courier New" panose="02070309020205020404" pitchFamily="49" charset="0"/>
-              <a:cs typeface="Courier New" panose="02070309020205020404" pitchFamily="49" charset="0"/>
             </a:endParaRPr>
-          </a:p>
-          <a:p>
-            <a:r>
-              <a:rPr lang="en-US" sz="2000" b="0" i="0" dirty="0">
-                <a:solidFill>
-                  <a:schemeClr val="bg1"/>
-                </a:solidFill>
-                <a:effectLst/>
-                <a:latin typeface="Courier New" panose="02070309020205020404" pitchFamily="49" charset="0"/>
-                <a:cs typeface="Courier New" panose="02070309020205020404" pitchFamily="49" charset="0"/>
-              </a:rPr>
-              <a:t>ON </a:t>
-            </a:r>
-            <a:r>
-              <a:rPr lang="en-US" sz="2000" b="0" i="0" dirty="0" err="1">
-                <a:solidFill>
-                  <a:schemeClr val="bg1"/>
-                </a:solidFill>
-                <a:effectLst/>
-                <a:latin typeface="Courier New" panose="02070309020205020404" pitchFamily="49" charset="0"/>
-                <a:cs typeface="Courier New" panose="02070309020205020404" pitchFamily="49" charset="0"/>
-              </a:rPr>
-              <a:t>merge_condition</a:t>
-            </a:r>
-            <a:endParaRPr lang="en-US" sz="2000" b="0" i="0" dirty="0">
-              <a:solidFill>
-                <a:schemeClr val="bg1"/>
-              </a:solidFill>
-              <a:effectLst/>
-              <a:latin typeface="Courier New" panose="02070309020205020404" pitchFamily="49" charset="0"/>
-              <a:cs typeface="Courier New" panose="02070309020205020404" pitchFamily="49" charset="0"/>
-            </a:endParaRPr>
-          </a:p>
-          <a:p>
-            <a:r>
-              <a:rPr lang="en-US" sz="2000" b="0" i="0" dirty="0">
-                <a:solidFill>
-                  <a:schemeClr val="bg1"/>
-                </a:solidFill>
-                <a:effectLst/>
-                <a:latin typeface="Courier New" panose="02070309020205020404" pitchFamily="49" charset="0"/>
-                <a:cs typeface="Courier New" panose="02070309020205020404" pitchFamily="49" charset="0"/>
-              </a:rPr>
-              <a:t>WHEN MATCHED</a:t>
-            </a:r>
-          </a:p>
-          <a:p>
-            <a:r>
-              <a:rPr lang="en-US" sz="2000" b="0" i="0" dirty="0">
-                <a:solidFill>
-                  <a:schemeClr val="bg1"/>
-                </a:solidFill>
-                <a:effectLst/>
-                <a:latin typeface="Courier New" panose="02070309020205020404" pitchFamily="49" charset="0"/>
-                <a:cs typeface="Courier New" panose="02070309020205020404" pitchFamily="49" charset="0"/>
-              </a:rPr>
-              <a:t>    THEN </a:t>
-            </a:r>
-            <a:r>
-              <a:rPr lang="en-US" sz="2000" b="0" i="0" dirty="0" err="1">
-                <a:solidFill>
-                  <a:schemeClr val="bg1"/>
-                </a:solidFill>
-                <a:effectLst/>
-                <a:latin typeface="Courier New" panose="02070309020205020404" pitchFamily="49" charset="0"/>
-                <a:cs typeface="Courier New" panose="02070309020205020404" pitchFamily="49" charset="0"/>
-              </a:rPr>
-              <a:t>update_statement</a:t>
-            </a:r>
-            <a:endParaRPr lang="en-US" sz="2000" b="0" i="0" dirty="0">
-              <a:solidFill>
-                <a:schemeClr val="bg1"/>
-              </a:solidFill>
-              <a:effectLst/>
-              <a:latin typeface="Courier New" panose="02070309020205020404" pitchFamily="49" charset="0"/>
-              <a:cs typeface="Courier New" panose="02070309020205020404" pitchFamily="49" charset="0"/>
-            </a:endParaRPr>
-          </a:p>
-          <a:p>
-            <a:r>
-              <a:rPr lang="en-US" sz="2000" b="0" i="0" dirty="0">
-                <a:solidFill>
-                  <a:schemeClr val="bg1"/>
-                </a:solidFill>
-                <a:effectLst/>
-                <a:latin typeface="Courier New" panose="02070309020205020404" pitchFamily="49" charset="0"/>
-                <a:cs typeface="Courier New" panose="02070309020205020404" pitchFamily="49" charset="0"/>
-              </a:rPr>
-              <a:t>WHEN NOT MATCHED</a:t>
-            </a:r>
-          </a:p>
-          <a:p>
-            <a:r>
-              <a:rPr lang="en-US" sz="2000" b="0" i="0" dirty="0">
-                <a:solidFill>
-                  <a:schemeClr val="bg1"/>
-                </a:solidFill>
-                <a:effectLst/>
-                <a:latin typeface="Courier New" panose="02070309020205020404" pitchFamily="49" charset="0"/>
-                <a:cs typeface="Courier New" panose="02070309020205020404" pitchFamily="49" charset="0"/>
-              </a:rPr>
-              <a:t>    THEN </a:t>
-            </a:r>
-            <a:r>
-              <a:rPr lang="en-US" sz="2000" b="0" i="0" dirty="0" err="1">
-                <a:solidFill>
-                  <a:schemeClr val="bg1"/>
-                </a:solidFill>
-                <a:effectLst/>
-                <a:latin typeface="Courier New" panose="02070309020205020404" pitchFamily="49" charset="0"/>
-                <a:cs typeface="Courier New" panose="02070309020205020404" pitchFamily="49" charset="0"/>
-              </a:rPr>
-              <a:t>insert_statement</a:t>
-            </a:r>
-            <a:endParaRPr lang="en-US" sz="2000" b="0" i="0" dirty="0">
-              <a:solidFill>
-                <a:schemeClr val="bg1"/>
-              </a:solidFill>
-              <a:effectLst/>
-              <a:latin typeface="Courier New" panose="02070309020205020404" pitchFamily="49" charset="0"/>
-              <a:cs typeface="Courier New" panose="02070309020205020404" pitchFamily="49" charset="0"/>
-            </a:endParaRPr>
-          </a:p>
-          <a:p>
-            <a:r>
-              <a:rPr lang="en-US" sz="2000" b="0" i="0" dirty="0">
-                <a:solidFill>
-                  <a:schemeClr val="bg1"/>
-                </a:solidFill>
-                <a:effectLst/>
-                <a:latin typeface="Courier New" panose="02070309020205020404" pitchFamily="49" charset="0"/>
-                <a:cs typeface="Courier New" panose="02070309020205020404" pitchFamily="49" charset="0"/>
-              </a:rPr>
-              <a:t>WHEN NOT MATCHED BY SOURCE</a:t>
-            </a:r>
-          </a:p>
-          <a:p>
-            <a:r>
-              <a:rPr lang="en-US" sz="2000" b="0" i="0" dirty="0">
-                <a:solidFill>
-                  <a:schemeClr val="bg1"/>
-                </a:solidFill>
-                <a:effectLst/>
-                <a:latin typeface="Courier New" panose="02070309020205020404" pitchFamily="49" charset="0"/>
-                <a:cs typeface="Courier New" panose="02070309020205020404" pitchFamily="49" charset="0"/>
-              </a:rPr>
-              <a:t>    THEN DELETE;</a:t>
-            </a:r>
           </a:p>
         </p:txBody>
       </p:sp>
     </p:spTree>
     <p:extLst>
       <p:ext uri="{BB962C8B-B14F-4D97-AF65-F5344CB8AC3E}">
-        <p14:creationId xmlns:p14="http://schemas.microsoft.com/office/powerpoint/2010/main" val="2104548268"/>
+        <p14:creationId xmlns:p14="http://schemas.microsoft.com/office/powerpoint/2010/main" val="1374901752"/>
       </p:ext>
     </p:extLst>
   </p:cSld>
@@ -8828,7 +8576,7 @@
           <p:cNvPr id="2" name="Заголовок 1">
             <a:extLst>
               <a:ext uri="{FF2B5EF4-FFF2-40B4-BE49-F238E27FC236}">
-                <a16:creationId xmlns:a16="http://schemas.microsoft.com/office/drawing/2014/main" id="{4DD2389B-987E-000D-AE71-49901C3905A1}"/>
+                <a16:creationId xmlns:a16="http://schemas.microsoft.com/office/drawing/2014/main" id="{3BAD9838-9AE2-1B74-0D7D-7076B4D96A60}"/>
               </a:ext>
             </a:extLst>
           </p:cNvPr>
@@ -8845,47 +8593,16 @@
           <a:lstStyle/>
           <a:p>
             <a:r>
-              <a:rPr lang="en-US" dirty="0"/>
-              <a:t>MERGE</a:t>
-            </a:r>
-            <a:endParaRPr lang="ru-RU" dirty="0"/>
+              <a:rPr lang="ru-RU" dirty="0"/>
+              <a:t>Триггеры</a:t>
+            </a:r>
           </a:p>
         </p:txBody>
       </p:sp>
-      <p:pic>
-        <p:nvPicPr>
-          <p:cNvPr id="5" name="Рисунок 4" descr="Изображение выглядит как текст, снимок экрана, диаграмма, Шрифт&#10;&#10;Автоматически созданное описание">
-            <a:extLst>
-              <a:ext uri="{FF2B5EF4-FFF2-40B4-BE49-F238E27FC236}">
-                <a16:creationId xmlns:a16="http://schemas.microsoft.com/office/drawing/2014/main" id="{C62AD087-F15C-2B50-71B1-3D9A84AEF55A}"/>
-              </a:ext>
-            </a:extLst>
-          </p:cNvPr>
-          <p:cNvPicPr>
-            <a:picLocks noChangeAspect="1"/>
-          </p:cNvPicPr>
-          <p:nvPr/>
-        </p:nvPicPr>
-        <p:blipFill>
-          <a:blip r:embed="rId2"/>
-          <a:stretch>
-            <a:fillRect/>
-          </a:stretch>
-        </p:blipFill>
-        <p:spPr>
-          <a:xfrm>
-            <a:off x="1433512" y="1049556"/>
-            <a:ext cx="6276975" cy="3590925"/>
-          </a:xfrm>
-          <a:prstGeom prst="rect">
-            <a:avLst/>
-          </a:prstGeom>
-        </p:spPr>
-      </p:pic>
     </p:spTree>
     <p:extLst>
       <p:ext uri="{BB962C8B-B14F-4D97-AF65-F5344CB8AC3E}">
-        <p14:creationId xmlns:p14="http://schemas.microsoft.com/office/powerpoint/2010/main" val="163744641"/>
+        <p14:creationId xmlns:p14="http://schemas.microsoft.com/office/powerpoint/2010/main" val="315395660"/>
       </p:ext>
     </p:extLst>
   </p:cSld>
@@ -8896,872 +8613,6 @@
 </file>
 
 <file path=ppt/slides/slide22.xml><?xml version="1.0" encoding="utf-8"?>
-<p:sld xmlns:a="http://schemas.openxmlformats.org/drawingml/2006/main" xmlns:r="http://schemas.openxmlformats.org/officeDocument/2006/relationships" xmlns:p="http://schemas.openxmlformats.org/presentationml/2006/main">
-  <p:cSld>
-    <p:spTree>
-      <p:nvGrpSpPr>
-        <p:cNvPr id="1" name=""/>
-        <p:cNvGrpSpPr/>
-        <p:nvPr/>
-      </p:nvGrpSpPr>
-      <p:grpSpPr>
-        <a:xfrm>
-          <a:off x="0" y="0"/>
-          <a:ext cx="0" cy="0"/>
-          <a:chOff x="0" y="0"/>
-          <a:chExt cx="0" cy="0"/>
-        </a:xfrm>
-      </p:grpSpPr>
-      <p:sp>
-        <p:nvSpPr>
-          <p:cNvPr id="2" name="Заголовок 1">
-            <a:extLst>
-              <a:ext uri="{FF2B5EF4-FFF2-40B4-BE49-F238E27FC236}">
-                <a16:creationId xmlns:a16="http://schemas.microsoft.com/office/drawing/2014/main" id="{D392B5AC-2643-0644-847B-2184A5C057C3}"/>
-              </a:ext>
-            </a:extLst>
-          </p:cNvPr>
-          <p:cNvSpPr>
-            <a:spLocks noGrp="1"/>
-          </p:cNvSpPr>
-          <p:nvPr>
-            <p:ph type="title"/>
-          </p:nvPr>
-        </p:nvSpPr>
-        <p:spPr/>
-        <p:txBody>
-          <a:bodyPr/>
-          <a:lstStyle/>
-          <a:p>
-            <a:r>
-              <a:rPr lang="en-US" dirty="0"/>
-              <a:t>Merge LIVE</a:t>
-            </a:r>
-            <a:endParaRPr lang="ru-RU" dirty="0"/>
-          </a:p>
-        </p:txBody>
-      </p:sp>
-    </p:spTree>
-    <p:extLst>
-      <p:ext uri="{BB962C8B-B14F-4D97-AF65-F5344CB8AC3E}">
-        <p14:creationId xmlns:p14="http://schemas.microsoft.com/office/powerpoint/2010/main" val="3866727418"/>
-      </p:ext>
-    </p:extLst>
-  </p:cSld>
-  <p:clrMapOvr>
-    <a:masterClrMapping/>
-  </p:clrMapOvr>
-</p:sld>
-</file>
-
-<file path=ppt/slides/slide23.xml><?xml version="1.0" encoding="utf-8"?>
-<p:sld xmlns:a="http://schemas.openxmlformats.org/drawingml/2006/main" xmlns:r="http://schemas.openxmlformats.org/officeDocument/2006/relationships" xmlns:p="http://schemas.openxmlformats.org/presentationml/2006/main">
-  <p:cSld>
-    <p:spTree>
-      <p:nvGrpSpPr>
-        <p:cNvPr id="1" name=""/>
-        <p:cNvGrpSpPr/>
-        <p:nvPr/>
-      </p:nvGrpSpPr>
-      <p:grpSpPr>
-        <a:xfrm>
-          <a:off x="0" y="0"/>
-          <a:ext cx="0" cy="0"/>
-          <a:chOff x="0" y="0"/>
-          <a:chExt cx="0" cy="0"/>
-        </a:xfrm>
-      </p:grpSpPr>
-      <p:sp>
-        <p:nvSpPr>
-          <p:cNvPr id="2" name="Заголовок 1">
-            <a:extLst>
-              <a:ext uri="{FF2B5EF4-FFF2-40B4-BE49-F238E27FC236}">
-                <a16:creationId xmlns:a16="http://schemas.microsoft.com/office/drawing/2014/main" id="{95BC488D-502A-3701-DBD3-5C5C0AA59459}"/>
-              </a:ext>
-            </a:extLst>
-          </p:cNvPr>
-          <p:cNvSpPr>
-            <a:spLocks noGrp="1"/>
-          </p:cNvSpPr>
-          <p:nvPr>
-            <p:ph type="title"/>
-          </p:nvPr>
-        </p:nvSpPr>
-        <p:spPr/>
-        <p:txBody>
-          <a:bodyPr/>
-          <a:lstStyle/>
-          <a:p>
-            <a:r>
-              <a:rPr lang="en-US" b="0" i="0" dirty="0">
-                <a:solidFill>
-                  <a:srgbClr val="E6E6E6"/>
-                </a:solidFill>
-                <a:effectLst/>
-                <a:latin typeface="Segoe UI" panose="020B0502040204020203" pitchFamily="34" charset="0"/>
-              </a:rPr>
-              <a:t> </a:t>
-            </a:r>
-            <a:r>
-              <a:rPr lang="en-US" b="1" i="0" dirty="0">
-                <a:solidFill>
-                  <a:srgbClr val="E6E6E6"/>
-                </a:solidFill>
-                <a:effectLst/>
-                <a:latin typeface="Segoe UI" panose="020B0502040204020203" pitchFamily="34" charset="0"/>
-              </a:rPr>
-              <a:t>b</a:t>
-            </a:r>
-            <a:r>
-              <a:rPr lang="en-US" b="0" i="0" dirty="0">
-                <a:solidFill>
-                  <a:srgbClr val="E6E6E6"/>
-                </a:solidFill>
-                <a:effectLst/>
-                <a:latin typeface="Segoe UI" panose="020B0502040204020203" pitchFamily="34" charset="0"/>
-              </a:rPr>
-              <a:t>ulk </a:t>
-            </a:r>
-            <a:r>
-              <a:rPr lang="en-US" b="1" i="0" dirty="0">
-                <a:solidFill>
-                  <a:srgbClr val="E6E6E6"/>
-                </a:solidFill>
-                <a:effectLst/>
-                <a:latin typeface="Segoe UI" panose="020B0502040204020203" pitchFamily="34" charset="0"/>
-              </a:rPr>
-              <a:t>c</a:t>
-            </a:r>
-            <a:r>
-              <a:rPr lang="en-US" b="0" i="0" dirty="0">
-                <a:solidFill>
-                  <a:srgbClr val="E6E6E6"/>
-                </a:solidFill>
-                <a:effectLst/>
-                <a:latin typeface="Segoe UI" panose="020B0502040204020203" pitchFamily="34" charset="0"/>
-              </a:rPr>
-              <a:t>opy </a:t>
-            </a:r>
-            <a:r>
-              <a:rPr lang="en-US" b="1" i="0" dirty="0">
-                <a:solidFill>
-                  <a:srgbClr val="E6E6E6"/>
-                </a:solidFill>
-                <a:effectLst/>
-                <a:latin typeface="Segoe UI" panose="020B0502040204020203" pitchFamily="34" charset="0"/>
-              </a:rPr>
-              <a:t>p</a:t>
-            </a:r>
-            <a:r>
-              <a:rPr lang="en-US" b="0" i="0" dirty="0">
-                <a:solidFill>
-                  <a:srgbClr val="E6E6E6"/>
-                </a:solidFill>
-                <a:effectLst/>
-                <a:latin typeface="Segoe UI" panose="020B0502040204020203" pitchFamily="34" charset="0"/>
-              </a:rPr>
-              <a:t>rogram (</a:t>
-            </a:r>
-            <a:r>
-              <a:rPr lang="en-US" b="1" i="0" dirty="0" err="1">
-                <a:solidFill>
-                  <a:srgbClr val="E6E6E6"/>
-                </a:solidFill>
-                <a:effectLst/>
-                <a:latin typeface="Segoe UI" panose="020B0502040204020203" pitchFamily="34" charset="0"/>
-              </a:rPr>
-              <a:t>bcp</a:t>
-            </a:r>
-            <a:r>
-              <a:rPr lang="en-US" b="1" i="0" dirty="0">
-                <a:solidFill>
-                  <a:srgbClr val="E6E6E6"/>
-                </a:solidFill>
-                <a:effectLst/>
-                <a:latin typeface="Segoe UI" panose="020B0502040204020203" pitchFamily="34" charset="0"/>
-              </a:rPr>
-              <a:t> utility)</a:t>
-            </a:r>
-            <a:endParaRPr lang="ru-RU" dirty="0"/>
-          </a:p>
-        </p:txBody>
-      </p:sp>
-      <p:sp>
-        <p:nvSpPr>
-          <p:cNvPr id="4" name="TextBox 3">
-            <a:extLst>
-              <a:ext uri="{FF2B5EF4-FFF2-40B4-BE49-F238E27FC236}">
-                <a16:creationId xmlns:a16="http://schemas.microsoft.com/office/drawing/2014/main" id="{0A6D1930-BE39-0BE4-7111-32F00A527DCA}"/>
-              </a:ext>
-            </a:extLst>
-          </p:cNvPr>
-          <p:cNvSpPr txBox="1"/>
-          <p:nvPr/>
-        </p:nvSpPr>
-        <p:spPr>
-          <a:xfrm>
-            <a:off x="500550" y="1567208"/>
-            <a:ext cx="8391202" cy="1508105"/>
-          </a:xfrm>
-          <a:prstGeom prst="rect">
-            <a:avLst/>
-          </a:prstGeom>
-          <a:noFill/>
-        </p:spPr>
-        <p:txBody>
-          <a:bodyPr wrap="square">
-            <a:spAutoFit/>
-          </a:bodyPr>
-          <a:lstStyle/>
-          <a:p>
-            <a:r>
-              <a:rPr lang="ru-RU" sz="1800" dirty="0">
-                <a:solidFill>
-                  <a:schemeClr val="bg1"/>
-                </a:solidFill>
-              </a:rPr>
-              <a:t>Утилита программы массового копирования (</a:t>
-            </a:r>
-            <a:r>
-              <a:rPr lang="ru-RU" sz="1800" dirty="0" err="1">
-                <a:solidFill>
-                  <a:schemeClr val="bg1"/>
-                </a:solidFill>
-              </a:rPr>
-              <a:t>bcp</a:t>
-            </a:r>
-            <a:r>
-              <a:rPr lang="ru-RU" sz="1800" dirty="0">
-                <a:solidFill>
-                  <a:schemeClr val="bg1"/>
-                </a:solidFill>
-              </a:rPr>
-              <a:t>) выполняет массовое копирование данных между экземпляром Microsoft SQL Server и файлом данных в указанном пользователем формате.</a:t>
-            </a:r>
-            <a:endParaRPr lang="en-US" sz="1800" dirty="0">
-              <a:solidFill>
-                <a:schemeClr val="bg1"/>
-              </a:solidFill>
-            </a:endParaRPr>
-          </a:p>
-          <a:p>
-            <a:r>
-              <a:rPr lang="en-US" sz="1800" dirty="0">
-                <a:solidFill>
-                  <a:schemeClr val="bg1"/>
-                </a:solidFill>
-                <a:hlinkClick r:id="rId2"/>
-              </a:rPr>
-              <a:t>https://learn.microsoft.com/en-us/sql/tools/bcp-utility?view=sql-server-ver15</a:t>
-            </a:r>
-            <a:endParaRPr lang="en-US" sz="1800" dirty="0">
-              <a:solidFill>
-                <a:schemeClr val="bg1"/>
-              </a:solidFill>
-            </a:endParaRPr>
-          </a:p>
-          <a:p>
-            <a:endParaRPr lang="ru-RU" sz="2000" dirty="0">
-              <a:solidFill>
-                <a:schemeClr val="bg1"/>
-              </a:solidFill>
-            </a:endParaRPr>
-          </a:p>
-        </p:txBody>
-      </p:sp>
-    </p:spTree>
-    <p:extLst>
-      <p:ext uri="{BB962C8B-B14F-4D97-AF65-F5344CB8AC3E}">
-        <p14:creationId xmlns:p14="http://schemas.microsoft.com/office/powerpoint/2010/main" val="2497893849"/>
-      </p:ext>
-    </p:extLst>
-  </p:cSld>
-  <p:clrMapOvr>
-    <a:masterClrMapping/>
-  </p:clrMapOvr>
-</p:sld>
-</file>
-
-<file path=ppt/slides/slide24.xml><?xml version="1.0" encoding="utf-8"?>
-<p:sld xmlns:a="http://schemas.openxmlformats.org/drawingml/2006/main" xmlns:r="http://schemas.openxmlformats.org/officeDocument/2006/relationships" xmlns:p="http://schemas.openxmlformats.org/presentationml/2006/main">
-  <p:cSld>
-    <p:spTree>
-      <p:nvGrpSpPr>
-        <p:cNvPr id="1" name=""/>
-        <p:cNvGrpSpPr/>
-        <p:nvPr/>
-      </p:nvGrpSpPr>
-      <p:grpSpPr>
-        <a:xfrm>
-          <a:off x="0" y="0"/>
-          <a:ext cx="0" cy="0"/>
-          <a:chOff x="0" y="0"/>
-          <a:chExt cx="0" cy="0"/>
-        </a:xfrm>
-      </p:grpSpPr>
-      <p:sp>
-        <p:nvSpPr>
-          <p:cNvPr id="2" name="Заголовок 1">
-            <a:extLst>
-              <a:ext uri="{FF2B5EF4-FFF2-40B4-BE49-F238E27FC236}">
-                <a16:creationId xmlns:a16="http://schemas.microsoft.com/office/drawing/2014/main" id="{95BC488D-502A-3701-DBD3-5C5C0AA59459}"/>
-              </a:ext>
-            </a:extLst>
-          </p:cNvPr>
-          <p:cNvSpPr>
-            <a:spLocks noGrp="1"/>
-          </p:cNvSpPr>
-          <p:nvPr>
-            <p:ph type="title"/>
-          </p:nvPr>
-        </p:nvSpPr>
-        <p:spPr/>
-        <p:txBody>
-          <a:bodyPr/>
-          <a:lstStyle/>
-          <a:p>
-            <a:r>
-              <a:rPr lang="en-US" b="0" i="0" dirty="0">
-                <a:solidFill>
-                  <a:srgbClr val="E6E6E6"/>
-                </a:solidFill>
-                <a:effectLst/>
-                <a:latin typeface="Segoe UI" panose="020B0502040204020203" pitchFamily="34" charset="0"/>
-              </a:rPr>
-              <a:t> </a:t>
-            </a:r>
-            <a:r>
-              <a:rPr lang="ru-RU" b="1" i="0" dirty="0" err="1">
-                <a:solidFill>
-                  <a:srgbClr val="E6E6E6"/>
-                </a:solidFill>
-                <a:effectLst/>
-                <a:latin typeface="Segoe UI" panose="020B0502040204020203" pitchFamily="34" charset="0"/>
-              </a:rPr>
-              <a:t>Bulk</a:t>
-            </a:r>
-            <a:r>
-              <a:rPr lang="en-US" b="1" i="0" dirty="0">
-                <a:solidFill>
-                  <a:srgbClr val="E6E6E6"/>
-                </a:solidFill>
-                <a:effectLst/>
-                <a:latin typeface="Segoe UI" panose="020B0502040204020203" pitchFamily="34" charset="0"/>
-              </a:rPr>
-              <a:t> </a:t>
-            </a:r>
-            <a:r>
-              <a:rPr lang="ru-RU" b="1" i="0" dirty="0" err="1">
-                <a:solidFill>
-                  <a:srgbClr val="E6E6E6"/>
-                </a:solidFill>
-                <a:effectLst/>
-                <a:latin typeface="Segoe UI" panose="020B0502040204020203" pitchFamily="34" charset="0"/>
-              </a:rPr>
-              <a:t>Insert</a:t>
-            </a:r>
-            <a:br>
-              <a:rPr lang="en-US" b="1" i="0" dirty="0">
-                <a:solidFill>
-                  <a:srgbClr val="E6E6E6"/>
-                </a:solidFill>
-                <a:effectLst/>
-                <a:latin typeface="Segoe UI" panose="020B0502040204020203" pitchFamily="34" charset="0"/>
-              </a:rPr>
-            </a:br>
-            <a:r>
-              <a:rPr lang="ru-RU" b="1" i="0" dirty="0">
-                <a:solidFill>
-                  <a:srgbClr val="E6E6E6"/>
-                </a:solidFill>
-                <a:effectLst/>
-                <a:latin typeface="Segoe UI" panose="020B0502040204020203" pitchFamily="34" charset="0"/>
-              </a:rPr>
-              <a:t>загрузка данных из файла в таблицу</a:t>
-            </a:r>
-            <a:endParaRPr lang="ru-RU" dirty="0"/>
-          </a:p>
-        </p:txBody>
-      </p:sp>
-      <p:sp>
-        <p:nvSpPr>
-          <p:cNvPr id="4" name="TextBox 3">
-            <a:extLst>
-              <a:ext uri="{FF2B5EF4-FFF2-40B4-BE49-F238E27FC236}">
-                <a16:creationId xmlns:a16="http://schemas.microsoft.com/office/drawing/2014/main" id="{0A6D1930-BE39-0BE4-7111-32F00A527DCA}"/>
-              </a:ext>
-            </a:extLst>
-          </p:cNvPr>
-          <p:cNvSpPr txBox="1"/>
-          <p:nvPr/>
-        </p:nvSpPr>
-        <p:spPr>
-          <a:xfrm>
-            <a:off x="500550" y="1567208"/>
-            <a:ext cx="8391202" cy="2339102"/>
-          </a:xfrm>
-          <a:prstGeom prst="rect">
-            <a:avLst/>
-          </a:prstGeom>
-          <a:noFill/>
-        </p:spPr>
-        <p:txBody>
-          <a:bodyPr wrap="square">
-            <a:spAutoFit/>
-          </a:bodyPr>
-          <a:lstStyle/>
-          <a:p>
-            <a:r>
-              <a:rPr lang="en-US" sz="1800" dirty="0">
-                <a:solidFill>
-                  <a:schemeClr val="bg1"/>
-                </a:solidFill>
-              </a:rPr>
-              <a:t>Bulk insert </a:t>
-            </a:r>
-            <a:r>
-              <a:rPr lang="ru-RU" sz="1800" dirty="0" err="1">
-                <a:solidFill>
-                  <a:schemeClr val="bg1"/>
-                </a:solidFill>
-              </a:rPr>
-              <a:t>имя_таблицы</a:t>
-            </a:r>
-            <a:r>
-              <a:rPr lang="ru-RU" sz="1800" dirty="0">
-                <a:solidFill>
-                  <a:schemeClr val="bg1"/>
-                </a:solidFill>
-              </a:rPr>
-              <a:t> </a:t>
-            </a:r>
-            <a:endParaRPr lang="en-US" sz="1800" dirty="0">
-              <a:solidFill>
-                <a:schemeClr val="bg1"/>
-              </a:solidFill>
-            </a:endParaRPr>
-          </a:p>
-          <a:p>
-            <a:r>
-              <a:rPr lang="en-US" sz="1800" dirty="0">
-                <a:solidFill>
-                  <a:schemeClr val="bg1"/>
-                </a:solidFill>
-              </a:rPr>
-              <a:t>from </a:t>
-            </a:r>
-            <a:r>
-              <a:rPr lang="ru-RU" sz="1800" dirty="0" err="1">
-                <a:solidFill>
-                  <a:schemeClr val="bg1"/>
-                </a:solidFill>
-              </a:rPr>
-              <a:t>имя_файла</a:t>
-            </a:r>
-            <a:r>
-              <a:rPr lang="ru-RU" sz="1800" dirty="0">
-                <a:solidFill>
-                  <a:schemeClr val="bg1"/>
-                </a:solidFill>
-              </a:rPr>
-              <a:t>;</a:t>
-            </a:r>
-            <a:endParaRPr lang="en-US" sz="1800" dirty="0">
-              <a:solidFill>
-                <a:schemeClr val="bg1"/>
-              </a:solidFill>
-            </a:endParaRPr>
-          </a:p>
-          <a:p>
-            <a:endParaRPr lang="en-US" sz="1800" dirty="0">
-              <a:solidFill>
-                <a:schemeClr val="bg1"/>
-              </a:solidFill>
-            </a:endParaRPr>
-          </a:p>
-          <a:p>
-            <a:r>
-              <a:rPr lang="en-US" sz="1800" dirty="0">
-                <a:solidFill>
-                  <a:schemeClr val="bg1"/>
-                </a:solidFill>
-                <a:hlinkClick r:id="rId2"/>
-              </a:rPr>
-              <a:t>https://learn.microsoft.com/en-us/sql/relational-databases/import-export/import-bulk-data-by-using-bulk-insert-or-openrowset-bulk-sql-server?view=sql-server-ver16&amp;viewFallbackFrom=sql-server-ver17</a:t>
-            </a:r>
-            <a:endParaRPr lang="en-US" sz="1800" dirty="0">
-              <a:solidFill>
-                <a:schemeClr val="bg1"/>
-              </a:solidFill>
-            </a:endParaRPr>
-          </a:p>
-          <a:p>
-            <a:endParaRPr lang="en-US" sz="1800" dirty="0">
-              <a:solidFill>
-                <a:schemeClr val="bg1"/>
-              </a:solidFill>
-            </a:endParaRPr>
-          </a:p>
-          <a:p>
-            <a:endParaRPr lang="ru-RU" sz="2000" dirty="0">
-              <a:solidFill>
-                <a:schemeClr val="bg1"/>
-              </a:solidFill>
-            </a:endParaRPr>
-          </a:p>
-        </p:txBody>
-      </p:sp>
-    </p:spTree>
-    <p:extLst>
-      <p:ext uri="{BB962C8B-B14F-4D97-AF65-F5344CB8AC3E}">
-        <p14:creationId xmlns:p14="http://schemas.microsoft.com/office/powerpoint/2010/main" val="1431955265"/>
-      </p:ext>
-    </p:extLst>
-  </p:cSld>
-  <p:clrMapOvr>
-    <a:masterClrMapping/>
-  </p:clrMapOvr>
-</p:sld>
-</file>
-
-<file path=ppt/slides/slide25.xml><?xml version="1.0" encoding="utf-8"?>
-<p:sld xmlns:a="http://schemas.openxmlformats.org/drawingml/2006/main" xmlns:r="http://schemas.openxmlformats.org/officeDocument/2006/relationships" xmlns:p="http://schemas.openxmlformats.org/presentationml/2006/main">
-  <p:cSld>
-    <p:spTree>
-      <p:nvGrpSpPr>
-        <p:cNvPr id="1" name=""/>
-        <p:cNvGrpSpPr/>
-        <p:nvPr/>
-      </p:nvGrpSpPr>
-      <p:grpSpPr>
-        <a:xfrm>
-          <a:off x="0" y="0"/>
-          <a:ext cx="0" cy="0"/>
-          <a:chOff x="0" y="0"/>
-          <a:chExt cx="0" cy="0"/>
-        </a:xfrm>
-      </p:grpSpPr>
-      <p:sp>
-        <p:nvSpPr>
-          <p:cNvPr id="2" name="Заголовок 1">
-            <a:extLst>
-              <a:ext uri="{FF2B5EF4-FFF2-40B4-BE49-F238E27FC236}">
-                <a16:creationId xmlns:a16="http://schemas.microsoft.com/office/drawing/2014/main" id="{6A6BCFF1-EF04-E477-8900-81E0A0F7EAD3}"/>
-              </a:ext>
-            </a:extLst>
-          </p:cNvPr>
-          <p:cNvSpPr>
-            <a:spLocks noGrp="1"/>
-          </p:cNvSpPr>
-          <p:nvPr>
-            <p:ph type="title"/>
-          </p:nvPr>
-        </p:nvSpPr>
-        <p:spPr/>
-        <p:txBody>
-          <a:bodyPr/>
-          <a:lstStyle/>
-          <a:p>
-            <a:r>
-              <a:rPr lang="ru-RU" dirty="0"/>
-              <a:t>Домашнее задание</a:t>
-            </a:r>
-          </a:p>
-        </p:txBody>
-      </p:sp>
-      <p:sp>
-        <p:nvSpPr>
-          <p:cNvPr id="4" name="TextBox 3">
-            <a:extLst>
-              <a:ext uri="{FF2B5EF4-FFF2-40B4-BE49-F238E27FC236}">
-                <a16:creationId xmlns:a16="http://schemas.microsoft.com/office/drawing/2014/main" id="{33245E22-E22E-750A-4CA8-96703DBB1F61}"/>
-              </a:ext>
-            </a:extLst>
-          </p:cNvPr>
-          <p:cNvSpPr txBox="1"/>
-          <p:nvPr/>
-        </p:nvSpPr>
-        <p:spPr>
-          <a:xfrm>
-            <a:off x="394137" y="1288665"/>
-            <a:ext cx="8035159" cy="2862322"/>
-          </a:xfrm>
-          <a:prstGeom prst="rect">
-            <a:avLst/>
-          </a:prstGeom>
-          <a:noFill/>
-        </p:spPr>
-        <p:txBody>
-          <a:bodyPr wrap="square">
-            <a:spAutoFit/>
-          </a:bodyPr>
-          <a:lstStyle/>
-          <a:p>
-            <a:pPr marL="342900" indent="-342900">
-              <a:buClr>
-                <a:schemeClr val="bg1"/>
-              </a:buClr>
-              <a:buAutoNum type="arabicPeriod"/>
-            </a:pPr>
-            <a:r>
-              <a:rPr lang="ru-RU" sz="2000" dirty="0">
-                <a:solidFill>
-                  <a:schemeClr val="bg1"/>
-                </a:solidFill>
-              </a:rPr>
-              <a:t>Добавить в базу пять записей используя </a:t>
-            </a:r>
-            <a:r>
-              <a:rPr lang="ru-RU" sz="2000" dirty="0">
-                <a:solidFill>
-                  <a:schemeClr val="bg1"/>
-                </a:solidFill>
-                <a:latin typeface="Courier New" panose="02070309020205020404" pitchFamily="49" charset="0"/>
-                <a:cs typeface="Courier New" panose="02070309020205020404" pitchFamily="49" charset="0"/>
-              </a:rPr>
-              <a:t>INSERT</a:t>
-            </a:r>
-            <a:r>
-              <a:rPr lang="ru-RU" sz="2000" dirty="0">
-                <a:solidFill>
-                  <a:schemeClr val="bg1"/>
-                </a:solidFill>
-              </a:rPr>
-              <a:t> в таблицу </a:t>
-            </a:r>
-            <a:r>
-              <a:rPr lang="ru-RU" sz="2000" dirty="0" err="1">
-                <a:solidFill>
-                  <a:schemeClr val="bg1"/>
-                </a:solidFill>
-                <a:latin typeface="Courier New" panose="02070309020205020404" pitchFamily="49" charset="0"/>
-                <a:cs typeface="Courier New" panose="02070309020205020404" pitchFamily="49" charset="0"/>
-              </a:rPr>
-              <a:t>Customers</a:t>
-            </a:r>
-            <a:r>
-              <a:rPr lang="ru-RU" sz="2000" dirty="0">
-                <a:solidFill>
-                  <a:schemeClr val="bg1"/>
-                </a:solidFill>
-              </a:rPr>
-              <a:t> или </a:t>
-            </a:r>
-            <a:r>
-              <a:rPr lang="ru-RU" sz="2000" dirty="0" err="1">
-                <a:solidFill>
-                  <a:schemeClr val="bg1"/>
-                </a:solidFill>
-                <a:latin typeface="Courier New" panose="02070309020205020404" pitchFamily="49" charset="0"/>
-                <a:cs typeface="Courier New" panose="02070309020205020404" pitchFamily="49" charset="0"/>
-              </a:rPr>
-              <a:t>Suppliers</a:t>
-            </a:r>
-            <a:endParaRPr lang="ru-RU" sz="2000" dirty="0">
-              <a:solidFill>
-                <a:schemeClr val="bg1"/>
-              </a:solidFill>
-              <a:latin typeface="Courier New" panose="02070309020205020404" pitchFamily="49" charset="0"/>
-              <a:cs typeface="Courier New" panose="02070309020205020404" pitchFamily="49" charset="0"/>
-            </a:endParaRPr>
-          </a:p>
-          <a:p>
-            <a:pPr marL="342900" indent="-342900">
-              <a:buClr>
-                <a:schemeClr val="bg1"/>
-              </a:buClr>
-              <a:buAutoNum type="arabicPeriod"/>
-            </a:pPr>
-            <a:r>
-              <a:rPr lang="ru-RU" sz="2000" dirty="0">
-                <a:solidFill>
-                  <a:schemeClr val="bg1"/>
-                </a:solidFill>
-              </a:rPr>
-              <a:t>Удалите одну запись из </a:t>
-            </a:r>
-            <a:r>
-              <a:rPr lang="ru-RU" sz="2000" dirty="0" err="1">
-                <a:solidFill>
-                  <a:schemeClr val="bg1"/>
-                </a:solidFill>
-                <a:latin typeface="Courier New" panose="02070309020205020404" pitchFamily="49" charset="0"/>
-                <a:cs typeface="Courier New" panose="02070309020205020404" pitchFamily="49" charset="0"/>
-              </a:rPr>
-              <a:t>Customers</a:t>
-            </a:r>
-            <a:r>
-              <a:rPr lang="ru-RU" sz="2000" dirty="0">
-                <a:solidFill>
-                  <a:schemeClr val="bg1"/>
-                </a:solidFill>
-              </a:rPr>
-              <a:t>, которая была вами добавлена</a:t>
-            </a:r>
-          </a:p>
-          <a:p>
-            <a:pPr marL="342900" indent="-342900">
-              <a:buClr>
-                <a:schemeClr val="bg1"/>
-              </a:buClr>
-              <a:buAutoNum type="arabicPeriod"/>
-            </a:pPr>
-            <a:r>
-              <a:rPr lang="ru-RU" sz="2000" dirty="0">
-                <a:solidFill>
-                  <a:schemeClr val="bg1"/>
-                </a:solidFill>
-              </a:rPr>
-              <a:t>Изменить одну запись, из добавленных через </a:t>
-            </a:r>
-            <a:r>
-              <a:rPr lang="ru-RU" sz="2000" dirty="0">
-                <a:solidFill>
-                  <a:schemeClr val="bg1"/>
-                </a:solidFill>
-                <a:latin typeface="Courier New" panose="02070309020205020404" pitchFamily="49" charset="0"/>
-                <a:cs typeface="Courier New" panose="02070309020205020404" pitchFamily="49" charset="0"/>
-              </a:rPr>
-              <a:t>UPDATE</a:t>
-            </a:r>
-          </a:p>
-          <a:p>
-            <a:pPr marL="342900" indent="-342900">
-              <a:buClr>
-                <a:schemeClr val="bg1"/>
-              </a:buClr>
-              <a:buAutoNum type="arabicPeriod"/>
-            </a:pPr>
-            <a:r>
-              <a:rPr lang="ru-RU" sz="2000" dirty="0">
-                <a:solidFill>
-                  <a:schemeClr val="bg1"/>
-                </a:solidFill>
-              </a:rPr>
-              <a:t>Написать </a:t>
-            </a:r>
-            <a:r>
-              <a:rPr lang="ru-RU" sz="2000" dirty="0">
-                <a:solidFill>
-                  <a:schemeClr val="bg1"/>
-                </a:solidFill>
-                <a:latin typeface="Courier New" panose="02070309020205020404" pitchFamily="49" charset="0"/>
-                <a:cs typeface="Courier New" panose="02070309020205020404" pitchFamily="49" charset="0"/>
-              </a:rPr>
-              <a:t>MERGE</a:t>
-            </a:r>
-            <a:r>
-              <a:rPr lang="ru-RU" sz="2000" dirty="0">
-                <a:solidFill>
-                  <a:schemeClr val="bg1"/>
-                </a:solidFill>
-              </a:rPr>
-              <a:t>, который вставит запись в клиенты, если ее там нет, и изменит если она уже есть</a:t>
-            </a:r>
-          </a:p>
-          <a:p>
-            <a:pPr marL="342900" indent="-342900">
-              <a:buClr>
-                <a:schemeClr val="bg1"/>
-              </a:buClr>
-              <a:buAutoNum type="arabicPeriod"/>
-            </a:pPr>
-            <a:r>
-              <a:rPr lang="ru-RU" sz="2000" dirty="0">
-                <a:solidFill>
-                  <a:schemeClr val="bg1"/>
-                </a:solidFill>
-              </a:rPr>
-              <a:t>Напишите запрос, который выгрузит данные через </a:t>
-            </a:r>
-            <a:r>
-              <a:rPr lang="ru-RU" sz="2000" dirty="0" err="1">
-                <a:solidFill>
-                  <a:schemeClr val="bg1"/>
-                </a:solidFill>
-                <a:latin typeface="Courier New" panose="02070309020205020404" pitchFamily="49" charset="0"/>
-                <a:cs typeface="Courier New" panose="02070309020205020404" pitchFamily="49" charset="0"/>
-              </a:rPr>
-              <a:t>bcp</a:t>
-            </a:r>
-            <a:r>
-              <a:rPr lang="ru-RU" sz="2000" dirty="0">
-                <a:solidFill>
-                  <a:schemeClr val="bg1"/>
-                </a:solidFill>
-              </a:rPr>
-              <a:t> </a:t>
-            </a:r>
-            <a:r>
-              <a:rPr lang="ru-RU" sz="2000" dirty="0" err="1">
-                <a:solidFill>
-                  <a:schemeClr val="bg1"/>
-                </a:solidFill>
-                <a:latin typeface="Courier New" panose="02070309020205020404" pitchFamily="49" charset="0"/>
-                <a:cs typeface="Courier New" panose="02070309020205020404" pitchFamily="49" charset="0"/>
-              </a:rPr>
-              <a:t>out</a:t>
-            </a:r>
-            <a:r>
-              <a:rPr lang="ru-RU" sz="2000" dirty="0">
-                <a:solidFill>
-                  <a:schemeClr val="bg1"/>
-                </a:solidFill>
-              </a:rPr>
-              <a:t> и загрузить через </a:t>
-            </a:r>
-            <a:r>
-              <a:rPr lang="ru-RU" sz="2000" dirty="0" err="1">
-                <a:solidFill>
-                  <a:schemeClr val="bg1"/>
-                </a:solidFill>
-                <a:latin typeface="Courier New" panose="02070309020205020404" pitchFamily="49" charset="0"/>
-                <a:cs typeface="Courier New" panose="02070309020205020404" pitchFamily="49" charset="0"/>
-              </a:rPr>
-              <a:t>bulk</a:t>
-            </a:r>
-            <a:r>
-              <a:rPr lang="ru-RU" sz="2000" dirty="0">
-                <a:solidFill>
-                  <a:schemeClr val="bg1"/>
-                </a:solidFill>
-              </a:rPr>
-              <a:t> </a:t>
-            </a:r>
-            <a:r>
-              <a:rPr lang="ru-RU" sz="2000" dirty="0" err="1">
-                <a:solidFill>
-                  <a:schemeClr val="bg1"/>
-                </a:solidFill>
-                <a:latin typeface="Courier New" panose="02070309020205020404" pitchFamily="49" charset="0"/>
-                <a:cs typeface="Courier New" panose="02070309020205020404" pitchFamily="49" charset="0"/>
-              </a:rPr>
-              <a:t>insert</a:t>
-            </a:r>
-            <a:endParaRPr lang="ru-RU" sz="2000" dirty="0">
-              <a:solidFill>
-                <a:schemeClr val="bg1"/>
-              </a:solidFill>
-              <a:latin typeface="Courier New" panose="02070309020205020404" pitchFamily="49" charset="0"/>
-              <a:cs typeface="Courier New" panose="02070309020205020404" pitchFamily="49" charset="0"/>
-            </a:endParaRPr>
-          </a:p>
-        </p:txBody>
-      </p:sp>
-    </p:spTree>
-    <p:extLst>
-      <p:ext uri="{BB962C8B-B14F-4D97-AF65-F5344CB8AC3E}">
-        <p14:creationId xmlns:p14="http://schemas.microsoft.com/office/powerpoint/2010/main" val="2658651213"/>
-      </p:ext>
-    </p:extLst>
-  </p:cSld>
-  <p:clrMapOvr>
-    <a:masterClrMapping/>
-  </p:clrMapOvr>
-</p:sld>
-</file>
-
-<file path=ppt/slides/slide26.xml><?xml version="1.0" encoding="utf-8"?>
 <p:sld xmlns:a="http://schemas.openxmlformats.org/drawingml/2006/main" xmlns:r="http://schemas.openxmlformats.org/officeDocument/2006/relationships" xmlns:p="http://schemas.openxmlformats.org/presentationml/2006/main">
   <p:cSld>
     <p:spTree>
@@ -10057,7 +8908,7 @@
 </p:sld>
 </file>
 
-<file path=ppt/slides/slide27.xml><?xml version="1.0" encoding="utf-8"?>
+<file path=ppt/slides/slide23.xml><?xml version="1.0" encoding="utf-8"?>
 <p:sld xmlns:a="http://schemas.openxmlformats.org/drawingml/2006/main" xmlns:r="http://schemas.openxmlformats.org/officeDocument/2006/relationships" xmlns:p="http://schemas.openxmlformats.org/presentationml/2006/main">
   <p:cSld>
     <p:spTree>
@@ -10124,7 +8975,7 @@
 </p:sld>
 </file>
 
-<file path=ppt/slides/slide28.xml><?xml version="1.0" encoding="utf-8"?>
+<file path=ppt/slides/slide24.xml><?xml version="1.0" encoding="utf-8"?>
 <p:sld xmlns:a="http://schemas.openxmlformats.org/drawingml/2006/main" xmlns:r="http://schemas.openxmlformats.org/officeDocument/2006/relationships" xmlns:p="http://schemas.openxmlformats.org/presentationml/2006/main">
   <p:cSld>
     <p:spTree>
@@ -10238,7 +9089,7 @@
 </p:sld>
 </file>
 
-<file path=ppt/slides/slide29.xml><?xml version="1.0" encoding="utf-8"?>
+<file path=ppt/slides/slide25.xml><?xml version="1.0" encoding="utf-8"?>
 <p:sld xmlns:a="http://schemas.openxmlformats.org/drawingml/2006/main" xmlns:r="http://schemas.openxmlformats.org/officeDocument/2006/relationships" xmlns:p="http://schemas.openxmlformats.org/presentationml/2006/main">
   <p:cSld>
     <p:spTree>
@@ -10619,20 +9470,8 @@
             </a:pPr>
             <a:r>
               <a:rPr lang="ru-RU" dirty="0"/>
-              <a:t>Операторы изменения данных</a:t>
-            </a:r>
-            <a:endParaRPr dirty="0"/>
-          </a:p>
-          <a:p>
-            <a:pPr marL="0" lvl="0" indent="0" algn="l" rtl="0">
-              <a:spcBef>
-                <a:spcPts val="0"/>
-              </a:spcBef>
-              <a:spcAft>
-                <a:spcPts val="0"/>
-              </a:spcAft>
-              <a:buNone/>
-            </a:pPr>
+              <a:t>Функции, процедуры, триггеры</a:t>
+            </a:r>
             <a:endParaRPr dirty="0"/>
           </a:p>
         </p:txBody>
@@ -10692,7 +9531,7 @@
         <p:spPr>
           <a:xfrm>
             <a:off x="3135425" y="2978825"/>
-            <a:ext cx="5253300" cy="1721100"/>
+            <a:ext cx="5253300" cy="1983600"/>
           </a:xfrm>
           <a:prstGeom prst="rect">
             <a:avLst/>
@@ -10825,6 +9664,86 @@
               <a:rPr lang="en-US" sz="1250" b="0" dirty="0"/>
               <a:t>             @MarinaPaley</a:t>
             </a:r>
+            <a:endParaRPr lang="ru-RU" sz="1250" b="0" dirty="0"/>
+          </a:p>
+          <a:p>
+            <a:pPr marL="0" lvl="0" indent="0" algn="l" rtl="0">
+              <a:spcBef>
+                <a:spcPts val="0"/>
+              </a:spcBef>
+              <a:spcAft>
+                <a:spcPts val="0"/>
+              </a:spcAft>
+              <a:buClr>
+                <a:schemeClr val="dk1"/>
+              </a:buClr>
+              <a:buSzPts val="1100"/>
+              <a:buFont typeface="Arial"/>
+              <a:buNone/>
+            </a:pPr>
+            <a:endParaRPr lang="ru-RU" sz="1250" b="0" dirty="0"/>
+          </a:p>
+          <a:p>
+            <a:pPr marL="0" lvl="0" indent="0" algn="l" rtl="0">
+              <a:spcBef>
+                <a:spcPts val="0"/>
+              </a:spcBef>
+              <a:spcAft>
+                <a:spcPts val="0"/>
+              </a:spcAft>
+              <a:buClr>
+                <a:schemeClr val="dk1"/>
+              </a:buClr>
+              <a:buSzPts val="1100"/>
+              <a:buFont typeface="Arial"/>
+              <a:buNone/>
+            </a:pPr>
+            <a:r>
+              <a:rPr lang="ru-RU" sz="1250" b="0" dirty="0"/>
+              <a:t>            </a:t>
+            </a:r>
+            <a:r>
+              <a:rPr lang="en-US" sz="1250" b="0" dirty="0"/>
+              <a:t>   </a:t>
+            </a:r>
+            <a:r>
+              <a:rPr lang="en-US" sz="1250" b="0" dirty="0" err="1"/>
+              <a:t>MarinaPaley</a:t>
+            </a:r>
+            <a:endParaRPr lang="ru-RU" sz="1250" b="0" dirty="0"/>
+          </a:p>
+          <a:p>
+            <a:pPr marL="0" lvl="0" indent="0" algn="l" rtl="0">
+              <a:spcBef>
+                <a:spcPts val="0"/>
+              </a:spcBef>
+              <a:spcAft>
+                <a:spcPts val="0"/>
+              </a:spcAft>
+              <a:buClr>
+                <a:schemeClr val="dk1"/>
+              </a:buClr>
+              <a:buSzPts val="1100"/>
+              <a:buFont typeface="Arial"/>
+              <a:buNone/>
+            </a:pPr>
+            <a:endParaRPr lang="ru-RU" sz="1250" b="0" dirty="0"/>
+          </a:p>
+          <a:p>
+            <a:pPr marL="0" lvl="0" indent="0" algn="l" rtl="0">
+              <a:spcBef>
+                <a:spcPts val="0"/>
+              </a:spcBef>
+              <a:spcAft>
+                <a:spcPts val="0"/>
+              </a:spcAft>
+              <a:buClr>
+                <a:schemeClr val="dk1"/>
+              </a:buClr>
+              <a:buSzPts val="1100"/>
+              <a:buFont typeface="Arial"/>
+              <a:buNone/>
+            </a:pPr>
             <a:endParaRPr lang="ru-RU" sz="1250" b="0" dirty="0"/>
           </a:p>
         </p:txBody>
@@ -10919,6 +9838,36 @@
           <a:ln>
             <a:noFill/>
           </a:ln>
+        </p:spPr>
+      </p:pic>
+      <p:pic>
+        <p:nvPicPr>
+          <p:cNvPr id="4" name="Рисунок 3" descr="Изображение выглядит как графическая вставка, символ, силуэт&#10;&#10;Автоматически созданное описание">
+            <a:extLst>
+              <a:ext uri="{FF2B5EF4-FFF2-40B4-BE49-F238E27FC236}">
+                <a16:creationId xmlns:a16="http://schemas.microsoft.com/office/drawing/2014/main" id="{9CC942F3-A0E6-0094-35BE-519E35294082}"/>
+              </a:ext>
+            </a:extLst>
+          </p:cNvPr>
+          <p:cNvPicPr>
+            <a:picLocks noChangeAspect="1"/>
+          </p:cNvPicPr>
+          <p:nvPr/>
+        </p:nvPicPr>
+        <p:blipFill>
+          <a:blip r:embed="rId5"/>
+          <a:stretch>
+            <a:fillRect/>
+          </a:stretch>
+        </p:blipFill>
+        <p:spPr>
+          <a:xfrm>
+            <a:off x="3356946" y="4509437"/>
+            <a:ext cx="303612" cy="285753"/>
+          </a:xfrm>
+          <a:prstGeom prst="rect">
+            <a:avLst/>
+          </a:prstGeom>
         </p:spPr>
       </p:pic>
     </p:spTree>
@@ -11022,7 +9971,7 @@
                   <a:schemeClr val="bg1"/>
                 </a:solidFill>
               </a:rPr>
-              <a:t>INSERT</a:t>
+              <a:t>Function</a:t>
             </a:r>
             <a:endParaRPr lang="ru-RU" dirty="0">
               <a:solidFill>
@@ -11046,8 +9995,8 @@
         </p:nvSpPr>
         <p:spPr>
           <a:xfrm>
-            <a:off x="670659" y="2301707"/>
-            <a:ext cx="1652128" cy="307777"/>
+            <a:off x="933417" y="2205840"/>
+            <a:ext cx="2482444" cy="307777"/>
           </a:xfrm>
           <a:prstGeom prst="rect">
             <a:avLst/>
@@ -11066,7 +10015,7 @@
                   <a:schemeClr val="bg1"/>
                 </a:solidFill>
               </a:rPr>
-              <a:t>UPDATE</a:t>
+              <a:t>Table-valued function</a:t>
             </a:r>
             <a:endParaRPr lang="ru-RU" dirty="0">
               <a:solidFill>
@@ -11090,7 +10039,7 @@
         </p:nvSpPr>
         <p:spPr>
           <a:xfrm>
-            <a:off x="670659" y="1818630"/>
+            <a:off x="933417" y="1665082"/>
             <a:ext cx="1652128" cy="307777"/>
           </a:xfrm>
           <a:prstGeom prst="rect">
@@ -11110,7 +10059,7 @@
                   <a:schemeClr val="bg1"/>
                 </a:solidFill>
               </a:rPr>
-              <a:t>DELETE</a:t>
+              <a:t>Scalar function</a:t>
             </a:r>
             <a:endParaRPr lang="ru-RU" dirty="0">
               <a:solidFill>
@@ -11134,8 +10083,8 @@
         </p:nvSpPr>
         <p:spPr>
           <a:xfrm>
-            <a:off x="670659" y="2826191"/>
-            <a:ext cx="1652128" cy="307777"/>
+            <a:off x="933417" y="2746598"/>
+            <a:ext cx="2177644" cy="307777"/>
           </a:xfrm>
           <a:prstGeom prst="rect">
             <a:avLst/>
@@ -11154,7 +10103,7 @@
                   <a:schemeClr val="bg1"/>
                 </a:solidFill>
               </a:rPr>
-              <a:t>MERGE</a:t>
+              <a:t>Multi-statement function</a:t>
             </a:r>
             <a:endParaRPr lang="ru-RU" dirty="0">
               <a:solidFill>
@@ -11178,7 +10127,7 @@
         </p:nvSpPr>
         <p:spPr>
           <a:xfrm>
-            <a:off x="670659" y="3350675"/>
+            <a:off x="660149" y="3170642"/>
             <a:ext cx="2093562" cy="307777"/>
           </a:xfrm>
           <a:prstGeom prst="rect">
@@ -11198,7 +10147,7 @@
                   <a:schemeClr val="bg1"/>
                 </a:solidFill>
               </a:rPr>
-              <a:t>BCP Bulk  INSERT</a:t>
+              <a:t>Stored procedure</a:t>
             </a:r>
             <a:endParaRPr lang="ru-RU" dirty="0">
               <a:solidFill>
@@ -11244,6 +10193,50 @@
               </a:rPr>
               <a:t>Рефлексия</a:t>
             </a:r>
+          </a:p>
+        </p:txBody>
+      </p:sp>
+      <p:sp>
+        <p:nvSpPr>
+          <p:cNvPr id="7" name="TextBox 6">
+            <a:extLst>
+              <a:ext uri="{FF2B5EF4-FFF2-40B4-BE49-F238E27FC236}">
+                <a16:creationId xmlns:a16="http://schemas.microsoft.com/office/drawing/2014/main" id="{3EB09369-0185-4C85-738A-38F8F6421936}"/>
+              </a:ext>
+            </a:extLst>
+          </p:cNvPr>
+          <p:cNvSpPr txBox="1"/>
+          <p:nvPr/>
+        </p:nvSpPr>
+        <p:spPr>
+          <a:xfrm>
+            <a:off x="639129" y="3522083"/>
+            <a:ext cx="2093562" cy="307777"/>
+          </a:xfrm>
+          <a:prstGeom prst="rect">
+            <a:avLst/>
+          </a:prstGeom>
+          <a:noFill/>
+        </p:spPr>
+        <p:txBody>
+          <a:bodyPr wrap="square" rtlCol="0">
+            <a:spAutoFit/>
+          </a:bodyPr>
+          <a:lstStyle/>
+          <a:p>
+            <a:r>
+              <a:rPr lang="en-US" dirty="0">
+                <a:solidFill>
+                  <a:schemeClr val="bg1"/>
+                </a:solidFill>
+              </a:rPr>
+              <a:t>Trigger</a:t>
+            </a:r>
+            <a:endParaRPr lang="ru-RU" dirty="0">
+              <a:solidFill>
+                <a:schemeClr val="bg1"/>
+              </a:solidFill>
+            </a:endParaRPr>
           </a:p>
         </p:txBody>
       </p:sp>
@@ -11379,7 +10372,7 @@
         <p:spPr>
           <a:xfrm>
             <a:off x="579735" y="1668770"/>
-            <a:ext cx="7133833" cy="1015663"/>
+            <a:ext cx="7133833" cy="707886"/>
           </a:xfrm>
           <a:prstGeom prst="rect">
             <a:avLst/>
@@ -11405,23 +10398,7 @@
                   <a:schemeClr val="bg1"/>
                 </a:solidFill>
               </a:rPr>
-              <a:t>Вставлять данные</a:t>
-            </a:r>
-            <a:r>
-              <a:rPr lang="en-US" sz="2000" dirty="0">
-                <a:solidFill>
-                  <a:schemeClr val="bg1"/>
-                </a:solidFill>
-              </a:rPr>
-              <a:t> </a:t>
-            </a:r>
-            <a:r>
-              <a:rPr lang="ru-RU" sz="2000" dirty="0">
-                <a:solidFill>
-                  <a:schemeClr val="bg1"/>
-                </a:solidFill>
-              </a:rPr>
-              <a:t>в таблицу</a:t>
+              <a:t>Создавать процедуры, функции и триггеры</a:t>
             </a:r>
           </a:p>
           <a:p>
@@ -11438,40 +10415,7 @@
                   <a:schemeClr val="bg1"/>
                 </a:solidFill>
               </a:rPr>
-              <a:t>Удалять данные из таблицы</a:t>
-            </a:r>
-          </a:p>
-          <a:p>
-            <a:pPr marL="457200" indent="-457200">
-              <a:buClr>
-                <a:schemeClr val="bg1"/>
-              </a:buClr>
-              <a:buFont typeface="+mj-lt"/>
-              <a:buAutoNum type="arabicPeriod"/>
-            </a:pPr>
-            <a:r>
-              <a:rPr lang="ru-RU" sz="2000" dirty="0">
-                <a:solidFill>
-                  <a:schemeClr val="bg1"/>
-                </a:solidFill>
-              </a:rPr>
-              <a:t>Обновлять (редактировать) данные</a:t>
-            </a:r>
-            <a:r>
-              <a:rPr lang="en-US" sz="2000" dirty="0">
-                <a:solidFill>
-                  <a:schemeClr val="bg1"/>
-                </a:solidFill>
-              </a:rPr>
-              <a:t> </a:t>
-            </a:r>
-            <a:r>
-              <a:rPr lang="ru-RU" sz="2000" dirty="0">
-                <a:solidFill>
-                  <a:schemeClr val="bg1"/>
-                </a:solidFill>
-              </a:rPr>
-              <a:t> в таблице</a:t>
+              <a:t>Использовать процедуры, функции и триггеры</a:t>
             </a:r>
           </a:p>
         </p:txBody>
@@ -11506,7 +10450,7 @@
           <p:cNvPr id="2" name="Заголовок 1">
             <a:extLst>
               <a:ext uri="{FF2B5EF4-FFF2-40B4-BE49-F238E27FC236}">
-                <a16:creationId xmlns:a16="http://schemas.microsoft.com/office/drawing/2014/main" id="{C0B04CBC-5DF5-129A-A507-98590A9FB90E}"/>
+                <a16:creationId xmlns:a16="http://schemas.microsoft.com/office/drawing/2014/main" id="{6A6BCFF1-EF04-E477-8900-81E0A0F7EAD3}"/>
               </a:ext>
             </a:extLst>
           </p:cNvPr>
@@ -11524,22 +10468,17 @@
           <a:p>
             <a:r>
               <a:rPr lang="ru-RU" dirty="0"/>
-              <a:t>Группы команд языка </a:t>
-            </a:r>
-            <a:r>
-              <a:rPr lang="en-US" dirty="0"/>
-              <a:t>SQL</a:t>
-            </a:r>
-            <a:endParaRPr lang="ru-RU" dirty="0"/>
+              <a:t>Домашнее задание</a:t>
+            </a:r>
           </a:p>
         </p:txBody>
       </p:sp>
       <p:sp>
         <p:nvSpPr>
-          <p:cNvPr id="3" name="TextBox 2">
+          <p:cNvPr id="4" name="TextBox 3">
             <a:extLst>
               <a:ext uri="{FF2B5EF4-FFF2-40B4-BE49-F238E27FC236}">
-                <a16:creationId xmlns:a16="http://schemas.microsoft.com/office/drawing/2014/main" id="{CFDA36C3-577B-46DB-8F99-39829184ED7B}"/>
+                <a16:creationId xmlns:a16="http://schemas.microsoft.com/office/drawing/2014/main" id="{33245E22-E22E-750A-4CA8-96703DBB1F61}"/>
               </a:ext>
             </a:extLst>
           </p:cNvPr>
@@ -11548,8 +10487,8 @@
         </p:nvSpPr>
         <p:spPr>
           <a:xfrm>
-            <a:off x="821473" y="1426624"/>
-            <a:ext cx="7133833" cy="1323439"/>
+            <a:off x="394137" y="1288665"/>
+            <a:ext cx="8035159" cy="3539430"/>
           </a:xfrm>
           <a:prstGeom prst="rect">
             <a:avLst/>
@@ -11557,102 +10496,327 @@
           <a:noFill/>
         </p:spPr>
         <p:txBody>
-          <a:bodyPr wrap="square" rtlCol="0">
+          <a:bodyPr wrap="square">
             <a:spAutoFit/>
           </a:bodyPr>
           <a:lstStyle/>
           <a:p>
-            <a:pPr marL="457200" indent="-457200">
+            <a:pPr>
               <a:buClr>
                 <a:schemeClr val="bg1"/>
               </a:buClr>
-              <a:buFont typeface="+mj-lt"/>
-              <a:buAutoNum type="arabicPeriod"/>
             </a:pPr>
             <a:r>
-              <a:rPr lang="en-US" sz="2000" dirty="0">
+              <a:rPr lang="ru-RU" sz="1600" dirty="0">
                 <a:solidFill>
                   <a:schemeClr val="bg1"/>
                 </a:solidFill>
-              </a:rPr>
-              <a:t>DQL (Data Query Language)</a:t>
-            </a:r>
-            <a:endParaRPr lang="ru-RU" sz="2000" dirty="0">
+                <a:latin typeface="Courier New" panose="02070309020205020404" pitchFamily="49" charset="0"/>
+                <a:cs typeface="Courier New" panose="02070309020205020404" pitchFamily="49" charset="0"/>
+              </a:rPr>
+              <a:t>Задания выполняются с использованием базы данных </a:t>
+            </a:r>
+            <a:r>
+              <a:rPr lang="en-US" sz="1600" dirty="0" err="1">
+                <a:solidFill>
+                  <a:schemeClr val="bg1"/>
+                </a:solidFill>
+                <a:latin typeface="Courier New" panose="02070309020205020404" pitchFamily="49" charset="0"/>
+                <a:cs typeface="Courier New" panose="02070309020205020404" pitchFamily="49" charset="0"/>
+              </a:rPr>
+              <a:t>WideWorldImporters</a:t>
+            </a:r>
+            <a:r>
+              <a:rPr lang="en-US" sz="1600" dirty="0">
+                <a:solidFill>
+                  <a:schemeClr val="bg1"/>
+                </a:solidFill>
+                <a:latin typeface="Courier New" panose="02070309020205020404" pitchFamily="49" charset="0"/>
+                <a:cs typeface="Courier New" panose="02070309020205020404" pitchFamily="49" charset="0"/>
+              </a:rPr>
+              <a:t>.</a:t>
+            </a:r>
+            <a:br>
+              <a:rPr lang="en-US" sz="1600" dirty="0">
+                <a:solidFill>
+                  <a:schemeClr val="bg1"/>
+                </a:solidFill>
+                <a:latin typeface="Courier New" panose="02070309020205020404" pitchFamily="49" charset="0"/>
+                <a:cs typeface="Courier New" panose="02070309020205020404" pitchFamily="49" charset="0"/>
+              </a:rPr>
+            </a:br>
+            <a:r>
+              <a:rPr lang="ru-RU" sz="1600" dirty="0">
+                <a:solidFill>
+                  <a:schemeClr val="bg1"/>
+                </a:solidFill>
+                <a:latin typeface="Courier New" panose="02070309020205020404" pitchFamily="49" charset="0"/>
+                <a:cs typeface="Courier New" panose="02070309020205020404" pitchFamily="49" charset="0"/>
+              </a:rPr>
+              <a:t>Бэкап БД можно скачать отсюда:</a:t>
+            </a:r>
+            <a:r>
+              <a:rPr lang="en-US" sz="1600" dirty="0">
+                <a:solidFill>
+                  <a:schemeClr val="bg1"/>
+                </a:solidFill>
+                <a:latin typeface="Courier New" panose="02070309020205020404" pitchFamily="49" charset="0"/>
+                <a:cs typeface="Courier New" panose="02070309020205020404" pitchFamily="49" charset="0"/>
+              </a:rPr>
+              <a:t>https://github.com/Microsoft/sql-server-samples/releases/tag/wide-world-importers-v1.0</a:t>
+            </a:r>
+            <a:br>
+              <a:rPr lang="en-US" sz="1600" dirty="0">
+                <a:solidFill>
+                  <a:schemeClr val="bg1"/>
+                </a:solidFill>
+                <a:latin typeface="Courier New" panose="02070309020205020404" pitchFamily="49" charset="0"/>
+                <a:cs typeface="Courier New" panose="02070309020205020404" pitchFamily="49" charset="0"/>
+              </a:rPr>
+            </a:br>
+            <a:r>
+              <a:rPr lang="ru-RU" sz="1600" dirty="0">
+                <a:solidFill>
+                  <a:schemeClr val="bg1"/>
+                </a:solidFill>
+                <a:latin typeface="Courier New" panose="02070309020205020404" pitchFamily="49" charset="0"/>
+                <a:cs typeface="Courier New" panose="02070309020205020404" pitchFamily="49" charset="0"/>
+              </a:rPr>
+              <a:t>Нужен </a:t>
+            </a:r>
+            <a:r>
+              <a:rPr lang="en-US" sz="1600" dirty="0" err="1">
+                <a:solidFill>
+                  <a:schemeClr val="bg1"/>
+                </a:solidFill>
+                <a:latin typeface="Courier New" panose="02070309020205020404" pitchFamily="49" charset="0"/>
+                <a:cs typeface="Courier New" panose="02070309020205020404" pitchFamily="49" charset="0"/>
+              </a:rPr>
+              <a:t>WideWorldImporters-Full.bak</a:t>
+            </a:r>
+            <a:br>
+              <a:rPr lang="en-US" sz="1600" dirty="0">
+                <a:solidFill>
+                  <a:schemeClr val="bg1"/>
+                </a:solidFill>
+                <a:latin typeface="Courier New" panose="02070309020205020404" pitchFamily="49" charset="0"/>
+                <a:cs typeface="Courier New" panose="02070309020205020404" pitchFamily="49" charset="0"/>
+              </a:rPr>
+            </a:br>
+            <a:r>
+              <a:rPr lang="ru-RU" sz="1600" dirty="0">
+                <a:solidFill>
+                  <a:schemeClr val="bg1"/>
+                </a:solidFill>
+                <a:latin typeface="Courier New" panose="02070309020205020404" pitchFamily="49" charset="0"/>
+                <a:cs typeface="Courier New" panose="02070309020205020404" pitchFamily="49" charset="0"/>
+              </a:rPr>
+              <a:t>Описание </a:t>
+            </a:r>
+            <a:r>
+              <a:rPr lang="en-US" sz="1600" dirty="0" err="1">
+                <a:solidFill>
+                  <a:schemeClr val="bg1"/>
+                </a:solidFill>
+                <a:latin typeface="Courier New" panose="02070309020205020404" pitchFamily="49" charset="0"/>
+                <a:cs typeface="Courier New" panose="02070309020205020404" pitchFamily="49" charset="0"/>
+              </a:rPr>
+              <a:t>WideWorldImporters</a:t>
+            </a:r>
+            <a:br>
+              <a:rPr lang="en-US" sz="1600" dirty="0">
+                <a:solidFill>
+                  <a:schemeClr val="bg1"/>
+                </a:solidFill>
+                <a:latin typeface="Courier New" panose="02070309020205020404" pitchFamily="49" charset="0"/>
+                <a:cs typeface="Courier New" panose="02070309020205020404" pitchFamily="49" charset="0"/>
+              </a:rPr>
+            </a:br>
+            <a:r>
+              <a:rPr lang="en-US" sz="1600" dirty="0">
+                <a:solidFill>
+                  <a:schemeClr val="bg1"/>
+                </a:solidFill>
+                <a:latin typeface="Courier New" panose="02070309020205020404" pitchFamily="49" charset="0"/>
+                <a:cs typeface="Courier New" panose="02070309020205020404" pitchFamily="49" charset="0"/>
+                <a:hlinkClick r:id="rId2"/>
+              </a:rPr>
+              <a:t>https://dataedo.com/samples/html/WideWorldImporters/doc/WideWorldImporters_5/home.html</a:t>
+            </a:r>
+            <a:endParaRPr lang="en-US" sz="1600" dirty="0">
               <a:solidFill>
                 <a:schemeClr val="bg1"/>
               </a:solidFill>
+              <a:latin typeface="Courier New" panose="02070309020205020404" pitchFamily="49" charset="0"/>
+              <a:cs typeface="Courier New" panose="02070309020205020404" pitchFamily="49" charset="0"/>
             </a:endParaRPr>
           </a:p>
           <a:p>
-            <a:pPr marL="457200" indent="-457200">
+            <a:pPr marL="342900" indent="-342900">
               <a:buClr>
                 <a:schemeClr val="bg1"/>
               </a:buClr>
-              <a:buFont typeface="+mj-lt"/>
               <a:buAutoNum type="arabicPeriod"/>
             </a:pPr>
             <a:r>
-              <a:rPr lang="en-US" sz="2000" dirty="0">
-                <a:solidFill>
-                  <a:schemeClr val="accent5">
-                    <a:lumMod val="60000"/>
-                    <a:lumOff val="40000"/>
-                  </a:schemeClr>
-                </a:solidFill>
-              </a:rPr>
-              <a:t>DML (Data Manipulation Language</a:t>
-            </a:r>
-            <a:r>
-              <a:rPr lang="en-US" sz="2000" dirty="0">
+              <a:rPr lang="ru-RU" sz="1600" dirty="0">
                 <a:solidFill>
                   <a:schemeClr val="bg1"/>
                 </a:solidFill>
-              </a:rPr>
-              <a:t>)</a:t>
-            </a:r>
-            <a:endParaRPr lang="ru-RU" sz="2000" dirty="0">
+                <a:latin typeface="Courier New" panose="02070309020205020404" pitchFamily="49" charset="0"/>
+                <a:cs typeface="Courier New" panose="02070309020205020404" pitchFamily="49" charset="0"/>
+              </a:rPr>
+              <a:t>Написать функцию возвращающую Клиента с наибольшей суммой покупки.</a:t>
+            </a:r>
+            <a:endParaRPr lang="en-US" sz="1600" dirty="0">
               <a:solidFill>
                 <a:schemeClr val="bg1"/>
               </a:solidFill>
+              <a:latin typeface="Courier New" panose="02070309020205020404" pitchFamily="49" charset="0"/>
+              <a:cs typeface="Courier New" panose="02070309020205020404" pitchFamily="49" charset="0"/>
             </a:endParaRPr>
           </a:p>
           <a:p>
-            <a:pPr marL="457200" indent="-457200">
+            <a:pPr marL="342900" indent="-342900">
               <a:buClr>
                 <a:schemeClr val="bg1"/>
               </a:buClr>
-              <a:buFont typeface="+mj-lt"/>
               <a:buAutoNum type="arabicPeriod"/>
             </a:pPr>
             <a:r>
-              <a:rPr lang="en-US" sz="2000" dirty="0">
+              <a:rPr lang="ru-RU" sz="1600" dirty="0">
                 <a:solidFill>
                   <a:schemeClr val="bg1"/>
                 </a:solidFill>
-              </a:rPr>
-              <a:t>DDL (Data Definition Language)</a:t>
-            </a:r>
-          </a:p>
-          <a:p>
-            <a:pPr marL="457200" indent="-457200">
-              <a:buClr>
-                <a:schemeClr val="bg1"/>
-              </a:buClr>
-              <a:buFont typeface="+mj-lt"/>
-              <a:buAutoNum type="arabicPeriod"/>
-            </a:pPr>
-            <a:r>
-              <a:rPr lang="en-US" sz="2000" dirty="0">
+                <a:latin typeface="Courier New" panose="02070309020205020404" pitchFamily="49" charset="0"/>
+                <a:cs typeface="Courier New" panose="02070309020205020404" pitchFamily="49" charset="0"/>
+              </a:rPr>
+              <a:t>Написать хранимую процедуру с входящим параметром </a:t>
+            </a:r>
+            <a:r>
+              <a:rPr lang="ru-RU" sz="1600" dirty="0" err="1">
                 <a:solidFill>
                   <a:schemeClr val="bg1"/>
                 </a:solidFill>
-              </a:rPr>
-              <a:t>TCL (Transaction Query Language)</a:t>
-            </a:r>
-            <a:endParaRPr lang="ru-RU" sz="2000" dirty="0">
+                <a:latin typeface="Courier New" panose="02070309020205020404" pitchFamily="49" charset="0"/>
+                <a:cs typeface="Courier New" panose="02070309020205020404" pitchFamily="49" charset="0"/>
+              </a:rPr>
+              <a:t>СustomerID</a:t>
+            </a:r>
+            <a:r>
+              <a:rPr lang="ru-RU" sz="1600" dirty="0">
+                <a:solidFill>
+                  <a:schemeClr val="bg1"/>
+                </a:solidFill>
+                <a:latin typeface="Courier New" panose="02070309020205020404" pitchFamily="49" charset="0"/>
+                <a:cs typeface="Courier New" panose="02070309020205020404" pitchFamily="49" charset="0"/>
+              </a:rPr>
+              <a:t>, выводящую сумму покупки по этому клиенту.</a:t>
+            </a:r>
+            <a:br>
+              <a:rPr lang="en-US" sz="1600" dirty="0">
+                <a:solidFill>
+                  <a:schemeClr val="bg1"/>
+                </a:solidFill>
+                <a:latin typeface="Courier New" panose="02070309020205020404" pitchFamily="49" charset="0"/>
+                <a:cs typeface="Courier New" panose="02070309020205020404" pitchFamily="49" charset="0"/>
+              </a:rPr>
+            </a:br>
+            <a:r>
+              <a:rPr lang="ru-RU" sz="1600" dirty="0">
+                <a:solidFill>
+                  <a:schemeClr val="bg1"/>
+                </a:solidFill>
+                <a:latin typeface="Courier New" panose="02070309020205020404" pitchFamily="49" charset="0"/>
+                <a:cs typeface="Courier New" panose="02070309020205020404" pitchFamily="49" charset="0"/>
+              </a:rPr>
+              <a:t>Использовать таблицы:</a:t>
+            </a:r>
+            <a:br>
+              <a:rPr lang="en-US" sz="1600" dirty="0">
+                <a:solidFill>
+                  <a:schemeClr val="bg1"/>
+                </a:solidFill>
+                <a:latin typeface="Courier New" panose="02070309020205020404" pitchFamily="49" charset="0"/>
+                <a:cs typeface="Courier New" panose="02070309020205020404" pitchFamily="49" charset="0"/>
+              </a:rPr>
+            </a:br>
+            <a:r>
+              <a:rPr lang="ru-RU" sz="1600" dirty="0" err="1">
+                <a:solidFill>
+                  <a:schemeClr val="bg1"/>
+                </a:solidFill>
+                <a:latin typeface="Courier New" panose="02070309020205020404" pitchFamily="49" charset="0"/>
+                <a:cs typeface="Courier New" panose="02070309020205020404" pitchFamily="49" charset="0"/>
+              </a:rPr>
+              <a:t>Sales.CustomersSales</a:t>
+            </a:r>
+            <a:r>
+              <a:rPr lang="ru-RU" sz="1600" dirty="0">
+                <a:solidFill>
+                  <a:schemeClr val="bg1"/>
+                </a:solidFill>
+                <a:latin typeface="Courier New" panose="02070309020205020404" pitchFamily="49" charset="0"/>
+                <a:cs typeface="Courier New" panose="02070309020205020404" pitchFamily="49" charset="0"/>
+              </a:rPr>
+              <a:t>.</a:t>
+            </a:r>
+            <a:r>
+              <a:rPr lang="en-US" sz="1600" dirty="0">
+                <a:solidFill>
+                  <a:schemeClr val="bg1"/>
+                </a:solidFill>
+                <a:latin typeface="Courier New" panose="02070309020205020404" pitchFamily="49" charset="0"/>
+                <a:cs typeface="Courier New" panose="02070309020205020404" pitchFamily="49" charset="0"/>
+              </a:rPr>
+              <a:t> </a:t>
+            </a:r>
+            <a:r>
+              <a:rPr lang="ru-RU" sz="1600" dirty="0" err="1">
+                <a:solidFill>
+                  <a:schemeClr val="bg1"/>
+                </a:solidFill>
+                <a:latin typeface="Courier New" panose="02070309020205020404" pitchFamily="49" charset="0"/>
+                <a:cs typeface="Courier New" panose="02070309020205020404" pitchFamily="49" charset="0"/>
+              </a:rPr>
+              <a:t>InvoicesSales</a:t>
+            </a:r>
+            <a:r>
+              <a:rPr lang="ru-RU" sz="1600" dirty="0">
+                <a:solidFill>
+                  <a:schemeClr val="bg1"/>
+                </a:solidFill>
+                <a:latin typeface="Courier New" panose="02070309020205020404" pitchFamily="49" charset="0"/>
+                <a:cs typeface="Courier New" panose="02070309020205020404" pitchFamily="49" charset="0"/>
+              </a:rPr>
+              <a:t>.</a:t>
+            </a:r>
+            <a:r>
+              <a:rPr lang="en-US" sz="1600" dirty="0">
+                <a:solidFill>
+                  <a:schemeClr val="bg1"/>
+                </a:solidFill>
+                <a:latin typeface="Courier New" panose="02070309020205020404" pitchFamily="49" charset="0"/>
+                <a:cs typeface="Courier New" panose="02070309020205020404" pitchFamily="49" charset="0"/>
+              </a:rPr>
+              <a:t> </a:t>
+            </a:r>
+            <a:r>
+              <a:rPr lang="ru-RU" sz="1600" dirty="0" err="1">
+                <a:solidFill>
+                  <a:schemeClr val="bg1"/>
+                </a:solidFill>
+                <a:latin typeface="Courier New" panose="02070309020205020404" pitchFamily="49" charset="0"/>
+                <a:cs typeface="Courier New" panose="02070309020205020404" pitchFamily="49" charset="0"/>
+              </a:rPr>
+              <a:t>InvoiceLines</a:t>
+            </a:r>
+            <a:endParaRPr lang="ru-RU" sz="1600" dirty="0">
               <a:solidFill>
                 <a:schemeClr val="bg1"/>
               </a:solidFill>
+              <a:latin typeface="Courier New" panose="02070309020205020404" pitchFamily="49" charset="0"/>
+              <a:cs typeface="Courier New" panose="02070309020205020404" pitchFamily="49" charset="0"/>
             </a:endParaRPr>
           </a:p>
         </p:txBody>
@@ -11660,7 +10824,7 @@
     </p:spTree>
     <p:extLst>
       <p:ext uri="{BB962C8B-B14F-4D97-AF65-F5344CB8AC3E}">
-        <p14:creationId xmlns:p14="http://schemas.microsoft.com/office/powerpoint/2010/main" val="2227282076"/>
+        <p14:creationId xmlns:p14="http://schemas.microsoft.com/office/powerpoint/2010/main" val="2658651213"/>
       </p:ext>
     </p:extLst>
   </p:cSld>
@@ -11692,7 +10856,7 @@
           <p:cNvPr id="2" name="Заголовок 1">
             <a:extLst>
               <a:ext uri="{FF2B5EF4-FFF2-40B4-BE49-F238E27FC236}">
-                <a16:creationId xmlns:a16="http://schemas.microsoft.com/office/drawing/2014/main" id="{2E82D768-F30E-93CD-7CC3-ABA6C4F3C0EC}"/>
+                <a16:creationId xmlns:a16="http://schemas.microsoft.com/office/drawing/2014/main" id="{6A6BCFF1-EF04-E477-8900-81E0A0F7EAD3}"/>
               </a:ext>
             </a:extLst>
           </p:cNvPr>
@@ -11710,7 +10874,7 @@
           <a:p>
             <a:r>
               <a:rPr lang="ru-RU" dirty="0"/>
-              <a:t>Добавление данных</a:t>
+              <a:t>Домашнее задание</a:t>
             </a:r>
           </a:p>
         </p:txBody>
@@ -11720,7 +10884,7 @@
           <p:cNvPr id="4" name="TextBox 3">
             <a:extLst>
               <a:ext uri="{FF2B5EF4-FFF2-40B4-BE49-F238E27FC236}">
-                <a16:creationId xmlns:a16="http://schemas.microsoft.com/office/drawing/2014/main" id="{70CA2F63-123E-8E29-5BA0-3A170927C730}"/>
+                <a16:creationId xmlns:a16="http://schemas.microsoft.com/office/drawing/2014/main" id="{33245E22-E22E-750A-4CA8-96703DBB1F61}"/>
               </a:ext>
             </a:extLst>
           </p:cNvPr>
@@ -11729,8 +10893,8 @@
         </p:nvSpPr>
         <p:spPr>
           <a:xfrm>
-            <a:off x="415158" y="1232564"/>
-            <a:ext cx="7551683" cy="472565"/>
+            <a:off x="394137" y="1288665"/>
+            <a:ext cx="8035159" cy="1077218"/>
           </a:xfrm>
           <a:prstGeom prst="rect">
             <a:avLst/>
@@ -11743,240 +10907,119 @@
           </a:bodyPr>
           <a:lstStyle/>
           <a:p>
-            <a:pPr indent="269875" algn="just">
-              <a:lnSpc>
-                <a:spcPct val="150000"/>
-              </a:lnSpc>
+            <a:pPr>
+              <a:buClr>
+                <a:schemeClr val="bg1"/>
+              </a:buClr>
             </a:pPr>
             <a:r>
-              <a:rPr lang="ru-RU" sz="1800" dirty="0">
+              <a:rPr lang="en-US" sz="1600" dirty="0">
                 <a:solidFill>
                   <a:schemeClr val="bg1"/>
                 </a:solidFill>
-                <a:effectLst/>
-                <a:latin typeface="Times New Roman" panose="02020603050405020304" pitchFamily="18" charset="0"/>
-                <a:ea typeface="Calibri" panose="020F0502020204030204" pitchFamily="34" charset="0"/>
-                <a:cs typeface="Times New Roman" panose="02020603050405020304" pitchFamily="18" charset="0"/>
-              </a:rPr>
-              <a:t>Для вставки новых строк используется оператор </a:t>
-            </a:r>
-            <a:r>
-              <a:rPr lang="en-US" sz="1800" dirty="0">
+                <a:latin typeface="Courier New" panose="02070309020205020404" pitchFamily="49" charset="0"/>
+                <a:cs typeface="Courier New" panose="02070309020205020404" pitchFamily="49" charset="0"/>
+              </a:rPr>
+              <a:t>3. </a:t>
+            </a:r>
+            <a:r>
+              <a:rPr lang="ru-RU" sz="1600" dirty="0">
                 <a:solidFill>
                   <a:schemeClr val="bg1"/>
                 </a:solidFill>
-                <a:effectLst/>
                 <a:latin typeface="Courier New" panose="02070309020205020404" pitchFamily="49" charset="0"/>
-                <a:ea typeface="Calibri" panose="020F0502020204030204" pitchFamily="34" charset="0"/>
-                <a:cs typeface="Times New Roman" panose="02020603050405020304" pitchFamily="18" charset="0"/>
-              </a:rPr>
-              <a:t>INSERT</a:t>
-            </a:r>
-            <a:endParaRPr lang="ru-RU" sz="1800" dirty="0">
+                <a:cs typeface="Courier New" panose="02070309020205020404" pitchFamily="49" charset="0"/>
+              </a:rPr>
+              <a:t>Создать одинаковую функцию и хранимую процедуру, посмотреть в чем разница в производительности и почему.</a:t>
+            </a:r>
+            <a:endParaRPr lang="en-US" sz="1600" dirty="0">
               <a:solidFill>
                 <a:schemeClr val="bg1"/>
               </a:solidFill>
-              <a:effectLst/>
-              <a:latin typeface="Times New Roman" panose="02020603050405020304" pitchFamily="18" charset="0"/>
-              <a:ea typeface="Calibri" panose="020F0502020204030204" pitchFamily="34" charset="0"/>
-              <a:cs typeface="Times New Roman" panose="02020603050405020304" pitchFamily="18" charset="0"/>
+              <a:latin typeface="Courier New" panose="02070309020205020404" pitchFamily="49" charset="0"/>
+              <a:cs typeface="Courier New" panose="02070309020205020404" pitchFamily="49" charset="0"/>
             </a:endParaRPr>
           </a:p>
-        </p:txBody>
-      </p:sp>
-      <p:sp>
-        <p:nvSpPr>
-          <p:cNvPr id="6" name="TextBox 5">
-            <a:extLst>
-              <a:ext uri="{FF2B5EF4-FFF2-40B4-BE49-F238E27FC236}">
-                <a16:creationId xmlns:a16="http://schemas.microsoft.com/office/drawing/2014/main" id="{A12643E9-FB83-0720-3C0C-C96B858DF29F}"/>
-              </a:ext>
-            </a:extLst>
-          </p:cNvPr>
-          <p:cNvSpPr txBox="1"/>
-          <p:nvPr/>
-        </p:nvSpPr>
-        <p:spPr>
-          <a:xfrm>
-            <a:off x="294291" y="1922379"/>
-            <a:ext cx="8650012" cy="1631216"/>
-          </a:xfrm>
-          <a:prstGeom prst="rect">
-            <a:avLst/>
-          </a:prstGeom>
-          <a:noFill/>
-        </p:spPr>
-        <p:txBody>
-          <a:bodyPr wrap="square">
-            <a:spAutoFit/>
-          </a:bodyPr>
-          <a:lstStyle/>
-          <a:p>
-            <a:r>
-              <a:rPr lang="en-US" sz="2000" dirty="0">
+          <a:p>
+            <a:pPr>
+              <a:buClr>
+                <a:schemeClr val="bg1"/>
+              </a:buClr>
+            </a:pPr>
+            <a:r>
+              <a:rPr lang="en-US" sz="1600" dirty="0">
                 <a:solidFill>
                   <a:schemeClr val="bg1"/>
                 </a:solidFill>
                 <a:latin typeface="Courier New" panose="02070309020205020404" pitchFamily="49" charset="0"/>
                 <a:cs typeface="Courier New" panose="02070309020205020404" pitchFamily="49" charset="0"/>
               </a:rPr>
-              <a:t>INSERT INTO </a:t>
-            </a:r>
-            <a:r>
-              <a:rPr lang="en-US" sz="2000" dirty="0" err="1">
+              <a:t>4. </a:t>
+            </a:r>
+            <a:r>
+              <a:rPr lang="ru-RU" sz="1600" dirty="0">
                 <a:solidFill>
                   <a:schemeClr val="bg1"/>
                 </a:solidFill>
                 <a:latin typeface="Courier New" panose="02070309020205020404" pitchFamily="49" charset="0"/>
                 <a:cs typeface="Courier New" panose="02070309020205020404" pitchFamily="49" charset="0"/>
               </a:rPr>
-              <a:t>TableName</a:t>
-            </a:r>
-            <a:r>
-              <a:rPr lang="en-US" sz="2000" dirty="0">
+              <a:t>Создайте табличную функцию покажите как ее можно вызвать для каждой строки </a:t>
+            </a:r>
+            <a:r>
+              <a:rPr lang="ru-RU" sz="1600" dirty="0" err="1">
                 <a:solidFill>
                   <a:schemeClr val="bg1"/>
                 </a:solidFill>
                 <a:latin typeface="Courier New" panose="02070309020205020404" pitchFamily="49" charset="0"/>
                 <a:cs typeface="Courier New" panose="02070309020205020404" pitchFamily="49" charset="0"/>
               </a:rPr>
-              <a:t>(Field1, ...,</a:t>
-            </a:r>
-            <a:r>
-              <a:rPr lang="en-US" sz="2000" dirty="0" err="1">
+              <a:t>result</a:t>
+            </a:r>
+            <a:r>
+              <a:rPr lang="ru-RU" sz="1600" dirty="0">
                 <a:solidFill>
                   <a:schemeClr val="bg1"/>
                 </a:solidFill>
                 <a:latin typeface="Courier New" panose="02070309020205020404" pitchFamily="49" charset="0"/>
                 <a:cs typeface="Courier New" panose="02070309020205020404" pitchFamily="49" charset="0"/>
               </a:rPr>
-              <a:t>FieldN</a:t>
-            </a:r>
-            <a:r>
-              <a:rPr lang="en-US" sz="2000" dirty="0">
+              <a:t> </a:t>
+            </a:r>
+            <a:r>
+              <a:rPr lang="ru-RU" sz="1600" dirty="0" err="1">
                 <a:solidFill>
                   <a:schemeClr val="bg1"/>
                 </a:solidFill>
                 <a:latin typeface="Courier New" panose="02070309020205020404" pitchFamily="49" charset="0"/>
                 <a:cs typeface="Courier New" panose="02070309020205020404" pitchFamily="49" charset="0"/>
               </a:rPr>
-              <a:t>) </a:t>
-            </a:r>
-          </a:p>
-          <a:p>
-            <a:r>
-              <a:rPr lang="en-US" sz="2000" dirty="0">
+              <a:t>set'а</a:t>
+            </a:r>
+            <a:r>
+              <a:rPr lang="ru-RU" sz="1600" dirty="0">
                 <a:solidFill>
                   <a:schemeClr val="bg1"/>
                 </a:solidFill>
                 <a:latin typeface="Courier New" panose="02070309020205020404" pitchFamily="49" charset="0"/>
                 <a:cs typeface="Courier New" panose="02070309020205020404" pitchFamily="49" charset="0"/>
               </a:rPr>
-              <a:t>VALUES </a:t>
-            </a:r>
-          </a:p>
-          <a:p>
-            <a:r>
-              <a:rPr lang="en-US" sz="2000" dirty="0">
-                <a:solidFill>
-                  <a:schemeClr val="bg1"/>
-                </a:solidFill>
-                <a:latin typeface="Courier New" panose="02070309020205020404" pitchFamily="49" charset="0"/>
-                <a:cs typeface="Courier New" panose="02070309020205020404" pitchFamily="49" charset="0"/>
-              </a:rPr>
-              <a:t>  (Value1ForField1, ..., </a:t>
-            </a:r>
-            <a:r>
-              <a:rPr lang="en-US" sz="2000" dirty="0" err="1">
-                <a:solidFill>
-                  <a:schemeClr val="bg1"/>
-                </a:solidFill>
-                <a:latin typeface="Courier New" panose="02070309020205020404" pitchFamily="49" charset="0"/>
-                <a:cs typeface="Courier New" panose="02070309020205020404" pitchFamily="49" charset="0"/>
-              </a:rPr>
-              <a:t>ValueNForFieldN</a:t>
-            </a:r>
-            <a:r>
-              <a:rPr lang="en-US" sz="2000" dirty="0">
-                <a:solidFill>
-                  <a:schemeClr val="bg1"/>
-                </a:solidFill>
-                <a:latin typeface="Courier New" panose="02070309020205020404" pitchFamily="49" charset="0"/>
-                <a:cs typeface="Courier New" panose="02070309020205020404" pitchFamily="49" charset="0"/>
-              </a:rPr>
-              <a:t>)--1-</a:t>
-            </a:r>
-            <a:r>
-              <a:rPr lang="ru-RU" sz="2000" dirty="0">
-                <a:solidFill>
-                  <a:schemeClr val="bg1"/>
-                </a:solidFill>
-                <a:latin typeface="Courier New" panose="02070309020205020404" pitchFamily="49" charset="0"/>
-                <a:cs typeface="Courier New" panose="02070309020205020404" pitchFamily="49" charset="0"/>
-              </a:rPr>
-              <a:t>я строка</a:t>
-            </a:r>
-          </a:p>
-          <a:p>
-            <a:r>
-              <a:rPr lang="ru-RU" sz="2000" dirty="0">
-                <a:solidFill>
-                  <a:schemeClr val="bg1"/>
-                </a:solidFill>
-                <a:latin typeface="Courier New" panose="02070309020205020404" pitchFamily="49" charset="0"/>
-                <a:cs typeface="Courier New" panose="02070309020205020404" pitchFamily="49" charset="0"/>
-              </a:rPr>
-              <a:t>, (...),-- очередная строка</a:t>
-            </a:r>
-          </a:p>
-          <a:p>
-            <a:r>
-              <a:rPr lang="ru-RU" sz="2000" dirty="0">
-                <a:solidFill>
-                  <a:schemeClr val="bg1"/>
-                </a:solidFill>
-                <a:latin typeface="Courier New" panose="02070309020205020404" pitchFamily="49" charset="0"/>
-                <a:cs typeface="Courier New" panose="02070309020205020404" pitchFamily="49" charset="0"/>
-              </a:rPr>
-              <a:t>, (</a:t>
-            </a:r>
-            <a:r>
-              <a:rPr lang="en-US" sz="2000" dirty="0">
-                <a:solidFill>
-                  <a:schemeClr val="bg1"/>
-                </a:solidFill>
-                <a:latin typeface="Courier New" panose="02070309020205020404" pitchFamily="49" charset="0"/>
-                <a:cs typeface="Courier New" panose="02070309020205020404" pitchFamily="49" charset="0"/>
-              </a:rPr>
-              <a:t>ValueMForField1, ..., </a:t>
-            </a:r>
-            <a:r>
-              <a:rPr lang="en-US" sz="2000" dirty="0" err="1">
-                <a:solidFill>
-                  <a:schemeClr val="bg1"/>
-                </a:solidFill>
-                <a:latin typeface="Courier New" panose="02070309020205020404" pitchFamily="49" charset="0"/>
-                <a:cs typeface="Courier New" panose="02070309020205020404" pitchFamily="49" charset="0"/>
-              </a:rPr>
-              <a:t>ValueKForFieldN</a:t>
-            </a:r>
-            <a:r>
-              <a:rPr lang="en-US" sz="2000" dirty="0">
-                <a:solidFill>
-                  <a:schemeClr val="bg1"/>
-                </a:solidFill>
-                <a:latin typeface="Courier New" panose="02070309020205020404" pitchFamily="49" charset="0"/>
-                <a:cs typeface="Courier New" panose="02070309020205020404" pitchFamily="49" charset="0"/>
-              </a:rPr>
-              <a:t>);</a:t>
-            </a:r>
+              <a:t> без использования цикла. </a:t>
+            </a:r>
+            <a:endParaRPr lang="en-US" sz="1600" dirty="0">
+              <a:solidFill>
+                <a:schemeClr val="bg1"/>
+              </a:solidFill>
+              <a:latin typeface="Courier New" panose="02070309020205020404" pitchFamily="49" charset="0"/>
+              <a:cs typeface="Courier New" panose="02070309020205020404" pitchFamily="49" charset="0"/>
+            </a:endParaRPr>
           </a:p>
         </p:txBody>
       </p:sp>
     </p:spTree>
     <p:extLst>
       <p:ext uri="{BB962C8B-B14F-4D97-AF65-F5344CB8AC3E}">
-        <p14:creationId xmlns:p14="http://schemas.microsoft.com/office/powerpoint/2010/main" val="2159949505"/>
+        <p14:creationId xmlns:p14="http://schemas.microsoft.com/office/powerpoint/2010/main" val="3834429863"/>
       </p:ext>
     </p:extLst>
   </p:cSld>
@@ -12008,7 +11051,7 @@
           <p:cNvPr id="2" name="Заголовок 1">
             <a:extLst>
               <a:ext uri="{FF2B5EF4-FFF2-40B4-BE49-F238E27FC236}">
-                <a16:creationId xmlns:a16="http://schemas.microsoft.com/office/drawing/2014/main" id="{2E82D768-F30E-93CD-7CC3-ABA6C4F3C0EC}"/>
+                <a16:creationId xmlns:a16="http://schemas.microsoft.com/office/drawing/2014/main" id="{39B4084F-39F6-50CF-5304-57151ADB6A4C}"/>
               </a:ext>
             </a:extLst>
           </p:cNvPr>
@@ -12026,22 +11069,17 @@
           <a:p>
             <a:r>
               <a:rPr lang="ru-RU" dirty="0"/>
-              <a:t>Добавление данных </a:t>
-            </a:r>
-            <a:r>
-              <a:rPr lang="en-US" dirty="0"/>
-              <a:t>LIVE</a:t>
-            </a:r>
-            <a:endParaRPr lang="ru-RU" dirty="0"/>
+              <a:t>Функции и процедуры</a:t>
+            </a:r>
           </a:p>
         </p:txBody>
       </p:sp>
       <p:sp>
         <p:nvSpPr>
-          <p:cNvPr id="4" name="TextBox 3">
+          <p:cNvPr id="5" name="TextBox 4">
             <a:extLst>
               <a:ext uri="{FF2B5EF4-FFF2-40B4-BE49-F238E27FC236}">
-                <a16:creationId xmlns:a16="http://schemas.microsoft.com/office/drawing/2014/main" id="{70CA2F63-123E-8E29-5BA0-3A170927C730}"/>
+                <a16:creationId xmlns:a16="http://schemas.microsoft.com/office/drawing/2014/main" id="{544466D4-A473-9D47-6ED6-B3F2C95045F7}"/>
               </a:ext>
             </a:extLst>
           </p:cNvPr>
@@ -12050,8 +11088,8 @@
         </p:nvSpPr>
         <p:spPr>
           <a:xfrm>
-            <a:off x="415158" y="1232564"/>
-            <a:ext cx="7551683" cy="2120068"/>
+            <a:off x="500550" y="1121824"/>
+            <a:ext cx="8412222" cy="3785652"/>
           </a:xfrm>
           <a:prstGeom prst="rect">
             <a:avLst/>
@@ -12059,177 +11097,74 @@
           <a:noFill/>
         </p:spPr>
         <p:txBody>
-          <a:bodyPr wrap="square">
+          <a:bodyPr wrap="square" rtlCol="0">
             <a:spAutoFit/>
           </a:bodyPr>
           <a:lstStyle/>
           <a:p>
-            <a:pPr indent="269875" algn="just">
-              <a:lnSpc>
-                <a:spcPct val="150000"/>
-              </a:lnSpc>
-            </a:pPr>
-            <a:r>
-              <a:rPr lang="ru-RU" sz="1800" dirty="0">
-                <a:solidFill>
-                  <a:schemeClr val="bg1"/>
-                </a:solidFill>
-                <a:effectLst/>
-                <a:latin typeface="Times New Roman" panose="02020603050405020304" pitchFamily="18" charset="0"/>
-                <a:ea typeface="Calibri" panose="020F0502020204030204" pitchFamily="34" charset="0"/>
-                <a:cs typeface="Times New Roman" panose="02020603050405020304" pitchFamily="18" charset="0"/>
-              </a:rPr>
-              <a:t>Ограничение на количество выполнений оператора </a:t>
-            </a:r>
-            <a:r>
-              <a:rPr lang="en-US" sz="1800" dirty="0">
-                <a:solidFill>
-                  <a:schemeClr val="bg1"/>
-                </a:solidFill>
-                <a:effectLst/>
-                <a:latin typeface="Courier New" panose="02070309020205020404" pitchFamily="49" charset="0"/>
-                <a:ea typeface="Calibri" panose="020F0502020204030204" pitchFamily="34" charset="0"/>
-                <a:cs typeface="Times New Roman" panose="02020603050405020304" pitchFamily="18" charset="0"/>
-              </a:rPr>
-              <a:t>INSERT</a:t>
-            </a:r>
-            <a:r>
-              <a:rPr lang="ru-RU" sz="1800" dirty="0">
-                <a:solidFill>
-                  <a:schemeClr val="bg1"/>
-                </a:solidFill>
-                <a:latin typeface="+mn-lt"/>
-                <a:ea typeface="Calibri" panose="020F0502020204030204" pitchFamily="34" charset="0"/>
-                <a:cs typeface="Times New Roman" panose="02020603050405020304" pitchFamily="18" charset="0"/>
-              </a:rPr>
-              <a:t>.</a:t>
-            </a:r>
-          </a:p>
-          <a:p>
-            <a:pPr indent="269875" algn="just">
-              <a:lnSpc>
-                <a:spcPct val="150000"/>
-              </a:lnSpc>
-            </a:pPr>
-            <a:r>
-              <a:rPr lang="ru-RU" sz="1800" dirty="0">
-                <a:solidFill>
-                  <a:schemeClr val="bg1"/>
-                </a:solidFill>
-                <a:latin typeface="Times New Roman" panose="02020603050405020304" pitchFamily="18" charset="0"/>
-                <a:cs typeface="Times New Roman" panose="02020603050405020304" pitchFamily="18" charset="0"/>
-              </a:rPr>
-              <a:t>Ограничение на вставляемые данные:</a:t>
-            </a:r>
-          </a:p>
-          <a:p>
-            <a:pPr marL="285750" indent="-285750" algn="just">
-              <a:lnSpc>
-                <a:spcPct val="150000"/>
-              </a:lnSpc>
+            <a:pPr marL="457200" indent="-457200">
               <a:buClr>
                 <a:schemeClr val="bg1"/>
               </a:buClr>
-              <a:buFont typeface="Arial" panose="020B0604020202020204" pitchFamily="34" charset="0"/>
-              <a:buChar char="•"/>
+              <a:buFont typeface="+mj-lt"/>
+              <a:buAutoNum type="arabicPeriod"/>
             </a:pPr>
             <a:r>
-              <a:rPr lang="ru-RU" sz="1800" dirty="0">
+              <a:rPr lang="ru-RU" sz="2000" dirty="0">
                 <a:solidFill>
                   <a:schemeClr val="bg1"/>
                 </a:solidFill>
-                <a:latin typeface="Times New Roman" panose="02020603050405020304" pitchFamily="18" charset="0"/>
-                <a:cs typeface="Times New Roman" panose="02020603050405020304" pitchFamily="18" charset="0"/>
-              </a:rPr>
-              <a:t>данные </a:t>
-            </a:r>
-            <a:r>
-              <a:rPr lang="en-US" sz="1800" dirty="0">
-                <a:solidFill>
-                  <a:schemeClr val="bg1"/>
-                </a:solidFill>
-                <a:latin typeface="Times New Roman" panose="02020603050405020304" pitchFamily="18" charset="0"/>
-                <a:cs typeface="Times New Roman" panose="02020603050405020304" pitchFamily="18" charset="0"/>
-              </a:rPr>
-              <a:t>PK</a:t>
-            </a:r>
-            <a:endParaRPr lang="ru-RU" sz="1800" dirty="0">
-              <a:solidFill>
-                <a:schemeClr val="bg1"/>
-              </a:solidFill>
-              <a:latin typeface="Times New Roman" panose="02020603050405020304" pitchFamily="18" charset="0"/>
-              <a:cs typeface="Times New Roman" panose="02020603050405020304" pitchFamily="18" charset="0"/>
-            </a:endParaRPr>
-          </a:p>
-          <a:p>
-            <a:pPr marL="285750" indent="-285750" algn="just">
-              <a:lnSpc>
-                <a:spcPct val="150000"/>
-              </a:lnSpc>
+              </a:rPr>
+              <a:t>Модульное программирование. Вы можете создать функцию один раз, сохранить ее в базе данных и вызывать ее в своей программе любое количество раз. Пользовательские функции могут быть изменены независимо от исходного кода программы.</a:t>
+            </a:r>
+          </a:p>
+          <a:p>
+            <a:pPr marL="457200" indent="-457200">
               <a:buClr>
                 <a:schemeClr val="bg1"/>
               </a:buClr>
-              <a:buFont typeface="Arial" panose="020B0604020202020204" pitchFamily="34" charset="0"/>
-              <a:buChar char="•"/>
+              <a:buFont typeface="+mj-lt"/>
+              <a:buAutoNum type="arabicPeriod"/>
             </a:pPr>
             <a:r>
-              <a:rPr lang="ru-RU" sz="1800" dirty="0">
+              <a:rPr lang="ru-RU" sz="2000" dirty="0">
                 <a:solidFill>
                   <a:schemeClr val="bg1"/>
                 </a:solidFill>
-                <a:latin typeface="Times New Roman" panose="02020603050405020304" pitchFamily="18" charset="0"/>
-                <a:cs typeface="Times New Roman" panose="02020603050405020304" pitchFamily="18" charset="0"/>
-              </a:rPr>
-              <a:t>данные </a:t>
-            </a:r>
-            <a:r>
-              <a:rPr lang="en-US" sz="1800" dirty="0">
+              </a:rPr>
+              <a:t>Более быстрое исполнение. Подобно хранимым процедурам, определяемые пользователем функции </a:t>
+            </a:r>
+            <a:r>
+              <a:rPr lang="ru-RU" sz="2000" dirty="0" err="1">
                 <a:solidFill>
                   <a:schemeClr val="bg1"/>
                 </a:solidFill>
-                <a:latin typeface="Times New Roman" panose="02020603050405020304" pitchFamily="18" charset="0"/>
-                <a:cs typeface="Times New Roman" panose="02020603050405020304" pitchFamily="18" charset="0"/>
-              </a:rPr>
-              <a:t>FK</a:t>
-            </a:r>
-            <a:endParaRPr lang="ru-RU" sz="1800" dirty="0">
-              <a:solidFill>
-                <a:schemeClr val="bg1"/>
-              </a:solidFill>
-              <a:latin typeface="Times New Roman" panose="02020603050405020304" pitchFamily="18" charset="0"/>
-              <a:cs typeface="Times New Roman" panose="02020603050405020304" pitchFamily="18" charset="0"/>
-            </a:endParaRPr>
-          </a:p>
-          <a:p>
-            <a:pPr marL="285750" indent="-285750" algn="just">
-              <a:lnSpc>
-                <a:spcPct val="150000"/>
-              </a:lnSpc>
-              <a:buClr>
-                <a:schemeClr val="bg1"/>
-              </a:buClr>
-              <a:buFont typeface="Arial" panose="020B0604020202020204" pitchFamily="34" charset="0"/>
-              <a:buChar char="•"/>
-            </a:pPr>
-            <a:r>
-              <a:rPr lang="ru-RU" sz="1800" dirty="0">
+              </a:rPr>
+              <a:t>Transact</a:t>
+            </a:r>
+            <a:r>
+              <a:rPr lang="ru-RU" sz="2000" dirty="0">
                 <a:solidFill>
                   <a:schemeClr val="bg1"/>
                 </a:solidFill>
-                <a:latin typeface="Times New Roman" panose="02020603050405020304" pitchFamily="18" charset="0"/>
-                <a:cs typeface="Times New Roman" panose="02020603050405020304" pitchFamily="18" charset="0"/>
-              </a:rPr>
-              <a:t>данные в поля типа </a:t>
-            </a:r>
-            <a:r>
-              <a:rPr lang="en-US" sz="1800" dirty="0">
+              </a:rPr>
+              <a:t>-SQL сокращают затраты на компиляцию кода </a:t>
+            </a:r>
+            <a:r>
+              <a:rPr lang="ru-RU" sz="2000" dirty="0" err="1">
                 <a:solidFill>
                   <a:schemeClr val="bg1"/>
                 </a:solidFill>
-                <a:latin typeface="Times New Roman" panose="02020603050405020304" pitchFamily="18" charset="0"/>
-                <a:cs typeface="Times New Roman" panose="02020603050405020304" pitchFamily="18" charset="0"/>
-              </a:rPr>
-              <a:t>NVARCHAR()</a:t>
+              </a:rPr>
+              <a:t>Transact</a:t>
+            </a:r>
+            <a:r>
+              <a:rPr lang="ru-RU" sz="2000" dirty="0">
+                <a:solidFill>
+                  <a:schemeClr val="bg1"/>
+                </a:solidFill>
+              </a:rPr>
+              <a:t>-SQL за счет кэширования планов и их повторного использования для повторного выполнения. Это означает, что пользовательскую функцию не нужно повторно анализировать и оптимизировать при каждом использовании, что приводит к гораздо более быстрому выполнению.</a:t>
             </a:r>
           </a:p>
         </p:txBody>
@@ -12237,7 +11172,7 @@
     </p:spTree>
     <p:extLst>
       <p:ext uri="{BB962C8B-B14F-4D97-AF65-F5344CB8AC3E}">
-        <p14:creationId xmlns:p14="http://schemas.microsoft.com/office/powerpoint/2010/main" val="1684066419"/>
+        <p14:creationId xmlns:p14="http://schemas.microsoft.com/office/powerpoint/2010/main" val="1170160834"/>
       </p:ext>
     </p:extLst>
   </p:cSld>
@@ -12269,7 +11204,7 @@
           <p:cNvPr id="2" name="Заголовок 1">
             <a:extLst>
               <a:ext uri="{FF2B5EF4-FFF2-40B4-BE49-F238E27FC236}">
-                <a16:creationId xmlns:a16="http://schemas.microsoft.com/office/drawing/2014/main" id="{2E82D768-F30E-93CD-7CC3-ABA6C4F3C0EC}"/>
+                <a16:creationId xmlns:a16="http://schemas.microsoft.com/office/drawing/2014/main" id="{39B4084F-39F6-50CF-5304-57151ADB6A4C}"/>
               </a:ext>
             </a:extLst>
           </p:cNvPr>
@@ -12287,17 +11222,17 @@
           <a:p>
             <a:r>
               <a:rPr lang="ru-RU" dirty="0"/>
-              <a:t>Добавление данных</a:t>
+              <a:t>Функции и процедуры</a:t>
             </a:r>
           </a:p>
         </p:txBody>
       </p:sp>
       <p:sp>
         <p:nvSpPr>
-          <p:cNvPr id="4" name="TextBox 3">
+          <p:cNvPr id="5" name="TextBox 4">
             <a:extLst>
               <a:ext uri="{FF2B5EF4-FFF2-40B4-BE49-F238E27FC236}">
-                <a16:creationId xmlns:a16="http://schemas.microsoft.com/office/drawing/2014/main" id="{70CA2F63-123E-8E29-5BA0-3A170927C730}"/>
+                <a16:creationId xmlns:a16="http://schemas.microsoft.com/office/drawing/2014/main" id="{544466D4-A473-9D47-6ED6-B3F2C95045F7}"/>
               </a:ext>
             </a:extLst>
           </p:cNvPr>
@@ -12306,8 +11241,8 @@
         </p:nvSpPr>
         <p:spPr>
           <a:xfrm>
-            <a:off x="415158" y="1232564"/>
-            <a:ext cx="7551683" cy="1704569"/>
+            <a:off x="500550" y="1121824"/>
+            <a:ext cx="8412222" cy="1938992"/>
           </a:xfrm>
           <a:prstGeom prst="rect">
             <a:avLst/>
@@ -12315,256 +11250,31 @@
           <a:noFill/>
         </p:spPr>
         <p:txBody>
-          <a:bodyPr wrap="square">
+          <a:bodyPr wrap="square" rtlCol="0">
             <a:spAutoFit/>
           </a:bodyPr>
           <a:lstStyle/>
           <a:p>
-            <a:pPr indent="269875" algn="just">
-              <a:lnSpc>
-                <a:spcPct val="150000"/>
-              </a:lnSpc>
+            <a:pPr>
+              <a:buClr>
+                <a:schemeClr val="bg1"/>
+              </a:buClr>
             </a:pPr>
             <a:r>
-              <a:rPr lang="ru-RU" sz="1800" dirty="0">
+              <a:rPr lang="ru-RU" sz="2000" dirty="0">
                 <a:solidFill>
                   <a:schemeClr val="bg1"/>
                 </a:solidFill>
-                <a:effectLst/>
-                <a:latin typeface="Times New Roman" panose="02020603050405020304" pitchFamily="18" charset="0"/>
-                <a:ea typeface="Calibri" panose="020F0502020204030204" pitchFamily="34" charset="0"/>
-                <a:cs typeface="Times New Roman" panose="02020603050405020304" pitchFamily="18" charset="0"/>
-              </a:rPr>
-              <a:t>Инструкция INSERT INTO SELECT копирует данные из одной таблицы и вставляет их в другую таблицу</a:t>
-            </a:r>
-            <a:r>
-              <a:rPr lang="en-US" sz="1800" dirty="0">
-                <a:solidFill>
-                  <a:schemeClr val="bg1"/>
-                </a:solidFill>
-                <a:effectLst/>
-                <a:latin typeface="Times New Roman" panose="02020603050405020304" pitchFamily="18" charset="0"/>
-                <a:ea typeface="Calibri" panose="020F0502020204030204" pitchFamily="34" charset="0"/>
-                <a:cs typeface="Times New Roman" panose="02020603050405020304" pitchFamily="18" charset="0"/>
-              </a:rPr>
-              <a:t> (</a:t>
-            </a:r>
-            <a:r>
-              <a:rPr lang="ru-RU" sz="1800" dirty="0">
-                <a:solidFill>
-                  <a:schemeClr val="bg1"/>
-                </a:solidFill>
-                <a:effectLst/>
-                <a:latin typeface="Times New Roman" panose="02020603050405020304" pitchFamily="18" charset="0"/>
-                <a:ea typeface="Calibri" panose="020F0502020204030204" pitchFamily="34" charset="0"/>
-                <a:cs typeface="Times New Roman" panose="02020603050405020304" pitchFamily="18" charset="0"/>
-              </a:rPr>
-              <a:t>типы данных в исходной и целевой таблицах совпада</a:t>
-            </a:r>
-            <a:r>
-              <a:rPr lang="ru-RU" sz="1800" dirty="0">
-                <a:solidFill>
-                  <a:schemeClr val="bg1"/>
-                </a:solidFill>
-                <a:latin typeface="Times New Roman" panose="02020603050405020304" pitchFamily="18" charset="0"/>
-                <a:ea typeface="Calibri" panose="020F0502020204030204" pitchFamily="34" charset="0"/>
-                <a:cs typeface="Times New Roman" panose="02020603050405020304" pitchFamily="18" charset="0"/>
-              </a:rPr>
-              <a:t>ют</a:t>
-            </a:r>
-            <a:r>
-              <a:rPr lang="en-US" sz="1800" dirty="0">
-                <a:solidFill>
-                  <a:schemeClr val="bg1"/>
-                </a:solidFill>
-                <a:effectLst/>
-                <a:latin typeface="Times New Roman" panose="02020603050405020304" pitchFamily="18" charset="0"/>
-                <a:ea typeface="Calibri" panose="020F0502020204030204" pitchFamily="34" charset="0"/>
-                <a:cs typeface="Times New Roman" panose="02020603050405020304" pitchFamily="18" charset="0"/>
-              </a:rPr>
-              <a:t>)</a:t>
-            </a:r>
-            <a:r>
-              <a:rPr lang="ru-RU" sz="1800" dirty="0">
-                <a:solidFill>
-                  <a:schemeClr val="bg1"/>
-                </a:solidFill>
-                <a:effectLst/>
-                <a:latin typeface="Times New Roman" panose="02020603050405020304" pitchFamily="18" charset="0"/>
-                <a:ea typeface="Calibri" panose="020F0502020204030204" pitchFamily="34" charset="0"/>
-                <a:cs typeface="Times New Roman" panose="02020603050405020304" pitchFamily="18" charset="0"/>
-              </a:rPr>
-              <a:t>.</a:t>
-            </a:r>
-            <a:endParaRPr lang="en-US" sz="1800" dirty="0">
-              <a:solidFill>
-                <a:schemeClr val="bg1"/>
-              </a:solidFill>
-              <a:effectLst/>
-              <a:latin typeface="Times New Roman" panose="02020603050405020304" pitchFamily="18" charset="0"/>
-              <a:ea typeface="Calibri" panose="020F0502020204030204" pitchFamily="34" charset="0"/>
-              <a:cs typeface="Times New Roman" panose="02020603050405020304" pitchFamily="18" charset="0"/>
-            </a:endParaRPr>
-          </a:p>
-          <a:p>
-            <a:pPr indent="269875" algn="just">
-              <a:lnSpc>
-                <a:spcPct val="150000"/>
-              </a:lnSpc>
-            </a:pPr>
-            <a:r>
-              <a:rPr lang="ru-RU" sz="1800" dirty="0">
-                <a:solidFill>
-                  <a:schemeClr val="bg1"/>
-                </a:solidFill>
-                <a:effectLst/>
-                <a:latin typeface="Times New Roman" panose="02020603050405020304" pitchFamily="18" charset="0"/>
-                <a:ea typeface="Calibri" panose="020F0502020204030204" pitchFamily="34" charset="0"/>
-                <a:cs typeface="Times New Roman" panose="02020603050405020304" pitchFamily="18" charset="0"/>
-              </a:rPr>
-              <a:t>Копирование всех столбцов из одной таблицы в другую:</a:t>
-            </a:r>
-          </a:p>
-        </p:txBody>
-      </p:sp>
-      <p:sp>
-        <p:nvSpPr>
-          <p:cNvPr id="6" name="TextBox 5">
-            <a:extLst>
-              <a:ext uri="{FF2B5EF4-FFF2-40B4-BE49-F238E27FC236}">
-                <a16:creationId xmlns:a16="http://schemas.microsoft.com/office/drawing/2014/main" id="{A12643E9-FB83-0720-3C0C-C96B858DF29F}"/>
-              </a:ext>
-            </a:extLst>
-          </p:cNvPr>
-          <p:cNvSpPr txBox="1"/>
-          <p:nvPr/>
-        </p:nvSpPr>
-        <p:spPr>
-          <a:xfrm>
-            <a:off x="500550" y="3238808"/>
-            <a:ext cx="4766440" cy="1200329"/>
-          </a:xfrm>
-          <a:prstGeom prst="rect">
-            <a:avLst/>
-          </a:prstGeom>
-          <a:noFill/>
-        </p:spPr>
-        <p:txBody>
-          <a:bodyPr wrap="square">
-            <a:spAutoFit/>
-          </a:bodyPr>
-          <a:lstStyle/>
-          <a:p>
-            <a:r>
-              <a:rPr lang="en-US" sz="2400" b="0" i="0" dirty="0">
-                <a:solidFill>
-                  <a:schemeClr val="bg1"/>
-                </a:solidFill>
-                <a:effectLst/>
-                <a:latin typeface="Courier New" panose="02070309020205020404" pitchFamily="49" charset="0"/>
-                <a:cs typeface="Courier New" panose="02070309020205020404" pitchFamily="49" charset="0"/>
-              </a:rPr>
-              <a:t>INSERT INTO </a:t>
-            </a:r>
-            <a:r>
-              <a:rPr lang="en-US" sz="2400" b="0" i="1" dirty="0">
-                <a:solidFill>
-                  <a:schemeClr val="bg1"/>
-                </a:solidFill>
-                <a:effectLst/>
-                <a:latin typeface="Courier New" panose="02070309020205020404" pitchFamily="49" charset="0"/>
-                <a:cs typeface="Courier New" panose="02070309020205020404" pitchFamily="49" charset="0"/>
-              </a:rPr>
-              <a:t>table2</a:t>
-            </a:r>
-            <a:br>
-              <a:rPr lang="en-US" sz="2400" dirty="0">
-                <a:solidFill>
-                  <a:schemeClr val="bg1"/>
-                </a:solidFill>
-                <a:latin typeface="Courier New" panose="02070309020205020404" pitchFamily="49" charset="0"/>
-                <a:cs typeface="Courier New" panose="02070309020205020404" pitchFamily="49" charset="0"/>
-              </a:rPr>
-            </a:br>
-            <a:r>
-              <a:rPr lang="en-US" sz="2400" b="0" i="0" dirty="0">
-                <a:solidFill>
-                  <a:schemeClr val="bg1"/>
-                </a:solidFill>
-                <a:effectLst/>
-                <a:latin typeface="Courier New" panose="02070309020205020404" pitchFamily="49" charset="0"/>
-                <a:cs typeface="Courier New" panose="02070309020205020404" pitchFamily="49" charset="0"/>
-              </a:rPr>
-              <a:t>SELECT * FROM </a:t>
-            </a:r>
-            <a:r>
-              <a:rPr lang="en-US" sz="2400" b="0" i="1" dirty="0">
-                <a:solidFill>
-                  <a:schemeClr val="bg1"/>
-                </a:solidFill>
-                <a:effectLst/>
-                <a:latin typeface="Courier New" panose="02070309020205020404" pitchFamily="49" charset="0"/>
-                <a:cs typeface="Courier New" panose="02070309020205020404" pitchFamily="49" charset="0"/>
-              </a:rPr>
-              <a:t>table1</a:t>
-            </a:r>
-            <a:br>
-              <a:rPr lang="en-US" sz="2400" b="0" i="1" dirty="0">
-                <a:solidFill>
-                  <a:schemeClr val="bg1"/>
-                </a:solidFill>
-                <a:effectLst/>
-                <a:latin typeface="Courier New" panose="02070309020205020404" pitchFamily="49" charset="0"/>
-                <a:cs typeface="Courier New" panose="02070309020205020404" pitchFamily="49" charset="0"/>
-              </a:rPr>
-            </a:br>
-            <a:r>
-              <a:rPr lang="en-US" sz="2400" b="0" i="0" dirty="0">
-                <a:solidFill>
-                  <a:schemeClr val="bg1"/>
-                </a:solidFill>
-                <a:effectLst/>
-                <a:latin typeface="Courier New" panose="02070309020205020404" pitchFamily="49" charset="0"/>
-                <a:cs typeface="Courier New" panose="02070309020205020404" pitchFamily="49" charset="0"/>
-              </a:rPr>
-              <a:t>WHERE </a:t>
-            </a:r>
-            <a:r>
-              <a:rPr lang="en-US" sz="2400" b="0" i="1" dirty="0">
-                <a:solidFill>
-                  <a:schemeClr val="bg1"/>
-                </a:solidFill>
-                <a:effectLst/>
-                <a:latin typeface="Courier New" panose="02070309020205020404" pitchFamily="49" charset="0"/>
-                <a:cs typeface="Courier New" panose="02070309020205020404" pitchFamily="49" charset="0"/>
-              </a:rPr>
-              <a:t>condition</a:t>
-            </a:r>
-            <a:r>
-              <a:rPr lang="en-US" sz="2400" b="0" i="0" dirty="0">
-                <a:solidFill>
-                  <a:schemeClr val="bg1"/>
-                </a:solidFill>
-                <a:effectLst/>
-                <a:latin typeface="Courier New" panose="02070309020205020404" pitchFamily="49" charset="0"/>
-                <a:cs typeface="Courier New" panose="02070309020205020404" pitchFamily="49" charset="0"/>
-              </a:rPr>
-              <a:t>;</a:t>
-            </a:r>
-            <a:endParaRPr lang="en-US" sz="2400" dirty="0">
-              <a:solidFill>
-                <a:schemeClr val="bg1"/>
-              </a:solidFill>
-              <a:latin typeface="Courier New" panose="02070309020205020404" pitchFamily="49" charset="0"/>
-              <a:cs typeface="Courier New" panose="02070309020205020404" pitchFamily="49" charset="0"/>
-            </a:endParaRPr>
+              </a:rPr>
+              <a:t>3. Сокращение сетевого трафика. Операция, которая фильтрует данные на основе некоторого сложного ограничения, которое не может быть выражено в одном скалярном выражении, может быть выражена как функция. Затем эту функцию можно вызвать в предложении WHERE, чтобы уменьшить количество строк, отправляемых клиенту.</a:t>
+            </a:r>
           </a:p>
         </p:txBody>
       </p:sp>
     </p:spTree>
     <p:extLst>
       <p:ext uri="{BB962C8B-B14F-4D97-AF65-F5344CB8AC3E}">
-        <p14:creationId xmlns:p14="http://schemas.microsoft.com/office/powerpoint/2010/main" val="175812508"/>
+        <p14:creationId xmlns:p14="http://schemas.microsoft.com/office/powerpoint/2010/main" val="3378984940"/>
       </p:ext>
     </p:extLst>
   </p:cSld>

--- a/Программирование.pptx
+++ b/Программирование.pptx
@@ -5,7 +5,7 @@
     <p:sldMasterId id="2147483662" r:id="rId1"/>
   </p:sldMasterIdLst>
   <p:notesMasterIdLst>
-    <p:notesMasterId r:id="rId27"/>
+    <p:notesMasterId r:id="rId28"/>
   </p:notesMasterIdLst>
   <p:sldIdLst>
     <p:sldId id="256" r:id="rId2"/>
@@ -13,57 +13,65 @@
     <p:sldId id="258" r:id="rId4"/>
     <p:sldId id="262" r:id="rId5"/>
     <p:sldId id="263" r:id="rId6"/>
-    <p:sldId id="303" r:id="rId7"/>
-    <p:sldId id="304" r:id="rId8"/>
-    <p:sldId id="305" r:id="rId9"/>
-    <p:sldId id="306" r:id="rId10"/>
-    <p:sldId id="307" r:id="rId11"/>
-    <p:sldId id="308" r:id="rId12"/>
-    <p:sldId id="316" r:id="rId13"/>
-    <p:sldId id="317" r:id="rId14"/>
-    <p:sldId id="318" r:id="rId15"/>
-    <p:sldId id="309" r:id="rId16"/>
-    <p:sldId id="310" r:id="rId17"/>
-    <p:sldId id="311" r:id="rId18"/>
-    <p:sldId id="312" r:id="rId19"/>
-    <p:sldId id="313" r:id="rId20"/>
-    <p:sldId id="314" r:id="rId21"/>
-    <p:sldId id="315" r:id="rId22"/>
-    <p:sldId id="275" r:id="rId23"/>
-    <p:sldId id="283" r:id="rId24"/>
-    <p:sldId id="289" r:id="rId25"/>
-    <p:sldId id="290" r:id="rId26"/>
+    <p:sldId id="305" r:id="rId7"/>
+    <p:sldId id="306" r:id="rId8"/>
+    <p:sldId id="316" r:id="rId9"/>
+    <p:sldId id="317" r:id="rId10"/>
+    <p:sldId id="318" r:id="rId11"/>
+    <p:sldId id="307" r:id="rId12"/>
+    <p:sldId id="308" r:id="rId13"/>
+    <p:sldId id="319" r:id="rId14"/>
+    <p:sldId id="309" r:id="rId15"/>
+    <p:sldId id="310" r:id="rId16"/>
+    <p:sldId id="311" r:id="rId17"/>
+    <p:sldId id="312" r:id="rId18"/>
+    <p:sldId id="313" r:id="rId19"/>
+    <p:sldId id="314" r:id="rId20"/>
+    <p:sldId id="315" r:id="rId21"/>
+    <p:sldId id="275" r:id="rId22"/>
+    <p:sldId id="303" r:id="rId23"/>
+    <p:sldId id="304" r:id="rId24"/>
+    <p:sldId id="283" r:id="rId25"/>
+    <p:sldId id="289" r:id="rId26"/>
+    <p:sldId id="290" r:id="rId27"/>
   </p:sldIdLst>
   <p:sldSz cx="9144000" cy="5143500" type="screen16x9"/>
   <p:notesSz cx="6858000" cy="9144000"/>
   <p:embeddedFontLst>
     <p:embeddedFont>
+      <p:font typeface="Calibri" panose="020F0502020204030204" pitchFamily="34" charset="0"/>
+      <p:regular r:id="rId29"/>
+      <p:bold r:id="rId30"/>
+      <p:italic r:id="rId31"/>
+      <p:boldItalic r:id="rId32"/>
+    </p:embeddedFont>
+    <p:embeddedFont>
       <p:font typeface="Consolas" panose="020B0609020204030204" pitchFamily="49" charset="0"/>
-      <p:regular r:id="rId28"/>
-      <p:bold r:id="rId29"/>
-      <p:italic r:id="rId30"/>
-      <p:boldItalic r:id="rId31"/>
+      <p:regular r:id="rId33"/>
+      <p:bold r:id="rId34"/>
+      <p:italic r:id="rId35"/>
+      <p:boldItalic r:id="rId36"/>
     </p:embeddedFont>
     <p:embeddedFont>
       <p:font typeface="Helvetica" panose="020B0604020202020204" pitchFamily="34" charset="0"/>
-      <p:regular r:id="rId32"/>
-      <p:bold r:id="rId33"/>
-      <p:italic r:id="rId34"/>
-      <p:boldItalic r:id="rId35"/>
+      <p:regular r:id="rId37"/>
+      <p:bold r:id="rId38"/>
+      <p:italic r:id="rId39"/>
+      <p:boldItalic r:id="rId40"/>
     </p:embeddedFont>
     <p:embeddedFont>
-      <p:font typeface="Roboto" panose="02000000000000000000" pitchFamily="2" charset="0"/>
-      <p:regular r:id="rId36"/>
-      <p:bold r:id="rId37"/>
-      <p:italic r:id="rId38"/>
-      <p:boldItalic r:id="rId39"/>
+      <p:font typeface="Roboto" pitchFamily="2" charset="0"/>
+      <p:regular r:id="rId41"/>
+      <p:bold r:id="rId42"/>
+      <p:italic r:id="rId43"/>
+      <p:boldItalic r:id="rId44"/>
     </p:embeddedFont>
     <p:embeddedFont>
       <p:font typeface="Segoe UI" panose="020B0502040204020203" pitchFamily="34" charset="0"/>
-      <p:regular r:id="rId40"/>
-      <p:bold r:id="rId41"/>
-      <p:italic r:id="rId42"/>
-      <p:boldItalic r:id="rId43"/>
+      <p:regular r:id="rId45"/>
+      <p:bold r:id="rId46"/>
+      <p:italic r:id="rId47"/>
+      <p:boldItalic r:id="rId48"/>
     </p:embeddedFont>
   </p:embeddedFontLst>
   <p:defaultTextStyle>
@@ -6580,7 +6588,7 @@
           <p:cNvPr id="2" name="Заголовок 1">
             <a:extLst>
               <a:ext uri="{FF2B5EF4-FFF2-40B4-BE49-F238E27FC236}">
-                <a16:creationId xmlns:a16="http://schemas.microsoft.com/office/drawing/2014/main" id="{83CFB57A-E367-5736-E05B-90420CF04FE1}"/>
+                <a16:creationId xmlns:a16="http://schemas.microsoft.com/office/drawing/2014/main" id="{6EAED64F-542A-B9C0-279C-7B8096D5C8F8}"/>
               </a:ext>
             </a:extLst>
           </p:cNvPr>
@@ -6597,9 +6605,10 @@
           <a:lstStyle/>
           <a:p>
             <a:r>
-              <a:rPr lang="ru-RU" dirty="0"/>
-              <a:t>Скалярные функции</a:t>
-            </a:r>
+              <a:rPr lang="en-US" dirty="0"/>
+              <a:t>EXECUTE AS</a:t>
+            </a:r>
+            <a:endParaRPr lang="ru-RU" dirty="0"/>
           </a:p>
         </p:txBody>
       </p:sp>
@@ -6608,7 +6617,7 @@
           <p:cNvPr id="3" name="TextBox 2">
             <a:extLst>
               <a:ext uri="{FF2B5EF4-FFF2-40B4-BE49-F238E27FC236}">
-                <a16:creationId xmlns:a16="http://schemas.microsoft.com/office/drawing/2014/main" id="{FA21A26B-3AB4-73D5-A63E-C9E7D54D6328}"/>
+                <a16:creationId xmlns:a16="http://schemas.microsoft.com/office/drawing/2014/main" id="{17FFCFB7-D104-FAA3-A6E2-F95FDE782645}"/>
               </a:ext>
             </a:extLst>
           </p:cNvPr>
@@ -6618,7 +6627,7 @@
         <p:spPr>
           <a:xfrm>
             <a:off x="500550" y="1121824"/>
-            <a:ext cx="8412222" cy="3477875"/>
+            <a:ext cx="8412222" cy="2000548"/>
           </a:xfrm>
           <a:prstGeom prst="rect">
             <a:avLst/>
@@ -6637,29 +6646,22 @@
               </a:buClr>
             </a:pPr>
             <a:r>
-              <a:rPr lang="ru-RU" sz="2000" dirty="0">
-                <a:solidFill>
-                  <a:schemeClr val="bg1"/>
-                </a:solidFill>
-              </a:rPr>
-              <a:t>Тип возвращаемого значения может быть любым типом данных, кроме текста, </a:t>
-            </a:r>
-            <a:r>
-              <a:rPr lang="ru-RU" sz="2000" dirty="0" err="1">
-                <a:solidFill>
-                  <a:schemeClr val="bg1"/>
-                </a:solidFill>
-              </a:rPr>
-              <a:t>ntext</a:t>
-            </a:r>
-            <a:r>
-              <a:rPr lang="ru-RU" sz="2000" dirty="0">
-                <a:solidFill>
-                  <a:schemeClr val="bg1"/>
-                </a:solidFill>
-              </a:rPr>
-              <a:t>, изображения, курсора и метки времени.</a:t>
-            </a:r>
+              <a:rPr lang="en-US" sz="4400" b="1" i="0" dirty="0">
+                <a:solidFill>
+                  <a:srgbClr val="E6E6E6"/>
+                </a:solidFill>
+                <a:effectLst/>
+                <a:latin typeface="Segoe UI" panose="020B0502040204020203" pitchFamily="34" charset="0"/>
+              </a:rPr>
+              <a:t>OWNER</a:t>
+            </a:r>
+            <a:endParaRPr lang="en-US" sz="2800" b="1" i="0" dirty="0">
+              <a:solidFill>
+                <a:srgbClr val="E6E6E6"/>
+              </a:solidFill>
+              <a:effectLst/>
+              <a:latin typeface="Segoe UI" panose="020B0502040204020203" pitchFamily="34" charset="0"/>
+            </a:endParaRPr>
           </a:p>
           <a:p>
             <a:pPr>
@@ -6668,60 +6670,12 @@
               </a:buClr>
             </a:pPr>
             <a:r>
-              <a:rPr lang="ru-RU" sz="2000" b="1" dirty="0">
-                <a:solidFill>
-                  <a:schemeClr val="bg1"/>
-                </a:solidFill>
-              </a:rPr>
-              <a:t>Ограничения</a:t>
-            </a:r>
-          </a:p>
-          <a:p>
-            <a:pPr marL="457200" indent="-457200">
-              <a:buClr>
-                <a:schemeClr val="bg1"/>
-              </a:buClr>
-              <a:buAutoNum type="arabicPeriod"/>
-            </a:pPr>
-            <a:r>
               <a:rPr lang="ru-RU" sz="2000" dirty="0">
                 <a:solidFill>
                   <a:schemeClr val="bg1"/>
                 </a:solidFill>
               </a:rPr>
-              <a:t>Пользовательские функции не могут возвращать несколько наборов результатов. Используйте хранимую процедуру, если вам нужно вернуть несколько наборов результатов.</a:t>
-            </a:r>
-          </a:p>
-          <a:p>
-            <a:pPr marL="457200" indent="-457200">
-              <a:buClr>
-                <a:schemeClr val="bg1"/>
-              </a:buClr>
-              <a:buAutoNum type="arabicPeriod"/>
-            </a:pPr>
-            <a:r>
-              <a:rPr lang="ru-RU" sz="2000" dirty="0">
-                <a:solidFill>
-                  <a:schemeClr val="bg1"/>
-                </a:solidFill>
-              </a:rPr>
-              <a:t>Обработка ошибок ограничена в определяемой пользователем функции. UDF не поддерживает TRY...CATCH, @ERROR или RAISERROR.</a:t>
-            </a:r>
-          </a:p>
-          <a:p>
-            <a:pPr marL="457200" indent="-457200">
-              <a:buClr>
-                <a:schemeClr val="bg1"/>
-              </a:buClr>
-              <a:buAutoNum type="arabicPeriod"/>
-            </a:pPr>
-            <a:r>
-              <a:rPr lang="ru-RU" sz="2000" dirty="0">
-                <a:solidFill>
-                  <a:schemeClr val="bg1"/>
-                </a:solidFill>
-              </a:rPr>
-              <a:t>Пользовательские функции не могут вызывать хранимую процедуру.</a:t>
+              <a:t>Указывает, что инструкции внутри модуля выполняются в контексте текущего владельца модуля. Если у модуля не указан владелец, используется владелец схемы модуля. OWNER не может быть указан для триггеров DDL или входа в систему.</a:t>
             </a:r>
           </a:p>
         </p:txBody>
@@ -6729,7 +6683,7 @@
     </p:spTree>
     <p:extLst>
       <p:ext uri="{BB962C8B-B14F-4D97-AF65-F5344CB8AC3E}">
-        <p14:creationId xmlns:p14="http://schemas.microsoft.com/office/powerpoint/2010/main" val="334374826"/>
+        <p14:creationId xmlns:p14="http://schemas.microsoft.com/office/powerpoint/2010/main" val="1484202929"/>
       </p:ext>
     </p:extLst>
   </p:cSld>
@@ -6799,7 +6753,7 @@
         <p:spPr>
           <a:xfrm>
             <a:off x="500550" y="1121824"/>
-            <a:ext cx="8412222" cy="1938992"/>
+            <a:ext cx="8412222" cy="3477875"/>
           </a:xfrm>
           <a:prstGeom prst="rect">
             <a:avLst/>
@@ -6823,37 +6777,23 @@
                   <a:schemeClr val="bg1"/>
                 </a:solidFill>
               </a:rPr>
-              <a:t>4. Пользовательские функции не могут использовать динамический SQL или временные таблицы. Табличные переменные разрешены.</a:t>
-            </a:r>
-            <a:br>
+              <a:t>Тип возвращаемого значения может быть любым типом данных, кроме текста, </a:t>
+            </a:r>
+            <a:r>
+              <a:rPr lang="ru-RU" sz="2000" dirty="0" err="1">
+                <a:solidFill>
+                  <a:schemeClr val="bg1"/>
+                </a:solidFill>
+              </a:rPr>
+              <a:t>ntext</a:t>
+            </a:r>
+            <a:r>
               <a:rPr lang="ru-RU" sz="2000" dirty="0">
                 <a:solidFill>
                   <a:schemeClr val="bg1"/>
                 </a:solidFill>
               </a:rPr>
-            </a:br>
-            <a:r>
-              <a:rPr lang="ru-RU" sz="2000" dirty="0">
-                <a:solidFill>
-                  <a:schemeClr val="bg1"/>
-                </a:solidFill>
-              </a:rPr>
-              <a:t>5. Операторы SET не разрешены в определяемых пользователем функциях.</a:t>
-            </a:r>
-            <a:br>
-              <a:rPr lang="ru-RU" sz="2000" dirty="0">
-                <a:solidFill>
-                  <a:schemeClr val="bg1"/>
-                </a:solidFill>
-              </a:rPr>
-            </a:br>
-            <a:r>
-              <a:rPr lang="ru-RU" sz="2000" dirty="0">
-                <a:solidFill>
-                  <a:schemeClr val="bg1"/>
-                </a:solidFill>
-              </a:rPr>
-              <a:t>6. Предложение FOR XML не допускается.</a:t>
+              <a:t>, изображения, курсора и метки времени.</a:t>
             </a:r>
           </a:p>
           <a:p>
@@ -6862,18 +6802,69 @@
                 <a:schemeClr val="bg1"/>
               </a:buClr>
             </a:pPr>
-            <a:endParaRPr lang="ru-RU" sz="2000" dirty="0">
-              <a:solidFill>
+            <a:r>
+              <a:rPr lang="ru-RU" sz="2000" b="1" dirty="0">
+                <a:solidFill>
+                  <a:schemeClr val="bg1"/>
+                </a:solidFill>
+              </a:rPr>
+              <a:t>Ограничения</a:t>
+            </a:r>
+          </a:p>
+          <a:p>
+            <a:pPr marL="457200" indent="-457200">
+              <a:buClr>
                 <a:schemeClr val="bg1"/>
-              </a:solidFill>
-            </a:endParaRPr>
+              </a:buClr>
+              <a:buAutoNum type="arabicPeriod"/>
+            </a:pPr>
+            <a:r>
+              <a:rPr lang="ru-RU" sz="2000" dirty="0">
+                <a:solidFill>
+                  <a:schemeClr val="bg1"/>
+                </a:solidFill>
+              </a:rPr>
+              <a:t>Пользовательские функции не могут возвращать несколько наборов результатов. Используйте хранимую процедуру, если вам нужно вернуть несколько наборов результатов.</a:t>
+            </a:r>
+          </a:p>
+          <a:p>
+            <a:pPr marL="457200" indent="-457200">
+              <a:buClr>
+                <a:schemeClr val="bg1"/>
+              </a:buClr>
+              <a:buAutoNum type="arabicPeriod"/>
+            </a:pPr>
+            <a:r>
+              <a:rPr lang="ru-RU" sz="2000" dirty="0">
+                <a:solidFill>
+                  <a:schemeClr val="bg1"/>
+                </a:solidFill>
+              </a:rPr>
+              <a:t>Обработка ошибок ограничена в определяемой пользователем функции. UDF не поддерживает TRY...CATCH, @ERROR или RAISERROR.</a:t>
+            </a:r>
+          </a:p>
+          <a:p>
+            <a:pPr marL="457200" indent="-457200">
+              <a:buClr>
+                <a:schemeClr val="bg1"/>
+              </a:buClr>
+              <a:buAutoNum type="arabicPeriod"/>
+            </a:pPr>
+            <a:r>
+              <a:rPr lang="ru-RU" sz="2000" dirty="0">
+                <a:solidFill>
+                  <a:schemeClr val="bg1"/>
+                </a:solidFill>
+              </a:rPr>
+              <a:t>Пользовательские функции не могут вызывать хранимую процедуру.</a:t>
+            </a:r>
           </a:p>
         </p:txBody>
       </p:sp>
     </p:spTree>
     <p:extLst>
       <p:ext uri="{BB962C8B-B14F-4D97-AF65-F5344CB8AC3E}">
-        <p14:creationId xmlns:p14="http://schemas.microsoft.com/office/powerpoint/2010/main" val="2662734489"/>
+        <p14:creationId xmlns:p14="http://schemas.microsoft.com/office/powerpoint/2010/main" val="334374826"/>
       </p:ext>
     </p:extLst>
   </p:cSld>
@@ -6884,440 +6875,6 @@
 </file>
 
 <file path=ppt/slides/slide12.xml><?xml version="1.0" encoding="utf-8"?>
-<p:sld xmlns:a="http://schemas.openxmlformats.org/drawingml/2006/main" xmlns:r="http://schemas.openxmlformats.org/officeDocument/2006/relationships" xmlns:p="http://schemas.openxmlformats.org/presentationml/2006/main">
-  <p:cSld>
-    <p:spTree>
-      <p:nvGrpSpPr>
-        <p:cNvPr id="1" name=""/>
-        <p:cNvGrpSpPr/>
-        <p:nvPr/>
-      </p:nvGrpSpPr>
-      <p:grpSpPr>
-        <a:xfrm>
-          <a:off x="0" y="0"/>
-          <a:ext cx="0" cy="0"/>
-          <a:chOff x="0" y="0"/>
-          <a:chExt cx="0" cy="0"/>
-        </a:xfrm>
-      </p:grpSpPr>
-      <p:sp>
-        <p:nvSpPr>
-          <p:cNvPr id="2" name="Заголовок 1">
-            <a:extLst>
-              <a:ext uri="{FF2B5EF4-FFF2-40B4-BE49-F238E27FC236}">
-                <a16:creationId xmlns:a16="http://schemas.microsoft.com/office/drawing/2014/main" id="{6EAED64F-542A-B9C0-279C-7B8096D5C8F8}"/>
-              </a:ext>
-            </a:extLst>
-          </p:cNvPr>
-          <p:cNvSpPr>
-            <a:spLocks noGrp="1"/>
-          </p:cNvSpPr>
-          <p:nvPr>
-            <p:ph type="title"/>
-          </p:nvPr>
-        </p:nvSpPr>
-        <p:spPr/>
-        <p:txBody>
-          <a:bodyPr/>
-          <a:lstStyle/>
-          <a:p>
-            <a:r>
-              <a:rPr lang="en-US" dirty="0"/>
-              <a:t>EXECUTE AS</a:t>
-            </a:r>
-            <a:endParaRPr lang="ru-RU" dirty="0"/>
-          </a:p>
-        </p:txBody>
-      </p:sp>
-      <p:sp>
-        <p:nvSpPr>
-          <p:cNvPr id="3" name="TextBox 2">
-            <a:extLst>
-              <a:ext uri="{FF2B5EF4-FFF2-40B4-BE49-F238E27FC236}">
-                <a16:creationId xmlns:a16="http://schemas.microsoft.com/office/drawing/2014/main" id="{17FFCFB7-D104-FAA3-A6E2-F95FDE782645}"/>
-              </a:ext>
-            </a:extLst>
-          </p:cNvPr>
-          <p:cNvSpPr txBox="1"/>
-          <p:nvPr/>
-        </p:nvSpPr>
-        <p:spPr>
-          <a:xfrm>
-            <a:off x="500550" y="1121824"/>
-            <a:ext cx="8412222" cy="2862322"/>
-          </a:xfrm>
-          <a:prstGeom prst="rect">
-            <a:avLst/>
-          </a:prstGeom>
-          <a:noFill/>
-        </p:spPr>
-        <p:txBody>
-          <a:bodyPr wrap="square" rtlCol="0">
-            <a:spAutoFit/>
-          </a:bodyPr>
-          <a:lstStyle/>
-          <a:p>
-            <a:pPr>
-              <a:buClr>
-                <a:schemeClr val="bg1"/>
-              </a:buClr>
-            </a:pPr>
-            <a:r>
-              <a:rPr lang="ru-RU" sz="1600" b="1" i="0" dirty="0">
-                <a:solidFill>
-                  <a:srgbClr val="E6E6E6"/>
-                </a:solidFill>
-                <a:effectLst/>
-                <a:latin typeface="Segoe UI" panose="020B0502040204020203" pitchFamily="34" charset="0"/>
-              </a:rPr>
-              <a:t>Функции (кроме встроенных функций с табличным значением), хранимые процедуры и триггеры DML:</a:t>
-            </a:r>
-            <a:endParaRPr lang="en-US" sz="1600" b="1" i="0" dirty="0">
-              <a:solidFill>
-                <a:srgbClr val="E6E6E6"/>
-              </a:solidFill>
-              <a:effectLst/>
-              <a:latin typeface="Segoe UI" panose="020B0502040204020203" pitchFamily="34" charset="0"/>
-            </a:endParaRPr>
-          </a:p>
-          <a:p>
-            <a:pPr>
-              <a:buClr>
-                <a:schemeClr val="bg1"/>
-              </a:buClr>
-            </a:pPr>
-            <a:r>
-              <a:rPr lang="en-US" sz="2800" b="1" i="0" dirty="0">
-                <a:solidFill>
-                  <a:srgbClr val="E6E6E6"/>
-                </a:solidFill>
-                <a:effectLst/>
-                <a:latin typeface="Segoe UI" panose="020B0502040204020203" pitchFamily="34" charset="0"/>
-              </a:rPr>
-              <a:t>CALLER</a:t>
-            </a:r>
-          </a:p>
-          <a:p>
-            <a:pPr>
-              <a:buClr>
-                <a:schemeClr val="bg1"/>
-              </a:buClr>
-            </a:pPr>
-            <a:r>
-              <a:rPr lang="ru-RU" sz="2000" dirty="0">
-                <a:solidFill>
-                  <a:schemeClr val="bg1"/>
-                </a:solidFill>
-              </a:rPr>
-              <a:t>Указывает, что операторы внутри модуля выполняются в контексте вызывающего модуля. Пользователь, выполняющий модуль, должен иметь соответствующие разрешения не только для самого модуля, но и для любых объектов базы данных, на которые ссылается модуль.</a:t>
-            </a:r>
-            <a:endParaRPr lang="en-US" sz="2000" dirty="0">
-              <a:solidFill>
-                <a:schemeClr val="bg1"/>
-              </a:solidFill>
-            </a:endParaRPr>
-          </a:p>
-          <a:p>
-            <a:pPr>
-              <a:buClr>
-                <a:schemeClr val="bg1"/>
-              </a:buClr>
-            </a:pPr>
-            <a:r>
-              <a:rPr lang="ru-RU" sz="2000" dirty="0">
-                <a:solidFill>
-                  <a:schemeClr val="bg1"/>
-                </a:solidFill>
-              </a:rPr>
-              <a:t>CALLER используется по умолчанию для всех модулей</a:t>
-            </a:r>
-          </a:p>
-        </p:txBody>
-      </p:sp>
-    </p:spTree>
-    <p:extLst>
-      <p:ext uri="{BB962C8B-B14F-4D97-AF65-F5344CB8AC3E}">
-        <p14:creationId xmlns:p14="http://schemas.microsoft.com/office/powerpoint/2010/main" val="2540789055"/>
-      </p:ext>
-    </p:extLst>
-  </p:cSld>
-  <p:clrMapOvr>
-    <a:masterClrMapping/>
-  </p:clrMapOvr>
-</p:sld>
-</file>
-
-<file path=ppt/slides/slide13.xml><?xml version="1.0" encoding="utf-8"?>
-<p:sld xmlns:a="http://schemas.openxmlformats.org/drawingml/2006/main" xmlns:r="http://schemas.openxmlformats.org/officeDocument/2006/relationships" xmlns:p="http://schemas.openxmlformats.org/presentationml/2006/main">
-  <p:cSld>
-    <p:spTree>
-      <p:nvGrpSpPr>
-        <p:cNvPr id="1" name=""/>
-        <p:cNvGrpSpPr/>
-        <p:nvPr/>
-      </p:nvGrpSpPr>
-      <p:grpSpPr>
-        <a:xfrm>
-          <a:off x="0" y="0"/>
-          <a:ext cx="0" cy="0"/>
-          <a:chOff x="0" y="0"/>
-          <a:chExt cx="0" cy="0"/>
-        </a:xfrm>
-      </p:grpSpPr>
-      <p:sp>
-        <p:nvSpPr>
-          <p:cNvPr id="2" name="Заголовок 1">
-            <a:extLst>
-              <a:ext uri="{FF2B5EF4-FFF2-40B4-BE49-F238E27FC236}">
-                <a16:creationId xmlns:a16="http://schemas.microsoft.com/office/drawing/2014/main" id="{6EAED64F-542A-B9C0-279C-7B8096D5C8F8}"/>
-              </a:ext>
-            </a:extLst>
-          </p:cNvPr>
-          <p:cNvSpPr>
-            <a:spLocks noGrp="1"/>
-          </p:cNvSpPr>
-          <p:nvPr>
-            <p:ph type="title"/>
-          </p:nvPr>
-        </p:nvSpPr>
-        <p:spPr/>
-        <p:txBody>
-          <a:bodyPr/>
-          <a:lstStyle/>
-          <a:p>
-            <a:r>
-              <a:rPr lang="en-US" dirty="0"/>
-              <a:t>EXECUTE AS</a:t>
-            </a:r>
-            <a:endParaRPr lang="ru-RU" dirty="0"/>
-          </a:p>
-        </p:txBody>
-      </p:sp>
-      <p:sp>
-        <p:nvSpPr>
-          <p:cNvPr id="3" name="TextBox 2">
-            <a:extLst>
-              <a:ext uri="{FF2B5EF4-FFF2-40B4-BE49-F238E27FC236}">
-                <a16:creationId xmlns:a16="http://schemas.microsoft.com/office/drawing/2014/main" id="{17FFCFB7-D104-FAA3-A6E2-F95FDE782645}"/>
-              </a:ext>
-            </a:extLst>
-          </p:cNvPr>
-          <p:cNvSpPr txBox="1"/>
-          <p:nvPr/>
-        </p:nvSpPr>
-        <p:spPr>
-          <a:xfrm>
-            <a:off x="500550" y="1121824"/>
-            <a:ext cx="8412222" cy="1877437"/>
-          </a:xfrm>
-          <a:prstGeom prst="rect">
-            <a:avLst/>
-          </a:prstGeom>
-          <a:noFill/>
-        </p:spPr>
-        <p:txBody>
-          <a:bodyPr wrap="square" rtlCol="0">
-            <a:spAutoFit/>
-          </a:bodyPr>
-          <a:lstStyle/>
-          <a:p>
-            <a:pPr>
-              <a:buClr>
-                <a:schemeClr val="bg1"/>
-              </a:buClr>
-            </a:pPr>
-            <a:r>
-              <a:rPr lang="en-US" sz="3600" b="1" i="0" dirty="0">
-                <a:solidFill>
-                  <a:srgbClr val="E6E6E6"/>
-                </a:solidFill>
-                <a:effectLst/>
-                <a:latin typeface="Segoe UI" panose="020B0502040204020203" pitchFamily="34" charset="0"/>
-              </a:rPr>
-              <a:t>SELF</a:t>
-            </a:r>
-            <a:endParaRPr lang="en-US" sz="2800" b="1" i="0" dirty="0">
-              <a:solidFill>
-                <a:srgbClr val="E6E6E6"/>
-              </a:solidFill>
-              <a:effectLst/>
-              <a:latin typeface="Segoe UI" panose="020B0502040204020203" pitchFamily="34" charset="0"/>
-            </a:endParaRPr>
-          </a:p>
-          <a:p>
-            <a:pPr>
-              <a:buClr>
-                <a:schemeClr val="bg1"/>
-              </a:buClr>
-            </a:pPr>
-            <a:r>
-              <a:rPr lang="ru-RU" sz="2000" dirty="0">
-                <a:solidFill>
-                  <a:schemeClr val="bg1"/>
-                </a:solidFill>
-              </a:rPr>
-              <a:t>EXECUTE AS SELF эквивалентно EXECUTE AS &lt;</a:t>
-            </a:r>
-            <a:r>
-              <a:rPr lang="ru-RU" sz="2000" dirty="0" err="1">
-                <a:solidFill>
-                  <a:schemeClr val="bg1"/>
-                </a:solidFill>
-              </a:rPr>
-              <a:t>имя_пользователя</a:t>
-            </a:r>
-            <a:r>
-              <a:rPr lang="ru-RU" sz="2000" dirty="0">
-                <a:solidFill>
-                  <a:schemeClr val="bg1"/>
-                </a:solidFill>
-              </a:rPr>
-              <a:t>&gt;, где указанный пользователь — это человек, создающий или изменяющий модуль. Фактический идентификатор пользователя, создающего или изменяющего модули</a:t>
-            </a:r>
-          </a:p>
-        </p:txBody>
-      </p:sp>
-    </p:spTree>
-    <p:extLst>
-      <p:ext uri="{BB962C8B-B14F-4D97-AF65-F5344CB8AC3E}">
-        <p14:creationId xmlns:p14="http://schemas.microsoft.com/office/powerpoint/2010/main" val="613718024"/>
-      </p:ext>
-    </p:extLst>
-  </p:cSld>
-  <p:clrMapOvr>
-    <a:masterClrMapping/>
-  </p:clrMapOvr>
-</p:sld>
-</file>
-
-<file path=ppt/slides/slide14.xml><?xml version="1.0" encoding="utf-8"?>
-<p:sld xmlns:a="http://schemas.openxmlformats.org/drawingml/2006/main" xmlns:r="http://schemas.openxmlformats.org/officeDocument/2006/relationships" xmlns:p="http://schemas.openxmlformats.org/presentationml/2006/main">
-  <p:cSld>
-    <p:spTree>
-      <p:nvGrpSpPr>
-        <p:cNvPr id="1" name=""/>
-        <p:cNvGrpSpPr/>
-        <p:nvPr/>
-      </p:nvGrpSpPr>
-      <p:grpSpPr>
-        <a:xfrm>
-          <a:off x="0" y="0"/>
-          <a:ext cx="0" cy="0"/>
-          <a:chOff x="0" y="0"/>
-          <a:chExt cx="0" cy="0"/>
-        </a:xfrm>
-      </p:grpSpPr>
-      <p:sp>
-        <p:nvSpPr>
-          <p:cNvPr id="2" name="Заголовок 1">
-            <a:extLst>
-              <a:ext uri="{FF2B5EF4-FFF2-40B4-BE49-F238E27FC236}">
-                <a16:creationId xmlns:a16="http://schemas.microsoft.com/office/drawing/2014/main" id="{6EAED64F-542A-B9C0-279C-7B8096D5C8F8}"/>
-              </a:ext>
-            </a:extLst>
-          </p:cNvPr>
-          <p:cNvSpPr>
-            <a:spLocks noGrp="1"/>
-          </p:cNvSpPr>
-          <p:nvPr>
-            <p:ph type="title"/>
-          </p:nvPr>
-        </p:nvSpPr>
-        <p:spPr/>
-        <p:txBody>
-          <a:bodyPr/>
-          <a:lstStyle/>
-          <a:p>
-            <a:r>
-              <a:rPr lang="en-US" dirty="0"/>
-              <a:t>EXECUTE AS</a:t>
-            </a:r>
-            <a:endParaRPr lang="ru-RU" dirty="0"/>
-          </a:p>
-        </p:txBody>
-      </p:sp>
-      <p:sp>
-        <p:nvSpPr>
-          <p:cNvPr id="3" name="TextBox 2">
-            <a:extLst>
-              <a:ext uri="{FF2B5EF4-FFF2-40B4-BE49-F238E27FC236}">
-                <a16:creationId xmlns:a16="http://schemas.microsoft.com/office/drawing/2014/main" id="{17FFCFB7-D104-FAA3-A6E2-F95FDE782645}"/>
-              </a:ext>
-            </a:extLst>
-          </p:cNvPr>
-          <p:cNvSpPr txBox="1"/>
-          <p:nvPr/>
-        </p:nvSpPr>
-        <p:spPr>
-          <a:xfrm>
-            <a:off x="500550" y="1121824"/>
-            <a:ext cx="8412222" cy="2000548"/>
-          </a:xfrm>
-          <a:prstGeom prst="rect">
-            <a:avLst/>
-          </a:prstGeom>
-          <a:noFill/>
-        </p:spPr>
-        <p:txBody>
-          <a:bodyPr wrap="square" rtlCol="0">
-            <a:spAutoFit/>
-          </a:bodyPr>
-          <a:lstStyle/>
-          <a:p>
-            <a:pPr>
-              <a:buClr>
-                <a:schemeClr val="bg1"/>
-              </a:buClr>
-            </a:pPr>
-            <a:r>
-              <a:rPr lang="en-US" sz="4400" b="1" i="0" dirty="0">
-                <a:solidFill>
-                  <a:srgbClr val="E6E6E6"/>
-                </a:solidFill>
-                <a:effectLst/>
-                <a:latin typeface="Segoe UI" panose="020B0502040204020203" pitchFamily="34" charset="0"/>
-              </a:rPr>
-              <a:t>OWNER</a:t>
-            </a:r>
-            <a:endParaRPr lang="en-US" sz="2800" b="1" i="0" dirty="0">
-              <a:solidFill>
-                <a:srgbClr val="E6E6E6"/>
-              </a:solidFill>
-              <a:effectLst/>
-              <a:latin typeface="Segoe UI" panose="020B0502040204020203" pitchFamily="34" charset="0"/>
-            </a:endParaRPr>
-          </a:p>
-          <a:p>
-            <a:pPr>
-              <a:buClr>
-                <a:schemeClr val="bg1"/>
-              </a:buClr>
-            </a:pPr>
-            <a:r>
-              <a:rPr lang="ru-RU" sz="2000" dirty="0">
-                <a:solidFill>
-                  <a:schemeClr val="bg1"/>
-                </a:solidFill>
-              </a:rPr>
-              <a:t>Указывает, что инструкции внутри модуля выполняются в контексте текущего владельца модуля. Если у модуля не указан владелец, используется владелец схемы модуля. OWNER не может быть указан для триггеров DDL или входа в систему.</a:t>
-            </a:r>
-          </a:p>
-        </p:txBody>
-      </p:sp>
-    </p:spTree>
-    <p:extLst>
-      <p:ext uri="{BB962C8B-B14F-4D97-AF65-F5344CB8AC3E}">
-        <p14:creationId xmlns:p14="http://schemas.microsoft.com/office/powerpoint/2010/main" val="1484202929"/>
-      </p:ext>
-    </p:extLst>
-  </p:cSld>
-  <p:clrMapOvr>
-    <a:masterClrMapping/>
-  </p:clrMapOvr>
-</p:sld>
-</file>
-
-<file path=ppt/slides/slide15.xml><?xml version="1.0" encoding="utf-8"?>
 <p:sld xmlns:a="http://schemas.openxmlformats.org/drawingml/2006/main" xmlns:r="http://schemas.openxmlformats.org/officeDocument/2006/relationships" xmlns:p="http://schemas.openxmlformats.org/presentationml/2006/main">
   <p:cSld>
     <p:spTree>
@@ -7357,8 +6914,931 @@
           <a:p>
             <a:r>
               <a:rPr lang="ru-RU" dirty="0"/>
+              <a:t>Скалярные функции</a:t>
+            </a:r>
+          </a:p>
+        </p:txBody>
+      </p:sp>
+      <p:sp>
+        <p:nvSpPr>
+          <p:cNvPr id="3" name="TextBox 2">
+            <a:extLst>
+              <a:ext uri="{FF2B5EF4-FFF2-40B4-BE49-F238E27FC236}">
+                <a16:creationId xmlns:a16="http://schemas.microsoft.com/office/drawing/2014/main" id="{FA21A26B-3AB4-73D5-A63E-C9E7D54D6328}"/>
+              </a:ext>
+            </a:extLst>
+          </p:cNvPr>
+          <p:cNvSpPr txBox="1"/>
+          <p:nvPr/>
+        </p:nvSpPr>
+        <p:spPr>
+          <a:xfrm>
+            <a:off x="500550" y="1121824"/>
+            <a:ext cx="8412222" cy="1938992"/>
+          </a:xfrm>
+          <a:prstGeom prst="rect">
+            <a:avLst/>
+          </a:prstGeom>
+          <a:noFill/>
+        </p:spPr>
+        <p:txBody>
+          <a:bodyPr wrap="square" rtlCol="0">
+            <a:spAutoFit/>
+          </a:bodyPr>
+          <a:lstStyle/>
+          <a:p>
+            <a:pPr>
+              <a:buClr>
+                <a:schemeClr val="bg1"/>
+              </a:buClr>
+            </a:pPr>
+            <a:r>
+              <a:rPr lang="ru-RU" sz="2000" dirty="0">
+                <a:solidFill>
+                  <a:schemeClr val="bg1"/>
+                </a:solidFill>
+              </a:rPr>
+              <a:t>4. Пользовательские функции не могут использовать динамический SQL или временные таблицы. Табличные переменные разрешены.</a:t>
+            </a:r>
+            <a:br>
+              <a:rPr lang="ru-RU" sz="2000" dirty="0">
+                <a:solidFill>
+                  <a:schemeClr val="bg1"/>
+                </a:solidFill>
+              </a:rPr>
+            </a:br>
+            <a:r>
+              <a:rPr lang="ru-RU" sz="2000" dirty="0">
+                <a:solidFill>
+                  <a:schemeClr val="bg1"/>
+                </a:solidFill>
+              </a:rPr>
+              <a:t>5. Операторы SET не разрешены в определяемых пользователем функциях.</a:t>
+            </a:r>
+            <a:br>
+              <a:rPr lang="ru-RU" sz="2000" dirty="0">
+                <a:solidFill>
+                  <a:schemeClr val="bg1"/>
+                </a:solidFill>
+              </a:rPr>
+            </a:br>
+            <a:r>
+              <a:rPr lang="ru-RU" sz="2000" dirty="0">
+                <a:solidFill>
+                  <a:schemeClr val="bg1"/>
+                </a:solidFill>
+              </a:rPr>
+              <a:t>6. Предложение FOR XML не допускается.</a:t>
+            </a:r>
+          </a:p>
+          <a:p>
+            <a:pPr>
+              <a:buClr>
+                <a:schemeClr val="bg1"/>
+              </a:buClr>
+            </a:pPr>
+            <a:endParaRPr lang="ru-RU" sz="2000" dirty="0">
+              <a:solidFill>
+                <a:schemeClr val="bg1"/>
+              </a:solidFill>
+            </a:endParaRPr>
+          </a:p>
+        </p:txBody>
+      </p:sp>
+    </p:spTree>
+    <p:extLst>
+      <p:ext uri="{BB962C8B-B14F-4D97-AF65-F5344CB8AC3E}">
+        <p14:creationId xmlns:p14="http://schemas.microsoft.com/office/powerpoint/2010/main" val="2662734489"/>
+      </p:ext>
+    </p:extLst>
+  </p:cSld>
+  <p:clrMapOvr>
+    <a:masterClrMapping/>
+  </p:clrMapOvr>
+</p:sld>
+</file>
+
+<file path=ppt/slides/slide13.xml><?xml version="1.0" encoding="utf-8"?>
+<p:sld xmlns:a="http://schemas.openxmlformats.org/drawingml/2006/main" xmlns:r="http://schemas.openxmlformats.org/officeDocument/2006/relationships" xmlns:p="http://schemas.openxmlformats.org/presentationml/2006/main">
+  <p:cSld>
+    <p:spTree>
+      <p:nvGrpSpPr>
+        <p:cNvPr id="1" name=""/>
+        <p:cNvGrpSpPr/>
+        <p:nvPr/>
+      </p:nvGrpSpPr>
+      <p:grpSpPr>
+        <a:xfrm>
+          <a:off x="0" y="0"/>
+          <a:ext cx="0" cy="0"/>
+          <a:chOff x="0" y="0"/>
+          <a:chExt cx="0" cy="0"/>
+        </a:xfrm>
+      </p:grpSpPr>
+      <p:sp>
+        <p:nvSpPr>
+          <p:cNvPr id="2" name="Заголовок 1">
+            <a:extLst>
+              <a:ext uri="{FF2B5EF4-FFF2-40B4-BE49-F238E27FC236}">
+                <a16:creationId xmlns:a16="http://schemas.microsoft.com/office/drawing/2014/main" id="{FF112112-0E68-F8FA-0C2A-33CA38DA0AC3}"/>
+              </a:ext>
+            </a:extLst>
+          </p:cNvPr>
+          <p:cNvSpPr>
+            <a:spLocks noGrp="1"/>
+          </p:cNvSpPr>
+          <p:nvPr>
+            <p:ph type="title"/>
+          </p:nvPr>
+        </p:nvSpPr>
+        <p:spPr/>
+        <p:txBody>
+          <a:bodyPr/>
+          <a:lstStyle/>
+          <a:p>
+            <a:r>
+              <a:rPr lang="ru-RU" dirty="0"/>
+              <a:t>Скалярные функции</a:t>
+            </a:r>
+          </a:p>
+        </p:txBody>
+      </p:sp>
+      <p:sp>
+        <p:nvSpPr>
+          <p:cNvPr id="4" name="TextBox 3">
+            <a:extLst>
+              <a:ext uri="{FF2B5EF4-FFF2-40B4-BE49-F238E27FC236}">
+                <a16:creationId xmlns:a16="http://schemas.microsoft.com/office/drawing/2014/main" id="{3CAEB1FE-F161-C90C-495B-008710B0A7AB}"/>
+              </a:ext>
+            </a:extLst>
+          </p:cNvPr>
+          <p:cNvSpPr txBox="1"/>
+          <p:nvPr/>
+        </p:nvSpPr>
+        <p:spPr>
+          <a:xfrm>
+            <a:off x="500549" y="1029950"/>
+            <a:ext cx="6198123" cy="2677656"/>
+          </a:xfrm>
+          <a:prstGeom prst="rect">
+            <a:avLst/>
+          </a:prstGeom>
+          <a:noFill/>
+        </p:spPr>
+        <p:txBody>
+          <a:bodyPr wrap="square">
+            <a:spAutoFit/>
+          </a:bodyPr>
+          <a:lstStyle/>
+          <a:p>
+            <a:r>
+              <a:rPr lang="en-US" dirty="0">
+                <a:solidFill>
+                  <a:schemeClr val="bg1"/>
+                </a:solidFill>
+                <a:latin typeface="Courier New" panose="02070309020205020404" pitchFamily="49" charset="0"/>
+                <a:cs typeface="Courier New" panose="02070309020205020404" pitchFamily="49" charset="0"/>
+              </a:rPr>
+              <a:t>CREATE FUNCTION </a:t>
+            </a:r>
+            <a:r>
+              <a:rPr lang="en-US" dirty="0" err="1">
+                <a:solidFill>
+                  <a:schemeClr val="bg1"/>
+                </a:solidFill>
+                <a:latin typeface="Courier New" panose="02070309020205020404" pitchFamily="49" charset="0"/>
+                <a:cs typeface="Courier New" panose="02070309020205020404" pitchFamily="49" charset="0"/>
+              </a:rPr>
+              <a:t>dbo.fGetSumOrder</a:t>
+            </a:r>
+            <a:r>
+              <a:rPr lang="en-US" dirty="0">
+                <a:solidFill>
+                  <a:schemeClr val="bg1"/>
+                </a:solidFill>
+                <a:latin typeface="Courier New" panose="02070309020205020404" pitchFamily="49" charset="0"/>
+                <a:cs typeface="Courier New" panose="02070309020205020404" pitchFamily="49" charset="0"/>
+              </a:rPr>
+              <a:t>(@OrderID INT)</a:t>
+            </a:r>
+          </a:p>
+          <a:p>
+            <a:r>
+              <a:rPr lang="en-US" dirty="0">
+                <a:solidFill>
+                  <a:schemeClr val="bg1"/>
+                </a:solidFill>
+                <a:latin typeface="Courier New" panose="02070309020205020404" pitchFamily="49" charset="0"/>
+                <a:cs typeface="Courier New" panose="02070309020205020404" pitchFamily="49" charset="0"/>
+              </a:rPr>
+              <a:t>RETURNS DECIMAL (18, 2)</a:t>
+            </a:r>
+          </a:p>
+          <a:p>
+            <a:r>
+              <a:rPr lang="en-US" dirty="0">
+                <a:solidFill>
+                  <a:schemeClr val="bg1"/>
+                </a:solidFill>
+                <a:latin typeface="Courier New" panose="02070309020205020404" pitchFamily="49" charset="0"/>
+                <a:cs typeface="Courier New" panose="02070309020205020404" pitchFamily="49" charset="0"/>
+              </a:rPr>
+              <a:t>AS</a:t>
+            </a:r>
+          </a:p>
+          <a:p>
+            <a:r>
+              <a:rPr lang="en-US" dirty="0">
+                <a:solidFill>
+                  <a:schemeClr val="bg1"/>
+                </a:solidFill>
+                <a:latin typeface="Courier New" panose="02070309020205020404" pitchFamily="49" charset="0"/>
+                <a:cs typeface="Courier New" panose="02070309020205020404" pitchFamily="49" charset="0"/>
+              </a:rPr>
+              <a:t>BEGIN</a:t>
+            </a:r>
+          </a:p>
+          <a:p>
+            <a:r>
+              <a:rPr lang="en-US" dirty="0">
+                <a:solidFill>
+                  <a:schemeClr val="bg1"/>
+                </a:solidFill>
+                <a:latin typeface="Courier New" panose="02070309020205020404" pitchFamily="49" charset="0"/>
+                <a:cs typeface="Courier New" panose="02070309020205020404" pitchFamily="49" charset="0"/>
+              </a:rPr>
+              <a:t>    DECLARE @Result DECIMAL (18, 2);</a:t>
+            </a:r>
+          </a:p>
+          <a:p>
+            <a:r>
+              <a:rPr lang="en-US" dirty="0">
+                <a:solidFill>
+                  <a:schemeClr val="bg1"/>
+                </a:solidFill>
+                <a:latin typeface="Courier New" panose="02070309020205020404" pitchFamily="49" charset="0"/>
+                <a:cs typeface="Courier New" panose="02070309020205020404" pitchFamily="49" charset="0"/>
+              </a:rPr>
+              <a:t>    SELECT @Result = </a:t>
+            </a:r>
+          </a:p>
+          <a:p>
+            <a:r>
+              <a:rPr lang="en-US" dirty="0">
+                <a:solidFill>
+                  <a:schemeClr val="bg1"/>
+                </a:solidFill>
+                <a:latin typeface="Courier New" panose="02070309020205020404" pitchFamily="49" charset="0"/>
+                <a:cs typeface="Courier New" panose="02070309020205020404" pitchFamily="49" charset="0"/>
+              </a:rPr>
+              <a:t>        (SELECT SUM(Quantity * </a:t>
+            </a:r>
+            <a:r>
+              <a:rPr lang="en-US" dirty="0" err="1">
+                <a:solidFill>
+                  <a:schemeClr val="bg1"/>
+                </a:solidFill>
+                <a:latin typeface="Courier New" panose="02070309020205020404" pitchFamily="49" charset="0"/>
+                <a:cs typeface="Courier New" panose="02070309020205020404" pitchFamily="49" charset="0"/>
+              </a:rPr>
+              <a:t>UnitPrice</a:t>
+            </a:r>
+            <a:r>
+              <a:rPr lang="en-US" dirty="0">
+                <a:solidFill>
+                  <a:schemeClr val="bg1"/>
+                </a:solidFill>
+                <a:latin typeface="Courier New" panose="02070309020205020404" pitchFamily="49" charset="0"/>
+                <a:cs typeface="Courier New" panose="02070309020205020404" pitchFamily="49" charset="0"/>
+              </a:rPr>
+              <a:t>) AS [Sum]</a:t>
+            </a:r>
+          </a:p>
+          <a:p>
+            <a:r>
+              <a:rPr lang="en-US" dirty="0">
+                <a:solidFill>
+                  <a:schemeClr val="bg1"/>
+                </a:solidFill>
+                <a:latin typeface="Courier New" panose="02070309020205020404" pitchFamily="49" charset="0"/>
+                <a:cs typeface="Courier New" panose="02070309020205020404" pitchFamily="49" charset="0"/>
+              </a:rPr>
+              <a:t>        FROM </a:t>
+            </a:r>
+            <a:r>
+              <a:rPr lang="en-US" dirty="0" err="1">
+                <a:solidFill>
+                  <a:schemeClr val="bg1"/>
+                </a:solidFill>
+                <a:latin typeface="Courier New" panose="02070309020205020404" pitchFamily="49" charset="0"/>
+                <a:cs typeface="Courier New" panose="02070309020205020404" pitchFamily="49" charset="0"/>
+              </a:rPr>
+              <a:t>Sales.OrderLines</a:t>
+            </a:r>
+            <a:endParaRPr lang="en-US" dirty="0">
+              <a:solidFill>
+                <a:schemeClr val="bg1"/>
+              </a:solidFill>
+              <a:latin typeface="Courier New" panose="02070309020205020404" pitchFamily="49" charset="0"/>
+              <a:cs typeface="Courier New" panose="02070309020205020404" pitchFamily="49" charset="0"/>
+            </a:endParaRPr>
+          </a:p>
+          <a:p>
+            <a:r>
+              <a:rPr lang="en-US" dirty="0">
+                <a:solidFill>
+                  <a:schemeClr val="bg1"/>
+                </a:solidFill>
+                <a:latin typeface="Courier New" panose="02070309020205020404" pitchFamily="49" charset="0"/>
+                <a:cs typeface="Courier New" panose="02070309020205020404" pitchFamily="49" charset="0"/>
+              </a:rPr>
+              <a:t>        WHERE </a:t>
+            </a:r>
+            <a:r>
+              <a:rPr lang="en-US" dirty="0" err="1">
+                <a:solidFill>
+                  <a:schemeClr val="bg1"/>
+                </a:solidFill>
+                <a:latin typeface="Courier New" panose="02070309020205020404" pitchFamily="49" charset="0"/>
+                <a:cs typeface="Courier New" panose="02070309020205020404" pitchFamily="49" charset="0"/>
+              </a:rPr>
+              <a:t>OrderID</a:t>
+            </a:r>
+            <a:r>
+              <a:rPr lang="en-US" dirty="0">
+                <a:solidFill>
+                  <a:schemeClr val="bg1"/>
+                </a:solidFill>
+                <a:latin typeface="Courier New" panose="02070309020205020404" pitchFamily="49" charset="0"/>
+                <a:cs typeface="Courier New" panose="02070309020205020404" pitchFamily="49" charset="0"/>
+              </a:rPr>
+              <a:t> = @OrderID)</a:t>
+            </a:r>
+          </a:p>
+          <a:p>
+            <a:endParaRPr lang="en-US" dirty="0">
+              <a:solidFill>
+                <a:schemeClr val="bg1"/>
+              </a:solidFill>
+              <a:latin typeface="Courier New" panose="02070309020205020404" pitchFamily="49" charset="0"/>
+              <a:cs typeface="Courier New" panose="02070309020205020404" pitchFamily="49" charset="0"/>
+            </a:endParaRPr>
+          </a:p>
+          <a:p>
+            <a:r>
+              <a:rPr lang="en-US" dirty="0">
+                <a:solidFill>
+                  <a:schemeClr val="bg1"/>
+                </a:solidFill>
+                <a:latin typeface="Courier New" panose="02070309020205020404" pitchFamily="49" charset="0"/>
+                <a:cs typeface="Courier New" panose="02070309020205020404" pitchFamily="49" charset="0"/>
+              </a:rPr>
+              <a:t>    RETURN @Result;</a:t>
+            </a:r>
+          </a:p>
+          <a:p>
+            <a:r>
+              <a:rPr lang="en-US" dirty="0">
+                <a:solidFill>
+                  <a:schemeClr val="bg1"/>
+                </a:solidFill>
+                <a:latin typeface="Courier New" panose="02070309020205020404" pitchFamily="49" charset="0"/>
+                <a:cs typeface="Courier New" panose="02070309020205020404" pitchFamily="49" charset="0"/>
+              </a:rPr>
+              <a:t>END;</a:t>
+            </a:r>
+            <a:endParaRPr lang="ru-RU" dirty="0">
+              <a:solidFill>
+                <a:schemeClr val="bg1"/>
+              </a:solidFill>
+              <a:latin typeface="Courier New" panose="02070309020205020404" pitchFamily="49" charset="0"/>
+              <a:cs typeface="Courier New" panose="02070309020205020404" pitchFamily="49" charset="0"/>
+            </a:endParaRPr>
+          </a:p>
+        </p:txBody>
+      </p:sp>
+    </p:spTree>
+    <p:extLst>
+      <p:ext uri="{BB962C8B-B14F-4D97-AF65-F5344CB8AC3E}">
+        <p14:creationId xmlns:p14="http://schemas.microsoft.com/office/powerpoint/2010/main" val="3916063718"/>
+      </p:ext>
+    </p:extLst>
+  </p:cSld>
+  <p:clrMapOvr>
+    <a:masterClrMapping/>
+  </p:clrMapOvr>
+</p:sld>
+</file>
+
+<file path=ppt/slides/slide14.xml><?xml version="1.0" encoding="utf-8"?>
+<p:sld xmlns:a="http://schemas.openxmlformats.org/drawingml/2006/main" xmlns:r="http://schemas.openxmlformats.org/officeDocument/2006/relationships" xmlns:p="http://schemas.openxmlformats.org/presentationml/2006/main">
+  <p:cSld>
+    <p:spTree>
+      <p:nvGrpSpPr>
+        <p:cNvPr id="1" name=""/>
+        <p:cNvGrpSpPr/>
+        <p:nvPr/>
+      </p:nvGrpSpPr>
+      <p:grpSpPr>
+        <a:xfrm>
+          <a:off x="0" y="0"/>
+          <a:ext cx="0" cy="0"/>
+          <a:chOff x="0" y="0"/>
+          <a:chExt cx="0" cy="0"/>
+        </a:xfrm>
+      </p:grpSpPr>
+      <p:sp>
+        <p:nvSpPr>
+          <p:cNvPr id="2" name="Заголовок 1">
+            <a:extLst>
+              <a:ext uri="{FF2B5EF4-FFF2-40B4-BE49-F238E27FC236}">
+                <a16:creationId xmlns:a16="http://schemas.microsoft.com/office/drawing/2014/main" id="{83CFB57A-E367-5736-E05B-90420CF04FE1}"/>
+              </a:ext>
+            </a:extLst>
+          </p:cNvPr>
+          <p:cNvSpPr>
+            <a:spLocks noGrp="1"/>
+          </p:cNvSpPr>
+          <p:nvPr>
+            <p:ph type="title"/>
+          </p:nvPr>
+        </p:nvSpPr>
+        <p:spPr/>
+        <p:txBody>
+          <a:bodyPr/>
+          <a:lstStyle/>
+          <a:p>
+            <a:r>
+              <a:rPr lang="ru-RU" dirty="0"/>
               <a:t>Табличные функции</a:t>
             </a:r>
+          </a:p>
+        </p:txBody>
+      </p:sp>
+      <p:sp>
+        <p:nvSpPr>
+          <p:cNvPr id="4" name="TextBox 3">
+            <a:extLst>
+              <a:ext uri="{FF2B5EF4-FFF2-40B4-BE49-F238E27FC236}">
+                <a16:creationId xmlns:a16="http://schemas.microsoft.com/office/drawing/2014/main" id="{E82DCF7F-17CA-91B2-2669-B6ACFB5E0474}"/>
+              </a:ext>
+            </a:extLst>
+          </p:cNvPr>
+          <p:cNvSpPr txBox="1"/>
+          <p:nvPr/>
+        </p:nvSpPr>
+        <p:spPr>
+          <a:xfrm>
+            <a:off x="554181" y="1004658"/>
+            <a:ext cx="7502237" cy="3323987"/>
+          </a:xfrm>
+          <a:prstGeom prst="rect">
+            <a:avLst/>
+          </a:prstGeom>
+          <a:noFill/>
+        </p:spPr>
+        <p:txBody>
+          <a:bodyPr wrap="square">
+            <a:spAutoFit/>
+          </a:bodyPr>
+          <a:lstStyle/>
+          <a:p>
+            <a:r>
+              <a:rPr lang="en-US" dirty="0">
+                <a:solidFill>
+                  <a:schemeClr val="bg1"/>
+                </a:solidFill>
+                <a:latin typeface="Courier New" panose="02070309020205020404" pitchFamily="49" charset="0"/>
+                <a:cs typeface="Courier New" panose="02070309020205020404" pitchFamily="49" charset="0"/>
+              </a:rPr>
+              <a:t>CREATE FUNCTION </a:t>
+            </a:r>
+            <a:r>
+              <a:rPr lang="en-US" dirty="0" err="1">
+                <a:solidFill>
+                  <a:schemeClr val="bg1"/>
+                </a:solidFill>
+                <a:latin typeface="Courier New" panose="02070309020205020404" pitchFamily="49" charset="0"/>
+                <a:cs typeface="Courier New" panose="02070309020205020404" pitchFamily="49" charset="0"/>
+              </a:rPr>
+              <a:t>dbo.fGetAllInvoicesForCityID</a:t>
+            </a:r>
+            <a:r>
+              <a:rPr lang="en-US" dirty="0">
+                <a:solidFill>
+                  <a:schemeClr val="bg1"/>
+                </a:solidFill>
+                <a:latin typeface="Courier New" panose="02070309020205020404" pitchFamily="49" charset="0"/>
+                <a:cs typeface="Courier New" panose="02070309020205020404" pitchFamily="49" charset="0"/>
+              </a:rPr>
+              <a:t>(@DeliveryCityID INT)</a:t>
+            </a:r>
+          </a:p>
+          <a:p>
+            <a:r>
+              <a:rPr lang="en-US" dirty="0">
+                <a:solidFill>
+                  <a:schemeClr val="bg1"/>
+                </a:solidFill>
+                <a:latin typeface="Courier New" panose="02070309020205020404" pitchFamily="49" charset="0"/>
+                <a:cs typeface="Courier New" panose="02070309020205020404" pitchFamily="49" charset="0"/>
+              </a:rPr>
+              <a:t>RETURNS TABLE</a:t>
+            </a:r>
+          </a:p>
+          <a:p>
+            <a:r>
+              <a:rPr lang="en-US" dirty="0">
+                <a:solidFill>
+                  <a:schemeClr val="bg1"/>
+                </a:solidFill>
+                <a:latin typeface="Courier New" panose="02070309020205020404" pitchFamily="49" charset="0"/>
+                <a:cs typeface="Courier New" panose="02070309020205020404" pitchFamily="49" charset="0"/>
+              </a:rPr>
+              <a:t>AS</a:t>
+            </a:r>
+          </a:p>
+          <a:p>
+            <a:r>
+              <a:rPr lang="en-US" dirty="0">
+                <a:solidFill>
+                  <a:schemeClr val="bg1"/>
+                </a:solidFill>
+                <a:latin typeface="Courier New" panose="02070309020205020404" pitchFamily="49" charset="0"/>
+                <a:cs typeface="Courier New" panose="02070309020205020404" pitchFamily="49" charset="0"/>
+              </a:rPr>
+              <a:t>RETURN</a:t>
+            </a:r>
+          </a:p>
+          <a:p>
+            <a:r>
+              <a:rPr lang="en-US" dirty="0">
+                <a:solidFill>
+                  <a:schemeClr val="bg1"/>
+                </a:solidFill>
+                <a:latin typeface="Courier New" panose="02070309020205020404" pitchFamily="49" charset="0"/>
+                <a:cs typeface="Courier New" panose="02070309020205020404" pitchFamily="49" charset="0"/>
+              </a:rPr>
+              <a:t>(</a:t>
+            </a:r>
+          </a:p>
+          <a:p>
+            <a:r>
+              <a:rPr lang="en-US" dirty="0">
+                <a:solidFill>
+                  <a:schemeClr val="bg1"/>
+                </a:solidFill>
+                <a:latin typeface="Courier New" panose="02070309020205020404" pitchFamily="49" charset="0"/>
+                <a:cs typeface="Courier New" panose="02070309020205020404" pitchFamily="49" charset="0"/>
+              </a:rPr>
+              <a:t>    SELECT </a:t>
+            </a:r>
+            <a:r>
+              <a:rPr lang="en-US" dirty="0" err="1">
+                <a:solidFill>
+                  <a:schemeClr val="bg1"/>
+                </a:solidFill>
+                <a:latin typeface="Courier New" panose="02070309020205020404" pitchFamily="49" charset="0"/>
+                <a:cs typeface="Courier New" panose="02070309020205020404" pitchFamily="49" charset="0"/>
+              </a:rPr>
+              <a:t>c.CustomerName</a:t>
+            </a:r>
+            <a:r>
+              <a:rPr lang="en-US" dirty="0">
+                <a:solidFill>
+                  <a:schemeClr val="bg1"/>
+                </a:solidFill>
+                <a:latin typeface="Courier New" panose="02070309020205020404" pitchFamily="49" charset="0"/>
+                <a:cs typeface="Courier New" panose="02070309020205020404" pitchFamily="49" charset="0"/>
+              </a:rPr>
+              <a:t> [Customer]</a:t>
+            </a:r>
+          </a:p>
+          <a:p>
+            <a:r>
+              <a:rPr lang="en-US" dirty="0">
+                <a:solidFill>
+                  <a:schemeClr val="bg1"/>
+                </a:solidFill>
+                <a:latin typeface="Courier New" panose="02070309020205020404" pitchFamily="49" charset="0"/>
+                <a:cs typeface="Courier New" panose="02070309020205020404" pitchFamily="49" charset="0"/>
+              </a:rPr>
+              <a:t>         , </a:t>
+            </a:r>
+            <a:r>
+              <a:rPr lang="en-US" dirty="0" err="1">
+                <a:solidFill>
+                  <a:schemeClr val="bg1"/>
+                </a:solidFill>
+                <a:latin typeface="Courier New" panose="02070309020205020404" pitchFamily="49" charset="0"/>
+                <a:cs typeface="Courier New" panose="02070309020205020404" pitchFamily="49" charset="0"/>
+              </a:rPr>
+              <a:t>i.SalespersonPersonID</a:t>
+            </a:r>
+            <a:r>
+              <a:rPr lang="en-US" dirty="0">
+                <a:solidFill>
+                  <a:schemeClr val="bg1"/>
+                </a:solidFill>
+                <a:latin typeface="Courier New" panose="02070309020205020404" pitchFamily="49" charset="0"/>
+                <a:cs typeface="Courier New" panose="02070309020205020404" pitchFamily="49" charset="0"/>
+              </a:rPr>
+              <a:t> [</a:t>
+            </a:r>
+            <a:r>
+              <a:rPr lang="en-US" dirty="0" err="1">
+                <a:solidFill>
+                  <a:schemeClr val="bg1"/>
+                </a:solidFill>
+                <a:latin typeface="Courier New" panose="02070309020205020404" pitchFamily="49" charset="0"/>
+                <a:cs typeface="Courier New" panose="02070309020205020404" pitchFamily="49" charset="0"/>
+              </a:rPr>
+              <a:t>SalesPerson</a:t>
+            </a:r>
+            <a:r>
+              <a:rPr lang="en-US" dirty="0">
+                <a:solidFill>
+                  <a:schemeClr val="bg1"/>
+                </a:solidFill>
+                <a:latin typeface="Courier New" panose="02070309020205020404" pitchFamily="49" charset="0"/>
+                <a:cs typeface="Courier New" panose="02070309020205020404" pitchFamily="49" charset="0"/>
+              </a:rPr>
+              <a:t>]</a:t>
+            </a:r>
+          </a:p>
+          <a:p>
+            <a:r>
+              <a:rPr lang="en-US" dirty="0">
+                <a:solidFill>
+                  <a:schemeClr val="bg1"/>
+                </a:solidFill>
+                <a:latin typeface="Courier New" panose="02070309020205020404" pitchFamily="49" charset="0"/>
+                <a:cs typeface="Courier New" panose="02070309020205020404" pitchFamily="49" charset="0"/>
+              </a:rPr>
+              <a:t>         , l.[Description]</a:t>
+            </a:r>
+          </a:p>
+          <a:p>
+            <a:r>
+              <a:rPr lang="en-US" dirty="0">
+                <a:solidFill>
+                  <a:schemeClr val="bg1"/>
+                </a:solidFill>
+                <a:latin typeface="Courier New" panose="02070309020205020404" pitchFamily="49" charset="0"/>
+                <a:cs typeface="Courier New" panose="02070309020205020404" pitchFamily="49" charset="0"/>
+              </a:rPr>
+              <a:t>    FROM </a:t>
+            </a:r>
+            <a:r>
+              <a:rPr lang="en-US" dirty="0" err="1">
+                <a:solidFill>
+                  <a:schemeClr val="bg1"/>
+                </a:solidFill>
+                <a:latin typeface="Courier New" panose="02070309020205020404" pitchFamily="49" charset="0"/>
+                <a:cs typeface="Courier New" panose="02070309020205020404" pitchFamily="49" charset="0"/>
+              </a:rPr>
+              <a:t>Sales.Customers</a:t>
+            </a:r>
+            <a:r>
+              <a:rPr lang="en-US" dirty="0">
+                <a:solidFill>
+                  <a:schemeClr val="bg1"/>
+                </a:solidFill>
+                <a:latin typeface="Courier New" panose="02070309020205020404" pitchFamily="49" charset="0"/>
+                <a:cs typeface="Courier New" panose="02070309020205020404" pitchFamily="49" charset="0"/>
+              </a:rPr>
+              <a:t> c</a:t>
+            </a:r>
+          </a:p>
+          <a:p>
+            <a:r>
+              <a:rPr lang="en-US" dirty="0">
+                <a:solidFill>
+                  <a:schemeClr val="bg1"/>
+                </a:solidFill>
+                <a:latin typeface="Courier New" panose="02070309020205020404" pitchFamily="49" charset="0"/>
+                <a:cs typeface="Courier New" panose="02070309020205020404" pitchFamily="49" charset="0"/>
+              </a:rPr>
+              <a:t>    INNER JOIN </a:t>
+            </a:r>
+            <a:r>
+              <a:rPr lang="en-US" dirty="0" err="1">
+                <a:solidFill>
+                  <a:schemeClr val="bg1"/>
+                </a:solidFill>
+                <a:latin typeface="Courier New" panose="02070309020205020404" pitchFamily="49" charset="0"/>
+                <a:cs typeface="Courier New" panose="02070309020205020404" pitchFamily="49" charset="0"/>
+              </a:rPr>
+              <a:t>Sales.Invoices</a:t>
+            </a:r>
+            <a:r>
+              <a:rPr lang="en-US" dirty="0">
+                <a:solidFill>
+                  <a:schemeClr val="bg1"/>
+                </a:solidFill>
+                <a:latin typeface="Courier New" panose="02070309020205020404" pitchFamily="49" charset="0"/>
+                <a:cs typeface="Courier New" panose="02070309020205020404" pitchFamily="49" charset="0"/>
+              </a:rPr>
+              <a:t> </a:t>
+            </a:r>
+            <a:r>
+              <a:rPr lang="en-US" dirty="0" err="1">
+                <a:solidFill>
+                  <a:schemeClr val="bg1"/>
+                </a:solidFill>
+                <a:latin typeface="Courier New" panose="02070309020205020404" pitchFamily="49" charset="0"/>
+                <a:cs typeface="Courier New" panose="02070309020205020404" pitchFamily="49" charset="0"/>
+              </a:rPr>
+              <a:t>i</a:t>
+            </a:r>
+            <a:endParaRPr lang="en-US" dirty="0">
+              <a:solidFill>
+                <a:schemeClr val="bg1"/>
+              </a:solidFill>
+              <a:latin typeface="Courier New" panose="02070309020205020404" pitchFamily="49" charset="0"/>
+              <a:cs typeface="Courier New" panose="02070309020205020404" pitchFamily="49" charset="0"/>
+            </a:endParaRPr>
+          </a:p>
+          <a:p>
+            <a:r>
+              <a:rPr lang="en-US" dirty="0">
+                <a:solidFill>
+                  <a:schemeClr val="bg1"/>
+                </a:solidFill>
+                <a:latin typeface="Courier New" panose="02070309020205020404" pitchFamily="49" charset="0"/>
+                <a:cs typeface="Courier New" panose="02070309020205020404" pitchFamily="49" charset="0"/>
+              </a:rPr>
+              <a:t>        ON </a:t>
+            </a:r>
+            <a:r>
+              <a:rPr lang="en-US" dirty="0" err="1">
+                <a:solidFill>
+                  <a:schemeClr val="bg1"/>
+                </a:solidFill>
+                <a:latin typeface="Courier New" panose="02070309020205020404" pitchFamily="49" charset="0"/>
+                <a:cs typeface="Courier New" panose="02070309020205020404" pitchFamily="49" charset="0"/>
+              </a:rPr>
+              <a:t>c.CustomerID</a:t>
+            </a:r>
+            <a:r>
+              <a:rPr lang="en-US" dirty="0">
+                <a:solidFill>
+                  <a:schemeClr val="bg1"/>
+                </a:solidFill>
+                <a:latin typeface="Courier New" panose="02070309020205020404" pitchFamily="49" charset="0"/>
+                <a:cs typeface="Courier New" panose="02070309020205020404" pitchFamily="49" charset="0"/>
+              </a:rPr>
+              <a:t> = </a:t>
+            </a:r>
+            <a:r>
+              <a:rPr lang="en-US" dirty="0" err="1">
+                <a:solidFill>
+                  <a:schemeClr val="bg1"/>
+                </a:solidFill>
+                <a:latin typeface="Courier New" panose="02070309020205020404" pitchFamily="49" charset="0"/>
+                <a:cs typeface="Courier New" panose="02070309020205020404" pitchFamily="49" charset="0"/>
+              </a:rPr>
+              <a:t>i.CustomerID</a:t>
+            </a:r>
+            <a:endParaRPr lang="en-US" dirty="0">
+              <a:solidFill>
+                <a:schemeClr val="bg1"/>
+              </a:solidFill>
+              <a:latin typeface="Courier New" panose="02070309020205020404" pitchFamily="49" charset="0"/>
+              <a:cs typeface="Courier New" panose="02070309020205020404" pitchFamily="49" charset="0"/>
+            </a:endParaRPr>
+          </a:p>
+          <a:p>
+            <a:r>
+              <a:rPr lang="en-US" dirty="0">
+                <a:solidFill>
+                  <a:schemeClr val="bg1"/>
+                </a:solidFill>
+                <a:latin typeface="Courier New" panose="02070309020205020404" pitchFamily="49" charset="0"/>
+                <a:cs typeface="Courier New" panose="02070309020205020404" pitchFamily="49" charset="0"/>
+              </a:rPr>
+              <a:t>    INNER JOIN </a:t>
+            </a:r>
+            <a:r>
+              <a:rPr lang="en-US" dirty="0" err="1">
+                <a:solidFill>
+                  <a:schemeClr val="bg1"/>
+                </a:solidFill>
+                <a:latin typeface="Courier New" panose="02070309020205020404" pitchFamily="49" charset="0"/>
+                <a:cs typeface="Courier New" panose="02070309020205020404" pitchFamily="49" charset="0"/>
+              </a:rPr>
+              <a:t>Sales.InvoiceLines</a:t>
+            </a:r>
+            <a:r>
+              <a:rPr lang="en-US" dirty="0">
+                <a:solidFill>
+                  <a:schemeClr val="bg1"/>
+                </a:solidFill>
+                <a:latin typeface="Courier New" panose="02070309020205020404" pitchFamily="49" charset="0"/>
+                <a:cs typeface="Courier New" panose="02070309020205020404" pitchFamily="49" charset="0"/>
+              </a:rPr>
+              <a:t> l</a:t>
+            </a:r>
+          </a:p>
+          <a:p>
+            <a:r>
+              <a:rPr lang="en-US" dirty="0">
+                <a:solidFill>
+                  <a:schemeClr val="bg1"/>
+                </a:solidFill>
+                <a:latin typeface="Courier New" panose="02070309020205020404" pitchFamily="49" charset="0"/>
+                <a:cs typeface="Courier New" panose="02070309020205020404" pitchFamily="49" charset="0"/>
+              </a:rPr>
+              <a:t>        ON </a:t>
+            </a:r>
+            <a:r>
+              <a:rPr lang="en-US" dirty="0" err="1">
+                <a:solidFill>
+                  <a:schemeClr val="bg1"/>
+                </a:solidFill>
+                <a:latin typeface="Courier New" panose="02070309020205020404" pitchFamily="49" charset="0"/>
+                <a:cs typeface="Courier New" panose="02070309020205020404" pitchFamily="49" charset="0"/>
+              </a:rPr>
+              <a:t>l.InvoiceID</a:t>
+            </a:r>
+            <a:r>
+              <a:rPr lang="en-US" dirty="0">
+                <a:solidFill>
+                  <a:schemeClr val="bg1"/>
+                </a:solidFill>
+                <a:latin typeface="Courier New" panose="02070309020205020404" pitchFamily="49" charset="0"/>
+                <a:cs typeface="Courier New" panose="02070309020205020404" pitchFamily="49" charset="0"/>
+              </a:rPr>
+              <a:t> = </a:t>
+            </a:r>
+            <a:r>
+              <a:rPr lang="en-US" dirty="0" err="1">
+                <a:solidFill>
+                  <a:schemeClr val="bg1"/>
+                </a:solidFill>
+                <a:latin typeface="Courier New" panose="02070309020205020404" pitchFamily="49" charset="0"/>
+                <a:cs typeface="Courier New" panose="02070309020205020404" pitchFamily="49" charset="0"/>
+              </a:rPr>
+              <a:t>i.InvoiceID</a:t>
+            </a:r>
+            <a:endParaRPr lang="en-US" dirty="0">
+              <a:solidFill>
+                <a:schemeClr val="bg1"/>
+              </a:solidFill>
+              <a:latin typeface="Courier New" panose="02070309020205020404" pitchFamily="49" charset="0"/>
+              <a:cs typeface="Courier New" panose="02070309020205020404" pitchFamily="49" charset="0"/>
+            </a:endParaRPr>
+          </a:p>
+          <a:p>
+            <a:r>
+              <a:rPr lang="en-US" dirty="0">
+                <a:solidFill>
+                  <a:schemeClr val="bg1"/>
+                </a:solidFill>
+                <a:latin typeface="Courier New" panose="02070309020205020404" pitchFamily="49" charset="0"/>
+                <a:cs typeface="Courier New" panose="02070309020205020404" pitchFamily="49" charset="0"/>
+              </a:rPr>
+              <a:t>    WHERE </a:t>
+            </a:r>
+            <a:r>
+              <a:rPr lang="en-US" dirty="0" err="1">
+                <a:solidFill>
+                  <a:schemeClr val="bg1"/>
+                </a:solidFill>
+                <a:latin typeface="Courier New" panose="02070309020205020404" pitchFamily="49" charset="0"/>
+                <a:cs typeface="Courier New" panose="02070309020205020404" pitchFamily="49" charset="0"/>
+              </a:rPr>
+              <a:t>DeliveryCityID</a:t>
+            </a:r>
+            <a:r>
+              <a:rPr lang="en-US" dirty="0">
+                <a:solidFill>
+                  <a:schemeClr val="bg1"/>
+                </a:solidFill>
+                <a:latin typeface="Courier New" panose="02070309020205020404" pitchFamily="49" charset="0"/>
+                <a:cs typeface="Courier New" panose="02070309020205020404" pitchFamily="49" charset="0"/>
+              </a:rPr>
+              <a:t> = @DeliveryCityID</a:t>
+            </a:r>
+          </a:p>
+          <a:p>
+            <a:r>
+              <a:rPr lang="en-US" dirty="0">
+                <a:solidFill>
+                  <a:schemeClr val="bg1"/>
+                </a:solidFill>
+                <a:latin typeface="Courier New" panose="02070309020205020404" pitchFamily="49" charset="0"/>
+                <a:cs typeface="Courier New" panose="02070309020205020404" pitchFamily="49" charset="0"/>
+              </a:rPr>
+              <a:t>);</a:t>
+            </a:r>
+            <a:endParaRPr lang="ru-RU" dirty="0">
+              <a:solidFill>
+                <a:schemeClr val="bg1"/>
+              </a:solidFill>
+              <a:latin typeface="Courier New" panose="02070309020205020404" pitchFamily="49" charset="0"/>
+              <a:cs typeface="Courier New" panose="02070309020205020404" pitchFamily="49" charset="0"/>
+            </a:endParaRPr>
           </a:p>
         </p:txBody>
       </p:sp>
@@ -7366,6 +7846,653 @@
     <p:extLst>
       <p:ext uri="{BB962C8B-B14F-4D97-AF65-F5344CB8AC3E}">
         <p14:creationId xmlns:p14="http://schemas.microsoft.com/office/powerpoint/2010/main" val="3862114052"/>
+      </p:ext>
+    </p:extLst>
+  </p:cSld>
+  <p:clrMapOvr>
+    <a:masterClrMapping/>
+  </p:clrMapOvr>
+</p:sld>
+</file>
+
+<file path=ppt/slides/slide15.xml><?xml version="1.0" encoding="utf-8"?>
+<p:sld xmlns:a="http://schemas.openxmlformats.org/drawingml/2006/main" xmlns:r="http://schemas.openxmlformats.org/officeDocument/2006/relationships" xmlns:p="http://schemas.openxmlformats.org/presentationml/2006/main">
+  <p:cSld>
+    <p:spTree>
+      <p:nvGrpSpPr>
+        <p:cNvPr id="1" name=""/>
+        <p:cNvGrpSpPr/>
+        <p:nvPr/>
+      </p:nvGrpSpPr>
+      <p:grpSpPr>
+        <a:xfrm>
+          <a:off x="0" y="0"/>
+          <a:ext cx="0" cy="0"/>
+          <a:chOff x="0" y="0"/>
+          <a:chExt cx="0" cy="0"/>
+        </a:xfrm>
+      </p:grpSpPr>
+      <p:sp>
+        <p:nvSpPr>
+          <p:cNvPr id="2" name="Заголовок 1">
+            <a:extLst>
+              <a:ext uri="{FF2B5EF4-FFF2-40B4-BE49-F238E27FC236}">
+                <a16:creationId xmlns:a16="http://schemas.microsoft.com/office/drawing/2014/main" id="{00A06823-A40C-3486-CDD6-004A156AEFD0}"/>
+              </a:ext>
+            </a:extLst>
+          </p:cNvPr>
+          <p:cNvSpPr>
+            <a:spLocks noGrp="1"/>
+          </p:cNvSpPr>
+          <p:nvPr>
+            <p:ph type="title"/>
+          </p:nvPr>
+        </p:nvSpPr>
+        <p:spPr/>
+        <p:txBody>
+          <a:bodyPr/>
+          <a:lstStyle/>
+          <a:p>
+            <a:r>
+              <a:rPr lang="en-US" dirty="0"/>
+              <a:t>Multi-statement </a:t>
+            </a:r>
+            <a:r>
+              <a:rPr lang="en-US" b="1" i="0" dirty="0">
+                <a:solidFill>
+                  <a:srgbClr val="E6E6E6"/>
+                </a:solidFill>
+                <a:effectLst/>
+                <a:latin typeface="Segoe UI" panose="020B0502040204020203" pitchFamily="34" charset="0"/>
+              </a:rPr>
+              <a:t>table-valued function</a:t>
+            </a:r>
+            <a:endParaRPr lang="ru-RU" dirty="0"/>
+          </a:p>
+        </p:txBody>
+      </p:sp>
+      <p:sp>
+        <p:nvSpPr>
+          <p:cNvPr id="4" name="TextBox 3">
+            <a:extLst>
+              <a:ext uri="{FF2B5EF4-FFF2-40B4-BE49-F238E27FC236}">
+                <a16:creationId xmlns:a16="http://schemas.microsoft.com/office/drawing/2014/main" id="{0C857CA8-834F-07F1-8566-117517AE008D}"/>
+              </a:ext>
+            </a:extLst>
+          </p:cNvPr>
+          <p:cNvSpPr txBox="1"/>
+          <p:nvPr/>
+        </p:nvSpPr>
+        <p:spPr>
+          <a:xfrm>
+            <a:off x="500550" y="878674"/>
+            <a:ext cx="8643450" cy="4324261"/>
+          </a:xfrm>
+          <a:prstGeom prst="rect">
+            <a:avLst/>
+          </a:prstGeom>
+          <a:noFill/>
+        </p:spPr>
+        <p:txBody>
+          <a:bodyPr wrap="square">
+            <a:spAutoFit/>
+          </a:bodyPr>
+          <a:lstStyle/>
+          <a:p>
+            <a:r>
+              <a:rPr lang="en-US" sz="1100" dirty="0">
+                <a:solidFill>
+                  <a:schemeClr val="bg1"/>
+                </a:solidFill>
+                <a:latin typeface="Courier New" panose="02070309020205020404" pitchFamily="49" charset="0"/>
+                <a:cs typeface="Courier New" panose="02070309020205020404" pitchFamily="49" charset="0"/>
+              </a:rPr>
+              <a:t>CREATE FUNCTION </a:t>
+            </a:r>
+            <a:r>
+              <a:rPr lang="en-US" sz="1100" dirty="0" err="1">
+                <a:solidFill>
+                  <a:schemeClr val="bg1"/>
+                </a:solidFill>
+                <a:latin typeface="Courier New" panose="02070309020205020404" pitchFamily="49" charset="0"/>
+                <a:cs typeface="Courier New" panose="02070309020205020404" pitchFamily="49" charset="0"/>
+              </a:rPr>
+              <a:t>dbo.fMultyStatementExample</a:t>
+            </a:r>
+            <a:r>
+              <a:rPr lang="en-US" sz="1100" dirty="0">
+                <a:solidFill>
+                  <a:schemeClr val="bg1"/>
+                </a:solidFill>
+                <a:latin typeface="Courier New" panose="02070309020205020404" pitchFamily="49" charset="0"/>
+                <a:cs typeface="Courier New" panose="02070309020205020404" pitchFamily="49" charset="0"/>
+              </a:rPr>
+              <a:t>(@Size NVARCHAR(20))</a:t>
+            </a:r>
+          </a:p>
+          <a:p>
+            <a:r>
+              <a:rPr lang="en-US" sz="1100" dirty="0">
+                <a:solidFill>
+                  <a:schemeClr val="bg1"/>
+                </a:solidFill>
+                <a:latin typeface="Courier New" panose="02070309020205020404" pitchFamily="49" charset="0"/>
+                <a:cs typeface="Courier New" panose="02070309020205020404" pitchFamily="49" charset="0"/>
+              </a:rPr>
+              <a:t>RETURNS @TableExample TABLE</a:t>
+            </a:r>
+          </a:p>
+          <a:p>
+            <a:r>
+              <a:rPr lang="en-US" sz="1100" dirty="0">
+                <a:solidFill>
+                  <a:schemeClr val="bg1"/>
+                </a:solidFill>
+                <a:latin typeface="Courier New" panose="02070309020205020404" pitchFamily="49" charset="0"/>
+                <a:cs typeface="Courier New" panose="02070309020205020404" pitchFamily="49" charset="0"/>
+              </a:rPr>
+              <a:t>(</a:t>
+            </a:r>
+          </a:p>
+          <a:p>
+            <a:r>
+              <a:rPr lang="en-US" sz="1100" dirty="0">
+                <a:solidFill>
+                  <a:schemeClr val="bg1"/>
+                </a:solidFill>
+                <a:latin typeface="Courier New" panose="02070309020205020404" pitchFamily="49" charset="0"/>
+                <a:cs typeface="Courier New" panose="02070309020205020404" pitchFamily="49" charset="0"/>
+              </a:rPr>
+              <a:t>    </a:t>
+            </a:r>
+            <a:r>
+              <a:rPr lang="en-US" sz="1100" dirty="0" err="1">
+                <a:solidFill>
+                  <a:schemeClr val="bg1"/>
+                </a:solidFill>
+                <a:latin typeface="Courier New" panose="02070309020205020404" pitchFamily="49" charset="0"/>
+                <a:cs typeface="Courier New" panose="02070309020205020404" pitchFamily="49" charset="0"/>
+              </a:rPr>
+              <a:t>StockItemID</a:t>
+            </a:r>
+            <a:r>
+              <a:rPr lang="en-US" sz="1100" dirty="0">
+                <a:solidFill>
+                  <a:schemeClr val="bg1"/>
+                </a:solidFill>
+                <a:latin typeface="Courier New" panose="02070309020205020404" pitchFamily="49" charset="0"/>
+                <a:cs typeface="Courier New" panose="02070309020205020404" pitchFamily="49" charset="0"/>
+              </a:rPr>
+              <a:t> INT</a:t>
+            </a:r>
+          </a:p>
+          <a:p>
+            <a:r>
+              <a:rPr lang="en-US" sz="1100" dirty="0">
+                <a:solidFill>
+                  <a:schemeClr val="bg1"/>
+                </a:solidFill>
+                <a:latin typeface="Courier New" panose="02070309020205020404" pitchFamily="49" charset="0"/>
+                <a:cs typeface="Courier New" panose="02070309020205020404" pitchFamily="49" charset="0"/>
+              </a:rPr>
+              <a:t>  , Brand NVARCHAR(50)</a:t>
+            </a:r>
+          </a:p>
+          <a:p>
+            <a:r>
+              <a:rPr lang="en-US" sz="1100" dirty="0">
+                <a:solidFill>
+                  <a:schemeClr val="bg1"/>
+                </a:solidFill>
+                <a:latin typeface="Courier New" panose="02070309020205020404" pitchFamily="49" charset="0"/>
+                <a:cs typeface="Courier New" panose="02070309020205020404" pitchFamily="49" charset="0"/>
+              </a:rPr>
+              <a:t>  , Color NVARCHAR(20)</a:t>
+            </a:r>
+          </a:p>
+          <a:p>
+            <a:r>
+              <a:rPr lang="en-US" sz="1100" dirty="0">
+                <a:solidFill>
+                  <a:schemeClr val="bg1"/>
+                </a:solidFill>
+                <a:latin typeface="Courier New" panose="02070309020205020404" pitchFamily="49" charset="0"/>
+                <a:cs typeface="Courier New" panose="02070309020205020404" pitchFamily="49" charset="0"/>
+              </a:rPr>
+              <a:t>  , </a:t>
+            </a:r>
+            <a:r>
+              <a:rPr lang="en-US" sz="1100" dirty="0" err="1">
+                <a:solidFill>
+                  <a:schemeClr val="bg1"/>
+                </a:solidFill>
+                <a:latin typeface="Courier New" panose="02070309020205020404" pitchFamily="49" charset="0"/>
+                <a:cs typeface="Courier New" panose="02070309020205020404" pitchFamily="49" charset="0"/>
+              </a:rPr>
+              <a:t>UnitPrice</a:t>
+            </a:r>
+            <a:r>
+              <a:rPr lang="en-US" sz="1100" dirty="0">
+                <a:solidFill>
+                  <a:schemeClr val="bg1"/>
+                </a:solidFill>
+                <a:latin typeface="Courier New" panose="02070309020205020404" pitchFamily="49" charset="0"/>
+                <a:cs typeface="Courier New" panose="02070309020205020404" pitchFamily="49" charset="0"/>
+              </a:rPr>
+              <a:t> DECIMAL(18, 2)</a:t>
+            </a:r>
+          </a:p>
+          <a:p>
+            <a:r>
+              <a:rPr lang="en-US" sz="1100" dirty="0">
+                <a:solidFill>
+                  <a:schemeClr val="bg1"/>
+                </a:solidFill>
+                <a:latin typeface="Courier New" panose="02070309020205020404" pitchFamily="49" charset="0"/>
+                <a:cs typeface="Courier New" panose="02070309020205020404" pitchFamily="49" charset="0"/>
+              </a:rPr>
+              <a:t>)</a:t>
+            </a:r>
+          </a:p>
+          <a:p>
+            <a:r>
+              <a:rPr lang="en-US" sz="1100" dirty="0">
+                <a:solidFill>
+                  <a:schemeClr val="bg1"/>
+                </a:solidFill>
+                <a:latin typeface="Courier New" panose="02070309020205020404" pitchFamily="49" charset="0"/>
+                <a:cs typeface="Courier New" panose="02070309020205020404" pitchFamily="49" charset="0"/>
+              </a:rPr>
+              <a:t>AS</a:t>
+            </a:r>
+          </a:p>
+          <a:p>
+            <a:r>
+              <a:rPr lang="en-US" sz="1100" dirty="0">
+                <a:solidFill>
+                  <a:schemeClr val="bg1"/>
+                </a:solidFill>
+                <a:latin typeface="Courier New" panose="02070309020205020404" pitchFamily="49" charset="0"/>
+                <a:cs typeface="Courier New" panose="02070309020205020404" pitchFamily="49" charset="0"/>
+              </a:rPr>
+              <a:t>BEGIN</a:t>
+            </a:r>
+          </a:p>
+          <a:p>
+            <a:r>
+              <a:rPr lang="en-US" sz="1100" dirty="0">
+                <a:solidFill>
+                  <a:schemeClr val="bg1"/>
+                </a:solidFill>
+                <a:latin typeface="Courier New" panose="02070309020205020404" pitchFamily="49" charset="0"/>
+                <a:cs typeface="Courier New" panose="02070309020205020404" pitchFamily="49" charset="0"/>
+              </a:rPr>
+              <a:t>    DECLARE @AVG DECIMAL(18, 2);</a:t>
+            </a:r>
+          </a:p>
+          <a:p>
+            <a:r>
+              <a:rPr lang="en-US" sz="1100" dirty="0">
+                <a:solidFill>
+                  <a:schemeClr val="bg1"/>
+                </a:solidFill>
+                <a:latin typeface="Courier New" panose="02070309020205020404" pitchFamily="49" charset="0"/>
+                <a:cs typeface="Courier New" panose="02070309020205020404" pitchFamily="49" charset="0"/>
+              </a:rPr>
+              <a:t>    SET @AVG = </a:t>
+            </a:r>
+            <a:r>
+              <a:rPr lang="en-US" sz="1100" dirty="0" err="1">
+                <a:solidFill>
+                  <a:schemeClr val="bg1"/>
+                </a:solidFill>
+                <a:latin typeface="Courier New" panose="02070309020205020404" pitchFamily="49" charset="0"/>
+                <a:cs typeface="Courier New" panose="02070309020205020404" pitchFamily="49" charset="0"/>
+              </a:rPr>
+              <a:t>dbo.fGetAveragePrice</a:t>
+            </a:r>
+            <a:r>
+              <a:rPr lang="en-US" sz="1100" dirty="0">
+                <a:solidFill>
+                  <a:schemeClr val="bg1"/>
+                </a:solidFill>
+                <a:latin typeface="Courier New" panose="02070309020205020404" pitchFamily="49" charset="0"/>
+                <a:cs typeface="Courier New" panose="02070309020205020404" pitchFamily="49" charset="0"/>
+              </a:rPr>
+              <a:t>(@Size);</a:t>
+            </a:r>
+          </a:p>
+          <a:p>
+            <a:endParaRPr lang="en-US" sz="1100" dirty="0">
+              <a:solidFill>
+                <a:schemeClr val="bg1"/>
+              </a:solidFill>
+              <a:latin typeface="Courier New" panose="02070309020205020404" pitchFamily="49" charset="0"/>
+              <a:cs typeface="Courier New" panose="02070309020205020404" pitchFamily="49" charset="0"/>
+            </a:endParaRPr>
+          </a:p>
+          <a:p>
+            <a:r>
+              <a:rPr lang="en-US" sz="1100" dirty="0">
+                <a:solidFill>
+                  <a:schemeClr val="bg1"/>
+                </a:solidFill>
+                <a:latin typeface="Courier New" panose="02070309020205020404" pitchFamily="49" charset="0"/>
+                <a:cs typeface="Courier New" panose="02070309020205020404" pitchFamily="49" charset="0"/>
+              </a:rPr>
+              <a:t>    INSERT INTO @TableExample</a:t>
+            </a:r>
+          </a:p>
+          <a:p>
+            <a:r>
+              <a:rPr lang="en-US" sz="1100" dirty="0">
+                <a:solidFill>
+                  <a:schemeClr val="bg1"/>
+                </a:solidFill>
+                <a:latin typeface="Courier New" panose="02070309020205020404" pitchFamily="49" charset="0"/>
+                <a:cs typeface="Courier New" panose="02070309020205020404" pitchFamily="49" charset="0"/>
+              </a:rPr>
+              <a:t>    SELECT </a:t>
+            </a:r>
+            <a:r>
+              <a:rPr lang="en-US" sz="1100" dirty="0" err="1">
+                <a:solidFill>
+                  <a:schemeClr val="bg1"/>
+                </a:solidFill>
+                <a:latin typeface="Courier New" panose="02070309020205020404" pitchFamily="49" charset="0"/>
+                <a:cs typeface="Courier New" panose="02070309020205020404" pitchFamily="49" charset="0"/>
+              </a:rPr>
+              <a:t>s.StockItemID</a:t>
+            </a:r>
+            <a:endParaRPr lang="en-US" sz="1100" dirty="0">
+              <a:solidFill>
+                <a:schemeClr val="bg1"/>
+              </a:solidFill>
+              <a:latin typeface="Courier New" panose="02070309020205020404" pitchFamily="49" charset="0"/>
+              <a:cs typeface="Courier New" panose="02070309020205020404" pitchFamily="49" charset="0"/>
+            </a:endParaRPr>
+          </a:p>
+          <a:p>
+            <a:r>
+              <a:rPr lang="en-US" sz="1100" dirty="0">
+                <a:solidFill>
+                  <a:schemeClr val="bg1"/>
+                </a:solidFill>
+                <a:latin typeface="Courier New" panose="02070309020205020404" pitchFamily="49" charset="0"/>
+                <a:cs typeface="Courier New" panose="02070309020205020404" pitchFamily="49" charset="0"/>
+              </a:rPr>
+              <a:t>         , </a:t>
+            </a:r>
+            <a:r>
+              <a:rPr lang="en-US" sz="1100" dirty="0" err="1">
+                <a:solidFill>
+                  <a:schemeClr val="bg1"/>
+                </a:solidFill>
+                <a:latin typeface="Courier New" panose="02070309020205020404" pitchFamily="49" charset="0"/>
+                <a:cs typeface="Courier New" panose="02070309020205020404" pitchFamily="49" charset="0"/>
+              </a:rPr>
+              <a:t>s.Brand</a:t>
+            </a:r>
+            <a:endParaRPr lang="en-US" sz="1100" dirty="0">
+              <a:solidFill>
+                <a:schemeClr val="bg1"/>
+              </a:solidFill>
+              <a:latin typeface="Courier New" panose="02070309020205020404" pitchFamily="49" charset="0"/>
+              <a:cs typeface="Courier New" panose="02070309020205020404" pitchFamily="49" charset="0"/>
+            </a:endParaRPr>
+          </a:p>
+          <a:p>
+            <a:r>
+              <a:rPr lang="en-US" sz="1100" dirty="0">
+                <a:solidFill>
+                  <a:schemeClr val="bg1"/>
+                </a:solidFill>
+                <a:latin typeface="Courier New" panose="02070309020205020404" pitchFamily="49" charset="0"/>
+                <a:cs typeface="Courier New" panose="02070309020205020404" pitchFamily="49" charset="0"/>
+              </a:rPr>
+              <a:t>         , </a:t>
+            </a:r>
+            <a:r>
+              <a:rPr lang="en-US" sz="1100" dirty="0" err="1">
+                <a:solidFill>
+                  <a:schemeClr val="bg1"/>
+                </a:solidFill>
+                <a:latin typeface="Courier New" panose="02070309020205020404" pitchFamily="49" charset="0"/>
+                <a:cs typeface="Courier New" panose="02070309020205020404" pitchFamily="49" charset="0"/>
+              </a:rPr>
+              <a:t>c.ColorName</a:t>
+            </a:r>
+            <a:r>
+              <a:rPr lang="en-US" sz="1100" dirty="0">
+                <a:solidFill>
+                  <a:schemeClr val="bg1"/>
+                </a:solidFill>
+                <a:latin typeface="Courier New" panose="02070309020205020404" pitchFamily="49" charset="0"/>
+                <a:cs typeface="Courier New" panose="02070309020205020404" pitchFamily="49" charset="0"/>
+              </a:rPr>
+              <a:t> AS Color</a:t>
+            </a:r>
+          </a:p>
+          <a:p>
+            <a:r>
+              <a:rPr lang="en-US" sz="1100" dirty="0">
+                <a:solidFill>
+                  <a:schemeClr val="bg1"/>
+                </a:solidFill>
+                <a:latin typeface="Courier New" panose="02070309020205020404" pitchFamily="49" charset="0"/>
+                <a:cs typeface="Courier New" panose="02070309020205020404" pitchFamily="49" charset="0"/>
+              </a:rPr>
+              <a:t>         , </a:t>
+            </a:r>
+            <a:r>
+              <a:rPr lang="en-US" sz="1100" dirty="0" err="1">
+                <a:solidFill>
+                  <a:schemeClr val="bg1"/>
+                </a:solidFill>
+                <a:latin typeface="Courier New" panose="02070309020205020404" pitchFamily="49" charset="0"/>
+                <a:cs typeface="Courier New" panose="02070309020205020404" pitchFamily="49" charset="0"/>
+              </a:rPr>
+              <a:t>s.UnitPrice</a:t>
+            </a:r>
+            <a:endParaRPr lang="en-US" sz="1100" dirty="0">
+              <a:solidFill>
+                <a:schemeClr val="bg1"/>
+              </a:solidFill>
+              <a:latin typeface="Courier New" panose="02070309020205020404" pitchFamily="49" charset="0"/>
+              <a:cs typeface="Courier New" panose="02070309020205020404" pitchFamily="49" charset="0"/>
+            </a:endParaRPr>
+          </a:p>
+          <a:p>
+            <a:r>
+              <a:rPr lang="en-US" sz="1100" dirty="0">
+                <a:solidFill>
+                  <a:schemeClr val="bg1"/>
+                </a:solidFill>
+                <a:latin typeface="Courier New" panose="02070309020205020404" pitchFamily="49" charset="0"/>
+                <a:cs typeface="Courier New" panose="02070309020205020404" pitchFamily="49" charset="0"/>
+              </a:rPr>
+              <a:t>    FROM </a:t>
+            </a:r>
+            <a:r>
+              <a:rPr lang="en-US" sz="1100" dirty="0" err="1">
+                <a:solidFill>
+                  <a:schemeClr val="bg1"/>
+                </a:solidFill>
+                <a:latin typeface="Courier New" panose="02070309020205020404" pitchFamily="49" charset="0"/>
+                <a:cs typeface="Courier New" panose="02070309020205020404" pitchFamily="49" charset="0"/>
+              </a:rPr>
+              <a:t>Warehouse.StockItems</a:t>
+            </a:r>
+            <a:r>
+              <a:rPr lang="en-US" sz="1100" dirty="0">
+                <a:solidFill>
+                  <a:schemeClr val="bg1"/>
+                </a:solidFill>
+                <a:latin typeface="Courier New" panose="02070309020205020404" pitchFamily="49" charset="0"/>
+                <a:cs typeface="Courier New" panose="02070309020205020404" pitchFamily="49" charset="0"/>
+              </a:rPr>
+              <a:t> s</a:t>
+            </a:r>
+          </a:p>
+          <a:p>
+            <a:r>
+              <a:rPr lang="en-US" sz="1100" dirty="0">
+                <a:solidFill>
+                  <a:schemeClr val="bg1"/>
+                </a:solidFill>
+                <a:latin typeface="Courier New" panose="02070309020205020404" pitchFamily="49" charset="0"/>
+                <a:cs typeface="Courier New" panose="02070309020205020404" pitchFamily="49" charset="0"/>
+              </a:rPr>
+              <a:t>    INNER JOIN </a:t>
+            </a:r>
+            <a:r>
+              <a:rPr lang="en-US" sz="1100" dirty="0" err="1">
+                <a:solidFill>
+                  <a:schemeClr val="bg1"/>
+                </a:solidFill>
+                <a:latin typeface="Courier New" panose="02070309020205020404" pitchFamily="49" charset="0"/>
+                <a:cs typeface="Courier New" panose="02070309020205020404" pitchFamily="49" charset="0"/>
+              </a:rPr>
+              <a:t>Warehouse.Colors</a:t>
+            </a:r>
+            <a:r>
+              <a:rPr lang="en-US" sz="1100" dirty="0">
+                <a:solidFill>
+                  <a:schemeClr val="bg1"/>
+                </a:solidFill>
+                <a:latin typeface="Courier New" panose="02070309020205020404" pitchFamily="49" charset="0"/>
+                <a:cs typeface="Courier New" panose="02070309020205020404" pitchFamily="49" charset="0"/>
+              </a:rPr>
+              <a:t> c</a:t>
+            </a:r>
+          </a:p>
+          <a:p>
+            <a:r>
+              <a:rPr lang="en-US" sz="1100" dirty="0">
+                <a:solidFill>
+                  <a:schemeClr val="bg1"/>
+                </a:solidFill>
+                <a:latin typeface="Courier New" panose="02070309020205020404" pitchFamily="49" charset="0"/>
+                <a:cs typeface="Courier New" panose="02070309020205020404" pitchFamily="49" charset="0"/>
+              </a:rPr>
+              <a:t>        ON </a:t>
+            </a:r>
+            <a:r>
+              <a:rPr lang="en-US" sz="1100" dirty="0" err="1">
+                <a:solidFill>
+                  <a:schemeClr val="bg1"/>
+                </a:solidFill>
+                <a:latin typeface="Courier New" panose="02070309020205020404" pitchFamily="49" charset="0"/>
+                <a:cs typeface="Courier New" panose="02070309020205020404" pitchFamily="49" charset="0"/>
+              </a:rPr>
+              <a:t>c.ColorID</a:t>
+            </a:r>
+            <a:r>
+              <a:rPr lang="en-US" sz="1100" dirty="0">
+                <a:solidFill>
+                  <a:schemeClr val="bg1"/>
+                </a:solidFill>
+                <a:latin typeface="Courier New" panose="02070309020205020404" pitchFamily="49" charset="0"/>
+                <a:cs typeface="Courier New" panose="02070309020205020404" pitchFamily="49" charset="0"/>
+              </a:rPr>
+              <a:t> = </a:t>
+            </a:r>
+            <a:r>
+              <a:rPr lang="en-US" sz="1100" dirty="0" err="1">
+                <a:solidFill>
+                  <a:schemeClr val="bg1"/>
+                </a:solidFill>
+                <a:latin typeface="Courier New" panose="02070309020205020404" pitchFamily="49" charset="0"/>
+                <a:cs typeface="Courier New" panose="02070309020205020404" pitchFamily="49" charset="0"/>
+              </a:rPr>
+              <a:t>s.ColorID</a:t>
+            </a:r>
+            <a:endParaRPr lang="en-US" sz="1100" dirty="0">
+              <a:solidFill>
+                <a:schemeClr val="bg1"/>
+              </a:solidFill>
+              <a:latin typeface="Courier New" panose="02070309020205020404" pitchFamily="49" charset="0"/>
+              <a:cs typeface="Courier New" panose="02070309020205020404" pitchFamily="49" charset="0"/>
+            </a:endParaRPr>
+          </a:p>
+          <a:p>
+            <a:r>
+              <a:rPr lang="en-US" sz="1100" dirty="0">
+                <a:solidFill>
+                  <a:schemeClr val="bg1"/>
+                </a:solidFill>
+                <a:latin typeface="Courier New" panose="02070309020205020404" pitchFamily="49" charset="0"/>
+                <a:cs typeface="Courier New" panose="02070309020205020404" pitchFamily="49" charset="0"/>
+              </a:rPr>
+              <a:t>    WHERE Size LIKE @Size AND </a:t>
+            </a:r>
+            <a:r>
+              <a:rPr lang="en-US" sz="1100" dirty="0" err="1">
+                <a:solidFill>
+                  <a:schemeClr val="bg1"/>
+                </a:solidFill>
+                <a:latin typeface="Courier New" panose="02070309020205020404" pitchFamily="49" charset="0"/>
+                <a:cs typeface="Courier New" panose="02070309020205020404" pitchFamily="49" charset="0"/>
+              </a:rPr>
+              <a:t>UnitPrice</a:t>
+            </a:r>
+            <a:r>
+              <a:rPr lang="en-US" sz="1100" dirty="0">
+                <a:solidFill>
+                  <a:schemeClr val="bg1"/>
+                </a:solidFill>
+                <a:latin typeface="Courier New" panose="02070309020205020404" pitchFamily="49" charset="0"/>
+                <a:cs typeface="Courier New" panose="02070309020205020404" pitchFamily="49" charset="0"/>
+              </a:rPr>
+              <a:t> &gt; @AVG;</a:t>
+            </a:r>
+          </a:p>
+          <a:p>
+            <a:endParaRPr lang="en-US" sz="1100" dirty="0">
+              <a:solidFill>
+                <a:schemeClr val="bg1"/>
+              </a:solidFill>
+              <a:latin typeface="Courier New" panose="02070309020205020404" pitchFamily="49" charset="0"/>
+              <a:cs typeface="Courier New" panose="02070309020205020404" pitchFamily="49" charset="0"/>
+            </a:endParaRPr>
+          </a:p>
+          <a:p>
+            <a:r>
+              <a:rPr lang="en-US" sz="1100" dirty="0">
+                <a:solidFill>
+                  <a:schemeClr val="bg1"/>
+                </a:solidFill>
+                <a:latin typeface="Courier New" panose="02070309020205020404" pitchFamily="49" charset="0"/>
+                <a:cs typeface="Courier New" panose="02070309020205020404" pitchFamily="49" charset="0"/>
+              </a:rPr>
+              <a:t>    RETURN</a:t>
+            </a:r>
+          </a:p>
+          <a:p>
+            <a:r>
+              <a:rPr lang="en-US" sz="1100" dirty="0">
+                <a:solidFill>
+                  <a:schemeClr val="bg1"/>
+                </a:solidFill>
+                <a:latin typeface="Courier New" panose="02070309020205020404" pitchFamily="49" charset="0"/>
+                <a:cs typeface="Courier New" panose="02070309020205020404" pitchFamily="49" charset="0"/>
+              </a:rPr>
+              <a:t>END;</a:t>
+            </a:r>
+            <a:endParaRPr lang="ru-RU" sz="1100" dirty="0">
+              <a:solidFill>
+                <a:schemeClr val="bg1"/>
+              </a:solidFill>
+              <a:latin typeface="Courier New" panose="02070309020205020404" pitchFamily="49" charset="0"/>
+              <a:cs typeface="Courier New" panose="02070309020205020404" pitchFamily="49" charset="0"/>
+            </a:endParaRPr>
+          </a:p>
+        </p:txBody>
+      </p:sp>
+    </p:spTree>
+    <p:extLst>
+      <p:ext uri="{BB962C8B-B14F-4D97-AF65-F5344CB8AC3E}">
+        <p14:creationId xmlns:p14="http://schemas.microsoft.com/office/powerpoint/2010/main" val="660993735"/>
       </p:ext>
     </p:extLst>
   </p:cSld>
@@ -7414,27 +8541,90 @@
           <a:lstStyle/>
           <a:p>
             <a:r>
-              <a:rPr lang="en-US" dirty="0"/>
-              <a:t>Multi-statement </a:t>
-            </a:r>
-            <a:r>
-              <a:rPr lang="en-US" b="1" i="0" dirty="0">
-                <a:solidFill>
-                  <a:srgbClr val="E6E6E6"/>
-                </a:solidFill>
-                <a:effectLst/>
-                <a:latin typeface="Segoe UI" panose="020B0502040204020203" pitchFamily="34" charset="0"/>
-              </a:rPr>
-              <a:t>table-valued function</a:t>
-            </a:r>
-            <a:endParaRPr lang="ru-RU" dirty="0"/>
+              <a:rPr lang="ru-RU" dirty="0"/>
+              <a:t>Хранимые процедуры</a:t>
+            </a:r>
+          </a:p>
+        </p:txBody>
+      </p:sp>
+      <p:sp>
+        <p:nvSpPr>
+          <p:cNvPr id="3" name="TextBox 2">
+            <a:extLst>
+              <a:ext uri="{FF2B5EF4-FFF2-40B4-BE49-F238E27FC236}">
+                <a16:creationId xmlns:a16="http://schemas.microsoft.com/office/drawing/2014/main" id="{7B850070-199C-1D98-D298-0EBE6BC7F575}"/>
+              </a:ext>
+            </a:extLst>
+          </p:cNvPr>
+          <p:cNvSpPr txBox="1"/>
+          <p:nvPr/>
+        </p:nvSpPr>
+        <p:spPr>
+          <a:xfrm>
+            <a:off x="500550" y="1121824"/>
+            <a:ext cx="8412222" cy="1015663"/>
+          </a:xfrm>
+          <a:prstGeom prst="rect">
+            <a:avLst/>
+          </a:prstGeom>
+          <a:noFill/>
+        </p:spPr>
+        <p:txBody>
+          <a:bodyPr wrap="square" rtlCol="0">
+            <a:spAutoFit/>
+          </a:bodyPr>
+          <a:lstStyle/>
+          <a:p>
+            <a:pPr>
+              <a:buClr>
+                <a:schemeClr val="bg1"/>
+              </a:buClr>
+            </a:pPr>
+            <a:r>
+              <a:rPr lang="ru-RU" sz="2000" dirty="0">
+                <a:solidFill>
+                  <a:schemeClr val="bg1"/>
+                </a:solidFill>
+              </a:rPr>
+              <a:t>Пользовательские</a:t>
+            </a:r>
+          </a:p>
+          <a:p>
+            <a:pPr>
+              <a:buClr>
+                <a:schemeClr val="bg1"/>
+              </a:buClr>
+            </a:pPr>
+            <a:r>
+              <a:rPr lang="ru-RU" sz="2000" dirty="0">
+                <a:solidFill>
+                  <a:schemeClr val="bg1"/>
+                </a:solidFill>
+              </a:rPr>
+              <a:t>Временные</a:t>
+            </a:r>
+          </a:p>
+          <a:p>
+            <a:pPr>
+              <a:buClr>
+                <a:schemeClr val="bg1"/>
+              </a:buClr>
+            </a:pPr>
+            <a:r>
+              <a:rPr lang="ru-RU" sz="2000" dirty="0">
+                <a:solidFill>
+                  <a:schemeClr val="bg1"/>
+                </a:solidFill>
+              </a:rPr>
+              <a:t>Системные</a:t>
+            </a:r>
           </a:p>
         </p:txBody>
       </p:sp>
     </p:spTree>
     <p:extLst>
       <p:ext uri="{BB962C8B-B14F-4D97-AF65-F5344CB8AC3E}">
-        <p14:creationId xmlns:p14="http://schemas.microsoft.com/office/powerpoint/2010/main" val="660993735"/>
+        <p14:creationId xmlns:p14="http://schemas.microsoft.com/office/powerpoint/2010/main" val="980060165"/>
       </p:ext>
     </p:extLst>
   </p:cSld>
@@ -7466,7 +8656,7 @@
           <p:cNvPr id="2" name="Заголовок 1">
             <a:extLst>
               <a:ext uri="{FF2B5EF4-FFF2-40B4-BE49-F238E27FC236}">
-                <a16:creationId xmlns:a16="http://schemas.microsoft.com/office/drawing/2014/main" id="{00A06823-A40C-3486-CDD6-004A156AEFD0}"/>
+                <a16:creationId xmlns:a16="http://schemas.microsoft.com/office/drawing/2014/main" id="{77363AD7-FFE1-0628-56EB-00B5BE131CE9}"/>
               </a:ext>
             </a:extLst>
           </p:cNvPr>
@@ -7483,18 +8673,25 @@
           <a:lstStyle/>
           <a:p>
             <a:r>
-              <a:rPr lang="ru-RU" dirty="0"/>
-              <a:t>Хранимые процедуры</a:t>
-            </a:r>
+              <a:rPr lang="ru-RU" sz="3200" b="1" i="0" dirty="0">
+                <a:solidFill>
+                  <a:schemeClr val="bg1"/>
+                </a:solidFill>
+                <a:effectLst/>
+                <a:latin typeface="Calibri" panose="020F0502020204030204" pitchFamily="34" charset="0"/>
+              </a:rPr>
+              <a:t>Параметры и хранимая процедура</a:t>
+            </a:r>
+            <a:endParaRPr lang="ru-RU" dirty="0"/>
           </a:p>
         </p:txBody>
       </p:sp>
       <p:sp>
         <p:nvSpPr>
-          <p:cNvPr id="3" name="TextBox 2">
+          <p:cNvPr id="4" name="TextBox 3">
             <a:extLst>
               <a:ext uri="{FF2B5EF4-FFF2-40B4-BE49-F238E27FC236}">
-                <a16:creationId xmlns:a16="http://schemas.microsoft.com/office/drawing/2014/main" id="{7B850070-199C-1D98-D298-0EBE6BC7F575}"/>
+                <a16:creationId xmlns:a16="http://schemas.microsoft.com/office/drawing/2014/main" id="{971D8C71-F3D9-88BF-CD17-E5A168488869}"/>
               </a:ext>
             </a:extLst>
           </p:cNvPr>
@@ -7503,8 +8700,8 @@
         </p:nvSpPr>
         <p:spPr>
           <a:xfrm>
-            <a:off x="500550" y="1121824"/>
-            <a:ext cx="8412222" cy="1015663"/>
+            <a:off x="409903" y="1338673"/>
+            <a:ext cx="8334703" cy="2462213"/>
           </a:xfrm>
           <a:prstGeom prst="rect">
             <a:avLst/>
@@ -7512,61 +8709,261 @@
           <a:noFill/>
         </p:spPr>
         <p:txBody>
-          <a:bodyPr wrap="square" rtlCol="0">
+          <a:bodyPr wrap="square">
             <a:spAutoFit/>
           </a:bodyPr>
           <a:lstStyle/>
           <a:p>
-            <a:pPr>
-              <a:buClr>
+            <a:r>
+              <a:rPr lang="ru-RU" sz="2000" b="0" i="0" dirty="0">
+                <a:solidFill>
+                  <a:schemeClr val="bg1"/>
+                </a:solidFill>
+                <a:effectLst/>
+                <a:latin typeface="Consolas" panose="020B0609020204030204" pitchFamily="49" charset="0"/>
+              </a:rPr>
+              <a:t>CREATE PROCEDURE </a:t>
+            </a:r>
+            <a:r>
+              <a:rPr lang="ru-RU" sz="2000" b="0" i="0" dirty="0" err="1">
+                <a:solidFill>
+                  <a:schemeClr val="bg1"/>
+                </a:solidFill>
+                <a:effectLst/>
+                <a:latin typeface="Consolas" panose="020B0609020204030204" pitchFamily="49" charset="0"/>
+              </a:rPr>
+              <a:t>SampleProcedure</a:t>
+            </a:r>
+            <a:r>
+              <a:rPr lang="ru-RU" sz="2000" b="0" i="0" dirty="0">
+                <a:solidFill>
+                  <a:schemeClr val="bg1"/>
+                </a:solidFill>
+                <a:effectLst/>
+                <a:latin typeface="Consolas" panose="020B0609020204030204" pitchFamily="49" charset="0"/>
+              </a:rPr>
+              <a:t> @EmployeeIDPar</a:t>
+            </a:r>
+            <a:r>
+              <a:rPr lang="en-US" sz="2000" b="0" i="0" dirty="0">
+                <a:solidFill>
+                  <a:schemeClr val="bg1"/>
+                </a:solidFill>
+                <a:effectLst/>
+                <a:latin typeface="Consolas" panose="020B0609020204030204" pitchFamily="49" charset="0"/>
+              </a:rPr>
+              <a:t>a</a:t>
+            </a:r>
+            <a:r>
+              <a:rPr lang="ru-RU" sz="2000" b="0" i="0" dirty="0">
+                <a:solidFill>
+                  <a:schemeClr val="bg1"/>
+                </a:solidFill>
+                <a:effectLst/>
+                <a:latin typeface="Consolas" panose="020B0609020204030204" pitchFamily="49" charset="0"/>
+              </a:rPr>
+              <a:t>m INT,</a:t>
+            </a:r>
+            <a:br>
+              <a:rPr lang="ru-RU" sz="2000" b="0" i="0" dirty="0">
+                <a:solidFill>
+                  <a:schemeClr val="bg1"/>
+                </a:solidFill>
+                <a:effectLst/>
+                <a:latin typeface="Consolas" panose="020B0609020204030204" pitchFamily="49" charset="0"/>
+              </a:rPr>
+            </a:br>
+            <a:r>
+              <a:rPr lang="ru-RU" sz="2000" b="0" i="0" dirty="0">
+                <a:solidFill>
+                  <a:schemeClr val="bg1"/>
+                </a:solidFill>
+                <a:effectLst/>
+                <a:latin typeface="Consolas" panose="020B0609020204030204" pitchFamily="49" charset="0"/>
+              </a:rPr>
+              <a:t>@MaxTotal INT OUTPUT</a:t>
+            </a:r>
+            <a:br>
+              <a:rPr lang="ru-RU" sz="2000" b="0" i="0" dirty="0">
+                <a:solidFill>
+                  <a:schemeClr val="bg1"/>
+                </a:solidFill>
+                <a:effectLst/>
+                <a:latin typeface="Consolas" panose="020B0609020204030204" pitchFamily="49" charset="0"/>
+              </a:rPr>
+            </a:br>
+            <a:r>
+              <a:rPr lang="ru-RU" sz="2000" b="0" i="0" dirty="0">
+                <a:solidFill>
+                  <a:schemeClr val="bg1"/>
+                </a:solidFill>
+                <a:effectLst/>
+                <a:latin typeface="Calibri" panose="020F0502020204030204" pitchFamily="34" charset="0"/>
+              </a:rPr>
+              <a:t>Указание направления параметров</a:t>
+            </a:r>
+            <a:br>
+              <a:rPr lang="ru-RU" sz="2000" b="0" i="0" dirty="0">
+                <a:solidFill>
+                  <a:schemeClr val="bg1"/>
+                </a:solidFill>
+                <a:effectLst/>
+                <a:latin typeface="Calibri" panose="020F0502020204030204" pitchFamily="34" charset="0"/>
+              </a:rPr>
+            </a:br>
+            <a:r>
+              <a:rPr lang="ru-RU" sz="2000" b="0" i="0" dirty="0">
+                <a:solidFill>
+                  <a:schemeClr val="bg1"/>
+                </a:solidFill>
+                <a:effectLst/>
+                <a:latin typeface="Consolas" panose="020B0609020204030204" pitchFamily="49" charset="0"/>
+              </a:rPr>
+              <a:t>IN – </a:t>
+            </a:r>
+            <a:r>
+              <a:rPr lang="ru-RU" sz="2000" b="0" i="0" dirty="0">
+                <a:solidFill>
+                  <a:schemeClr val="bg1"/>
+                </a:solidFill>
+                <a:effectLst/>
+                <a:latin typeface="Calibri" panose="020F0502020204030204" pitchFamily="34" charset="0"/>
+              </a:rPr>
+              <a:t>входной (по ум</a:t>
+            </a:r>
+            <a:r>
+              <a:rPr lang="ru-RU" sz="2000" dirty="0">
+                <a:solidFill>
+                  <a:schemeClr val="bg1"/>
+                </a:solidFill>
+                <a:latin typeface="Calibri" panose="020F0502020204030204" pitchFamily="34" charset="0"/>
+              </a:rPr>
+              <a:t>о</a:t>
+            </a:r>
+            <a:r>
+              <a:rPr lang="ru-RU" sz="2000" b="0" i="0" dirty="0">
+                <a:solidFill>
+                  <a:schemeClr val="bg1"/>
+                </a:solidFill>
+                <a:effectLst/>
+                <a:latin typeface="Calibri" panose="020F0502020204030204" pitchFamily="34" charset="0"/>
+              </a:rPr>
+              <a:t>лчанию)</a:t>
+            </a:r>
+            <a:br>
+              <a:rPr lang="ru-RU" sz="2000" b="0" i="0" dirty="0">
+                <a:solidFill>
+                  <a:schemeClr val="bg1"/>
+                </a:solidFill>
+                <a:effectLst/>
+                <a:latin typeface="Calibri" panose="020F0502020204030204" pitchFamily="34" charset="0"/>
+              </a:rPr>
+            </a:br>
+            <a:r>
+              <a:rPr lang="ru-RU" sz="2000" b="0" i="0" dirty="0">
+                <a:solidFill>
+                  <a:schemeClr val="bg1"/>
+                </a:solidFill>
+                <a:effectLst/>
+                <a:latin typeface="Consolas" panose="020B0609020204030204" pitchFamily="49" charset="0"/>
+              </a:rPr>
+              <a:t>OUTPUT(OUT) - </a:t>
+            </a:r>
+            <a:r>
+              <a:rPr lang="ru-RU" sz="2000" b="0" i="0" dirty="0">
+                <a:solidFill>
+                  <a:schemeClr val="bg1"/>
+                </a:solidFill>
+                <a:effectLst/>
+                <a:latin typeface="Calibri" panose="020F0502020204030204" pitchFamily="34" charset="0"/>
+              </a:rPr>
+              <a:t>выходной</a:t>
+            </a:r>
+            <a:br>
+              <a:rPr lang="ru-RU" sz="2000" b="0" i="0" dirty="0">
+                <a:solidFill>
+                  <a:schemeClr val="bg1"/>
+                </a:solidFill>
+                <a:effectLst/>
+                <a:latin typeface="Calibri" panose="020F0502020204030204" pitchFamily="34" charset="0"/>
+              </a:rPr>
+            </a:br>
+            <a:r>
+              <a:rPr lang="ru-RU" sz="2000" b="0" i="0" dirty="0">
+                <a:solidFill>
+                  <a:schemeClr val="bg1"/>
+                </a:solidFill>
+                <a:effectLst/>
+                <a:latin typeface="Calibri" panose="020F0502020204030204" pitchFamily="34" charset="0"/>
+              </a:rPr>
+              <a:t>Типы данных параметров</a:t>
+            </a:r>
+            <a:br>
+              <a:rPr lang="ru-RU" sz="2000" b="0" i="0" dirty="0">
+                <a:solidFill>
+                  <a:schemeClr val="bg1"/>
+                </a:solidFill>
+                <a:effectLst/>
+                <a:latin typeface="Calibri" panose="020F0502020204030204" pitchFamily="34" charset="0"/>
+              </a:rPr>
+            </a:br>
+            <a:r>
+              <a:rPr lang="ru-RU" sz="2000" b="0" i="0" dirty="0">
+                <a:solidFill>
+                  <a:schemeClr val="bg1"/>
+                </a:solidFill>
+                <a:effectLst/>
+                <a:latin typeface="Consolas" panose="020B0609020204030204" pitchFamily="49" charset="0"/>
+              </a:rPr>
+              <a:t>RETURN </a:t>
+            </a:r>
+            <a:r>
+              <a:rPr lang="ru-RU" sz="2000" b="0" i="0" dirty="0">
+                <a:solidFill>
+                  <a:schemeClr val="bg1"/>
+                </a:solidFill>
+                <a:effectLst/>
+                <a:latin typeface="Helvetica" panose="020B0604020202020204" pitchFamily="34" charset="0"/>
+              </a:rPr>
+              <a:t>- </a:t>
+            </a:r>
+            <a:r>
+              <a:rPr lang="ru-RU" sz="2000" b="0" i="0" dirty="0">
+                <a:solidFill>
+                  <a:schemeClr val="bg1"/>
+                </a:solidFill>
+                <a:effectLst/>
+                <a:latin typeface="Arial" panose="020B0604020202020204" pitchFamily="34" charset="0"/>
+              </a:rPr>
+              <a:t>Возврат данных из хранимой процедуры</a:t>
+            </a:r>
+            <a:r>
+              <a:rPr lang="ru-RU" sz="2000" dirty="0">
+                <a:solidFill>
+                  <a:schemeClr val="bg1"/>
+                </a:solidFill>
+              </a:rPr>
+              <a:t> </a:t>
+            </a:r>
+            <a:br>
+              <a:rPr lang="ru-RU" dirty="0">
+                <a:solidFill>
+                  <a:schemeClr val="bg1"/>
+                </a:solidFill>
+              </a:rPr>
+            </a:br>
+            <a:endParaRPr lang="ru-RU" dirty="0">
+              <a:solidFill>
                 <a:schemeClr val="bg1"/>
-              </a:buClr>
-            </a:pPr>
-            <a:r>
-              <a:rPr lang="ru-RU" sz="2000" dirty="0">
-                <a:solidFill>
-                  <a:schemeClr val="bg1"/>
-                </a:solidFill>
-              </a:rPr>
-              <a:t>Пользовательские</a:t>
-            </a:r>
-          </a:p>
-          <a:p>
-            <a:pPr>
-              <a:buClr>
-                <a:schemeClr val="bg1"/>
-              </a:buClr>
-            </a:pPr>
-            <a:r>
-              <a:rPr lang="ru-RU" sz="2000" dirty="0">
-                <a:solidFill>
-                  <a:schemeClr val="bg1"/>
-                </a:solidFill>
-              </a:rPr>
-              <a:t>Временные</a:t>
-            </a:r>
-          </a:p>
-          <a:p>
-            <a:pPr>
-              <a:buClr>
-                <a:schemeClr val="bg1"/>
-              </a:buClr>
-            </a:pPr>
-            <a:r>
-              <a:rPr lang="ru-RU" sz="2000" dirty="0">
-                <a:solidFill>
-                  <a:schemeClr val="bg1"/>
-                </a:solidFill>
-              </a:rPr>
-              <a:t>Системные</a:t>
-            </a:r>
+              </a:solidFill>
+            </a:endParaRPr>
           </a:p>
         </p:txBody>
       </p:sp>
     </p:spTree>
     <p:extLst>
       <p:ext uri="{BB962C8B-B14F-4D97-AF65-F5344CB8AC3E}">
-        <p14:creationId xmlns:p14="http://schemas.microsoft.com/office/powerpoint/2010/main" val="980060165"/>
+        <p14:creationId xmlns:p14="http://schemas.microsoft.com/office/powerpoint/2010/main" val="1514867884"/>
       </p:ext>
     </p:extLst>
   </p:cSld>
@@ -7622,9 +9019,8 @@
                 <a:effectLst/>
                 <a:latin typeface="Calibri" panose="020F0502020204030204" pitchFamily="34" charset="0"/>
               </a:rPr>
-              <a:t>Параметры и хранимая процедура</a:t>
-            </a:r>
-            <a:endParaRPr lang="ru-RU" dirty="0"/>
+              <a:t>Передача параметров в хранимую процедуру</a:t>
+            </a:r>
           </a:p>
         </p:txBody>
       </p:sp>
@@ -7643,7 +9039,7 @@
         <p:spPr>
           <a:xfrm>
             <a:off x="409903" y="1338673"/>
-            <a:ext cx="8334703" cy="2462213"/>
+            <a:ext cx="8334703" cy="2154436"/>
           </a:xfrm>
           <a:prstGeom prst="rect">
             <a:avLst/>
@@ -7657,235 +9053,74 @@
           <a:lstStyle/>
           <a:p>
             <a:r>
-              <a:rPr lang="ru-RU" sz="2000" b="0" i="0" dirty="0">
-                <a:solidFill>
-                  <a:schemeClr val="bg1"/>
-                </a:solidFill>
-                <a:effectLst/>
-                <a:latin typeface="Consolas" panose="020B0609020204030204" pitchFamily="49" charset="0"/>
-              </a:rPr>
-              <a:t>CREATE PROCEDURE </a:t>
-            </a:r>
-            <a:r>
-              <a:rPr lang="ru-RU" sz="2000" b="0" i="0" dirty="0" err="1">
-                <a:solidFill>
-                  <a:schemeClr val="bg1"/>
-                </a:solidFill>
-                <a:effectLst/>
-                <a:latin typeface="Consolas" panose="020B0609020204030204" pitchFamily="49" charset="0"/>
-              </a:rPr>
-              <a:t>SampleProcedure</a:t>
-            </a:r>
-            <a:r>
-              <a:rPr lang="ru-RU" sz="2000" b="0" i="0" dirty="0">
-                <a:solidFill>
-                  <a:schemeClr val="bg1"/>
-                </a:solidFill>
-                <a:effectLst/>
-                <a:latin typeface="Consolas" panose="020B0609020204030204" pitchFamily="49" charset="0"/>
-              </a:rPr>
-              <a:t> @EmployeeIDPar</a:t>
-            </a:r>
-            <a:r>
-              <a:rPr lang="en-US" sz="2000" b="0" i="0" dirty="0">
-                <a:solidFill>
-                  <a:schemeClr val="bg1"/>
-                </a:solidFill>
-                <a:effectLst/>
-                <a:latin typeface="Consolas" panose="020B0609020204030204" pitchFamily="49" charset="0"/>
-              </a:rPr>
-              <a:t>a</a:t>
-            </a:r>
-            <a:r>
-              <a:rPr lang="ru-RU" sz="2000" b="0" i="0" dirty="0">
-                <a:solidFill>
-                  <a:schemeClr val="bg1"/>
-                </a:solidFill>
-                <a:effectLst/>
-                <a:latin typeface="Consolas" panose="020B0609020204030204" pitchFamily="49" charset="0"/>
-              </a:rPr>
-              <a:t>m INT,</a:t>
-            </a:r>
-            <a:br>
-              <a:rPr lang="ru-RU" sz="2000" b="0" i="0" dirty="0">
-                <a:solidFill>
-                  <a:schemeClr val="bg1"/>
-                </a:solidFill>
-                <a:effectLst/>
-                <a:latin typeface="Consolas" panose="020B0609020204030204" pitchFamily="49" charset="0"/>
-              </a:rPr>
-            </a:br>
-            <a:r>
-              <a:rPr lang="ru-RU" sz="2000" b="0" i="0" dirty="0">
-                <a:solidFill>
-                  <a:schemeClr val="bg1"/>
-                </a:solidFill>
-                <a:effectLst/>
-                <a:latin typeface="Consolas" panose="020B0609020204030204" pitchFamily="49" charset="0"/>
-              </a:rPr>
-              <a:t>@MaxTotal INT OUTPUT</a:t>
-            </a:r>
-            <a:br>
-              <a:rPr lang="ru-RU" sz="2000" b="0" i="0" dirty="0">
-                <a:solidFill>
-                  <a:schemeClr val="bg1"/>
-                </a:solidFill>
-                <a:effectLst/>
-                <a:latin typeface="Consolas" panose="020B0609020204030204" pitchFamily="49" charset="0"/>
-              </a:rPr>
-            </a:br>
-            <a:r>
-              <a:rPr lang="ru-RU" sz="2000" b="0" i="0" dirty="0">
+              <a:rPr lang="ru-RU" sz="2000" b="1" i="0" dirty="0">
                 <a:solidFill>
                   <a:schemeClr val="bg1"/>
                 </a:solidFill>
                 <a:effectLst/>
                 <a:latin typeface="Calibri" panose="020F0502020204030204" pitchFamily="34" charset="0"/>
               </a:rPr>
-              <a:t>Указание направления параметров</a:t>
-            </a:r>
-            <a:br>
-              <a:rPr lang="ru-RU" sz="2000" b="0" i="0" dirty="0">
+              <a:t>Виды передачи параметров</a:t>
+            </a:r>
+          </a:p>
+          <a:p>
+            <a:r>
+              <a:rPr lang="ru-RU" sz="2000" b="1" i="0" dirty="0">
                 <a:solidFill>
                   <a:schemeClr val="bg1"/>
                 </a:solidFill>
                 <a:effectLst/>
                 <a:latin typeface="Calibri" panose="020F0502020204030204" pitchFamily="34" charset="0"/>
               </a:rPr>
-            </a:br>
-            <a:r>
-              <a:rPr lang="ru-RU" sz="2000" b="0" i="0" dirty="0">
-                <a:solidFill>
-                  <a:schemeClr val="bg1"/>
-                </a:solidFill>
-                <a:effectLst/>
-                <a:latin typeface="Consolas" panose="020B0609020204030204" pitchFamily="49" charset="0"/>
-              </a:rPr>
-              <a:t>IN – </a:t>
-            </a:r>
-            <a:r>
-              <a:rPr lang="ru-RU" sz="2000" b="0" i="0" dirty="0">
+              <a:t>1) Позиционная передача (по умолчанию) - все</a:t>
+            </a:r>
+          </a:p>
+          <a:p>
+            <a:r>
+              <a:rPr lang="ru-RU" sz="2000" b="1" i="0" dirty="0">
                 <a:solidFill>
                   <a:schemeClr val="bg1"/>
                 </a:solidFill>
                 <a:effectLst/>
                 <a:latin typeface="Calibri" panose="020F0502020204030204" pitchFamily="34" charset="0"/>
               </a:rPr>
-              <a:t>входной (по ум</a:t>
-            </a:r>
-            <a:r>
-              <a:rPr lang="ru-RU" sz="2000" dirty="0">
-                <a:solidFill>
-                  <a:schemeClr val="bg1"/>
-                </a:solidFill>
-                <a:latin typeface="Calibri" panose="020F0502020204030204" pitchFamily="34" charset="0"/>
-              </a:rPr>
-              <a:t>о</a:t>
-            </a:r>
-            <a:r>
-              <a:rPr lang="ru-RU" sz="2000" b="0" i="0" dirty="0">
+              <a:t>параметры должны быть указаны строго в заданном</a:t>
+            </a:r>
+          </a:p>
+          <a:p>
+            <a:r>
+              <a:rPr lang="ru-RU" sz="2000" b="1" i="0" dirty="0">
                 <a:solidFill>
                   <a:schemeClr val="bg1"/>
                 </a:solidFill>
                 <a:effectLst/>
                 <a:latin typeface="Calibri" panose="020F0502020204030204" pitchFamily="34" charset="0"/>
               </a:rPr>
-              <a:t>лчанию)</a:t>
-            </a:r>
-            <a:br>
-              <a:rPr lang="ru-RU" sz="2000" b="0" i="0" dirty="0">
+              <a:t>порядке.</a:t>
+            </a:r>
+          </a:p>
+          <a:p>
+            <a:r>
+              <a:rPr lang="ru-RU" sz="2000" b="1" i="0" dirty="0">
                 <a:solidFill>
                   <a:schemeClr val="bg1"/>
                 </a:solidFill>
                 <a:effectLst/>
                 <a:latin typeface="Calibri" panose="020F0502020204030204" pitchFamily="34" charset="0"/>
               </a:rPr>
-            </a:br>
-            <a:r>
-              <a:rPr lang="ru-RU" sz="2000" b="0" i="0" dirty="0">
-                <a:solidFill>
-                  <a:schemeClr val="bg1"/>
-                </a:solidFill>
-                <a:effectLst/>
-                <a:latin typeface="Consolas" panose="020B0609020204030204" pitchFamily="49" charset="0"/>
-              </a:rPr>
-              <a:t>OUTPUT(OUT) - </a:t>
-            </a:r>
-            <a:r>
-              <a:rPr lang="ru-RU" sz="2000" b="0" i="0" dirty="0">
+              <a:t>2) Именная передача – перед параметром указывается</a:t>
+            </a:r>
+          </a:p>
+          <a:p>
+            <a:r>
+              <a:rPr lang="ru-RU" sz="2000" b="1" i="0" dirty="0">
                 <a:solidFill>
                   <a:schemeClr val="bg1"/>
                 </a:solidFill>
                 <a:effectLst/>
                 <a:latin typeface="Calibri" panose="020F0502020204030204" pitchFamily="34" charset="0"/>
               </a:rPr>
-              <a:t>выходной</a:t>
-            </a:r>
-            <a:br>
-              <a:rPr lang="ru-RU" sz="2000" b="0" i="0" dirty="0">
-                <a:solidFill>
-                  <a:schemeClr val="bg1"/>
-                </a:solidFill>
-                <a:effectLst/>
-                <a:latin typeface="Calibri" panose="020F0502020204030204" pitchFamily="34" charset="0"/>
-              </a:rPr>
-            </a:br>
-            <a:r>
-              <a:rPr lang="ru-RU" sz="2000" b="0" i="0" dirty="0">
-                <a:solidFill>
-                  <a:schemeClr val="bg1"/>
-                </a:solidFill>
-                <a:effectLst/>
-                <a:latin typeface="Calibri" panose="020F0502020204030204" pitchFamily="34" charset="0"/>
-              </a:rPr>
-              <a:t>Типы данных параметров</a:t>
-            </a:r>
-            <a:br>
-              <a:rPr lang="ru-RU" sz="2000" b="0" i="0" dirty="0">
-                <a:solidFill>
-                  <a:schemeClr val="bg1"/>
-                </a:solidFill>
-                <a:effectLst/>
-                <a:latin typeface="Calibri" panose="020F0502020204030204" pitchFamily="34" charset="0"/>
-              </a:rPr>
-            </a:br>
-            <a:r>
-              <a:rPr lang="ru-RU" sz="2000" b="0" i="0" dirty="0">
-                <a:solidFill>
-                  <a:schemeClr val="bg1"/>
-                </a:solidFill>
-                <a:effectLst/>
-                <a:latin typeface="Consolas" panose="020B0609020204030204" pitchFamily="49" charset="0"/>
-              </a:rPr>
-              <a:t>RETURN </a:t>
-            </a:r>
-            <a:r>
-              <a:rPr lang="ru-RU" sz="2000" b="0" i="0" dirty="0">
-                <a:solidFill>
-                  <a:schemeClr val="bg1"/>
-                </a:solidFill>
-                <a:effectLst/>
-                <a:latin typeface="Helvetica" panose="020B0604020202020204" pitchFamily="34" charset="0"/>
-              </a:rPr>
-              <a:t>- </a:t>
-            </a:r>
-            <a:r>
-              <a:rPr lang="ru-RU" sz="2000" b="0" i="0" dirty="0">
-                <a:solidFill>
-                  <a:schemeClr val="bg1"/>
-                </a:solidFill>
-                <a:effectLst/>
-                <a:latin typeface="Arial" panose="020B0604020202020204" pitchFamily="34" charset="0"/>
-              </a:rPr>
-              <a:t>Возврат данных из хранимой процедуры</a:t>
-            </a:r>
-            <a:r>
-              <a:rPr lang="ru-RU" sz="2000" dirty="0">
-                <a:solidFill>
-                  <a:schemeClr val="bg1"/>
-                </a:solidFill>
-              </a:rPr>
-              <a:t> </a:t>
+              <a:t>имя параметра</a:t>
             </a:r>
             <a:br>
               <a:rPr lang="ru-RU" dirty="0">
@@ -7905,7 +9140,7 @@
     </p:spTree>
     <p:extLst>
       <p:ext uri="{BB962C8B-B14F-4D97-AF65-F5344CB8AC3E}">
-        <p14:creationId xmlns:p14="http://schemas.microsoft.com/office/powerpoint/2010/main" val="1514867884"/>
+        <p14:creationId xmlns:p14="http://schemas.microsoft.com/office/powerpoint/2010/main" val="2448086013"/>
       </p:ext>
     </p:extLst>
   </p:cSld>
@@ -7961,7 +9196,7 @@
                 <a:effectLst/>
                 <a:latin typeface="Calibri" panose="020F0502020204030204" pitchFamily="34" charset="0"/>
               </a:rPr>
-              <a:t>Передача параметров в хранимую процедуру</a:t>
+              <a:t>Обработка ошибок в хранимой процедуре</a:t>
             </a:r>
           </a:p>
         </p:txBody>
@@ -8002,7 +9237,7 @@
                 <a:effectLst/>
                 <a:latin typeface="Calibri" panose="020F0502020204030204" pitchFamily="34" charset="0"/>
               </a:rPr>
-              <a:t>Виды передачи параметров</a:t>
+              <a:t>• @@ERROR. Код ошибки. Возвращает 0, если в предыдущей</a:t>
             </a:r>
           </a:p>
           <a:p>
@@ -8014,22 +9249,18 @@
                 <a:effectLst/>
                 <a:latin typeface="Calibri" panose="020F0502020204030204" pitchFamily="34" charset="0"/>
               </a:rPr>
-              <a:t>1) Позиционная передача (по умолчанию) - все</a:t>
-            </a:r>
-          </a:p>
-          <a:p>
-            <a:r>
-              <a:rPr lang="ru-RU" sz="2000" b="1" i="0" dirty="0">
+              <a:t>инструкции </a:t>
+            </a:r>
+            <a:r>
+              <a:rPr lang="ru-RU" sz="2000" b="1" i="0" dirty="0" err="1">
                 <a:solidFill>
                   <a:schemeClr val="bg1"/>
                 </a:solidFill>
                 <a:effectLst/>
                 <a:latin typeface="Calibri" panose="020F0502020204030204" pitchFamily="34" charset="0"/>
               </a:rPr>
-              <a:t>параметры должны быть указаны строго в заданном</a:t>
-            </a:r>
-          </a:p>
-          <a:p>
+              <a:t>Transact</a:t>
+            </a:r>
             <a:r>
               <a:rPr lang="ru-RU" sz="2000" b="1" i="0" dirty="0">
                 <a:solidFill>
@@ -8038,7 +9269,7 @@
                 <a:effectLst/>
                 <a:latin typeface="Calibri" panose="020F0502020204030204" pitchFamily="34" charset="0"/>
               </a:rPr>
-              <a:t>порядке.</a:t>
+              <a:t>-SQL не возникло ошибок.</a:t>
             </a:r>
           </a:p>
           <a:p>
@@ -8050,7 +9281,7 @@
                 <a:effectLst/>
                 <a:latin typeface="Calibri" panose="020F0502020204030204" pitchFamily="34" charset="0"/>
               </a:rPr>
-              <a:t>2) Именная передача – перед параметром указывается</a:t>
+              <a:t>• @@TRANCOUNT. Возвращает число инструкций BEGIN</a:t>
             </a:r>
           </a:p>
           <a:p>
@@ -8062,7 +9293,31 @@
                 <a:effectLst/>
                 <a:latin typeface="Calibri" panose="020F0502020204030204" pitchFamily="34" charset="0"/>
               </a:rPr>
-              <a:t>имя параметра</a:t>
+              <a:t>TRANSACTION, выполненных в текущем соединении</a:t>
+            </a:r>
+          </a:p>
+          <a:p>
+            <a:r>
+              <a:rPr lang="ru-RU" sz="2000" b="1" i="0" dirty="0">
+                <a:solidFill>
+                  <a:schemeClr val="bg1"/>
+                </a:solidFill>
+                <a:effectLst/>
+                <a:latin typeface="Calibri" panose="020F0502020204030204" pitchFamily="34" charset="0"/>
+              </a:rPr>
+              <a:t>• @@ROWCOUNT Возвращает число строк, затронутых при</a:t>
+            </a:r>
+          </a:p>
+          <a:p>
+            <a:r>
+              <a:rPr lang="ru-RU" sz="2000" b="1" i="0" dirty="0">
+                <a:solidFill>
+                  <a:schemeClr val="bg1"/>
+                </a:solidFill>
+                <a:effectLst/>
+                <a:latin typeface="Calibri" panose="020F0502020204030204" pitchFamily="34" charset="0"/>
+              </a:rPr>
+              <a:t>выполнении последней инструкции.</a:t>
             </a:r>
             <a:br>
               <a:rPr lang="ru-RU" dirty="0">
@@ -8082,7 +9337,7 @@
     </p:spTree>
     <p:extLst>
       <p:ext uri="{BB962C8B-B14F-4D97-AF65-F5344CB8AC3E}">
-        <p14:creationId xmlns:p14="http://schemas.microsoft.com/office/powerpoint/2010/main" val="2448086013"/>
+        <p14:creationId xmlns:p14="http://schemas.microsoft.com/office/powerpoint/2010/main" val="1374901752"/>
       </p:ext>
     </p:extLst>
   </p:cSld>
@@ -8379,203 +9634,6 @@
           <p:cNvPr id="2" name="Заголовок 1">
             <a:extLst>
               <a:ext uri="{FF2B5EF4-FFF2-40B4-BE49-F238E27FC236}">
-                <a16:creationId xmlns:a16="http://schemas.microsoft.com/office/drawing/2014/main" id="{77363AD7-FFE1-0628-56EB-00B5BE131CE9}"/>
-              </a:ext>
-            </a:extLst>
-          </p:cNvPr>
-          <p:cNvSpPr>
-            <a:spLocks noGrp="1"/>
-          </p:cNvSpPr>
-          <p:nvPr>
-            <p:ph type="title"/>
-          </p:nvPr>
-        </p:nvSpPr>
-        <p:spPr/>
-        <p:txBody>
-          <a:bodyPr/>
-          <a:lstStyle/>
-          <a:p>
-            <a:r>
-              <a:rPr lang="ru-RU" sz="3200" b="1" i="0" dirty="0">
-                <a:solidFill>
-                  <a:schemeClr val="bg1"/>
-                </a:solidFill>
-                <a:effectLst/>
-                <a:latin typeface="Calibri" panose="020F0502020204030204" pitchFamily="34" charset="0"/>
-              </a:rPr>
-              <a:t>Обработка ошибок в хранимой процедуре</a:t>
-            </a:r>
-          </a:p>
-        </p:txBody>
-      </p:sp>
-      <p:sp>
-        <p:nvSpPr>
-          <p:cNvPr id="4" name="TextBox 3">
-            <a:extLst>
-              <a:ext uri="{FF2B5EF4-FFF2-40B4-BE49-F238E27FC236}">
-                <a16:creationId xmlns:a16="http://schemas.microsoft.com/office/drawing/2014/main" id="{971D8C71-F3D9-88BF-CD17-E5A168488869}"/>
-              </a:ext>
-            </a:extLst>
-          </p:cNvPr>
-          <p:cNvSpPr txBox="1"/>
-          <p:nvPr/>
-        </p:nvSpPr>
-        <p:spPr>
-          <a:xfrm>
-            <a:off x="409903" y="1338673"/>
-            <a:ext cx="8334703" cy="2154436"/>
-          </a:xfrm>
-          <a:prstGeom prst="rect">
-            <a:avLst/>
-          </a:prstGeom>
-          <a:noFill/>
-        </p:spPr>
-        <p:txBody>
-          <a:bodyPr wrap="square">
-            <a:spAutoFit/>
-          </a:bodyPr>
-          <a:lstStyle/>
-          <a:p>
-            <a:r>
-              <a:rPr lang="ru-RU" sz="2000" b="1" i="0" dirty="0">
-                <a:solidFill>
-                  <a:schemeClr val="bg1"/>
-                </a:solidFill>
-                <a:effectLst/>
-                <a:latin typeface="Calibri" panose="020F0502020204030204" pitchFamily="34" charset="0"/>
-              </a:rPr>
-              <a:t>• @@ERROR. Код ошибки. Возвращает 0, если в предыдущей</a:t>
-            </a:r>
-          </a:p>
-          <a:p>
-            <a:r>
-              <a:rPr lang="ru-RU" sz="2000" b="1" i="0" dirty="0">
-                <a:solidFill>
-                  <a:schemeClr val="bg1"/>
-                </a:solidFill>
-                <a:effectLst/>
-                <a:latin typeface="Calibri" panose="020F0502020204030204" pitchFamily="34" charset="0"/>
-              </a:rPr>
-              <a:t>инструкции </a:t>
-            </a:r>
-            <a:r>
-              <a:rPr lang="ru-RU" sz="2000" b="1" i="0" dirty="0" err="1">
-                <a:solidFill>
-                  <a:schemeClr val="bg1"/>
-                </a:solidFill>
-                <a:effectLst/>
-                <a:latin typeface="Calibri" panose="020F0502020204030204" pitchFamily="34" charset="0"/>
-              </a:rPr>
-              <a:t>Transact</a:t>
-            </a:r>
-            <a:r>
-              <a:rPr lang="ru-RU" sz="2000" b="1" i="0" dirty="0">
-                <a:solidFill>
-                  <a:schemeClr val="bg1"/>
-                </a:solidFill>
-                <a:effectLst/>
-                <a:latin typeface="Calibri" panose="020F0502020204030204" pitchFamily="34" charset="0"/>
-              </a:rPr>
-              <a:t>-SQL не возникло ошибок.</a:t>
-            </a:r>
-          </a:p>
-          <a:p>
-            <a:r>
-              <a:rPr lang="ru-RU" sz="2000" b="1" i="0" dirty="0">
-                <a:solidFill>
-                  <a:schemeClr val="bg1"/>
-                </a:solidFill>
-                <a:effectLst/>
-                <a:latin typeface="Calibri" panose="020F0502020204030204" pitchFamily="34" charset="0"/>
-              </a:rPr>
-              <a:t>• @@TRANCOUNT. Возвращает число инструкций BEGIN</a:t>
-            </a:r>
-          </a:p>
-          <a:p>
-            <a:r>
-              <a:rPr lang="ru-RU" sz="2000" b="1" i="0" dirty="0">
-                <a:solidFill>
-                  <a:schemeClr val="bg1"/>
-                </a:solidFill>
-                <a:effectLst/>
-                <a:latin typeface="Calibri" panose="020F0502020204030204" pitchFamily="34" charset="0"/>
-              </a:rPr>
-              <a:t>TRANSACTION, выполненных в текущем соединении</a:t>
-            </a:r>
-          </a:p>
-          <a:p>
-            <a:r>
-              <a:rPr lang="ru-RU" sz="2000" b="1" i="0" dirty="0">
-                <a:solidFill>
-                  <a:schemeClr val="bg1"/>
-                </a:solidFill>
-                <a:effectLst/>
-                <a:latin typeface="Calibri" panose="020F0502020204030204" pitchFamily="34" charset="0"/>
-              </a:rPr>
-              <a:t>• @@ROWCOUNT Возвращает число строк, затронутых при</a:t>
-            </a:r>
-          </a:p>
-          <a:p>
-            <a:r>
-              <a:rPr lang="ru-RU" sz="2000" b="1" i="0" dirty="0">
-                <a:solidFill>
-                  <a:schemeClr val="bg1"/>
-                </a:solidFill>
-                <a:effectLst/>
-                <a:latin typeface="Calibri" panose="020F0502020204030204" pitchFamily="34" charset="0"/>
-              </a:rPr>
-              <a:t>выполнении последней инструкции.</a:t>
-            </a:r>
-            <a:br>
-              <a:rPr lang="ru-RU" dirty="0">
-                <a:solidFill>
-                  <a:schemeClr val="bg1"/>
-                </a:solidFill>
-              </a:rPr>
-            </a:br>
-            <a:endParaRPr lang="ru-RU" dirty="0">
-              <a:solidFill>
-                <a:schemeClr val="bg1"/>
-              </a:solidFill>
-            </a:endParaRPr>
-          </a:p>
-        </p:txBody>
-      </p:sp>
-    </p:spTree>
-    <p:extLst>
-      <p:ext uri="{BB962C8B-B14F-4D97-AF65-F5344CB8AC3E}">
-        <p14:creationId xmlns:p14="http://schemas.microsoft.com/office/powerpoint/2010/main" val="1374901752"/>
-      </p:ext>
-    </p:extLst>
-  </p:cSld>
-  <p:clrMapOvr>
-    <a:masterClrMapping/>
-  </p:clrMapOvr>
-</p:sld>
-</file>
-
-<file path=ppt/slides/slide21.xml><?xml version="1.0" encoding="utf-8"?>
-<p:sld xmlns:a="http://schemas.openxmlformats.org/drawingml/2006/main" xmlns:r="http://schemas.openxmlformats.org/officeDocument/2006/relationships" xmlns:p="http://schemas.openxmlformats.org/presentationml/2006/main">
-  <p:cSld>
-    <p:spTree>
-      <p:nvGrpSpPr>
-        <p:cNvPr id="1" name=""/>
-        <p:cNvGrpSpPr/>
-        <p:nvPr/>
-      </p:nvGrpSpPr>
-      <p:grpSpPr>
-        <a:xfrm>
-          <a:off x="0" y="0"/>
-          <a:ext cx="0" cy="0"/>
-          <a:chOff x="0" y="0"/>
-          <a:chExt cx="0" cy="0"/>
-        </a:xfrm>
-      </p:grpSpPr>
-      <p:sp>
-        <p:nvSpPr>
-          <p:cNvPr id="2" name="Заголовок 1">
-            <a:extLst>
-              <a:ext uri="{FF2B5EF4-FFF2-40B4-BE49-F238E27FC236}">
                 <a16:creationId xmlns:a16="http://schemas.microsoft.com/office/drawing/2014/main" id="{3BAD9838-9AE2-1B74-0D7D-7076B4D96A60}"/>
               </a:ext>
             </a:extLst>
@@ -8599,6 +9657,152 @@
           </a:p>
         </p:txBody>
       </p:sp>
+      <p:sp>
+        <p:nvSpPr>
+          <p:cNvPr id="4" name="TextBox 3">
+            <a:extLst>
+              <a:ext uri="{FF2B5EF4-FFF2-40B4-BE49-F238E27FC236}">
+                <a16:creationId xmlns:a16="http://schemas.microsoft.com/office/drawing/2014/main" id="{F6F59E0F-85CA-453E-1C9C-1060304D9D7F}"/>
+              </a:ext>
+            </a:extLst>
+          </p:cNvPr>
+          <p:cNvSpPr txBox="1"/>
+          <p:nvPr/>
+        </p:nvSpPr>
+        <p:spPr>
+          <a:xfrm>
+            <a:off x="500550" y="1129026"/>
+            <a:ext cx="4572000" cy="1600438"/>
+          </a:xfrm>
+          <a:prstGeom prst="rect">
+            <a:avLst/>
+          </a:prstGeom>
+          <a:noFill/>
+        </p:spPr>
+        <p:txBody>
+          <a:bodyPr wrap="square">
+            <a:spAutoFit/>
+          </a:bodyPr>
+          <a:lstStyle/>
+          <a:p>
+            <a:r>
+              <a:rPr lang="en-US" dirty="0">
+                <a:solidFill>
+                  <a:schemeClr val="bg1"/>
+                </a:solidFill>
+              </a:rPr>
+              <a:t>CREATE TRIGGER </a:t>
+            </a:r>
+            <a:r>
+              <a:rPr lang="en-US" dirty="0" err="1">
+                <a:solidFill>
+                  <a:schemeClr val="bg1"/>
+                </a:solidFill>
+              </a:rPr>
+              <a:t>TriggerTable_UPDATE</a:t>
+            </a:r>
+            <a:endParaRPr lang="en-US" dirty="0">
+              <a:solidFill>
+                <a:schemeClr val="bg1"/>
+              </a:solidFill>
+            </a:endParaRPr>
+          </a:p>
+          <a:p>
+            <a:r>
+              <a:rPr lang="en-US" dirty="0">
+                <a:solidFill>
+                  <a:schemeClr val="bg1"/>
+                </a:solidFill>
+              </a:rPr>
+              <a:t>ON </a:t>
+            </a:r>
+            <a:r>
+              <a:rPr lang="en-US" dirty="0" err="1">
+                <a:solidFill>
+                  <a:schemeClr val="bg1"/>
+                </a:solidFill>
+              </a:rPr>
+              <a:t>TriggerTable</a:t>
+            </a:r>
+            <a:endParaRPr lang="en-US" dirty="0">
+              <a:solidFill>
+                <a:schemeClr val="bg1"/>
+              </a:solidFill>
+            </a:endParaRPr>
+          </a:p>
+          <a:p>
+            <a:r>
+              <a:rPr lang="en-US" dirty="0">
+                <a:solidFill>
+                  <a:schemeClr val="bg1"/>
+                </a:solidFill>
+              </a:rPr>
+              <a:t>AFTER UPDATE</a:t>
+            </a:r>
+          </a:p>
+          <a:p>
+            <a:r>
+              <a:rPr lang="en-US" dirty="0">
+                <a:solidFill>
+                  <a:schemeClr val="bg1"/>
+                </a:solidFill>
+              </a:rPr>
+              <a:t>AS</a:t>
+            </a:r>
+          </a:p>
+          <a:p>
+            <a:r>
+              <a:rPr lang="en-US" dirty="0">
+                <a:solidFill>
+                  <a:schemeClr val="bg1"/>
+                </a:solidFill>
+              </a:rPr>
+              <a:t>    INSERT INTO </a:t>
+            </a:r>
+            <a:r>
+              <a:rPr lang="en-US" dirty="0" err="1">
+                <a:solidFill>
+                  <a:schemeClr val="bg1"/>
+                </a:solidFill>
+              </a:rPr>
+              <a:t>TriggerTableLog</a:t>
+            </a:r>
+            <a:r>
+              <a:rPr lang="en-US" dirty="0">
+                <a:solidFill>
+                  <a:schemeClr val="bg1"/>
+                </a:solidFill>
+              </a:rPr>
+              <a:t>([Name])</a:t>
+            </a:r>
+          </a:p>
+          <a:p>
+            <a:r>
+              <a:rPr lang="en-US" dirty="0">
+                <a:solidFill>
+                  <a:schemeClr val="bg1"/>
+                </a:solidFill>
+              </a:rPr>
+              <a:t>    SELECT [Name]</a:t>
+            </a:r>
+          </a:p>
+          <a:p>
+            <a:r>
+              <a:rPr lang="en-US" dirty="0">
+                <a:solidFill>
+                  <a:schemeClr val="bg1"/>
+                </a:solidFill>
+              </a:rPr>
+              <a:t>    FROM INSERTED;</a:t>
+            </a:r>
+            <a:endParaRPr lang="ru-RU" dirty="0">
+              <a:solidFill>
+                <a:schemeClr val="bg1"/>
+              </a:solidFill>
+            </a:endParaRPr>
+          </a:p>
+        </p:txBody>
+      </p:sp>
     </p:spTree>
     <p:extLst>
       <p:ext uri="{BB962C8B-B14F-4D97-AF65-F5344CB8AC3E}">
@@ -8612,7 +9816,7 @@
 </p:sld>
 </file>
 
-<file path=ppt/slides/slide22.xml><?xml version="1.0" encoding="utf-8"?>
+<file path=ppt/slides/slide21.xml><?xml version="1.0" encoding="utf-8"?>
 <p:sld xmlns:a="http://schemas.openxmlformats.org/drawingml/2006/main" xmlns:r="http://schemas.openxmlformats.org/officeDocument/2006/relationships" xmlns:p="http://schemas.openxmlformats.org/presentationml/2006/main">
   <p:cSld>
     <p:spTree>
@@ -8908,7 +10112,608 @@
 </p:sld>
 </file>
 
+<file path=ppt/slides/slide22.xml><?xml version="1.0" encoding="utf-8"?>
+<p:sld xmlns:a="http://schemas.openxmlformats.org/drawingml/2006/main" xmlns:r="http://schemas.openxmlformats.org/officeDocument/2006/relationships" xmlns:p="http://schemas.openxmlformats.org/presentationml/2006/main">
+  <p:cSld>
+    <p:spTree>
+      <p:nvGrpSpPr>
+        <p:cNvPr id="1" name=""/>
+        <p:cNvGrpSpPr/>
+        <p:nvPr/>
+      </p:nvGrpSpPr>
+      <p:grpSpPr>
+        <a:xfrm>
+          <a:off x="0" y="0"/>
+          <a:ext cx="0" cy="0"/>
+          <a:chOff x="0" y="0"/>
+          <a:chExt cx="0" cy="0"/>
+        </a:xfrm>
+      </p:grpSpPr>
+      <p:sp>
+        <p:nvSpPr>
+          <p:cNvPr id="2" name="Заголовок 1">
+            <a:extLst>
+              <a:ext uri="{FF2B5EF4-FFF2-40B4-BE49-F238E27FC236}">
+                <a16:creationId xmlns:a16="http://schemas.microsoft.com/office/drawing/2014/main" id="{6A6BCFF1-EF04-E477-8900-81E0A0F7EAD3}"/>
+              </a:ext>
+            </a:extLst>
+          </p:cNvPr>
+          <p:cNvSpPr>
+            <a:spLocks noGrp="1"/>
+          </p:cNvSpPr>
+          <p:nvPr>
+            <p:ph type="title"/>
+          </p:nvPr>
+        </p:nvSpPr>
+        <p:spPr/>
+        <p:txBody>
+          <a:bodyPr/>
+          <a:lstStyle/>
+          <a:p>
+            <a:r>
+              <a:rPr lang="ru-RU" dirty="0"/>
+              <a:t>Домашнее задание</a:t>
+            </a:r>
+          </a:p>
+        </p:txBody>
+      </p:sp>
+      <p:sp>
+        <p:nvSpPr>
+          <p:cNvPr id="4" name="TextBox 3">
+            <a:extLst>
+              <a:ext uri="{FF2B5EF4-FFF2-40B4-BE49-F238E27FC236}">
+                <a16:creationId xmlns:a16="http://schemas.microsoft.com/office/drawing/2014/main" id="{33245E22-E22E-750A-4CA8-96703DBB1F61}"/>
+              </a:ext>
+            </a:extLst>
+          </p:cNvPr>
+          <p:cNvSpPr txBox="1"/>
+          <p:nvPr/>
+        </p:nvSpPr>
+        <p:spPr>
+          <a:xfrm>
+            <a:off x="394137" y="1288665"/>
+            <a:ext cx="8035159" cy="3539430"/>
+          </a:xfrm>
+          <a:prstGeom prst="rect">
+            <a:avLst/>
+          </a:prstGeom>
+          <a:noFill/>
+        </p:spPr>
+        <p:txBody>
+          <a:bodyPr wrap="square">
+            <a:spAutoFit/>
+          </a:bodyPr>
+          <a:lstStyle/>
+          <a:p>
+            <a:pPr>
+              <a:buClr>
+                <a:schemeClr val="bg1"/>
+              </a:buClr>
+            </a:pPr>
+            <a:r>
+              <a:rPr lang="ru-RU" sz="1600" dirty="0">
+                <a:solidFill>
+                  <a:schemeClr val="bg1"/>
+                </a:solidFill>
+                <a:latin typeface="Courier New" panose="02070309020205020404" pitchFamily="49" charset="0"/>
+                <a:cs typeface="Courier New" panose="02070309020205020404" pitchFamily="49" charset="0"/>
+              </a:rPr>
+              <a:t>Задания выполняются с использованием базы данных </a:t>
+            </a:r>
+            <a:r>
+              <a:rPr lang="en-US" sz="1600" dirty="0" err="1">
+                <a:solidFill>
+                  <a:schemeClr val="bg1"/>
+                </a:solidFill>
+                <a:latin typeface="Courier New" panose="02070309020205020404" pitchFamily="49" charset="0"/>
+                <a:cs typeface="Courier New" panose="02070309020205020404" pitchFamily="49" charset="0"/>
+              </a:rPr>
+              <a:t>WideWorldImporters</a:t>
+            </a:r>
+            <a:r>
+              <a:rPr lang="en-US" sz="1600" dirty="0">
+                <a:solidFill>
+                  <a:schemeClr val="bg1"/>
+                </a:solidFill>
+                <a:latin typeface="Courier New" panose="02070309020205020404" pitchFamily="49" charset="0"/>
+                <a:cs typeface="Courier New" panose="02070309020205020404" pitchFamily="49" charset="0"/>
+              </a:rPr>
+              <a:t>.</a:t>
+            </a:r>
+            <a:br>
+              <a:rPr lang="en-US" sz="1600" dirty="0">
+                <a:solidFill>
+                  <a:schemeClr val="bg1"/>
+                </a:solidFill>
+                <a:latin typeface="Courier New" panose="02070309020205020404" pitchFamily="49" charset="0"/>
+                <a:cs typeface="Courier New" panose="02070309020205020404" pitchFamily="49" charset="0"/>
+              </a:rPr>
+            </a:br>
+            <a:r>
+              <a:rPr lang="ru-RU" sz="1600" dirty="0">
+                <a:solidFill>
+                  <a:schemeClr val="bg1"/>
+                </a:solidFill>
+                <a:latin typeface="Courier New" panose="02070309020205020404" pitchFamily="49" charset="0"/>
+                <a:cs typeface="Courier New" panose="02070309020205020404" pitchFamily="49" charset="0"/>
+              </a:rPr>
+              <a:t>Бэкап БД можно скачать отсюда:</a:t>
+            </a:r>
+            <a:r>
+              <a:rPr lang="en-US" sz="1600" dirty="0">
+                <a:solidFill>
+                  <a:schemeClr val="bg1"/>
+                </a:solidFill>
+                <a:latin typeface="Courier New" panose="02070309020205020404" pitchFamily="49" charset="0"/>
+                <a:cs typeface="Courier New" panose="02070309020205020404" pitchFamily="49" charset="0"/>
+              </a:rPr>
+              <a:t>https://github.com/Microsoft/sql-server-samples/releases/tag/wide-world-importers-v1.0</a:t>
+            </a:r>
+            <a:br>
+              <a:rPr lang="en-US" sz="1600" dirty="0">
+                <a:solidFill>
+                  <a:schemeClr val="bg1"/>
+                </a:solidFill>
+                <a:latin typeface="Courier New" panose="02070309020205020404" pitchFamily="49" charset="0"/>
+                <a:cs typeface="Courier New" panose="02070309020205020404" pitchFamily="49" charset="0"/>
+              </a:rPr>
+            </a:br>
+            <a:r>
+              <a:rPr lang="ru-RU" sz="1600" dirty="0">
+                <a:solidFill>
+                  <a:schemeClr val="bg1"/>
+                </a:solidFill>
+                <a:latin typeface="Courier New" panose="02070309020205020404" pitchFamily="49" charset="0"/>
+                <a:cs typeface="Courier New" panose="02070309020205020404" pitchFamily="49" charset="0"/>
+              </a:rPr>
+              <a:t>Нужен </a:t>
+            </a:r>
+            <a:r>
+              <a:rPr lang="en-US" sz="1600" dirty="0" err="1">
+                <a:solidFill>
+                  <a:schemeClr val="bg1"/>
+                </a:solidFill>
+                <a:latin typeface="Courier New" panose="02070309020205020404" pitchFamily="49" charset="0"/>
+                <a:cs typeface="Courier New" panose="02070309020205020404" pitchFamily="49" charset="0"/>
+              </a:rPr>
+              <a:t>WideWorldImporters-Full.bak</a:t>
+            </a:r>
+            <a:br>
+              <a:rPr lang="en-US" sz="1600" dirty="0">
+                <a:solidFill>
+                  <a:schemeClr val="bg1"/>
+                </a:solidFill>
+                <a:latin typeface="Courier New" panose="02070309020205020404" pitchFamily="49" charset="0"/>
+                <a:cs typeface="Courier New" panose="02070309020205020404" pitchFamily="49" charset="0"/>
+              </a:rPr>
+            </a:br>
+            <a:r>
+              <a:rPr lang="ru-RU" sz="1600" dirty="0">
+                <a:solidFill>
+                  <a:schemeClr val="bg1"/>
+                </a:solidFill>
+                <a:latin typeface="Courier New" panose="02070309020205020404" pitchFamily="49" charset="0"/>
+                <a:cs typeface="Courier New" panose="02070309020205020404" pitchFamily="49" charset="0"/>
+              </a:rPr>
+              <a:t>Описание </a:t>
+            </a:r>
+            <a:r>
+              <a:rPr lang="en-US" sz="1600" dirty="0" err="1">
+                <a:solidFill>
+                  <a:schemeClr val="bg1"/>
+                </a:solidFill>
+                <a:latin typeface="Courier New" panose="02070309020205020404" pitchFamily="49" charset="0"/>
+                <a:cs typeface="Courier New" panose="02070309020205020404" pitchFamily="49" charset="0"/>
+              </a:rPr>
+              <a:t>WideWorldImporters</a:t>
+            </a:r>
+            <a:br>
+              <a:rPr lang="en-US" sz="1600" dirty="0">
+                <a:solidFill>
+                  <a:schemeClr val="bg1"/>
+                </a:solidFill>
+                <a:latin typeface="Courier New" panose="02070309020205020404" pitchFamily="49" charset="0"/>
+                <a:cs typeface="Courier New" panose="02070309020205020404" pitchFamily="49" charset="0"/>
+              </a:rPr>
+            </a:br>
+            <a:r>
+              <a:rPr lang="en-US" sz="1600" dirty="0">
+                <a:solidFill>
+                  <a:schemeClr val="bg1"/>
+                </a:solidFill>
+                <a:latin typeface="Courier New" panose="02070309020205020404" pitchFamily="49" charset="0"/>
+                <a:cs typeface="Courier New" panose="02070309020205020404" pitchFamily="49" charset="0"/>
+                <a:hlinkClick r:id="rId2"/>
+              </a:rPr>
+              <a:t>https://dataedo.com/samples/html/WideWorldImporters/doc/WideWorldImporters_5/home.html</a:t>
+            </a:r>
+            <a:endParaRPr lang="en-US" sz="1600" dirty="0">
+              <a:solidFill>
+                <a:schemeClr val="bg1"/>
+              </a:solidFill>
+              <a:latin typeface="Courier New" panose="02070309020205020404" pitchFamily="49" charset="0"/>
+              <a:cs typeface="Courier New" panose="02070309020205020404" pitchFamily="49" charset="0"/>
+            </a:endParaRPr>
+          </a:p>
+          <a:p>
+            <a:pPr marL="342900" indent="-342900">
+              <a:buClr>
+                <a:schemeClr val="bg1"/>
+              </a:buClr>
+              <a:buAutoNum type="arabicPeriod"/>
+            </a:pPr>
+            <a:r>
+              <a:rPr lang="ru-RU" sz="1600" dirty="0">
+                <a:solidFill>
+                  <a:schemeClr val="bg1"/>
+                </a:solidFill>
+                <a:latin typeface="Courier New" panose="02070309020205020404" pitchFamily="49" charset="0"/>
+                <a:cs typeface="Courier New" panose="02070309020205020404" pitchFamily="49" charset="0"/>
+              </a:rPr>
+              <a:t>Написать функцию возвращающую Клиента с наибольшей суммой покупки.</a:t>
+            </a:r>
+            <a:endParaRPr lang="en-US" sz="1600" dirty="0">
+              <a:solidFill>
+                <a:schemeClr val="bg1"/>
+              </a:solidFill>
+              <a:latin typeface="Courier New" panose="02070309020205020404" pitchFamily="49" charset="0"/>
+              <a:cs typeface="Courier New" panose="02070309020205020404" pitchFamily="49" charset="0"/>
+            </a:endParaRPr>
+          </a:p>
+          <a:p>
+            <a:pPr marL="342900" indent="-342900">
+              <a:buClr>
+                <a:schemeClr val="bg1"/>
+              </a:buClr>
+              <a:buAutoNum type="arabicPeriod"/>
+            </a:pPr>
+            <a:r>
+              <a:rPr lang="ru-RU" sz="1600" dirty="0">
+                <a:solidFill>
+                  <a:schemeClr val="bg1"/>
+                </a:solidFill>
+                <a:latin typeface="Courier New" panose="02070309020205020404" pitchFamily="49" charset="0"/>
+                <a:cs typeface="Courier New" panose="02070309020205020404" pitchFamily="49" charset="0"/>
+              </a:rPr>
+              <a:t>Написать хранимую процедуру с входящим параметром </a:t>
+            </a:r>
+            <a:r>
+              <a:rPr lang="ru-RU" sz="1600" dirty="0" err="1">
+                <a:solidFill>
+                  <a:schemeClr val="bg1"/>
+                </a:solidFill>
+                <a:latin typeface="Courier New" panose="02070309020205020404" pitchFamily="49" charset="0"/>
+                <a:cs typeface="Courier New" panose="02070309020205020404" pitchFamily="49" charset="0"/>
+              </a:rPr>
+              <a:t>СustomerID</a:t>
+            </a:r>
+            <a:r>
+              <a:rPr lang="ru-RU" sz="1600" dirty="0">
+                <a:solidFill>
+                  <a:schemeClr val="bg1"/>
+                </a:solidFill>
+                <a:latin typeface="Courier New" panose="02070309020205020404" pitchFamily="49" charset="0"/>
+                <a:cs typeface="Courier New" panose="02070309020205020404" pitchFamily="49" charset="0"/>
+              </a:rPr>
+              <a:t>, выводящую сумму покупки по этому клиенту.</a:t>
+            </a:r>
+            <a:br>
+              <a:rPr lang="en-US" sz="1600" dirty="0">
+                <a:solidFill>
+                  <a:schemeClr val="bg1"/>
+                </a:solidFill>
+                <a:latin typeface="Courier New" panose="02070309020205020404" pitchFamily="49" charset="0"/>
+                <a:cs typeface="Courier New" panose="02070309020205020404" pitchFamily="49" charset="0"/>
+              </a:rPr>
+            </a:br>
+            <a:r>
+              <a:rPr lang="ru-RU" sz="1600" dirty="0">
+                <a:solidFill>
+                  <a:schemeClr val="bg1"/>
+                </a:solidFill>
+                <a:latin typeface="Courier New" panose="02070309020205020404" pitchFamily="49" charset="0"/>
+                <a:cs typeface="Courier New" panose="02070309020205020404" pitchFamily="49" charset="0"/>
+              </a:rPr>
+              <a:t>Использовать таблицы:</a:t>
+            </a:r>
+            <a:br>
+              <a:rPr lang="en-US" sz="1600" dirty="0">
+                <a:solidFill>
+                  <a:schemeClr val="bg1"/>
+                </a:solidFill>
+                <a:latin typeface="Courier New" panose="02070309020205020404" pitchFamily="49" charset="0"/>
+                <a:cs typeface="Courier New" panose="02070309020205020404" pitchFamily="49" charset="0"/>
+              </a:rPr>
+            </a:br>
+            <a:r>
+              <a:rPr lang="ru-RU" sz="1600" dirty="0" err="1">
+                <a:solidFill>
+                  <a:schemeClr val="bg1"/>
+                </a:solidFill>
+                <a:latin typeface="Courier New" panose="02070309020205020404" pitchFamily="49" charset="0"/>
+                <a:cs typeface="Courier New" panose="02070309020205020404" pitchFamily="49" charset="0"/>
+              </a:rPr>
+              <a:t>Sales.CustomersSales</a:t>
+            </a:r>
+            <a:r>
+              <a:rPr lang="ru-RU" sz="1600" dirty="0">
+                <a:solidFill>
+                  <a:schemeClr val="bg1"/>
+                </a:solidFill>
+                <a:latin typeface="Courier New" panose="02070309020205020404" pitchFamily="49" charset="0"/>
+                <a:cs typeface="Courier New" panose="02070309020205020404" pitchFamily="49" charset="0"/>
+              </a:rPr>
+              <a:t>.</a:t>
+            </a:r>
+            <a:r>
+              <a:rPr lang="en-US" sz="1600" dirty="0">
+                <a:solidFill>
+                  <a:schemeClr val="bg1"/>
+                </a:solidFill>
+                <a:latin typeface="Courier New" panose="02070309020205020404" pitchFamily="49" charset="0"/>
+                <a:cs typeface="Courier New" panose="02070309020205020404" pitchFamily="49" charset="0"/>
+              </a:rPr>
+              <a:t> </a:t>
+            </a:r>
+            <a:r>
+              <a:rPr lang="ru-RU" sz="1600" dirty="0" err="1">
+                <a:solidFill>
+                  <a:schemeClr val="bg1"/>
+                </a:solidFill>
+                <a:latin typeface="Courier New" panose="02070309020205020404" pitchFamily="49" charset="0"/>
+                <a:cs typeface="Courier New" panose="02070309020205020404" pitchFamily="49" charset="0"/>
+              </a:rPr>
+              <a:t>InvoicesSales</a:t>
+            </a:r>
+            <a:r>
+              <a:rPr lang="ru-RU" sz="1600" dirty="0">
+                <a:solidFill>
+                  <a:schemeClr val="bg1"/>
+                </a:solidFill>
+                <a:latin typeface="Courier New" panose="02070309020205020404" pitchFamily="49" charset="0"/>
+                <a:cs typeface="Courier New" panose="02070309020205020404" pitchFamily="49" charset="0"/>
+              </a:rPr>
+              <a:t>.</a:t>
+            </a:r>
+            <a:r>
+              <a:rPr lang="en-US" sz="1600" dirty="0">
+                <a:solidFill>
+                  <a:schemeClr val="bg1"/>
+                </a:solidFill>
+                <a:latin typeface="Courier New" panose="02070309020205020404" pitchFamily="49" charset="0"/>
+                <a:cs typeface="Courier New" panose="02070309020205020404" pitchFamily="49" charset="0"/>
+              </a:rPr>
+              <a:t> </a:t>
+            </a:r>
+            <a:r>
+              <a:rPr lang="ru-RU" sz="1600" dirty="0" err="1">
+                <a:solidFill>
+                  <a:schemeClr val="bg1"/>
+                </a:solidFill>
+                <a:latin typeface="Courier New" panose="02070309020205020404" pitchFamily="49" charset="0"/>
+                <a:cs typeface="Courier New" panose="02070309020205020404" pitchFamily="49" charset="0"/>
+              </a:rPr>
+              <a:t>InvoiceLines</a:t>
+            </a:r>
+            <a:endParaRPr lang="ru-RU" sz="1600" dirty="0">
+              <a:solidFill>
+                <a:schemeClr val="bg1"/>
+              </a:solidFill>
+              <a:latin typeface="Courier New" panose="02070309020205020404" pitchFamily="49" charset="0"/>
+              <a:cs typeface="Courier New" panose="02070309020205020404" pitchFamily="49" charset="0"/>
+            </a:endParaRPr>
+          </a:p>
+        </p:txBody>
+      </p:sp>
+    </p:spTree>
+    <p:extLst>
+      <p:ext uri="{BB962C8B-B14F-4D97-AF65-F5344CB8AC3E}">
+        <p14:creationId xmlns:p14="http://schemas.microsoft.com/office/powerpoint/2010/main" val="2658651213"/>
+      </p:ext>
+    </p:extLst>
+  </p:cSld>
+  <p:clrMapOvr>
+    <a:masterClrMapping/>
+  </p:clrMapOvr>
+</p:sld>
+</file>
+
 <file path=ppt/slides/slide23.xml><?xml version="1.0" encoding="utf-8"?>
+<p:sld xmlns:a="http://schemas.openxmlformats.org/drawingml/2006/main" xmlns:r="http://schemas.openxmlformats.org/officeDocument/2006/relationships" xmlns:p="http://schemas.openxmlformats.org/presentationml/2006/main">
+  <p:cSld>
+    <p:spTree>
+      <p:nvGrpSpPr>
+        <p:cNvPr id="1" name=""/>
+        <p:cNvGrpSpPr/>
+        <p:nvPr/>
+      </p:nvGrpSpPr>
+      <p:grpSpPr>
+        <a:xfrm>
+          <a:off x="0" y="0"/>
+          <a:ext cx="0" cy="0"/>
+          <a:chOff x="0" y="0"/>
+          <a:chExt cx="0" cy="0"/>
+        </a:xfrm>
+      </p:grpSpPr>
+      <p:sp>
+        <p:nvSpPr>
+          <p:cNvPr id="2" name="Заголовок 1">
+            <a:extLst>
+              <a:ext uri="{FF2B5EF4-FFF2-40B4-BE49-F238E27FC236}">
+                <a16:creationId xmlns:a16="http://schemas.microsoft.com/office/drawing/2014/main" id="{6A6BCFF1-EF04-E477-8900-81E0A0F7EAD3}"/>
+              </a:ext>
+            </a:extLst>
+          </p:cNvPr>
+          <p:cNvSpPr>
+            <a:spLocks noGrp="1"/>
+          </p:cNvSpPr>
+          <p:nvPr>
+            <p:ph type="title"/>
+          </p:nvPr>
+        </p:nvSpPr>
+        <p:spPr/>
+        <p:txBody>
+          <a:bodyPr/>
+          <a:lstStyle/>
+          <a:p>
+            <a:r>
+              <a:rPr lang="ru-RU" dirty="0"/>
+              <a:t>Домашнее задание</a:t>
+            </a:r>
+          </a:p>
+        </p:txBody>
+      </p:sp>
+      <p:sp>
+        <p:nvSpPr>
+          <p:cNvPr id="4" name="TextBox 3">
+            <a:extLst>
+              <a:ext uri="{FF2B5EF4-FFF2-40B4-BE49-F238E27FC236}">
+                <a16:creationId xmlns:a16="http://schemas.microsoft.com/office/drawing/2014/main" id="{33245E22-E22E-750A-4CA8-96703DBB1F61}"/>
+              </a:ext>
+            </a:extLst>
+          </p:cNvPr>
+          <p:cNvSpPr txBox="1"/>
+          <p:nvPr/>
+        </p:nvSpPr>
+        <p:spPr>
+          <a:xfrm>
+            <a:off x="394137" y="1288665"/>
+            <a:ext cx="8035159" cy="1077218"/>
+          </a:xfrm>
+          <a:prstGeom prst="rect">
+            <a:avLst/>
+          </a:prstGeom>
+          <a:noFill/>
+        </p:spPr>
+        <p:txBody>
+          <a:bodyPr wrap="square">
+            <a:spAutoFit/>
+          </a:bodyPr>
+          <a:lstStyle/>
+          <a:p>
+            <a:pPr>
+              <a:buClr>
+                <a:schemeClr val="bg1"/>
+              </a:buClr>
+            </a:pPr>
+            <a:r>
+              <a:rPr lang="en-US" sz="1600" dirty="0">
+                <a:solidFill>
+                  <a:schemeClr val="bg1"/>
+                </a:solidFill>
+                <a:latin typeface="Courier New" panose="02070309020205020404" pitchFamily="49" charset="0"/>
+                <a:cs typeface="Courier New" panose="02070309020205020404" pitchFamily="49" charset="0"/>
+              </a:rPr>
+              <a:t>3. </a:t>
+            </a:r>
+            <a:r>
+              <a:rPr lang="ru-RU" sz="1600" dirty="0">
+                <a:solidFill>
+                  <a:schemeClr val="bg1"/>
+                </a:solidFill>
+                <a:latin typeface="Courier New" panose="02070309020205020404" pitchFamily="49" charset="0"/>
+                <a:cs typeface="Courier New" panose="02070309020205020404" pitchFamily="49" charset="0"/>
+              </a:rPr>
+              <a:t>Создать одинаковую функцию и хранимую процедуру, посмотреть в чем разница в производительности и почему.</a:t>
+            </a:r>
+            <a:endParaRPr lang="en-US" sz="1600" dirty="0">
+              <a:solidFill>
+                <a:schemeClr val="bg1"/>
+              </a:solidFill>
+              <a:latin typeface="Courier New" panose="02070309020205020404" pitchFamily="49" charset="0"/>
+              <a:cs typeface="Courier New" panose="02070309020205020404" pitchFamily="49" charset="0"/>
+            </a:endParaRPr>
+          </a:p>
+          <a:p>
+            <a:pPr>
+              <a:buClr>
+                <a:schemeClr val="bg1"/>
+              </a:buClr>
+            </a:pPr>
+            <a:r>
+              <a:rPr lang="en-US" sz="1600" dirty="0">
+                <a:solidFill>
+                  <a:schemeClr val="bg1"/>
+                </a:solidFill>
+                <a:latin typeface="Courier New" panose="02070309020205020404" pitchFamily="49" charset="0"/>
+                <a:cs typeface="Courier New" panose="02070309020205020404" pitchFamily="49" charset="0"/>
+              </a:rPr>
+              <a:t>4. </a:t>
+            </a:r>
+            <a:r>
+              <a:rPr lang="ru-RU" sz="1600" dirty="0">
+                <a:solidFill>
+                  <a:schemeClr val="bg1"/>
+                </a:solidFill>
+                <a:latin typeface="Courier New" panose="02070309020205020404" pitchFamily="49" charset="0"/>
+                <a:cs typeface="Courier New" panose="02070309020205020404" pitchFamily="49" charset="0"/>
+              </a:rPr>
+              <a:t>Создайте табличную функцию покажите как ее можно вызвать для каждой строки </a:t>
+            </a:r>
+            <a:r>
+              <a:rPr lang="ru-RU" sz="1600" dirty="0" err="1">
+                <a:solidFill>
+                  <a:schemeClr val="bg1"/>
+                </a:solidFill>
+                <a:latin typeface="Courier New" panose="02070309020205020404" pitchFamily="49" charset="0"/>
+                <a:cs typeface="Courier New" panose="02070309020205020404" pitchFamily="49" charset="0"/>
+              </a:rPr>
+              <a:t>result</a:t>
+            </a:r>
+            <a:r>
+              <a:rPr lang="ru-RU" sz="1600" dirty="0">
+                <a:solidFill>
+                  <a:schemeClr val="bg1"/>
+                </a:solidFill>
+                <a:latin typeface="Courier New" panose="02070309020205020404" pitchFamily="49" charset="0"/>
+                <a:cs typeface="Courier New" panose="02070309020205020404" pitchFamily="49" charset="0"/>
+              </a:rPr>
+              <a:t> </a:t>
+            </a:r>
+            <a:r>
+              <a:rPr lang="ru-RU" sz="1600" dirty="0" err="1">
+                <a:solidFill>
+                  <a:schemeClr val="bg1"/>
+                </a:solidFill>
+                <a:latin typeface="Courier New" panose="02070309020205020404" pitchFamily="49" charset="0"/>
+                <a:cs typeface="Courier New" panose="02070309020205020404" pitchFamily="49" charset="0"/>
+              </a:rPr>
+              <a:t>set'а</a:t>
+            </a:r>
+            <a:r>
+              <a:rPr lang="ru-RU" sz="1600" dirty="0">
+                <a:solidFill>
+                  <a:schemeClr val="bg1"/>
+                </a:solidFill>
+                <a:latin typeface="Courier New" panose="02070309020205020404" pitchFamily="49" charset="0"/>
+                <a:cs typeface="Courier New" panose="02070309020205020404" pitchFamily="49" charset="0"/>
+              </a:rPr>
+              <a:t> без использования цикла. </a:t>
+            </a:r>
+            <a:endParaRPr lang="en-US" sz="1600" dirty="0">
+              <a:solidFill>
+                <a:schemeClr val="bg1"/>
+              </a:solidFill>
+              <a:latin typeface="Courier New" panose="02070309020205020404" pitchFamily="49" charset="0"/>
+              <a:cs typeface="Courier New" panose="02070309020205020404" pitchFamily="49" charset="0"/>
+            </a:endParaRPr>
+          </a:p>
+        </p:txBody>
+      </p:sp>
+    </p:spTree>
+    <p:extLst>
+      <p:ext uri="{BB962C8B-B14F-4D97-AF65-F5344CB8AC3E}">
+        <p14:creationId xmlns:p14="http://schemas.microsoft.com/office/powerpoint/2010/main" val="3834429863"/>
+      </p:ext>
+    </p:extLst>
+  </p:cSld>
+  <p:clrMapOvr>
+    <a:masterClrMapping/>
+  </p:clrMapOvr>
+</p:sld>
+</file>
+
+<file path=ppt/slides/slide24.xml><?xml version="1.0" encoding="utf-8"?>
 <p:sld xmlns:a="http://schemas.openxmlformats.org/drawingml/2006/main" xmlns:r="http://schemas.openxmlformats.org/officeDocument/2006/relationships" xmlns:p="http://schemas.openxmlformats.org/presentationml/2006/main">
   <p:cSld>
     <p:spTree>
@@ -8975,7 +10780,7 @@
 </p:sld>
 </file>
 
-<file path=ppt/slides/slide24.xml><?xml version="1.0" encoding="utf-8"?>
+<file path=ppt/slides/slide25.xml><?xml version="1.0" encoding="utf-8"?>
 <p:sld xmlns:a="http://schemas.openxmlformats.org/drawingml/2006/main" xmlns:r="http://schemas.openxmlformats.org/officeDocument/2006/relationships" xmlns:p="http://schemas.openxmlformats.org/presentationml/2006/main">
   <p:cSld>
     <p:spTree>
@@ -9089,7 +10894,7 @@
 </p:sld>
 </file>
 
-<file path=ppt/slides/slide25.xml><?xml version="1.0" encoding="utf-8"?>
+<file path=ppt/slides/slide26.xml><?xml version="1.0" encoding="utf-8"?>
 <p:sld xmlns:a="http://schemas.openxmlformats.org/drawingml/2006/main" xmlns:r="http://schemas.openxmlformats.org/officeDocument/2006/relationships" xmlns:p="http://schemas.openxmlformats.org/presentationml/2006/main">
   <p:cSld>
     <p:spTree>
@@ -10450,7 +12255,7 @@
           <p:cNvPr id="2" name="Заголовок 1">
             <a:extLst>
               <a:ext uri="{FF2B5EF4-FFF2-40B4-BE49-F238E27FC236}">
-                <a16:creationId xmlns:a16="http://schemas.microsoft.com/office/drawing/2014/main" id="{6A6BCFF1-EF04-E477-8900-81E0A0F7EAD3}"/>
+                <a16:creationId xmlns:a16="http://schemas.microsoft.com/office/drawing/2014/main" id="{39B4084F-39F6-50CF-5304-57151ADB6A4C}"/>
               </a:ext>
             </a:extLst>
           </p:cNvPr>
@@ -10468,17 +12273,17 @@
           <a:p>
             <a:r>
               <a:rPr lang="ru-RU" dirty="0"/>
-              <a:t>Домашнее задание</a:t>
+              <a:t>Функции и процедуры</a:t>
             </a:r>
           </a:p>
         </p:txBody>
       </p:sp>
       <p:sp>
         <p:nvSpPr>
-          <p:cNvPr id="4" name="TextBox 3">
+          <p:cNvPr id="5" name="TextBox 4">
             <a:extLst>
               <a:ext uri="{FF2B5EF4-FFF2-40B4-BE49-F238E27FC236}">
-                <a16:creationId xmlns:a16="http://schemas.microsoft.com/office/drawing/2014/main" id="{33245E22-E22E-750A-4CA8-96703DBB1F61}"/>
+                <a16:creationId xmlns:a16="http://schemas.microsoft.com/office/drawing/2014/main" id="{544466D4-A473-9D47-6ED6-B3F2C95045F7}"/>
               </a:ext>
             </a:extLst>
           </p:cNvPr>
@@ -10487,8 +12292,8 @@
         </p:nvSpPr>
         <p:spPr>
           <a:xfrm>
-            <a:off x="394137" y="1288665"/>
-            <a:ext cx="8035159" cy="3539430"/>
+            <a:off x="500550" y="1121824"/>
+            <a:ext cx="8412222" cy="3785652"/>
           </a:xfrm>
           <a:prstGeom prst="rect">
             <a:avLst/>
@@ -10496,335 +12301,82 @@
           <a:noFill/>
         </p:spPr>
         <p:txBody>
-          <a:bodyPr wrap="square">
+          <a:bodyPr wrap="square" rtlCol="0">
             <a:spAutoFit/>
           </a:bodyPr>
           <a:lstStyle/>
           <a:p>
-            <a:pPr>
+            <a:pPr marL="457200" indent="-457200">
               <a:buClr>
                 <a:schemeClr val="bg1"/>
               </a:buClr>
+              <a:buFont typeface="+mj-lt"/>
+              <a:buAutoNum type="arabicPeriod"/>
             </a:pPr>
             <a:r>
-              <a:rPr lang="ru-RU" sz="1600" dirty="0">
-                <a:solidFill>
-                  <a:schemeClr val="bg1"/>
-                </a:solidFill>
-                <a:latin typeface="Courier New" panose="02070309020205020404" pitchFamily="49" charset="0"/>
-                <a:cs typeface="Courier New" panose="02070309020205020404" pitchFamily="49" charset="0"/>
-              </a:rPr>
-              <a:t>Задания выполняются с использованием базы данных </a:t>
-            </a:r>
-            <a:r>
-              <a:rPr lang="en-US" sz="1600" dirty="0" err="1">
-                <a:solidFill>
-                  <a:schemeClr val="bg1"/>
-                </a:solidFill>
-                <a:latin typeface="Courier New" panose="02070309020205020404" pitchFamily="49" charset="0"/>
-                <a:cs typeface="Courier New" panose="02070309020205020404" pitchFamily="49" charset="0"/>
-              </a:rPr>
-              <a:t>WideWorldImporters</a:t>
-            </a:r>
-            <a:r>
-              <a:rPr lang="en-US" sz="1600" dirty="0">
-                <a:solidFill>
-                  <a:schemeClr val="bg1"/>
-                </a:solidFill>
-                <a:latin typeface="Courier New" panose="02070309020205020404" pitchFamily="49" charset="0"/>
-                <a:cs typeface="Courier New" panose="02070309020205020404" pitchFamily="49" charset="0"/>
-              </a:rPr>
-              <a:t>.</a:t>
-            </a:r>
-            <a:br>
-              <a:rPr lang="en-US" sz="1600" dirty="0">
-                <a:solidFill>
-                  <a:schemeClr val="bg1"/>
-                </a:solidFill>
-                <a:latin typeface="Courier New" panose="02070309020205020404" pitchFamily="49" charset="0"/>
-                <a:cs typeface="Courier New" panose="02070309020205020404" pitchFamily="49" charset="0"/>
-              </a:rPr>
-            </a:br>
-            <a:r>
-              <a:rPr lang="ru-RU" sz="1600" dirty="0">
-                <a:solidFill>
-                  <a:schemeClr val="bg1"/>
-                </a:solidFill>
-                <a:latin typeface="Courier New" panose="02070309020205020404" pitchFamily="49" charset="0"/>
-                <a:cs typeface="Courier New" panose="02070309020205020404" pitchFamily="49" charset="0"/>
-              </a:rPr>
-              <a:t>Бэкап БД можно скачать отсюда:</a:t>
-            </a:r>
-            <a:r>
-              <a:rPr lang="en-US" sz="1600" dirty="0">
-                <a:solidFill>
-                  <a:schemeClr val="bg1"/>
-                </a:solidFill>
-                <a:latin typeface="Courier New" panose="02070309020205020404" pitchFamily="49" charset="0"/>
-                <a:cs typeface="Courier New" panose="02070309020205020404" pitchFamily="49" charset="0"/>
-              </a:rPr>
-              <a:t>https://github.com/Microsoft/sql-server-samples/releases/tag/wide-world-importers-v1.0</a:t>
-            </a:r>
-            <a:br>
-              <a:rPr lang="en-US" sz="1600" dirty="0">
-                <a:solidFill>
-                  <a:schemeClr val="bg1"/>
-                </a:solidFill>
-                <a:latin typeface="Courier New" panose="02070309020205020404" pitchFamily="49" charset="0"/>
-                <a:cs typeface="Courier New" panose="02070309020205020404" pitchFamily="49" charset="0"/>
-              </a:rPr>
-            </a:br>
-            <a:r>
-              <a:rPr lang="ru-RU" sz="1600" dirty="0">
-                <a:solidFill>
-                  <a:schemeClr val="bg1"/>
-                </a:solidFill>
-                <a:latin typeface="Courier New" panose="02070309020205020404" pitchFamily="49" charset="0"/>
-                <a:cs typeface="Courier New" panose="02070309020205020404" pitchFamily="49" charset="0"/>
-              </a:rPr>
-              <a:t>Нужен </a:t>
-            </a:r>
-            <a:r>
-              <a:rPr lang="en-US" sz="1600" dirty="0" err="1">
-                <a:solidFill>
-                  <a:schemeClr val="bg1"/>
-                </a:solidFill>
-                <a:latin typeface="Courier New" panose="02070309020205020404" pitchFamily="49" charset="0"/>
-                <a:cs typeface="Courier New" panose="02070309020205020404" pitchFamily="49" charset="0"/>
-              </a:rPr>
-              <a:t>WideWorldImporters-Full.bak</a:t>
-            </a:r>
-            <a:br>
-              <a:rPr lang="en-US" sz="1600" dirty="0">
-                <a:solidFill>
-                  <a:schemeClr val="bg1"/>
-                </a:solidFill>
-                <a:latin typeface="Courier New" panose="02070309020205020404" pitchFamily="49" charset="0"/>
-                <a:cs typeface="Courier New" panose="02070309020205020404" pitchFamily="49" charset="0"/>
-              </a:rPr>
-            </a:br>
-            <a:r>
-              <a:rPr lang="ru-RU" sz="1600" dirty="0">
-                <a:solidFill>
-                  <a:schemeClr val="bg1"/>
-                </a:solidFill>
-                <a:latin typeface="Courier New" panose="02070309020205020404" pitchFamily="49" charset="0"/>
-                <a:cs typeface="Courier New" panose="02070309020205020404" pitchFamily="49" charset="0"/>
-              </a:rPr>
-              <a:t>Описание </a:t>
-            </a:r>
-            <a:r>
-              <a:rPr lang="en-US" sz="1600" dirty="0" err="1">
-                <a:solidFill>
-                  <a:schemeClr val="bg1"/>
-                </a:solidFill>
-                <a:latin typeface="Courier New" panose="02070309020205020404" pitchFamily="49" charset="0"/>
-                <a:cs typeface="Courier New" panose="02070309020205020404" pitchFamily="49" charset="0"/>
-              </a:rPr>
-              <a:t>WideWorldImporters</a:t>
-            </a:r>
-            <a:br>
-              <a:rPr lang="en-US" sz="1600" dirty="0">
-                <a:solidFill>
-                  <a:schemeClr val="bg1"/>
-                </a:solidFill>
-                <a:latin typeface="Courier New" panose="02070309020205020404" pitchFamily="49" charset="0"/>
-                <a:cs typeface="Courier New" panose="02070309020205020404" pitchFamily="49" charset="0"/>
-              </a:rPr>
-            </a:br>
-            <a:r>
-              <a:rPr lang="en-US" sz="1600" dirty="0">
-                <a:solidFill>
-                  <a:schemeClr val="bg1"/>
-                </a:solidFill>
-                <a:latin typeface="Courier New" panose="02070309020205020404" pitchFamily="49" charset="0"/>
-                <a:cs typeface="Courier New" panose="02070309020205020404" pitchFamily="49" charset="0"/>
-                <a:hlinkClick r:id="rId2"/>
-              </a:rPr>
-              <a:t>https://dataedo.com/samples/html/WideWorldImporters/doc/WideWorldImporters_5/home.html</a:t>
-            </a:r>
-            <a:endParaRPr lang="en-US" sz="1600" dirty="0">
-              <a:solidFill>
-                <a:schemeClr val="bg1"/>
-              </a:solidFill>
-              <a:latin typeface="Courier New" panose="02070309020205020404" pitchFamily="49" charset="0"/>
-              <a:cs typeface="Courier New" panose="02070309020205020404" pitchFamily="49" charset="0"/>
-            </a:endParaRPr>
-          </a:p>
-          <a:p>
-            <a:pPr marL="342900" indent="-342900">
+              <a:rPr lang="ru-RU" sz="2000" dirty="0">
+                <a:solidFill>
+                  <a:schemeClr val="bg1"/>
+                </a:solidFill>
+              </a:rPr>
+              <a:t>Модульное программирование. Вы можете создать функцию один раз, сохранить ее в базе данных и вызывать ее в своей программе любое количество раз. Пользовательские функции могут быть изменены независимо от исходного кода программы.</a:t>
+            </a:r>
+          </a:p>
+          <a:p>
+            <a:pPr marL="457200" indent="-457200">
               <a:buClr>
                 <a:schemeClr val="bg1"/>
               </a:buClr>
+              <a:buFont typeface="+mj-lt"/>
               <a:buAutoNum type="arabicPeriod"/>
             </a:pPr>
             <a:r>
-              <a:rPr lang="ru-RU" sz="1600" dirty="0">
-                <a:solidFill>
-                  <a:schemeClr val="bg1"/>
-                </a:solidFill>
-                <a:latin typeface="Courier New" panose="02070309020205020404" pitchFamily="49" charset="0"/>
-                <a:cs typeface="Courier New" panose="02070309020205020404" pitchFamily="49" charset="0"/>
-              </a:rPr>
-              <a:t>Написать функцию возвращающую Клиента с наибольшей суммой покупки.</a:t>
-            </a:r>
-            <a:endParaRPr lang="en-US" sz="1600" dirty="0">
-              <a:solidFill>
-                <a:schemeClr val="bg1"/>
-              </a:solidFill>
-              <a:latin typeface="Courier New" panose="02070309020205020404" pitchFamily="49" charset="0"/>
-              <a:cs typeface="Courier New" panose="02070309020205020404" pitchFamily="49" charset="0"/>
-            </a:endParaRPr>
-          </a:p>
-          <a:p>
-            <a:pPr marL="342900" indent="-342900">
-              <a:buClr>
-                <a:schemeClr val="bg1"/>
-              </a:buClr>
-              <a:buAutoNum type="arabicPeriod"/>
-            </a:pPr>
-            <a:r>
-              <a:rPr lang="ru-RU" sz="1600" dirty="0">
-                <a:solidFill>
-                  <a:schemeClr val="bg1"/>
-                </a:solidFill>
-                <a:latin typeface="Courier New" panose="02070309020205020404" pitchFamily="49" charset="0"/>
-                <a:cs typeface="Courier New" panose="02070309020205020404" pitchFamily="49" charset="0"/>
-              </a:rPr>
-              <a:t>Написать хранимую процедуру с входящим параметром </a:t>
-            </a:r>
-            <a:r>
-              <a:rPr lang="ru-RU" sz="1600" dirty="0" err="1">
-                <a:solidFill>
-                  <a:schemeClr val="bg1"/>
-                </a:solidFill>
-                <a:latin typeface="Courier New" panose="02070309020205020404" pitchFamily="49" charset="0"/>
-                <a:cs typeface="Courier New" panose="02070309020205020404" pitchFamily="49" charset="0"/>
-              </a:rPr>
-              <a:t>СustomerID</a:t>
-            </a:r>
-            <a:r>
-              <a:rPr lang="ru-RU" sz="1600" dirty="0">
-                <a:solidFill>
-                  <a:schemeClr val="bg1"/>
-                </a:solidFill>
-                <a:latin typeface="Courier New" panose="02070309020205020404" pitchFamily="49" charset="0"/>
-                <a:cs typeface="Courier New" panose="02070309020205020404" pitchFamily="49" charset="0"/>
-              </a:rPr>
-              <a:t>, выводящую сумму покупки по этому клиенту.</a:t>
-            </a:r>
-            <a:br>
-              <a:rPr lang="en-US" sz="1600" dirty="0">
-                <a:solidFill>
-                  <a:schemeClr val="bg1"/>
-                </a:solidFill>
-                <a:latin typeface="Courier New" panose="02070309020205020404" pitchFamily="49" charset="0"/>
-                <a:cs typeface="Courier New" panose="02070309020205020404" pitchFamily="49" charset="0"/>
-              </a:rPr>
-            </a:br>
-            <a:r>
-              <a:rPr lang="ru-RU" sz="1600" dirty="0">
-                <a:solidFill>
-                  <a:schemeClr val="bg1"/>
-                </a:solidFill>
-                <a:latin typeface="Courier New" panose="02070309020205020404" pitchFamily="49" charset="0"/>
-                <a:cs typeface="Courier New" panose="02070309020205020404" pitchFamily="49" charset="0"/>
-              </a:rPr>
-              <a:t>Использовать таблицы:</a:t>
-            </a:r>
-            <a:br>
-              <a:rPr lang="en-US" sz="1600" dirty="0">
-                <a:solidFill>
-                  <a:schemeClr val="bg1"/>
-                </a:solidFill>
-                <a:latin typeface="Courier New" panose="02070309020205020404" pitchFamily="49" charset="0"/>
-                <a:cs typeface="Courier New" panose="02070309020205020404" pitchFamily="49" charset="0"/>
-              </a:rPr>
-            </a:br>
-            <a:r>
-              <a:rPr lang="ru-RU" sz="1600" dirty="0" err="1">
-                <a:solidFill>
-                  <a:schemeClr val="bg1"/>
-                </a:solidFill>
-                <a:latin typeface="Courier New" panose="02070309020205020404" pitchFamily="49" charset="0"/>
-                <a:cs typeface="Courier New" panose="02070309020205020404" pitchFamily="49" charset="0"/>
-              </a:rPr>
-              <a:t>Sales.CustomersSales</a:t>
-            </a:r>
-            <a:r>
-              <a:rPr lang="ru-RU" sz="1600" dirty="0">
-                <a:solidFill>
-                  <a:schemeClr val="bg1"/>
-                </a:solidFill>
-                <a:latin typeface="Courier New" panose="02070309020205020404" pitchFamily="49" charset="0"/>
-                <a:cs typeface="Courier New" panose="02070309020205020404" pitchFamily="49" charset="0"/>
-              </a:rPr>
-              <a:t>.</a:t>
-            </a:r>
-            <a:r>
-              <a:rPr lang="en-US" sz="1600" dirty="0">
-                <a:solidFill>
-                  <a:schemeClr val="bg1"/>
-                </a:solidFill>
-                <a:latin typeface="Courier New" panose="02070309020205020404" pitchFamily="49" charset="0"/>
-                <a:cs typeface="Courier New" panose="02070309020205020404" pitchFamily="49" charset="0"/>
-              </a:rPr>
-              <a:t> </a:t>
-            </a:r>
-            <a:r>
-              <a:rPr lang="ru-RU" sz="1600" dirty="0" err="1">
-                <a:solidFill>
-                  <a:schemeClr val="bg1"/>
-                </a:solidFill>
-                <a:latin typeface="Courier New" panose="02070309020205020404" pitchFamily="49" charset="0"/>
-                <a:cs typeface="Courier New" panose="02070309020205020404" pitchFamily="49" charset="0"/>
-              </a:rPr>
-              <a:t>InvoicesSales</a:t>
-            </a:r>
-            <a:r>
-              <a:rPr lang="ru-RU" sz="1600" dirty="0">
-                <a:solidFill>
-                  <a:schemeClr val="bg1"/>
-                </a:solidFill>
-                <a:latin typeface="Courier New" panose="02070309020205020404" pitchFamily="49" charset="0"/>
-                <a:cs typeface="Courier New" panose="02070309020205020404" pitchFamily="49" charset="0"/>
-              </a:rPr>
-              <a:t>.</a:t>
-            </a:r>
-            <a:r>
-              <a:rPr lang="en-US" sz="1600" dirty="0">
-                <a:solidFill>
-                  <a:schemeClr val="bg1"/>
-                </a:solidFill>
-                <a:latin typeface="Courier New" panose="02070309020205020404" pitchFamily="49" charset="0"/>
-                <a:cs typeface="Courier New" panose="02070309020205020404" pitchFamily="49" charset="0"/>
-              </a:rPr>
-              <a:t> </a:t>
-            </a:r>
-            <a:r>
-              <a:rPr lang="ru-RU" sz="1600" dirty="0" err="1">
-                <a:solidFill>
-                  <a:schemeClr val="bg1"/>
-                </a:solidFill>
-                <a:latin typeface="Courier New" panose="02070309020205020404" pitchFamily="49" charset="0"/>
-                <a:cs typeface="Courier New" panose="02070309020205020404" pitchFamily="49" charset="0"/>
-              </a:rPr>
-              <a:t>InvoiceLines</a:t>
-            </a:r>
-            <a:endParaRPr lang="ru-RU" sz="1600" dirty="0">
-              <a:solidFill>
-                <a:schemeClr val="bg1"/>
-              </a:solidFill>
-              <a:latin typeface="Courier New" panose="02070309020205020404" pitchFamily="49" charset="0"/>
-              <a:cs typeface="Courier New" panose="02070309020205020404" pitchFamily="49" charset="0"/>
-            </a:endParaRPr>
+              <a:rPr lang="ru-RU" sz="2000" dirty="0">
+                <a:solidFill>
+                  <a:schemeClr val="bg1"/>
+                </a:solidFill>
+              </a:rPr>
+              <a:t>Более быстрое исполнение. Подобно хранимым процедурам, определяемые пользователем функции </a:t>
+            </a:r>
+            <a:r>
+              <a:rPr lang="ru-RU" sz="2000" dirty="0" err="1">
+                <a:solidFill>
+                  <a:schemeClr val="bg1"/>
+                </a:solidFill>
+              </a:rPr>
+              <a:t>Transact</a:t>
+            </a:r>
+            <a:r>
+              <a:rPr lang="ru-RU" sz="2000" dirty="0">
+                <a:solidFill>
+                  <a:schemeClr val="bg1"/>
+                </a:solidFill>
+              </a:rPr>
+              <a:t>-SQL сокращают затраты на компиляцию кода </a:t>
+            </a:r>
+            <a:r>
+              <a:rPr lang="ru-RU" sz="2000" dirty="0" err="1">
+                <a:solidFill>
+                  <a:schemeClr val="bg1"/>
+                </a:solidFill>
+              </a:rPr>
+              <a:t>Transact</a:t>
+            </a:r>
+            <a:r>
+              <a:rPr lang="ru-RU" sz="2000" dirty="0">
+                <a:solidFill>
+                  <a:schemeClr val="bg1"/>
+                </a:solidFill>
+              </a:rPr>
+              <a:t>-SQL за счет кэширования планов и их повторного использования для повторного выполнения. Это означает, что пользовательскую функцию не нужно повторно анализировать и оптимизировать при каждом использовании, что приводит к гораздо более быстрому выполнению.</a:t>
+            </a:r>
           </a:p>
         </p:txBody>
       </p:sp>
     </p:spTree>
     <p:extLst>
       <p:ext uri="{BB962C8B-B14F-4D97-AF65-F5344CB8AC3E}">
-        <p14:creationId xmlns:p14="http://schemas.microsoft.com/office/powerpoint/2010/main" val="2658651213"/>
+        <p14:creationId xmlns:p14="http://schemas.microsoft.com/office/powerpoint/2010/main" val="1170160834"/>
       </p:ext>
     </p:extLst>
   </p:cSld>
@@ -10835,201 +12387,6 @@
 </file>
 
 <file path=ppt/slides/slide7.xml><?xml version="1.0" encoding="utf-8"?>
-<p:sld xmlns:a="http://schemas.openxmlformats.org/drawingml/2006/main" xmlns:r="http://schemas.openxmlformats.org/officeDocument/2006/relationships" xmlns:p="http://schemas.openxmlformats.org/presentationml/2006/main">
-  <p:cSld>
-    <p:spTree>
-      <p:nvGrpSpPr>
-        <p:cNvPr id="1" name=""/>
-        <p:cNvGrpSpPr/>
-        <p:nvPr/>
-      </p:nvGrpSpPr>
-      <p:grpSpPr>
-        <a:xfrm>
-          <a:off x="0" y="0"/>
-          <a:ext cx="0" cy="0"/>
-          <a:chOff x="0" y="0"/>
-          <a:chExt cx="0" cy="0"/>
-        </a:xfrm>
-      </p:grpSpPr>
-      <p:sp>
-        <p:nvSpPr>
-          <p:cNvPr id="2" name="Заголовок 1">
-            <a:extLst>
-              <a:ext uri="{FF2B5EF4-FFF2-40B4-BE49-F238E27FC236}">
-                <a16:creationId xmlns:a16="http://schemas.microsoft.com/office/drawing/2014/main" id="{6A6BCFF1-EF04-E477-8900-81E0A0F7EAD3}"/>
-              </a:ext>
-            </a:extLst>
-          </p:cNvPr>
-          <p:cNvSpPr>
-            <a:spLocks noGrp="1"/>
-          </p:cNvSpPr>
-          <p:nvPr>
-            <p:ph type="title"/>
-          </p:nvPr>
-        </p:nvSpPr>
-        <p:spPr/>
-        <p:txBody>
-          <a:bodyPr/>
-          <a:lstStyle/>
-          <a:p>
-            <a:r>
-              <a:rPr lang="ru-RU" dirty="0"/>
-              <a:t>Домашнее задание</a:t>
-            </a:r>
-          </a:p>
-        </p:txBody>
-      </p:sp>
-      <p:sp>
-        <p:nvSpPr>
-          <p:cNvPr id="4" name="TextBox 3">
-            <a:extLst>
-              <a:ext uri="{FF2B5EF4-FFF2-40B4-BE49-F238E27FC236}">
-                <a16:creationId xmlns:a16="http://schemas.microsoft.com/office/drawing/2014/main" id="{33245E22-E22E-750A-4CA8-96703DBB1F61}"/>
-              </a:ext>
-            </a:extLst>
-          </p:cNvPr>
-          <p:cNvSpPr txBox="1"/>
-          <p:nvPr/>
-        </p:nvSpPr>
-        <p:spPr>
-          <a:xfrm>
-            <a:off x="394137" y="1288665"/>
-            <a:ext cx="8035159" cy="1077218"/>
-          </a:xfrm>
-          <a:prstGeom prst="rect">
-            <a:avLst/>
-          </a:prstGeom>
-          <a:noFill/>
-        </p:spPr>
-        <p:txBody>
-          <a:bodyPr wrap="square">
-            <a:spAutoFit/>
-          </a:bodyPr>
-          <a:lstStyle/>
-          <a:p>
-            <a:pPr>
-              <a:buClr>
-                <a:schemeClr val="bg1"/>
-              </a:buClr>
-            </a:pPr>
-            <a:r>
-              <a:rPr lang="en-US" sz="1600" dirty="0">
-                <a:solidFill>
-                  <a:schemeClr val="bg1"/>
-                </a:solidFill>
-                <a:latin typeface="Courier New" panose="02070309020205020404" pitchFamily="49" charset="0"/>
-                <a:cs typeface="Courier New" panose="02070309020205020404" pitchFamily="49" charset="0"/>
-              </a:rPr>
-              <a:t>3. </a:t>
-            </a:r>
-            <a:r>
-              <a:rPr lang="ru-RU" sz="1600" dirty="0">
-                <a:solidFill>
-                  <a:schemeClr val="bg1"/>
-                </a:solidFill>
-                <a:latin typeface="Courier New" panose="02070309020205020404" pitchFamily="49" charset="0"/>
-                <a:cs typeface="Courier New" panose="02070309020205020404" pitchFamily="49" charset="0"/>
-              </a:rPr>
-              <a:t>Создать одинаковую функцию и хранимую процедуру, посмотреть в чем разница в производительности и почему.</a:t>
-            </a:r>
-            <a:endParaRPr lang="en-US" sz="1600" dirty="0">
-              <a:solidFill>
-                <a:schemeClr val="bg1"/>
-              </a:solidFill>
-              <a:latin typeface="Courier New" panose="02070309020205020404" pitchFamily="49" charset="0"/>
-              <a:cs typeface="Courier New" panose="02070309020205020404" pitchFamily="49" charset="0"/>
-            </a:endParaRPr>
-          </a:p>
-          <a:p>
-            <a:pPr>
-              <a:buClr>
-                <a:schemeClr val="bg1"/>
-              </a:buClr>
-            </a:pPr>
-            <a:r>
-              <a:rPr lang="en-US" sz="1600" dirty="0">
-                <a:solidFill>
-                  <a:schemeClr val="bg1"/>
-                </a:solidFill>
-                <a:latin typeface="Courier New" panose="02070309020205020404" pitchFamily="49" charset="0"/>
-                <a:cs typeface="Courier New" panose="02070309020205020404" pitchFamily="49" charset="0"/>
-              </a:rPr>
-              <a:t>4. </a:t>
-            </a:r>
-            <a:r>
-              <a:rPr lang="ru-RU" sz="1600" dirty="0">
-                <a:solidFill>
-                  <a:schemeClr val="bg1"/>
-                </a:solidFill>
-                <a:latin typeface="Courier New" panose="02070309020205020404" pitchFamily="49" charset="0"/>
-                <a:cs typeface="Courier New" panose="02070309020205020404" pitchFamily="49" charset="0"/>
-              </a:rPr>
-              <a:t>Создайте табличную функцию покажите как ее можно вызвать для каждой строки </a:t>
-            </a:r>
-            <a:r>
-              <a:rPr lang="ru-RU" sz="1600" dirty="0" err="1">
-                <a:solidFill>
-                  <a:schemeClr val="bg1"/>
-                </a:solidFill>
-                <a:latin typeface="Courier New" panose="02070309020205020404" pitchFamily="49" charset="0"/>
-                <a:cs typeface="Courier New" panose="02070309020205020404" pitchFamily="49" charset="0"/>
-              </a:rPr>
-              <a:t>result</a:t>
-            </a:r>
-            <a:r>
-              <a:rPr lang="ru-RU" sz="1600" dirty="0">
-                <a:solidFill>
-                  <a:schemeClr val="bg1"/>
-                </a:solidFill>
-                <a:latin typeface="Courier New" panose="02070309020205020404" pitchFamily="49" charset="0"/>
-                <a:cs typeface="Courier New" panose="02070309020205020404" pitchFamily="49" charset="0"/>
-              </a:rPr>
-              <a:t> </a:t>
-            </a:r>
-            <a:r>
-              <a:rPr lang="ru-RU" sz="1600" dirty="0" err="1">
-                <a:solidFill>
-                  <a:schemeClr val="bg1"/>
-                </a:solidFill>
-                <a:latin typeface="Courier New" panose="02070309020205020404" pitchFamily="49" charset="0"/>
-                <a:cs typeface="Courier New" panose="02070309020205020404" pitchFamily="49" charset="0"/>
-              </a:rPr>
-              <a:t>set'а</a:t>
-            </a:r>
-            <a:r>
-              <a:rPr lang="ru-RU" sz="1600" dirty="0">
-                <a:solidFill>
-                  <a:schemeClr val="bg1"/>
-                </a:solidFill>
-                <a:latin typeface="Courier New" panose="02070309020205020404" pitchFamily="49" charset="0"/>
-                <a:cs typeface="Courier New" panose="02070309020205020404" pitchFamily="49" charset="0"/>
-              </a:rPr>
-              <a:t> без использования цикла. </a:t>
-            </a:r>
-            <a:endParaRPr lang="en-US" sz="1600" dirty="0">
-              <a:solidFill>
-                <a:schemeClr val="bg1"/>
-              </a:solidFill>
-              <a:latin typeface="Courier New" panose="02070309020205020404" pitchFamily="49" charset="0"/>
-              <a:cs typeface="Courier New" panose="02070309020205020404" pitchFamily="49" charset="0"/>
-            </a:endParaRPr>
-          </a:p>
-        </p:txBody>
-      </p:sp>
-    </p:spTree>
-    <p:extLst>
-      <p:ext uri="{BB962C8B-B14F-4D97-AF65-F5344CB8AC3E}">
-        <p14:creationId xmlns:p14="http://schemas.microsoft.com/office/powerpoint/2010/main" val="3834429863"/>
-      </p:ext>
-    </p:extLst>
-  </p:cSld>
-  <p:clrMapOvr>
-    <a:masterClrMapping/>
-  </p:clrMapOvr>
-</p:sld>
-</file>
-
-<file path=ppt/slides/slide8.xml><?xml version="1.0" encoding="utf-8"?>
 <p:sld xmlns:a="http://schemas.openxmlformats.org/drawingml/2006/main" xmlns:r="http://schemas.openxmlformats.org/officeDocument/2006/relationships" xmlns:p="http://schemas.openxmlformats.org/presentationml/2006/main">
   <p:cSld>
     <p:spTree>
@@ -11089,7 +12446,7 @@
         <p:spPr>
           <a:xfrm>
             <a:off x="500550" y="1121824"/>
-            <a:ext cx="8412222" cy="3785652"/>
+            <a:ext cx="8412222" cy="1938992"/>
           </a:xfrm>
           <a:prstGeom prst="rect">
             <a:avLst/>
@@ -11102,12 +12459,10 @@
           </a:bodyPr>
           <a:lstStyle/>
           <a:p>
-            <a:pPr marL="457200" indent="-457200">
+            <a:pPr>
               <a:buClr>
                 <a:schemeClr val="bg1"/>
               </a:buClr>
-              <a:buFont typeface="+mj-lt"/>
-              <a:buAutoNum type="arabicPeriod"/>
             </a:pPr>
             <a:r>
               <a:rPr lang="ru-RU" sz="2000" dirty="0">
@@ -11115,56 +12470,7 @@
                   <a:schemeClr val="bg1"/>
                 </a:solidFill>
               </a:rPr>
-              <a:t>Модульное программирование. Вы можете создать функцию один раз, сохранить ее в базе данных и вызывать ее в своей программе любое количество раз. Пользовательские функции могут быть изменены независимо от исходного кода программы.</a:t>
-            </a:r>
-          </a:p>
-          <a:p>
-            <a:pPr marL="457200" indent="-457200">
-              <a:buClr>
-                <a:schemeClr val="bg1"/>
-              </a:buClr>
-              <a:buFont typeface="+mj-lt"/>
-              <a:buAutoNum type="arabicPeriod"/>
-            </a:pPr>
-            <a:r>
-              <a:rPr lang="ru-RU" sz="2000" dirty="0">
-                <a:solidFill>
-                  <a:schemeClr val="bg1"/>
-                </a:solidFill>
-              </a:rPr>
-              <a:t>Более быстрое исполнение. Подобно хранимым процедурам, определяемые пользователем функции </a:t>
-            </a:r>
-            <a:r>
-              <a:rPr lang="ru-RU" sz="2000" dirty="0" err="1">
-                <a:solidFill>
-                  <a:schemeClr val="bg1"/>
-                </a:solidFill>
-              </a:rPr>
-              <a:t>Transact</a:t>
-            </a:r>
-            <a:r>
-              <a:rPr lang="ru-RU" sz="2000" dirty="0">
-                <a:solidFill>
-                  <a:schemeClr val="bg1"/>
-                </a:solidFill>
-              </a:rPr>
-              <a:t>-SQL сокращают затраты на компиляцию кода </a:t>
-            </a:r>
-            <a:r>
-              <a:rPr lang="ru-RU" sz="2000" dirty="0" err="1">
-                <a:solidFill>
-                  <a:schemeClr val="bg1"/>
-                </a:solidFill>
-              </a:rPr>
-              <a:t>Transact</a:t>
-            </a:r>
-            <a:r>
-              <a:rPr lang="ru-RU" sz="2000" dirty="0">
-                <a:solidFill>
-                  <a:schemeClr val="bg1"/>
-                </a:solidFill>
-              </a:rPr>
-              <a:t>-SQL за счет кэширования планов и их повторного использования для повторного выполнения. Это означает, что пользовательскую функцию не нужно повторно анализировать и оптимизировать при каждом использовании, что приводит к гораздо более быстрому выполнению.</a:t>
+              <a:t>3. Сокращение сетевого трафика. Операция, которая фильтрует данные на основе некоторого сложного ограничения, которое не может быть выражено в одном скалярном выражении, может быть выражена как функция. Затем эту функцию можно вызвать в предложении WHERE, чтобы уменьшить количество строк, отправляемых клиенту.</a:t>
             </a:r>
           </a:p>
         </p:txBody>
@@ -11172,7 +12478,171 @@
     </p:spTree>
     <p:extLst>
       <p:ext uri="{BB962C8B-B14F-4D97-AF65-F5344CB8AC3E}">
-        <p14:creationId xmlns:p14="http://schemas.microsoft.com/office/powerpoint/2010/main" val="1170160834"/>
+        <p14:creationId xmlns:p14="http://schemas.microsoft.com/office/powerpoint/2010/main" val="3378984940"/>
+      </p:ext>
+    </p:extLst>
+  </p:cSld>
+  <p:clrMapOvr>
+    <a:masterClrMapping/>
+  </p:clrMapOvr>
+</p:sld>
+</file>
+
+<file path=ppt/slides/slide8.xml><?xml version="1.0" encoding="utf-8"?>
+<p:sld xmlns:a="http://schemas.openxmlformats.org/drawingml/2006/main" xmlns:r="http://schemas.openxmlformats.org/officeDocument/2006/relationships" xmlns:p="http://schemas.openxmlformats.org/presentationml/2006/main">
+  <p:cSld>
+    <p:spTree>
+      <p:nvGrpSpPr>
+        <p:cNvPr id="1" name=""/>
+        <p:cNvGrpSpPr/>
+        <p:nvPr/>
+      </p:nvGrpSpPr>
+      <p:grpSpPr>
+        <a:xfrm>
+          <a:off x="0" y="0"/>
+          <a:ext cx="0" cy="0"/>
+          <a:chOff x="0" y="0"/>
+          <a:chExt cx="0" cy="0"/>
+        </a:xfrm>
+      </p:grpSpPr>
+      <p:sp>
+        <p:nvSpPr>
+          <p:cNvPr id="2" name="Заголовок 1">
+            <a:extLst>
+              <a:ext uri="{FF2B5EF4-FFF2-40B4-BE49-F238E27FC236}">
+                <a16:creationId xmlns:a16="http://schemas.microsoft.com/office/drawing/2014/main" id="{6EAED64F-542A-B9C0-279C-7B8096D5C8F8}"/>
+              </a:ext>
+            </a:extLst>
+          </p:cNvPr>
+          <p:cNvSpPr>
+            <a:spLocks noGrp="1"/>
+          </p:cNvSpPr>
+          <p:nvPr>
+            <p:ph type="title"/>
+          </p:nvPr>
+        </p:nvSpPr>
+        <p:spPr/>
+        <p:txBody>
+          <a:bodyPr/>
+          <a:lstStyle/>
+          <a:p>
+            <a:r>
+              <a:rPr lang="en-US" dirty="0"/>
+              <a:t>EXECUTE AS</a:t>
+            </a:r>
+            <a:endParaRPr lang="ru-RU" dirty="0"/>
+          </a:p>
+        </p:txBody>
+      </p:sp>
+      <p:sp>
+        <p:nvSpPr>
+          <p:cNvPr id="3" name="TextBox 2">
+            <a:extLst>
+              <a:ext uri="{FF2B5EF4-FFF2-40B4-BE49-F238E27FC236}">
+                <a16:creationId xmlns:a16="http://schemas.microsoft.com/office/drawing/2014/main" id="{17FFCFB7-D104-FAA3-A6E2-F95FDE782645}"/>
+              </a:ext>
+            </a:extLst>
+          </p:cNvPr>
+          <p:cNvSpPr txBox="1"/>
+          <p:nvPr/>
+        </p:nvSpPr>
+        <p:spPr>
+          <a:xfrm>
+            <a:off x="500550" y="1121824"/>
+            <a:ext cx="8412222" cy="2862322"/>
+          </a:xfrm>
+          <a:prstGeom prst="rect">
+            <a:avLst/>
+          </a:prstGeom>
+          <a:noFill/>
+        </p:spPr>
+        <p:txBody>
+          <a:bodyPr wrap="square" rtlCol="0">
+            <a:spAutoFit/>
+          </a:bodyPr>
+          <a:lstStyle/>
+          <a:p>
+            <a:pPr>
+              <a:buClr>
+                <a:schemeClr val="bg1"/>
+              </a:buClr>
+            </a:pPr>
+            <a:r>
+              <a:rPr lang="ru-RU" sz="1600" b="1" i="0" dirty="0">
+                <a:solidFill>
+                  <a:srgbClr val="E6E6E6"/>
+                </a:solidFill>
+                <a:effectLst/>
+                <a:latin typeface="Segoe UI" panose="020B0502040204020203" pitchFamily="34" charset="0"/>
+              </a:rPr>
+              <a:t>Функции (кроме встроенных функций с табличным значением), хранимые процедуры и триггеры DML:</a:t>
+            </a:r>
+            <a:endParaRPr lang="en-US" sz="1600" b="1" i="0" dirty="0">
+              <a:solidFill>
+                <a:srgbClr val="E6E6E6"/>
+              </a:solidFill>
+              <a:effectLst/>
+              <a:latin typeface="Segoe UI" panose="020B0502040204020203" pitchFamily="34" charset="0"/>
+            </a:endParaRPr>
+          </a:p>
+          <a:p>
+            <a:pPr>
+              <a:buClr>
+                <a:schemeClr val="bg1"/>
+              </a:buClr>
+            </a:pPr>
+            <a:r>
+              <a:rPr lang="en-US" sz="2800" b="1" i="0" dirty="0">
+                <a:solidFill>
+                  <a:srgbClr val="E6E6E6"/>
+                </a:solidFill>
+                <a:effectLst/>
+                <a:latin typeface="Segoe UI" panose="020B0502040204020203" pitchFamily="34" charset="0"/>
+              </a:rPr>
+              <a:t>CALLER</a:t>
+            </a:r>
+          </a:p>
+          <a:p>
+            <a:pPr>
+              <a:buClr>
+                <a:schemeClr val="bg1"/>
+              </a:buClr>
+            </a:pPr>
+            <a:r>
+              <a:rPr lang="ru-RU" sz="2000" dirty="0">
+                <a:solidFill>
+                  <a:schemeClr val="bg1"/>
+                </a:solidFill>
+              </a:rPr>
+              <a:t>Указывает, что операторы внутри модуля выполняются в контексте вызывающего модуля. Пользователь, выполняющий модуль, должен иметь соответствующие разрешения не только для самого модуля, но и для любых объектов базы данных, на которые ссылается модуль.</a:t>
+            </a:r>
+            <a:endParaRPr lang="en-US" sz="2000" dirty="0">
+              <a:solidFill>
+                <a:schemeClr val="bg1"/>
+              </a:solidFill>
+            </a:endParaRPr>
+          </a:p>
+          <a:p>
+            <a:pPr>
+              <a:buClr>
+                <a:schemeClr val="bg1"/>
+              </a:buClr>
+            </a:pPr>
+            <a:r>
+              <a:rPr lang="ru-RU" sz="2000" dirty="0">
+                <a:solidFill>
+                  <a:schemeClr val="bg1"/>
+                </a:solidFill>
+              </a:rPr>
+              <a:t>CALLER используется по умолчанию для всех модулей</a:t>
+            </a:r>
+          </a:p>
+        </p:txBody>
+      </p:sp>
+    </p:spTree>
+    <p:extLst>
+      <p:ext uri="{BB962C8B-B14F-4D97-AF65-F5344CB8AC3E}">
+        <p14:creationId xmlns:p14="http://schemas.microsoft.com/office/powerpoint/2010/main" val="2540789055"/>
       </p:ext>
     </p:extLst>
   </p:cSld>
@@ -11204,7 +12674,7 @@
           <p:cNvPr id="2" name="Заголовок 1">
             <a:extLst>
               <a:ext uri="{FF2B5EF4-FFF2-40B4-BE49-F238E27FC236}">
-                <a16:creationId xmlns:a16="http://schemas.microsoft.com/office/drawing/2014/main" id="{39B4084F-39F6-50CF-5304-57151ADB6A4C}"/>
+                <a16:creationId xmlns:a16="http://schemas.microsoft.com/office/drawing/2014/main" id="{6EAED64F-542A-B9C0-279C-7B8096D5C8F8}"/>
               </a:ext>
             </a:extLst>
           </p:cNvPr>
@@ -11221,18 +12691,19 @@
           <a:lstStyle/>
           <a:p>
             <a:r>
-              <a:rPr lang="ru-RU" dirty="0"/>
-              <a:t>Функции и процедуры</a:t>
-            </a:r>
+              <a:rPr lang="en-US" dirty="0"/>
+              <a:t>EXECUTE AS</a:t>
+            </a:r>
+            <a:endParaRPr lang="ru-RU" dirty="0"/>
           </a:p>
         </p:txBody>
       </p:sp>
       <p:sp>
         <p:nvSpPr>
-          <p:cNvPr id="5" name="TextBox 4">
+          <p:cNvPr id="3" name="TextBox 2">
             <a:extLst>
               <a:ext uri="{FF2B5EF4-FFF2-40B4-BE49-F238E27FC236}">
-                <a16:creationId xmlns:a16="http://schemas.microsoft.com/office/drawing/2014/main" id="{544466D4-A473-9D47-6ED6-B3F2C95045F7}"/>
+                <a16:creationId xmlns:a16="http://schemas.microsoft.com/office/drawing/2014/main" id="{17FFCFB7-D104-FAA3-A6E2-F95FDE782645}"/>
               </a:ext>
             </a:extLst>
           </p:cNvPr>
@@ -11242,7 +12713,7 @@
         <p:spPr>
           <a:xfrm>
             <a:off x="500550" y="1121824"/>
-            <a:ext cx="8412222" cy="1938992"/>
+            <a:ext cx="8412222" cy="1877437"/>
           </a:xfrm>
           <a:prstGeom prst="rect">
             <a:avLst/>
@@ -11261,12 +12732,52 @@
               </a:buClr>
             </a:pPr>
             <a:r>
+              <a:rPr lang="en-US" sz="3600" b="1" i="0" dirty="0">
+                <a:solidFill>
+                  <a:srgbClr val="E6E6E6"/>
+                </a:solidFill>
+                <a:effectLst/>
+                <a:latin typeface="Segoe UI" panose="020B0502040204020203" pitchFamily="34" charset="0"/>
+              </a:rPr>
+              <a:t>SELF</a:t>
+            </a:r>
+            <a:endParaRPr lang="en-US" sz="2800" b="1" i="0" dirty="0">
+              <a:solidFill>
+                <a:srgbClr val="E6E6E6"/>
+              </a:solidFill>
+              <a:effectLst/>
+              <a:latin typeface="Segoe UI" panose="020B0502040204020203" pitchFamily="34" charset="0"/>
+            </a:endParaRPr>
+          </a:p>
+          <a:p>
+            <a:pPr>
+              <a:buClr>
+                <a:schemeClr val="bg1"/>
+              </a:buClr>
+            </a:pPr>
+            <a:r>
               <a:rPr lang="ru-RU" sz="2000" dirty="0">
                 <a:solidFill>
                   <a:schemeClr val="bg1"/>
                 </a:solidFill>
               </a:rPr>
-              <a:t>3. Сокращение сетевого трафика. Операция, которая фильтрует данные на основе некоторого сложного ограничения, которое не может быть выражено в одном скалярном выражении, может быть выражена как функция. Затем эту функцию можно вызвать в предложении WHERE, чтобы уменьшить количество строк, отправляемых клиенту.</a:t>
+              <a:t>EXECUTE AS SELF эквивалентно EXECUTE AS &lt;</a:t>
+            </a:r>
+            <a:r>
+              <a:rPr lang="ru-RU" sz="2000" dirty="0" err="1">
+                <a:solidFill>
+                  <a:schemeClr val="bg1"/>
+                </a:solidFill>
+              </a:rPr>
+              <a:t>имя_пользователя</a:t>
+            </a:r>
+            <a:r>
+              <a:rPr lang="ru-RU" sz="2000" dirty="0">
+                <a:solidFill>
+                  <a:schemeClr val="bg1"/>
+                </a:solidFill>
+              </a:rPr>
+              <a:t>&gt;, где указанный пользователь — это человек, создающий или изменяющий модуль. Фактический идентификатор пользователя, создающего или изменяющего модули</a:t>
             </a:r>
           </a:p>
         </p:txBody>
@@ -11274,7 +12785,7 @@
     </p:spTree>
     <p:extLst>
       <p:ext uri="{BB962C8B-B14F-4D97-AF65-F5344CB8AC3E}">
-        <p14:creationId xmlns:p14="http://schemas.microsoft.com/office/powerpoint/2010/main" val="3378984940"/>
+        <p14:creationId xmlns:p14="http://schemas.microsoft.com/office/powerpoint/2010/main" val="613718024"/>
       </p:ext>
     </p:extLst>
   </p:cSld>

--- a/Программирование.pptx
+++ b/Программирование.pptx
@@ -5,7 +5,7 @@
     <p:sldMasterId id="2147483662" r:id="rId1"/>
   </p:sldMasterIdLst>
   <p:notesMasterIdLst>
-    <p:notesMasterId r:id="rId28"/>
+    <p:notesMasterId r:id="rId29"/>
   </p:notesMasterIdLst>
   <p:sldIdLst>
     <p:sldId id="256" r:id="rId2"/>
@@ -14,64 +14,58 @@
     <p:sldId id="262" r:id="rId5"/>
     <p:sldId id="263" r:id="rId6"/>
     <p:sldId id="305" r:id="rId7"/>
-    <p:sldId id="306" r:id="rId8"/>
-    <p:sldId id="316" r:id="rId9"/>
-    <p:sldId id="317" r:id="rId10"/>
-    <p:sldId id="318" r:id="rId11"/>
-    <p:sldId id="307" r:id="rId12"/>
-    <p:sldId id="308" r:id="rId13"/>
-    <p:sldId id="319" r:id="rId14"/>
-    <p:sldId id="309" r:id="rId15"/>
-    <p:sldId id="310" r:id="rId16"/>
-    <p:sldId id="311" r:id="rId17"/>
-    <p:sldId id="312" r:id="rId18"/>
-    <p:sldId id="313" r:id="rId19"/>
-    <p:sldId id="314" r:id="rId20"/>
-    <p:sldId id="315" r:id="rId21"/>
-    <p:sldId id="275" r:id="rId22"/>
-    <p:sldId id="303" r:id="rId23"/>
-    <p:sldId id="304" r:id="rId24"/>
-    <p:sldId id="283" r:id="rId25"/>
-    <p:sldId id="289" r:id="rId26"/>
-    <p:sldId id="290" r:id="rId27"/>
+    <p:sldId id="320" r:id="rId8"/>
+    <p:sldId id="306" r:id="rId9"/>
+    <p:sldId id="316" r:id="rId10"/>
+    <p:sldId id="317" r:id="rId11"/>
+    <p:sldId id="318" r:id="rId12"/>
+    <p:sldId id="307" r:id="rId13"/>
+    <p:sldId id="308" r:id="rId14"/>
+    <p:sldId id="319" r:id="rId15"/>
+    <p:sldId id="309" r:id="rId16"/>
+    <p:sldId id="310" r:id="rId17"/>
+    <p:sldId id="311" r:id="rId18"/>
+    <p:sldId id="312" r:id="rId19"/>
+    <p:sldId id="313" r:id="rId20"/>
+    <p:sldId id="314" r:id="rId21"/>
+    <p:sldId id="315" r:id="rId22"/>
+    <p:sldId id="275" r:id="rId23"/>
+    <p:sldId id="303" r:id="rId24"/>
+    <p:sldId id="304" r:id="rId25"/>
+    <p:sldId id="283" r:id="rId26"/>
+    <p:sldId id="289" r:id="rId27"/>
+    <p:sldId id="290" r:id="rId28"/>
   </p:sldIdLst>
   <p:sldSz cx="9144000" cy="5143500" type="screen16x9"/>
   <p:notesSz cx="6858000" cy="9144000"/>
   <p:embeddedFontLst>
     <p:embeddedFont>
-      <p:font typeface="Calibri" panose="020F0502020204030204" pitchFamily="34" charset="0"/>
-      <p:regular r:id="rId29"/>
-      <p:bold r:id="rId30"/>
-      <p:italic r:id="rId31"/>
-      <p:boldItalic r:id="rId32"/>
-    </p:embeddedFont>
-    <p:embeddedFont>
       <p:font typeface="Consolas" panose="020B0609020204030204" pitchFamily="49" charset="0"/>
-      <p:regular r:id="rId33"/>
-      <p:bold r:id="rId34"/>
-      <p:italic r:id="rId35"/>
-      <p:boldItalic r:id="rId36"/>
+      <p:regular r:id="rId30"/>
+      <p:bold r:id="rId31"/>
+      <p:italic r:id="rId32"/>
+      <p:boldItalic r:id="rId33"/>
     </p:embeddedFont>
     <p:embeddedFont>
       <p:font typeface="Helvetica" panose="020B0604020202020204" pitchFamily="34" charset="0"/>
-      <p:regular r:id="rId37"/>
-      <p:bold r:id="rId38"/>
-      <p:italic r:id="rId39"/>
-      <p:boldItalic r:id="rId40"/>
+      <p:regular r:id="rId34"/>
+      <p:bold r:id="rId35"/>
+      <p:italic r:id="rId36"/>
+      <p:boldItalic r:id="rId37"/>
     </p:embeddedFont>
     <p:embeddedFont>
-      <p:font typeface="Roboto" pitchFamily="2" charset="0"/>
-      <p:regular r:id="rId41"/>
-      <p:bold r:id="rId42"/>
-      <p:italic r:id="rId43"/>
-      <p:boldItalic r:id="rId44"/>
+      <p:font typeface="Roboto" panose="02000000000000000000" pitchFamily="2" charset="0"/>
+      <p:regular r:id="rId38"/>
+      <p:bold r:id="rId39"/>
+      <p:italic r:id="rId40"/>
+      <p:boldItalic r:id="rId41"/>
     </p:embeddedFont>
     <p:embeddedFont>
       <p:font typeface="Segoe UI" panose="020B0502040204020203" pitchFamily="34" charset="0"/>
-      <p:regular r:id="rId45"/>
-      <p:bold r:id="rId46"/>
-      <p:italic r:id="rId47"/>
-      <p:boldItalic r:id="rId48"/>
+      <p:regular r:id="rId42"/>
+      <p:bold r:id="rId43"/>
+      <p:italic r:id="rId44"/>
+      <p:boldItalic r:id="rId45"/>
     </p:embeddedFont>
   </p:embeddedFontLst>
   <p:defaultTextStyle>
@@ -6627,7 +6621,7 @@
         <p:spPr>
           <a:xfrm>
             <a:off x="500550" y="1121824"/>
-            <a:ext cx="8412222" cy="2000548"/>
+            <a:ext cx="8412222" cy="1877437"/>
           </a:xfrm>
           <a:prstGeom prst="rect">
             <a:avLst/>
@@ -6646,14 +6640,14 @@
               </a:buClr>
             </a:pPr>
             <a:r>
-              <a:rPr lang="en-US" sz="4400" b="1" i="0" dirty="0">
+              <a:rPr lang="en-US" sz="3600" b="1" i="0" dirty="0">
                 <a:solidFill>
                   <a:srgbClr val="E6E6E6"/>
                 </a:solidFill>
                 <a:effectLst/>
                 <a:latin typeface="Segoe UI" panose="020B0502040204020203" pitchFamily="34" charset="0"/>
               </a:rPr>
-              <a:t>OWNER</a:t>
+              <a:t>SELF</a:t>
             </a:r>
             <a:endParaRPr lang="en-US" sz="2800" b="1" i="0" dirty="0">
               <a:solidFill>
@@ -6675,7 +6669,23 @@
                   <a:schemeClr val="bg1"/>
                 </a:solidFill>
               </a:rPr>
-              <a:t>Указывает, что инструкции внутри модуля выполняются в контексте текущего владельца модуля. Если у модуля не указан владелец, используется владелец схемы модуля. OWNER не может быть указан для триггеров DDL или входа в систему.</a:t>
+              <a:t>EXECUTE AS SELF эквивалентно EXECUTE AS &lt;</a:t>
+            </a:r>
+            <a:r>
+              <a:rPr lang="ru-RU" sz="2000" dirty="0" err="1">
+                <a:solidFill>
+                  <a:schemeClr val="bg1"/>
+                </a:solidFill>
+              </a:rPr>
+              <a:t>имя_пользователя</a:t>
+            </a:r>
+            <a:r>
+              <a:rPr lang="ru-RU" sz="2000" dirty="0">
+                <a:solidFill>
+                  <a:schemeClr val="bg1"/>
+                </a:solidFill>
+              </a:rPr>
+              <a:t>&gt;, где указанный пользователь — это человек, создающий или изменяющий модуль. Фактический идентификатор пользователя, создающего или изменяющего модули</a:t>
             </a:r>
           </a:p>
         </p:txBody>
@@ -6683,7 +6693,7 @@
     </p:spTree>
     <p:extLst>
       <p:ext uri="{BB962C8B-B14F-4D97-AF65-F5344CB8AC3E}">
-        <p14:creationId xmlns:p14="http://schemas.microsoft.com/office/powerpoint/2010/main" val="1484202929"/>
+        <p14:creationId xmlns:p14="http://schemas.microsoft.com/office/powerpoint/2010/main" val="613718024"/>
       </p:ext>
     </p:extLst>
   </p:cSld>
@@ -6715,7 +6725,7 @@
           <p:cNvPr id="2" name="Заголовок 1">
             <a:extLst>
               <a:ext uri="{FF2B5EF4-FFF2-40B4-BE49-F238E27FC236}">
-                <a16:creationId xmlns:a16="http://schemas.microsoft.com/office/drawing/2014/main" id="{83CFB57A-E367-5736-E05B-90420CF04FE1}"/>
+                <a16:creationId xmlns:a16="http://schemas.microsoft.com/office/drawing/2014/main" id="{6EAED64F-542A-B9C0-279C-7B8096D5C8F8}"/>
               </a:ext>
             </a:extLst>
           </p:cNvPr>
@@ -6732,9 +6742,10 @@
           <a:lstStyle/>
           <a:p>
             <a:r>
-              <a:rPr lang="ru-RU" dirty="0"/>
-              <a:t>Скалярные функции</a:t>
-            </a:r>
+              <a:rPr lang="en-US" dirty="0"/>
+              <a:t>EXECUTE AS</a:t>
+            </a:r>
+            <a:endParaRPr lang="ru-RU" dirty="0"/>
           </a:p>
         </p:txBody>
       </p:sp>
@@ -6743,7 +6754,7 @@
           <p:cNvPr id="3" name="TextBox 2">
             <a:extLst>
               <a:ext uri="{FF2B5EF4-FFF2-40B4-BE49-F238E27FC236}">
-                <a16:creationId xmlns:a16="http://schemas.microsoft.com/office/drawing/2014/main" id="{FA21A26B-3AB4-73D5-A63E-C9E7D54D6328}"/>
+                <a16:creationId xmlns:a16="http://schemas.microsoft.com/office/drawing/2014/main" id="{17FFCFB7-D104-FAA3-A6E2-F95FDE782645}"/>
               </a:ext>
             </a:extLst>
           </p:cNvPr>
@@ -6753,7 +6764,7 @@
         <p:spPr>
           <a:xfrm>
             <a:off x="500550" y="1121824"/>
-            <a:ext cx="8412222" cy="3477875"/>
+            <a:ext cx="8412222" cy="2000548"/>
           </a:xfrm>
           <a:prstGeom prst="rect">
             <a:avLst/>
@@ -6772,29 +6783,22 @@
               </a:buClr>
             </a:pPr>
             <a:r>
-              <a:rPr lang="ru-RU" sz="2000" dirty="0">
-                <a:solidFill>
-                  <a:schemeClr val="bg1"/>
-                </a:solidFill>
-              </a:rPr>
-              <a:t>Тип возвращаемого значения может быть любым типом данных, кроме текста, </a:t>
-            </a:r>
-            <a:r>
-              <a:rPr lang="ru-RU" sz="2000" dirty="0" err="1">
-                <a:solidFill>
-                  <a:schemeClr val="bg1"/>
-                </a:solidFill>
-              </a:rPr>
-              <a:t>ntext</a:t>
-            </a:r>
-            <a:r>
-              <a:rPr lang="ru-RU" sz="2000" dirty="0">
-                <a:solidFill>
-                  <a:schemeClr val="bg1"/>
-                </a:solidFill>
-              </a:rPr>
-              <a:t>, изображения, курсора и метки времени.</a:t>
-            </a:r>
+              <a:rPr lang="en-US" sz="4400" b="1" i="0" dirty="0">
+                <a:solidFill>
+                  <a:srgbClr val="E6E6E6"/>
+                </a:solidFill>
+                <a:effectLst/>
+                <a:latin typeface="Segoe UI" panose="020B0502040204020203" pitchFamily="34" charset="0"/>
+              </a:rPr>
+              <a:t>OWNER</a:t>
+            </a:r>
+            <a:endParaRPr lang="en-US" sz="2800" b="1" i="0" dirty="0">
+              <a:solidFill>
+                <a:srgbClr val="E6E6E6"/>
+              </a:solidFill>
+              <a:effectLst/>
+              <a:latin typeface="Segoe UI" panose="020B0502040204020203" pitchFamily="34" charset="0"/>
+            </a:endParaRPr>
           </a:p>
           <a:p>
             <a:pPr>
@@ -6803,60 +6807,12 @@
               </a:buClr>
             </a:pPr>
             <a:r>
-              <a:rPr lang="ru-RU" sz="2000" b="1" dirty="0">
-                <a:solidFill>
-                  <a:schemeClr val="bg1"/>
-                </a:solidFill>
-              </a:rPr>
-              <a:t>Ограничения</a:t>
-            </a:r>
-          </a:p>
-          <a:p>
-            <a:pPr marL="457200" indent="-457200">
-              <a:buClr>
-                <a:schemeClr val="bg1"/>
-              </a:buClr>
-              <a:buAutoNum type="arabicPeriod"/>
-            </a:pPr>
-            <a:r>
               <a:rPr lang="ru-RU" sz="2000" dirty="0">
                 <a:solidFill>
                   <a:schemeClr val="bg1"/>
                 </a:solidFill>
               </a:rPr>
-              <a:t>Пользовательские функции не могут возвращать несколько наборов результатов. Используйте хранимую процедуру, если вам нужно вернуть несколько наборов результатов.</a:t>
-            </a:r>
-          </a:p>
-          <a:p>
-            <a:pPr marL="457200" indent="-457200">
-              <a:buClr>
-                <a:schemeClr val="bg1"/>
-              </a:buClr>
-              <a:buAutoNum type="arabicPeriod"/>
-            </a:pPr>
-            <a:r>
-              <a:rPr lang="ru-RU" sz="2000" dirty="0">
-                <a:solidFill>
-                  <a:schemeClr val="bg1"/>
-                </a:solidFill>
-              </a:rPr>
-              <a:t>Обработка ошибок ограничена в определяемой пользователем функции. UDF не поддерживает TRY...CATCH, @ERROR или RAISERROR.</a:t>
-            </a:r>
-          </a:p>
-          <a:p>
-            <a:pPr marL="457200" indent="-457200">
-              <a:buClr>
-                <a:schemeClr val="bg1"/>
-              </a:buClr>
-              <a:buAutoNum type="arabicPeriod"/>
-            </a:pPr>
-            <a:r>
-              <a:rPr lang="ru-RU" sz="2000" dirty="0">
-                <a:solidFill>
-                  <a:schemeClr val="bg1"/>
-                </a:solidFill>
-              </a:rPr>
-              <a:t>Пользовательские функции не могут вызывать хранимую процедуру.</a:t>
+              <a:t>Указывает, что инструкции внутри модуля выполняются в контексте текущего владельца модуля. Если у модуля не указан владелец, используется владелец схемы модуля. OWNER не может быть указан для триггеров DDL или входа в систему.</a:t>
             </a:r>
           </a:p>
         </p:txBody>
@@ -6864,7 +6820,7 @@
     </p:spTree>
     <p:extLst>
       <p:ext uri="{BB962C8B-B14F-4D97-AF65-F5344CB8AC3E}">
-        <p14:creationId xmlns:p14="http://schemas.microsoft.com/office/powerpoint/2010/main" val="334374826"/>
+        <p14:creationId xmlns:p14="http://schemas.microsoft.com/office/powerpoint/2010/main" val="1484202929"/>
       </p:ext>
     </p:extLst>
   </p:cSld>
@@ -6934,6 +6890,187 @@
         <p:spPr>
           <a:xfrm>
             <a:off x="500550" y="1121824"/>
+            <a:ext cx="8412222" cy="3477875"/>
+          </a:xfrm>
+          <a:prstGeom prst="rect">
+            <a:avLst/>
+          </a:prstGeom>
+          <a:noFill/>
+        </p:spPr>
+        <p:txBody>
+          <a:bodyPr wrap="square" rtlCol="0">
+            <a:spAutoFit/>
+          </a:bodyPr>
+          <a:lstStyle/>
+          <a:p>
+            <a:pPr>
+              <a:buClr>
+                <a:schemeClr val="bg1"/>
+              </a:buClr>
+            </a:pPr>
+            <a:r>
+              <a:rPr lang="ru-RU" sz="2000" dirty="0">
+                <a:solidFill>
+                  <a:schemeClr val="bg1"/>
+                </a:solidFill>
+              </a:rPr>
+              <a:t>Тип возвращаемого значения может быть любым типом данных, кроме текста, </a:t>
+            </a:r>
+            <a:r>
+              <a:rPr lang="ru-RU" sz="2000" dirty="0" err="1">
+                <a:solidFill>
+                  <a:schemeClr val="bg1"/>
+                </a:solidFill>
+              </a:rPr>
+              <a:t>ntext</a:t>
+            </a:r>
+            <a:r>
+              <a:rPr lang="ru-RU" sz="2000" dirty="0">
+                <a:solidFill>
+                  <a:schemeClr val="bg1"/>
+                </a:solidFill>
+              </a:rPr>
+              <a:t>, изображения, курсора и метки времени.</a:t>
+            </a:r>
+          </a:p>
+          <a:p>
+            <a:pPr>
+              <a:buClr>
+                <a:schemeClr val="bg1"/>
+              </a:buClr>
+            </a:pPr>
+            <a:r>
+              <a:rPr lang="ru-RU" sz="2000" b="1" dirty="0">
+                <a:solidFill>
+                  <a:schemeClr val="bg1"/>
+                </a:solidFill>
+              </a:rPr>
+              <a:t>Ограничения</a:t>
+            </a:r>
+          </a:p>
+          <a:p>
+            <a:pPr marL="457200" indent="-457200">
+              <a:buClr>
+                <a:schemeClr val="bg1"/>
+              </a:buClr>
+              <a:buAutoNum type="arabicPeriod"/>
+            </a:pPr>
+            <a:r>
+              <a:rPr lang="ru-RU" sz="2000" dirty="0">
+                <a:solidFill>
+                  <a:schemeClr val="bg1"/>
+                </a:solidFill>
+              </a:rPr>
+              <a:t>Пользовательские функции не могут возвращать несколько наборов результатов. Используйте хранимую процедуру, если вам нужно вернуть несколько наборов результатов.</a:t>
+            </a:r>
+          </a:p>
+          <a:p>
+            <a:pPr marL="457200" indent="-457200">
+              <a:buClr>
+                <a:schemeClr val="bg1"/>
+              </a:buClr>
+              <a:buAutoNum type="arabicPeriod"/>
+            </a:pPr>
+            <a:r>
+              <a:rPr lang="ru-RU" sz="2000" dirty="0">
+                <a:solidFill>
+                  <a:schemeClr val="bg1"/>
+                </a:solidFill>
+              </a:rPr>
+              <a:t>Обработка ошибок ограничена в определяемой пользователем функции. UDF не поддерживает TRY...CATCH, @ERROR или RAISERROR.</a:t>
+            </a:r>
+          </a:p>
+          <a:p>
+            <a:pPr marL="457200" indent="-457200">
+              <a:buClr>
+                <a:schemeClr val="bg1"/>
+              </a:buClr>
+              <a:buAutoNum type="arabicPeriod"/>
+            </a:pPr>
+            <a:r>
+              <a:rPr lang="ru-RU" sz="2000" dirty="0">
+                <a:solidFill>
+                  <a:schemeClr val="bg1"/>
+                </a:solidFill>
+              </a:rPr>
+              <a:t>Пользовательские функции не могут вызывать хранимую процедуру.</a:t>
+            </a:r>
+          </a:p>
+        </p:txBody>
+      </p:sp>
+    </p:spTree>
+    <p:extLst>
+      <p:ext uri="{BB962C8B-B14F-4D97-AF65-F5344CB8AC3E}">
+        <p14:creationId xmlns:p14="http://schemas.microsoft.com/office/powerpoint/2010/main" val="334374826"/>
+      </p:ext>
+    </p:extLst>
+  </p:cSld>
+  <p:clrMapOvr>
+    <a:masterClrMapping/>
+  </p:clrMapOvr>
+</p:sld>
+</file>
+
+<file path=ppt/slides/slide13.xml><?xml version="1.0" encoding="utf-8"?>
+<p:sld xmlns:a="http://schemas.openxmlformats.org/drawingml/2006/main" xmlns:r="http://schemas.openxmlformats.org/officeDocument/2006/relationships" xmlns:p="http://schemas.openxmlformats.org/presentationml/2006/main">
+  <p:cSld>
+    <p:spTree>
+      <p:nvGrpSpPr>
+        <p:cNvPr id="1" name=""/>
+        <p:cNvGrpSpPr/>
+        <p:nvPr/>
+      </p:nvGrpSpPr>
+      <p:grpSpPr>
+        <a:xfrm>
+          <a:off x="0" y="0"/>
+          <a:ext cx="0" cy="0"/>
+          <a:chOff x="0" y="0"/>
+          <a:chExt cx="0" cy="0"/>
+        </a:xfrm>
+      </p:grpSpPr>
+      <p:sp>
+        <p:nvSpPr>
+          <p:cNvPr id="2" name="Заголовок 1">
+            <a:extLst>
+              <a:ext uri="{FF2B5EF4-FFF2-40B4-BE49-F238E27FC236}">
+                <a16:creationId xmlns:a16="http://schemas.microsoft.com/office/drawing/2014/main" id="{83CFB57A-E367-5736-E05B-90420CF04FE1}"/>
+              </a:ext>
+            </a:extLst>
+          </p:cNvPr>
+          <p:cNvSpPr>
+            <a:spLocks noGrp="1"/>
+          </p:cNvSpPr>
+          <p:nvPr>
+            <p:ph type="title"/>
+          </p:nvPr>
+        </p:nvSpPr>
+        <p:spPr/>
+        <p:txBody>
+          <a:bodyPr/>
+          <a:lstStyle/>
+          <a:p>
+            <a:r>
+              <a:rPr lang="ru-RU" dirty="0"/>
+              <a:t>Скалярные функции</a:t>
+            </a:r>
+          </a:p>
+        </p:txBody>
+      </p:sp>
+      <p:sp>
+        <p:nvSpPr>
+          <p:cNvPr id="3" name="TextBox 2">
+            <a:extLst>
+              <a:ext uri="{FF2B5EF4-FFF2-40B4-BE49-F238E27FC236}">
+                <a16:creationId xmlns:a16="http://schemas.microsoft.com/office/drawing/2014/main" id="{FA21A26B-3AB4-73D5-A63E-C9E7D54D6328}"/>
+              </a:ext>
+            </a:extLst>
+          </p:cNvPr>
+          <p:cNvSpPr txBox="1"/>
+          <p:nvPr/>
+        </p:nvSpPr>
+        <p:spPr>
+          <a:xfrm>
+            <a:off x="500550" y="1121824"/>
             <a:ext cx="8412222" cy="1938992"/>
           </a:xfrm>
           <a:prstGeom prst="rect">
@@ -7018,7 +7155,7 @@
 </p:sld>
 </file>
 
-<file path=ppt/slides/slide13.xml><?xml version="1.0" encoding="utf-8"?>
+<file path=ppt/slides/slide14.xml><?xml version="1.0" encoding="utf-8"?>
 <p:sld xmlns:a="http://schemas.openxmlformats.org/drawingml/2006/main" xmlns:r="http://schemas.openxmlformats.org/officeDocument/2006/relationships" xmlns:p="http://schemas.openxmlformats.org/presentationml/2006/main">
   <p:cSld>
     <p:spTree>
@@ -7330,7 +7467,7 @@
 </p:sld>
 </file>
 
-<file path=ppt/slides/slide14.xml><?xml version="1.0" encoding="utf-8"?>
+<file path=ppt/slides/slide15.xml><?xml version="1.0" encoding="utf-8"?>
 <p:sld xmlns:a="http://schemas.openxmlformats.org/drawingml/2006/main" xmlns:r="http://schemas.openxmlformats.org/officeDocument/2006/relationships" xmlns:p="http://schemas.openxmlformats.org/presentationml/2006/main">
   <p:cSld>
     <p:spTree>
@@ -7846,653 +7983,6 @@
     <p:extLst>
       <p:ext uri="{BB962C8B-B14F-4D97-AF65-F5344CB8AC3E}">
         <p14:creationId xmlns:p14="http://schemas.microsoft.com/office/powerpoint/2010/main" val="3862114052"/>
-      </p:ext>
-    </p:extLst>
-  </p:cSld>
-  <p:clrMapOvr>
-    <a:masterClrMapping/>
-  </p:clrMapOvr>
-</p:sld>
-</file>
-
-<file path=ppt/slides/slide15.xml><?xml version="1.0" encoding="utf-8"?>
-<p:sld xmlns:a="http://schemas.openxmlformats.org/drawingml/2006/main" xmlns:r="http://schemas.openxmlformats.org/officeDocument/2006/relationships" xmlns:p="http://schemas.openxmlformats.org/presentationml/2006/main">
-  <p:cSld>
-    <p:spTree>
-      <p:nvGrpSpPr>
-        <p:cNvPr id="1" name=""/>
-        <p:cNvGrpSpPr/>
-        <p:nvPr/>
-      </p:nvGrpSpPr>
-      <p:grpSpPr>
-        <a:xfrm>
-          <a:off x="0" y="0"/>
-          <a:ext cx="0" cy="0"/>
-          <a:chOff x="0" y="0"/>
-          <a:chExt cx="0" cy="0"/>
-        </a:xfrm>
-      </p:grpSpPr>
-      <p:sp>
-        <p:nvSpPr>
-          <p:cNvPr id="2" name="Заголовок 1">
-            <a:extLst>
-              <a:ext uri="{FF2B5EF4-FFF2-40B4-BE49-F238E27FC236}">
-                <a16:creationId xmlns:a16="http://schemas.microsoft.com/office/drawing/2014/main" id="{00A06823-A40C-3486-CDD6-004A156AEFD0}"/>
-              </a:ext>
-            </a:extLst>
-          </p:cNvPr>
-          <p:cNvSpPr>
-            <a:spLocks noGrp="1"/>
-          </p:cNvSpPr>
-          <p:nvPr>
-            <p:ph type="title"/>
-          </p:nvPr>
-        </p:nvSpPr>
-        <p:spPr/>
-        <p:txBody>
-          <a:bodyPr/>
-          <a:lstStyle/>
-          <a:p>
-            <a:r>
-              <a:rPr lang="en-US" dirty="0"/>
-              <a:t>Multi-statement </a:t>
-            </a:r>
-            <a:r>
-              <a:rPr lang="en-US" b="1" i="0" dirty="0">
-                <a:solidFill>
-                  <a:srgbClr val="E6E6E6"/>
-                </a:solidFill>
-                <a:effectLst/>
-                <a:latin typeface="Segoe UI" panose="020B0502040204020203" pitchFamily="34" charset="0"/>
-              </a:rPr>
-              <a:t>table-valued function</a:t>
-            </a:r>
-            <a:endParaRPr lang="ru-RU" dirty="0"/>
-          </a:p>
-        </p:txBody>
-      </p:sp>
-      <p:sp>
-        <p:nvSpPr>
-          <p:cNvPr id="4" name="TextBox 3">
-            <a:extLst>
-              <a:ext uri="{FF2B5EF4-FFF2-40B4-BE49-F238E27FC236}">
-                <a16:creationId xmlns:a16="http://schemas.microsoft.com/office/drawing/2014/main" id="{0C857CA8-834F-07F1-8566-117517AE008D}"/>
-              </a:ext>
-            </a:extLst>
-          </p:cNvPr>
-          <p:cNvSpPr txBox="1"/>
-          <p:nvPr/>
-        </p:nvSpPr>
-        <p:spPr>
-          <a:xfrm>
-            <a:off x="500550" y="878674"/>
-            <a:ext cx="8643450" cy="4324261"/>
-          </a:xfrm>
-          <a:prstGeom prst="rect">
-            <a:avLst/>
-          </a:prstGeom>
-          <a:noFill/>
-        </p:spPr>
-        <p:txBody>
-          <a:bodyPr wrap="square">
-            <a:spAutoFit/>
-          </a:bodyPr>
-          <a:lstStyle/>
-          <a:p>
-            <a:r>
-              <a:rPr lang="en-US" sz="1100" dirty="0">
-                <a:solidFill>
-                  <a:schemeClr val="bg1"/>
-                </a:solidFill>
-                <a:latin typeface="Courier New" panose="02070309020205020404" pitchFamily="49" charset="0"/>
-                <a:cs typeface="Courier New" panose="02070309020205020404" pitchFamily="49" charset="0"/>
-              </a:rPr>
-              <a:t>CREATE FUNCTION </a:t>
-            </a:r>
-            <a:r>
-              <a:rPr lang="en-US" sz="1100" dirty="0" err="1">
-                <a:solidFill>
-                  <a:schemeClr val="bg1"/>
-                </a:solidFill>
-                <a:latin typeface="Courier New" panose="02070309020205020404" pitchFamily="49" charset="0"/>
-                <a:cs typeface="Courier New" panose="02070309020205020404" pitchFamily="49" charset="0"/>
-              </a:rPr>
-              <a:t>dbo.fMultyStatementExample</a:t>
-            </a:r>
-            <a:r>
-              <a:rPr lang="en-US" sz="1100" dirty="0">
-                <a:solidFill>
-                  <a:schemeClr val="bg1"/>
-                </a:solidFill>
-                <a:latin typeface="Courier New" panose="02070309020205020404" pitchFamily="49" charset="0"/>
-                <a:cs typeface="Courier New" panose="02070309020205020404" pitchFamily="49" charset="0"/>
-              </a:rPr>
-              <a:t>(@Size NVARCHAR(20))</a:t>
-            </a:r>
-          </a:p>
-          <a:p>
-            <a:r>
-              <a:rPr lang="en-US" sz="1100" dirty="0">
-                <a:solidFill>
-                  <a:schemeClr val="bg1"/>
-                </a:solidFill>
-                <a:latin typeface="Courier New" panose="02070309020205020404" pitchFamily="49" charset="0"/>
-                <a:cs typeface="Courier New" panose="02070309020205020404" pitchFamily="49" charset="0"/>
-              </a:rPr>
-              <a:t>RETURNS @TableExample TABLE</a:t>
-            </a:r>
-          </a:p>
-          <a:p>
-            <a:r>
-              <a:rPr lang="en-US" sz="1100" dirty="0">
-                <a:solidFill>
-                  <a:schemeClr val="bg1"/>
-                </a:solidFill>
-                <a:latin typeface="Courier New" panose="02070309020205020404" pitchFamily="49" charset="0"/>
-                <a:cs typeface="Courier New" panose="02070309020205020404" pitchFamily="49" charset="0"/>
-              </a:rPr>
-              <a:t>(</a:t>
-            </a:r>
-          </a:p>
-          <a:p>
-            <a:r>
-              <a:rPr lang="en-US" sz="1100" dirty="0">
-                <a:solidFill>
-                  <a:schemeClr val="bg1"/>
-                </a:solidFill>
-                <a:latin typeface="Courier New" panose="02070309020205020404" pitchFamily="49" charset="0"/>
-                <a:cs typeface="Courier New" panose="02070309020205020404" pitchFamily="49" charset="0"/>
-              </a:rPr>
-              <a:t>    </a:t>
-            </a:r>
-            <a:r>
-              <a:rPr lang="en-US" sz="1100" dirty="0" err="1">
-                <a:solidFill>
-                  <a:schemeClr val="bg1"/>
-                </a:solidFill>
-                <a:latin typeface="Courier New" panose="02070309020205020404" pitchFamily="49" charset="0"/>
-                <a:cs typeface="Courier New" panose="02070309020205020404" pitchFamily="49" charset="0"/>
-              </a:rPr>
-              <a:t>StockItemID</a:t>
-            </a:r>
-            <a:r>
-              <a:rPr lang="en-US" sz="1100" dirty="0">
-                <a:solidFill>
-                  <a:schemeClr val="bg1"/>
-                </a:solidFill>
-                <a:latin typeface="Courier New" panose="02070309020205020404" pitchFamily="49" charset="0"/>
-                <a:cs typeface="Courier New" panose="02070309020205020404" pitchFamily="49" charset="0"/>
-              </a:rPr>
-              <a:t> INT</a:t>
-            </a:r>
-          </a:p>
-          <a:p>
-            <a:r>
-              <a:rPr lang="en-US" sz="1100" dirty="0">
-                <a:solidFill>
-                  <a:schemeClr val="bg1"/>
-                </a:solidFill>
-                <a:latin typeface="Courier New" panose="02070309020205020404" pitchFamily="49" charset="0"/>
-                <a:cs typeface="Courier New" panose="02070309020205020404" pitchFamily="49" charset="0"/>
-              </a:rPr>
-              <a:t>  , Brand NVARCHAR(50)</a:t>
-            </a:r>
-          </a:p>
-          <a:p>
-            <a:r>
-              <a:rPr lang="en-US" sz="1100" dirty="0">
-                <a:solidFill>
-                  <a:schemeClr val="bg1"/>
-                </a:solidFill>
-                <a:latin typeface="Courier New" panose="02070309020205020404" pitchFamily="49" charset="0"/>
-                <a:cs typeface="Courier New" panose="02070309020205020404" pitchFamily="49" charset="0"/>
-              </a:rPr>
-              <a:t>  , Color NVARCHAR(20)</a:t>
-            </a:r>
-          </a:p>
-          <a:p>
-            <a:r>
-              <a:rPr lang="en-US" sz="1100" dirty="0">
-                <a:solidFill>
-                  <a:schemeClr val="bg1"/>
-                </a:solidFill>
-                <a:latin typeface="Courier New" panose="02070309020205020404" pitchFamily="49" charset="0"/>
-                <a:cs typeface="Courier New" panose="02070309020205020404" pitchFamily="49" charset="0"/>
-              </a:rPr>
-              <a:t>  , </a:t>
-            </a:r>
-            <a:r>
-              <a:rPr lang="en-US" sz="1100" dirty="0" err="1">
-                <a:solidFill>
-                  <a:schemeClr val="bg1"/>
-                </a:solidFill>
-                <a:latin typeface="Courier New" panose="02070309020205020404" pitchFamily="49" charset="0"/>
-                <a:cs typeface="Courier New" panose="02070309020205020404" pitchFamily="49" charset="0"/>
-              </a:rPr>
-              <a:t>UnitPrice</a:t>
-            </a:r>
-            <a:r>
-              <a:rPr lang="en-US" sz="1100" dirty="0">
-                <a:solidFill>
-                  <a:schemeClr val="bg1"/>
-                </a:solidFill>
-                <a:latin typeface="Courier New" panose="02070309020205020404" pitchFamily="49" charset="0"/>
-                <a:cs typeface="Courier New" panose="02070309020205020404" pitchFamily="49" charset="0"/>
-              </a:rPr>
-              <a:t> DECIMAL(18, 2)</a:t>
-            </a:r>
-          </a:p>
-          <a:p>
-            <a:r>
-              <a:rPr lang="en-US" sz="1100" dirty="0">
-                <a:solidFill>
-                  <a:schemeClr val="bg1"/>
-                </a:solidFill>
-                <a:latin typeface="Courier New" panose="02070309020205020404" pitchFamily="49" charset="0"/>
-                <a:cs typeface="Courier New" panose="02070309020205020404" pitchFamily="49" charset="0"/>
-              </a:rPr>
-              <a:t>)</a:t>
-            </a:r>
-          </a:p>
-          <a:p>
-            <a:r>
-              <a:rPr lang="en-US" sz="1100" dirty="0">
-                <a:solidFill>
-                  <a:schemeClr val="bg1"/>
-                </a:solidFill>
-                <a:latin typeface="Courier New" panose="02070309020205020404" pitchFamily="49" charset="0"/>
-                <a:cs typeface="Courier New" panose="02070309020205020404" pitchFamily="49" charset="0"/>
-              </a:rPr>
-              <a:t>AS</a:t>
-            </a:r>
-          </a:p>
-          <a:p>
-            <a:r>
-              <a:rPr lang="en-US" sz="1100" dirty="0">
-                <a:solidFill>
-                  <a:schemeClr val="bg1"/>
-                </a:solidFill>
-                <a:latin typeface="Courier New" panose="02070309020205020404" pitchFamily="49" charset="0"/>
-                <a:cs typeface="Courier New" panose="02070309020205020404" pitchFamily="49" charset="0"/>
-              </a:rPr>
-              <a:t>BEGIN</a:t>
-            </a:r>
-          </a:p>
-          <a:p>
-            <a:r>
-              <a:rPr lang="en-US" sz="1100" dirty="0">
-                <a:solidFill>
-                  <a:schemeClr val="bg1"/>
-                </a:solidFill>
-                <a:latin typeface="Courier New" panose="02070309020205020404" pitchFamily="49" charset="0"/>
-                <a:cs typeface="Courier New" panose="02070309020205020404" pitchFamily="49" charset="0"/>
-              </a:rPr>
-              <a:t>    DECLARE @AVG DECIMAL(18, 2);</a:t>
-            </a:r>
-          </a:p>
-          <a:p>
-            <a:r>
-              <a:rPr lang="en-US" sz="1100" dirty="0">
-                <a:solidFill>
-                  <a:schemeClr val="bg1"/>
-                </a:solidFill>
-                <a:latin typeface="Courier New" panose="02070309020205020404" pitchFamily="49" charset="0"/>
-                <a:cs typeface="Courier New" panose="02070309020205020404" pitchFamily="49" charset="0"/>
-              </a:rPr>
-              <a:t>    SET @AVG = </a:t>
-            </a:r>
-            <a:r>
-              <a:rPr lang="en-US" sz="1100" dirty="0" err="1">
-                <a:solidFill>
-                  <a:schemeClr val="bg1"/>
-                </a:solidFill>
-                <a:latin typeface="Courier New" panose="02070309020205020404" pitchFamily="49" charset="0"/>
-                <a:cs typeface="Courier New" panose="02070309020205020404" pitchFamily="49" charset="0"/>
-              </a:rPr>
-              <a:t>dbo.fGetAveragePrice</a:t>
-            </a:r>
-            <a:r>
-              <a:rPr lang="en-US" sz="1100" dirty="0">
-                <a:solidFill>
-                  <a:schemeClr val="bg1"/>
-                </a:solidFill>
-                <a:latin typeface="Courier New" panose="02070309020205020404" pitchFamily="49" charset="0"/>
-                <a:cs typeface="Courier New" panose="02070309020205020404" pitchFamily="49" charset="0"/>
-              </a:rPr>
-              <a:t>(@Size);</a:t>
-            </a:r>
-          </a:p>
-          <a:p>
-            <a:endParaRPr lang="en-US" sz="1100" dirty="0">
-              <a:solidFill>
-                <a:schemeClr val="bg1"/>
-              </a:solidFill>
-              <a:latin typeface="Courier New" panose="02070309020205020404" pitchFamily="49" charset="0"/>
-              <a:cs typeface="Courier New" panose="02070309020205020404" pitchFamily="49" charset="0"/>
-            </a:endParaRPr>
-          </a:p>
-          <a:p>
-            <a:r>
-              <a:rPr lang="en-US" sz="1100" dirty="0">
-                <a:solidFill>
-                  <a:schemeClr val="bg1"/>
-                </a:solidFill>
-                <a:latin typeface="Courier New" panose="02070309020205020404" pitchFamily="49" charset="0"/>
-                <a:cs typeface="Courier New" panose="02070309020205020404" pitchFamily="49" charset="0"/>
-              </a:rPr>
-              <a:t>    INSERT INTO @TableExample</a:t>
-            </a:r>
-          </a:p>
-          <a:p>
-            <a:r>
-              <a:rPr lang="en-US" sz="1100" dirty="0">
-                <a:solidFill>
-                  <a:schemeClr val="bg1"/>
-                </a:solidFill>
-                <a:latin typeface="Courier New" panose="02070309020205020404" pitchFamily="49" charset="0"/>
-                <a:cs typeface="Courier New" panose="02070309020205020404" pitchFamily="49" charset="0"/>
-              </a:rPr>
-              <a:t>    SELECT </a:t>
-            </a:r>
-            <a:r>
-              <a:rPr lang="en-US" sz="1100" dirty="0" err="1">
-                <a:solidFill>
-                  <a:schemeClr val="bg1"/>
-                </a:solidFill>
-                <a:latin typeface="Courier New" panose="02070309020205020404" pitchFamily="49" charset="0"/>
-                <a:cs typeface="Courier New" panose="02070309020205020404" pitchFamily="49" charset="0"/>
-              </a:rPr>
-              <a:t>s.StockItemID</a:t>
-            </a:r>
-            <a:endParaRPr lang="en-US" sz="1100" dirty="0">
-              <a:solidFill>
-                <a:schemeClr val="bg1"/>
-              </a:solidFill>
-              <a:latin typeface="Courier New" panose="02070309020205020404" pitchFamily="49" charset="0"/>
-              <a:cs typeface="Courier New" panose="02070309020205020404" pitchFamily="49" charset="0"/>
-            </a:endParaRPr>
-          </a:p>
-          <a:p>
-            <a:r>
-              <a:rPr lang="en-US" sz="1100" dirty="0">
-                <a:solidFill>
-                  <a:schemeClr val="bg1"/>
-                </a:solidFill>
-                <a:latin typeface="Courier New" panose="02070309020205020404" pitchFamily="49" charset="0"/>
-                <a:cs typeface="Courier New" panose="02070309020205020404" pitchFamily="49" charset="0"/>
-              </a:rPr>
-              <a:t>         , </a:t>
-            </a:r>
-            <a:r>
-              <a:rPr lang="en-US" sz="1100" dirty="0" err="1">
-                <a:solidFill>
-                  <a:schemeClr val="bg1"/>
-                </a:solidFill>
-                <a:latin typeface="Courier New" panose="02070309020205020404" pitchFamily="49" charset="0"/>
-                <a:cs typeface="Courier New" panose="02070309020205020404" pitchFamily="49" charset="0"/>
-              </a:rPr>
-              <a:t>s.Brand</a:t>
-            </a:r>
-            <a:endParaRPr lang="en-US" sz="1100" dirty="0">
-              <a:solidFill>
-                <a:schemeClr val="bg1"/>
-              </a:solidFill>
-              <a:latin typeface="Courier New" panose="02070309020205020404" pitchFamily="49" charset="0"/>
-              <a:cs typeface="Courier New" panose="02070309020205020404" pitchFamily="49" charset="0"/>
-            </a:endParaRPr>
-          </a:p>
-          <a:p>
-            <a:r>
-              <a:rPr lang="en-US" sz="1100" dirty="0">
-                <a:solidFill>
-                  <a:schemeClr val="bg1"/>
-                </a:solidFill>
-                <a:latin typeface="Courier New" panose="02070309020205020404" pitchFamily="49" charset="0"/>
-                <a:cs typeface="Courier New" panose="02070309020205020404" pitchFamily="49" charset="0"/>
-              </a:rPr>
-              <a:t>         , </a:t>
-            </a:r>
-            <a:r>
-              <a:rPr lang="en-US" sz="1100" dirty="0" err="1">
-                <a:solidFill>
-                  <a:schemeClr val="bg1"/>
-                </a:solidFill>
-                <a:latin typeface="Courier New" panose="02070309020205020404" pitchFamily="49" charset="0"/>
-                <a:cs typeface="Courier New" panose="02070309020205020404" pitchFamily="49" charset="0"/>
-              </a:rPr>
-              <a:t>c.ColorName</a:t>
-            </a:r>
-            <a:r>
-              <a:rPr lang="en-US" sz="1100" dirty="0">
-                <a:solidFill>
-                  <a:schemeClr val="bg1"/>
-                </a:solidFill>
-                <a:latin typeface="Courier New" panose="02070309020205020404" pitchFamily="49" charset="0"/>
-                <a:cs typeface="Courier New" panose="02070309020205020404" pitchFamily="49" charset="0"/>
-              </a:rPr>
-              <a:t> AS Color</a:t>
-            </a:r>
-          </a:p>
-          <a:p>
-            <a:r>
-              <a:rPr lang="en-US" sz="1100" dirty="0">
-                <a:solidFill>
-                  <a:schemeClr val="bg1"/>
-                </a:solidFill>
-                <a:latin typeface="Courier New" panose="02070309020205020404" pitchFamily="49" charset="0"/>
-                <a:cs typeface="Courier New" panose="02070309020205020404" pitchFamily="49" charset="0"/>
-              </a:rPr>
-              <a:t>         , </a:t>
-            </a:r>
-            <a:r>
-              <a:rPr lang="en-US" sz="1100" dirty="0" err="1">
-                <a:solidFill>
-                  <a:schemeClr val="bg1"/>
-                </a:solidFill>
-                <a:latin typeface="Courier New" panose="02070309020205020404" pitchFamily="49" charset="0"/>
-                <a:cs typeface="Courier New" panose="02070309020205020404" pitchFamily="49" charset="0"/>
-              </a:rPr>
-              <a:t>s.UnitPrice</a:t>
-            </a:r>
-            <a:endParaRPr lang="en-US" sz="1100" dirty="0">
-              <a:solidFill>
-                <a:schemeClr val="bg1"/>
-              </a:solidFill>
-              <a:latin typeface="Courier New" panose="02070309020205020404" pitchFamily="49" charset="0"/>
-              <a:cs typeface="Courier New" panose="02070309020205020404" pitchFamily="49" charset="0"/>
-            </a:endParaRPr>
-          </a:p>
-          <a:p>
-            <a:r>
-              <a:rPr lang="en-US" sz="1100" dirty="0">
-                <a:solidFill>
-                  <a:schemeClr val="bg1"/>
-                </a:solidFill>
-                <a:latin typeface="Courier New" panose="02070309020205020404" pitchFamily="49" charset="0"/>
-                <a:cs typeface="Courier New" panose="02070309020205020404" pitchFamily="49" charset="0"/>
-              </a:rPr>
-              <a:t>    FROM </a:t>
-            </a:r>
-            <a:r>
-              <a:rPr lang="en-US" sz="1100" dirty="0" err="1">
-                <a:solidFill>
-                  <a:schemeClr val="bg1"/>
-                </a:solidFill>
-                <a:latin typeface="Courier New" panose="02070309020205020404" pitchFamily="49" charset="0"/>
-                <a:cs typeface="Courier New" panose="02070309020205020404" pitchFamily="49" charset="0"/>
-              </a:rPr>
-              <a:t>Warehouse.StockItems</a:t>
-            </a:r>
-            <a:r>
-              <a:rPr lang="en-US" sz="1100" dirty="0">
-                <a:solidFill>
-                  <a:schemeClr val="bg1"/>
-                </a:solidFill>
-                <a:latin typeface="Courier New" panose="02070309020205020404" pitchFamily="49" charset="0"/>
-                <a:cs typeface="Courier New" panose="02070309020205020404" pitchFamily="49" charset="0"/>
-              </a:rPr>
-              <a:t> s</a:t>
-            </a:r>
-          </a:p>
-          <a:p>
-            <a:r>
-              <a:rPr lang="en-US" sz="1100" dirty="0">
-                <a:solidFill>
-                  <a:schemeClr val="bg1"/>
-                </a:solidFill>
-                <a:latin typeface="Courier New" panose="02070309020205020404" pitchFamily="49" charset="0"/>
-                <a:cs typeface="Courier New" panose="02070309020205020404" pitchFamily="49" charset="0"/>
-              </a:rPr>
-              <a:t>    INNER JOIN </a:t>
-            </a:r>
-            <a:r>
-              <a:rPr lang="en-US" sz="1100" dirty="0" err="1">
-                <a:solidFill>
-                  <a:schemeClr val="bg1"/>
-                </a:solidFill>
-                <a:latin typeface="Courier New" panose="02070309020205020404" pitchFamily="49" charset="0"/>
-                <a:cs typeface="Courier New" panose="02070309020205020404" pitchFamily="49" charset="0"/>
-              </a:rPr>
-              <a:t>Warehouse.Colors</a:t>
-            </a:r>
-            <a:r>
-              <a:rPr lang="en-US" sz="1100" dirty="0">
-                <a:solidFill>
-                  <a:schemeClr val="bg1"/>
-                </a:solidFill>
-                <a:latin typeface="Courier New" panose="02070309020205020404" pitchFamily="49" charset="0"/>
-                <a:cs typeface="Courier New" panose="02070309020205020404" pitchFamily="49" charset="0"/>
-              </a:rPr>
-              <a:t> c</a:t>
-            </a:r>
-          </a:p>
-          <a:p>
-            <a:r>
-              <a:rPr lang="en-US" sz="1100" dirty="0">
-                <a:solidFill>
-                  <a:schemeClr val="bg1"/>
-                </a:solidFill>
-                <a:latin typeface="Courier New" panose="02070309020205020404" pitchFamily="49" charset="0"/>
-                <a:cs typeface="Courier New" panose="02070309020205020404" pitchFamily="49" charset="0"/>
-              </a:rPr>
-              <a:t>        ON </a:t>
-            </a:r>
-            <a:r>
-              <a:rPr lang="en-US" sz="1100" dirty="0" err="1">
-                <a:solidFill>
-                  <a:schemeClr val="bg1"/>
-                </a:solidFill>
-                <a:latin typeface="Courier New" panose="02070309020205020404" pitchFamily="49" charset="0"/>
-                <a:cs typeface="Courier New" panose="02070309020205020404" pitchFamily="49" charset="0"/>
-              </a:rPr>
-              <a:t>c.ColorID</a:t>
-            </a:r>
-            <a:r>
-              <a:rPr lang="en-US" sz="1100" dirty="0">
-                <a:solidFill>
-                  <a:schemeClr val="bg1"/>
-                </a:solidFill>
-                <a:latin typeface="Courier New" panose="02070309020205020404" pitchFamily="49" charset="0"/>
-                <a:cs typeface="Courier New" panose="02070309020205020404" pitchFamily="49" charset="0"/>
-              </a:rPr>
-              <a:t> = </a:t>
-            </a:r>
-            <a:r>
-              <a:rPr lang="en-US" sz="1100" dirty="0" err="1">
-                <a:solidFill>
-                  <a:schemeClr val="bg1"/>
-                </a:solidFill>
-                <a:latin typeface="Courier New" panose="02070309020205020404" pitchFamily="49" charset="0"/>
-                <a:cs typeface="Courier New" panose="02070309020205020404" pitchFamily="49" charset="0"/>
-              </a:rPr>
-              <a:t>s.ColorID</a:t>
-            </a:r>
-            <a:endParaRPr lang="en-US" sz="1100" dirty="0">
-              <a:solidFill>
-                <a:schemeClr val="bg1"/>
-              </a:solidFill>
-              <a:latin typeface="Courier New" panose="02070309020205020404" pitchFamily="49" charset="0"/>
-              <a:cs typeface="Courier New" panose="02070309020205020404" pitchFamily="49" charset="0"/>
-            </a:endParaRPr>
-          </a:p>
-          <a:p>
-            <a:r>
-              <a:rPr lang="en-US" sz="1100" dirty="0">
-                <a:solidFill>
-                  <a:schemeClr val="bg1"/>
-                </a:solidFill>
-                <a:latin typeface="Courier New" panose="02070309020205020404" pitchFamily="49" charset="0"/>
-                <a:cs typeface="Courier New" panose="02070309020205020404" pitchFamily="49" charset="0"/>
-              </a:rPr>
-              <a:t>    WHERE Size LIKE @Size AND </a:t>
-            </a:r>
-            <a:r>
-              <a:rPr lang="en-US" sz="1100" dirty="0" err="1">
-                <a:solidFill>
-                  <a:schemeClr val="bg1"/>
-                </a:solidFill>
-                <a:latin typeface="Courier New" panose="02070309020205020404" pitchFamily="49" charset="0"/>
-                <a:cs typeface="Courier New" panose="02070309020205020404" pitchFamily="49" charset="0"/>
-              </a:rPr>
-              <a:t>UnitPrice</a:t>
-            </a:r>
-            <a:r>
-              <a:rPr lang="en-US" sz="1100" dirty="0">
-                <a:solidFill>
-                  <a:schemeClr val="bg1"/>
-                </a:solidFill>
-                <a:latin typeface="Courier New" panose="02070309020205020404" pitchFamily="49" charset="0"/>
-                <a:cs typeface="Courier New" panose="02070309020205020404" pitchFamily="49" charset="0"/>
-              </a:rPr>
-              <a:t> &gt; @AVG;</a:t>
-            </a:r>
-          </a:p>
-          <a:p>
-            <a:endParaRPr lang="en-US" sz="1100" dirty="0">
-              <a:solidFill>
-                <a:schemeClr val="bg1"/>
-              </a:solidFill>
-              <a:latin typeface="Courier New" panose="02070309020205020404" pitchFamily="49" charset="0"/>
-              <a:cs typeface="Courier New" panose="02070309020205020404" pitchFamily="49" charset="0"/>
-            </a:endParaRPr>
-          </a:p>
-          <a:p>
-            <a:r>
-              <a:rPr lang="en-US" sz="1100" dirty="0">
-                <a:solidFill>
-                  <a:schemeClr val="bg1"/>
-                </a:solidFill>
-                <a:latin typeface="Courier New" panose="02070309020205020404" pitchFamily="49" charset="0"/>
-                <a:cs typeface="Courier New" panose="02070309020205020404" pitchFamily="49" charset="0"/>
-              </a:rPr>
-              <a:t>    RETURN</a:t>
-            </a:r>
-          </a:p>
-          <a:p>
-            <a:r>
-              <a:rPr lang="en-US" sz="1100" dirty="0">
-                <a:solidFill>
-                  <a:schemeClr val="bg1"/>
-                </a:solidFill>
-                <a:latin typeface="Courier New" panose="02070309020205020404" pitchFamily="49" charset="0"/>
-                <a:cs typeface="Courier New" panose="02070309020205020404" pitchFamily="49" charset="0"/>
-              </a:rPr>
-              <a:t>END;</a:t>
-            </a:r>
-            <a:endParaRPr lang="ru-RU" sz="1100" dirty="0">
-              <a:solidFill>
-                <a:schemeClr val="bg1"/>
-              </a:solidFill>
-              <a:latin typeface="Courier New" panose="02070309020205020404" pitchFamily="49" charset="0"/>
-              <a:cs typeface="Courier New" panose="02070309020205020404" pitchFamily="49" charset="0"/>
-            </a:endParaRPr>
-          </a:p>
-        </p:txBody>
-      </p:sp>
-    </p:spTree>
-    <p:extLst>
-      <p:ext uri="{BB962C8B-B14F-4D97-AF65-F5344CB8AC3E}">
-        <p14:creationId xmlns:p14="http://schemas.microsoft.com/office/powerpoint/2010/main" val="660993735"/>
       </p:ext>
     </p:extLst>
   </p:cSld>
@@ -8541,18 +8031,29 @@
           <a:lstStyle/>
           <a:p>
             <a:r>
-              <a:rPr lang="ru-RU" dirty="0"/>
-              <a:t>Хранимые процедуры</a:t>
-            </a:r>
+              <a:rPr lang="en-US" dirty="0"/>
+              <a:t>Multi-statement </a:t>
+            </a:r>
+            <a:r>
+              <a:rPr lang="en-US" b="1" i="0" dirty="0">
+                <a:solidFill>
+                  <a:srgbClr val="E6E6E6"/>
+                </a:solidFill>
+                <a:effectLst/>
+                <a:latin typeface="Segoe UI" panose="020B0502040204020203" pitchFamily="34" charset="0"/>
+              </a:rPr>
+              <a:t>table-valued function</a:t>
+            </a:r>
+            <a:endParaRPr lang="ru-RU" dirty="0"/>
           </a:p>
         </p:txBody>
       </p:sp>
       <p:sp>
         <p:nvSpPr>
-          <p:cNvPr id="3" name="TextBox 2">
+          <p:cNvPr id="4" name="TextBox 3">
             <a:extLst>
               <a:ext uri="{FF2B5EF4-FFF2-40B4-BE49-F238E27FC236}">
-                <a16:creationId xmlns:a16="http://schemas.microsoft.com/office/drawing/2014/main" id="{7B850070-199C-1D98-D298-0EBE6BC7F575}"/>
+                <a16:creationId xmlns:a16="http://schemas.microsoft.com/office/drawing/2014/main" id="{0C857CA8-834F-07F1-8566-117517AE008D}"/>
               </a:ext>
             </a:extLst>
           </p:cNvPr>
@@ -8561,8 +8062,8 @@
         </p:nvSpPr>
         <p:spPr>
           <a:xfrm>
-            <a:off x="500550" y="1121824"/>
-            <a:ext cx="8412222" cy="1015663"/>
+            <a:off x="500550" y="878674"/>
+            <a:ext cx="8643450" cy="4324261"/>
           </a:xfrm>
           <a:prstGeom prst="rect">
             <a:avLst/>
@@ -8570,61 +8071,565 @@
           <a:noFill/>
         </p:spPr>
         <p:txBody>
-          <a:bodyPr wrap="square" rtlCol="0">
+          <a:bodyPr wrap="square">
             <a:spAutoFit/>
           </a:bodyPr>
           <a:lstStyle/>
           <a:p>
-            <a:pPr>
-              <a:buClr>
+            <a:r>
+              <a:rPr lang="en-US" sz="1100" dirty="0">
+                <a:solidFill>
+                  <a:schemeClr val="bg1"/>
+                </a:solidFill>
+                <a:latin typeface="Courier New" panose="02070309020205020404" pitchFamily="49" charset="0"/>
+                <a:cs typeface="Courier New" panose="02070309020205020404" pitchFamily="49" charset="0"/>
+              </a:rPr>
+              <a:t>CREATE FUNCTION </a:t>
+            </a:r>
+            <a:r>
+              <a:rPr lang="en-US" sz="1100" dirty="0" err="1">
+                <a:solidFill>
+                  <a:schemeClr val="bg1"/>
+                </a:solidFill>
+                <a:latin typeface="Courier New" panose="02070309020205020404" pitchFamily="49" charset="0"/>
+                <a:cs typeface="Courier New" panose="02070309020205020404" pitchFamily="49" charset="0"/>
+              </a:rPr>
+              <a:t>dbo.fMultyStatementExample</a:t>
+            </a:r>
+            <a:r>
+              <a:rPr lang="en-US" sz="1100" dirty="0">
+                <a:solidFill>
+                  <a:schemeClr val="bg1"/>
+                </a:solidFill>
+                <a:latin typeface="Courier New" panose="02070309020205020404" pitchFamily="49" charset="0"/>
+                <a:cs typeface="Courier New" panose="02070309020205020404" pitchFamily="49" charset="0"/>
+              </a:rPr>
+              <a:t>(@Size NVARCHAR(20))</a:t>
+            </a:r>
+          </a:p>
+          <a:p>
+            <a:r>
+              <a:rPr lang="en-US" sz="1100" dirty="0">
+                <a:solidFill>
+                  <a:schemeClr val="bg1"/>
+                </a:solidFill>
+                <a:latin typeface="Courier New" panose="02070309020205020404" pitchFamily="49" charset="0"/>
+                <a:cs typeface="Courier New" panose="02070309020205020404" pitchFamily="49" charset="0"/>
+              </a:rPr>
+              <a:t>RETURNS @TableExample TABLE</a:t>
+            </a:r>
+          </a:p>
+          <a:p>
+            <a:r>
+              <a:rPr lang="en-US" sz="1100" dirty="0">
+                <a:solidFill>
+                  <a:schemeClr val="bg1"/>
+                </a:solidFill>
+                <a:latin typeface="Courier New" panose="02070309020205020404" pitchFamily="49" charset="0"/>
+                <a:cs typeface="Courier New" panose="02070309020205020404" pitchFamily="49" charset="0"/>
+              </a:rPr>
+              <a:t>(</a:t>
+            </a:r>
+          </a:p>
+          <a:p>
+            <a:r>
+              <a:rPr lang="en-US" sz="1100" dirty="0">
+                <a:solidFill>
+                  <a:schemeClr val="bg1"/>
+                </a:solidFill>
+                <a:latin typeface="Courier New" panose="02070309020205020404" pitchFamily="49" charset="0"/>
+                <a:cs typeface="Courier New" panose="02070309020205020404" pitchFamily="49" charset="0"/>
+              </a:rPr>
+              <a:t>    </a:t>
+            </a:r>
+            <a:r>
+              <a:rPr lang="en-US" sz="1100" dirty="0" err="1">
+                <a:solidFill>
+                  <a:schemeClr val="bg1"/>
+                </a:solidFill>
+                <a:latin typeface="Courier New" panose="02070309020205020404" pitchFamily="49" charset="0"/>
+                <a:cs typeface="Courier New" panose="02070309020205020404" pitchFamily="49" charset="0"/>
+              </a:rPr>
+              <a:t>StockItemID</a:t>
+            </a:r>
+            <a:r>
+              <a:rPr lang="en-US" sz="1100" dirty="0">
+                <a:solidFill>
+                  <a:schemeClr val="bg1"/>
+                </a:solidFill>
+                <a:latin typeface="Courier New" panose="02070309020205020404" pitchFamily="49" charset="0"/>
+                <a:cs typeface="Courier New" panose="02070309020205020404" pitchFamily="49" charset="0"/>
+              </a:rPr>
+              <a:t> INT</a:t>
+            </a:r>
+          </a:p>
+          <a:p>
+            <a:r>
+              <a:rPr lang="en-US" sz="1100" dirty="0">
+                <a:solidFill>
+                  <a:schemeClr val="bg1"/>
+                </a:solidFill>
+                <a:latin typeface="Courier New" panose="02070309020205020404" pitchFamily="49" charset="0"/>
+                <a:cs typeface="Courier New" panose="02070309020205020404" pitchFamily="49" charset="0"/>
+              </a:rPr>
+              <a:t>  , Brand NVARCHAR(50)</a:t>
+            </a:r>
+          </a:p>
+          <a:p>
+            <a:r>
+              <a:rPr lang="en-US" sz="1100" dirty="0">
+                <a:solidFill>
+                  <a:schemeClr val="bg1"/>
+                </a:solidFill>
+                <a:latin typeface="Courier New" panose="02070309020205020404" pitchFamily="49" charset="0"/>
+                <a:cs typeface="Courier New" panose="02070309020205020404" pitchFamily="49" charset="0"/>
+              </a:rPr>
+              <a:t>  , Color NVARCHAR(20)</a:t>
+            </a:r>
+          </a:p>
+          <a:p>
+            <a:r>
+              <a:rPr lang="en-US" sz="1100" dirty="0">
+                <a:solidFill>
+                  <a:schemeClr val="bg1"/>
+                </a:solidFill>
+                <a:latin typeface="Courier New" panose="02070309020205020404" pitchFamily="49" charset="0"/>
+                <a:cs typeface="Courier New" panose="02070309020205020404" pitchFamily="49" charset="0"/>
+              </a:rPr>
+              <a:t>  , </a:t>
+            </a:r>
+            <a:r>
+              <a:rPr lang="en-US" sz="1100" dirty="0" err="1">
+                <a:solidFill>
+                  <a:schemeClr val="bg1"/>
+                </a:solidFill>
+                <a:latin typeface="Courier New" panose="02070309020205020404" pitchFamily="49" charset="0"/>
+                <a:cs typeface="Courier New" panose="02070309020205020404" pitchFamily="49" charset="0"/>
+              </a:rPr>
+              <a:t>UnitPrice</a:t>
+            </a:r>
+            <a:r>
+              <a:rPr lang="en-US" sz="1100" dirty="0">
+                <a:solidFill>
+                  <a:schemeClr val="bg1"/>
+                </a:solidFill>
+                <a:latin typeface="Courier New" panose="02070309020205020404" pitchFamily="49" charset="0"/>
+                <a:cs typeface="Courier New" panose="02070309020205020404" pitchFamily="49" charset="0"/>
+              </a:rPr>
+              <a:t> DECIMAL(18, 2)</a:t>
+            </a:r>
+          </a:p>
+          <a:p>
+            <a:r>
+              <a:rPr lang="en-US" sz="1100" dirty="0">
+                <a:solidFill>
+                  <a:schemeClr val="bg1"/>
+                </a:solidFill>
+                <a:latin typeface="Courier New" panose="02070309020205020404" pitchFamily="49" charset="0"/>
+                <a:cs typeface="Courier New" panose="02070309020205020404" pitchFamily="49" charset="0"/>
+              </a:rPr>
+              <a:t>)</a:t>
+            </a:r>
+          </a:p>
+          <a:p>
+            <a:r>
+              <a:rPr lang="en-US" sz="1100" dirty="0">
+                <a:solidFill>
+                  <a:schemeClr val="bg1"/>
+                </a:solidFill>
+                <a:latin typeface="Courier New" panose="02070309020205020404" pitchFamily="49" charset="0"/>
+                <a:cs typeface="Courier New" panose="02070309020205020404" pitchFamily="49" charset="0"/>
+              </a:rPr>
+              <a:t>AS</a:t>
+            </a:r>
+          </a:p>
+          <a:p>
+            <a:r>
+              <a:rPr lang="en-US" sz="1100" dirty="0">
+                <a:solidFill>
+                  <a:schemeClr val="bg1"/>
+                </a:solidFill>
+                <a:latin typeface="Courier New" panose="02070309020205020404" pitchFamily="49" charset="0"/>
+                <a:cs typeface="Courier New" panose="02070309020205020404" pitchFamily="49" charset="0"/>
+              </a:rPr>
+              <a:t>BEGIN</a:t>
+            </a:r>
+          </a:p>
+          <a:p>
+            <a:r>
+              <a:rPr lang="en-US" sz="1100" dirty="0">
+                <a:solidFill>
+                  <a:schemeClr val="bg1"/>
+                </a:solidFill>
+                <a:latin typeface="Courier New" panose="02070309020205020404" pitchFamily="49" charset="0"/>
+                <a:cs typeface="Courier New" panose="02070309020205020404" pitchFamily="49" charset="0"/>
+              </a:rPr>
+              <a:t>    DECLARE @AVG DECIMAL(18, 2);</a:t>
+            </a:r>
+          </a:p>
+          <a:p>
+            <a:r>
+              <a:rPr lang="en-US" sz="1100" dirty="0">
+                <a:solidFill>
+                  <a:schemeClr val="bg1"/>
+                </a:solidFill>
+                <a:latin typeface="Courier New" panose="02070309020205020404" pitchFamily="49" charset="0"/>
+                <a:cs typeface="Courier New" panose="02070309020205020404" pitchFamily="49" charset="0"/>
+              </a:rPr>
+              <a:t>    SET @AVG = </a:t>
+            </a:r>
+            <a:r>
+              <a:rPr lang="en-US" sz="1100" dirty="0" err="1">
+                <a:solidFill>
+                  <a:schemeClr val="bg1"/>
+                </a:solidFill>
+                <a:latin typeface="Courier New" panose="02070309020205020404" pitchFamily="49" charset="0"/>
+                <a:cs typeface="Courier New" panose="02070309020205020404" pitchFamily="49" charset="0"/>
+              </a:rPr>
+              <a:t>dbo.fGetAveragePrice</a:t>
+            </a:r>
+            <a:r>
+              <a:rPr lang="en-US" sz="1100" dirty="0">
+                <a:solidFill>
+                  <a:schemeClr val="bg1"/>
+                </a:solidFill>
+                <a:latin typeface="Courier New" panose="02070309020205020404" pitchFamily="49" charset="0"/>
+                <a:cs typeface="Courier New" panose="02070309020205020404" pitchFamily="49" charset="0"/>
+              </a:rPr>
+              <a:t>(@Size);</a:t>
+            </a:r>
+          </a:p>
+          <a:p>
+            <a:endParaRPr lang="en-US" sz="1100" dirty="0">
+              <a:solidFill>
                 <a:schemeClr val="bg1"/>
-              </a:buClr>
-            </a:pPr>
-            <a:r>
-              <a:rPr lang="ru-RU" sz="2000" dirty="0">
-                <a:solidFill>
-                  <a:schemeClr val="bg1"/>
-                </a:solidFill>
-              </a:rPr>
-              <a:t>Пользовательские</a:t>
-            </a:r>
-          </a:p>
-          <a:p>
-            <a:pPr>
-              <a:buClr>
+              </a:solidFill>
+              <a:latin typeface="Courier New" panose="02070309020205020404" pitchFamily="49" charset="0"/>
+              <a:cs typeface="Courier New" panose="02070309020205020404" pitchFamily="49" charset="0"/>
+            </a:endParaRPr>
+          </a:p>
+          <a:p>
+            <a:r>
+              <a:rPr lang="en-US" sz="1100" dirty="0">
+                <a:solidFill>
+                  <a:schemeClr val="bg1"/>
+                </a:solidFill>
+                <a:latin typeface="Courier New" panose="02070309020205020404" pitchFamily="49" charset="0"/>
+                <a:cs typeface="Courier New" panose="02070309020205020404" pitchFamily="49" charset="0"/>
+              </a:rPr>
+              <a:t>    INSERT INTO @TableExample</a:t>
+            </a:r>
+          </a:p>
+          <a:p>
+            <a:r>
+              <a:rPr lang="en-US" sz="1100" dirty="0">
+                <a:solidFill>
+                  <a:schemeClr val="bg1"/>
+                </a:solidFill>
+                <a:latin typeface="Courier New" panose="02070309020205020404" pitchFamily="49" charset="0"/>
+                <a:cs typeface="Courier New" panose="02070309020205020404" pitchFamily="49" charset="0"/>
+              </a:rPr>
+              <a:t>    SELECT </a:t>
+            </a:r>
+            <a:r>
+              <a:rPr lang="en-US" sz="1100" dirty="0" err="1">
+                <a:solidFill>
+                  <a:schemeClr val="bg1"/>
+                </a:solidFill>
+                <a:latin typeface="Courier New" panose="02070309020205020404" pitchFamily="49" charset="0"/>
+                <a:cs typeface="Courier New" panose="02070309020205020404" pitchFamily="49" charset="0"/>
+              </a:rPr>
+              <a:t>s.StockItemID</a:t>
+            </a:r>
+            <a:endParaRPr lang="en-US" sz="1100" dirty="0">
+              <a:solidFill>
                 <a:schemeClr val="bg1"/>
-              </a:buClr>
-            </a:pPr>
-            <a:r>
-              <a:rPr lang="ru-RU" sz="2000" dirty="0">
-                <a:solidFill>
-                  <a:schemeClr val="bg1"/>
-                </a:solidFill>
-              </a:rPr>
-              <a:t>Временные</a:t>
-            </a:r>
-          </a:p>
-          <a:p>
-            <a:pPr>
-              <a:buClr>
+              </a:solidFill>
+              <a:latin typeface="Courier New" panose="02070309020205020404" pitchFamily="49" charset="0"/>
+              <a:cs typeface="Courier New" panose="02070309020205020404" pitchFamily="49" charset="0"/>
+            </a:endParaRPr>
+          </a:p>
+          <a:p>
+            <a:r>
+              <a:rPr lang="en-US" sz="1100" dirty="0">
+                <a:solidFill>
+                  <a:schemeClr val="bg1"/>
+                </a:solidFill>
+                <a:latin typeface="Courier New" panose="02070309020205020404" pitchFamily="49" charset="0"/>
+                <a:cs typeface="Courier New" panose="02070309020205020404" pitchFamily="49" charset="0"/>
+              </a:rPr>
+              <a:t>         , </a:t>
+            </a:r>
+            <a:r>
+              <a:rPr lang="en-US" sz="1100" dirty="0" err="1">
+                <a:solidFill>
+                  <a:schemeClr val="bg1"/>
+                </a:solidFill>
+                <a:latin typeface="Courier New" panose="02070309020205020404" pitchFamily="49" charset="0"/>
+                <a:cs typeface="Courier New" panose="02070309020205020404" pitchFamily="49" charset="0"/>
+              </a:rPr>
+              <a:t>s.Brand</a:t>
+            </a:r>
+            <a:endParaRPr lang="en-US" sz="1100" dirty="0">
+              <a:solidFill>
                 <a:schemeClr val="bg1"/>
-              </a:buClr>
-            </a:pPr>
-            <a:r>
-              <a:rPr lang="ru-RU" sz="2000" dirty="0">
-                <a:solidFill>
-                  <a:schemeClr val="bg1"/>
-                </a:solidFill>
-              </a:rPr>
-              <a:t>Системные</a:t>
-            </a:r>
+              </a:solidFill>
+              <a:latin typeface="Courier New" panose="02070309020205020404" pitchFamily="49" charset="0"/>
+              <a:cs typeface="Courier New" panose="02070309020205020404" pitchFamily="49" charset="0"/>
+            </a:endParaRPr>
+          </a:p>
+          <a:p>
+            <a:r>
+              <a:rPr lang="en-US" sz="1100" dirty="0">
+                <a:solidFill>
+                  <a:schemeClr val="bg1"/>
+                </a:solidFill>
+                <a:latin typeface="Courier New" panose="02070309020205020404" pitchFamily="49" charset="0"/>
+                <a:cs typeface="Courier New" panose="02070309020205020404" pitchFamily="49" charset="0"/>
+              </a:rPr>
+              <a:t>         , </a:t>
+            </a:r>
+            <a:r>
+              <a:rPr lang="en-US" sz="1100" dirty="0" err="1">
+                <a:solidFill>
+                  <a:schemeClr val="bg1"/>
+                </a:solidFill>
+                <a:latin typeface="Courier New" panose="02070309020205020404" pitchFamily="49" charset="0"/>
+                <a:cs typeface="Courier New" panose="02070309020205020404" pitchFamily="49" charset="0"/>
+              </a:rPr>
+              <a:t>c.ColorName</a:t>
+            </a:r>
+            <a:r>
+              <a:rPr lang="en-US" sz="1100" dirty="0">
+                <a:solidFill>
+                  <a:schemeClr val="bg1"/>
+                </a:solidFill>
+                <a:latin typeface="Courier New" panose="02070309020205020404" pitchFamily="49" charset="0"/>
+                <a:cs typeface="Courier New" panose="02070309020205020404" pitchFamily="49" charset="0"/>
+              </a:rPr>
+              <a:t> AS Color</a:t>
+            </a:r>
+          </a:p>
+          <a:p>
+            <a:r>
+              <a:rPr lang="en-US" sz="1100" dirty="0">
+                <a:solidFill>
+                  <a:schemeClr val="bg1"/>
+                </a:solidFill>
+                <a:latin typeface="Courier New" panose="02070309020205020404" pitchFamily="49" charset="0"/>
+                <a:cs typeface="Courier New" panose="02070309020205020404" pitchFamily="49" charset="0"/>
+              </a:rPr>
+              <a:t>         , </a:t>
+            </a:r>
+            <a:r>
+              <a:rPr lang="en-US" sz="1100" dirty="0" err="1">
+                <a:solidFill>
+                  <a:schemeClr val="bg1"/>
+                </a:solidFill>
+                <a:latin typeface="Courier New" panose="02070309020205020404" pitchFamily="49" charset="0"/>
+                <a:cs typeface="Courier New" panose="02070309020205020404" pitchFamily="49" charset="0"/>
+              </a:rPr>
+              <a:t>s.UnitPrice</a:t>
+            </a:r>
+            <a:endParaRPr lang="en-US" sz="1100" dirty="0">
+              <a:solidFill>
+                <a:schemeClr val="bg1"/>
+              </a:solidFill>
+              <a:latin typeface="Courier New" panose="02070309020205020404" pitchFamily="49" charset="0"/>
+              <a:cs typeface="Courier New" panose="02070309020205020404" pitchFamily="49" charset="0"/>
+            </a:endParaRPr>
+          </a:p>
+          <a:p>
+            <a:r>
+              <a:rPr lang="en-US" sz="1100" dirty="0">
+                <a:solidFill>
+                  <a:schemeClr val="bg1"/>
+                </a:solidFill>
+                <a:latin typeface="Courier New" panose="02070309020205020404" pitchFamily="49" charset="0"/>
+                <a:cs typeface="Courier New" panose="02070309020205020404" pitchFamily="49" charset="0"/>
+              </a:rPr>
+              <a:t>    FROM </a:t>
+            </a:r>
+            <a:r>
+              <a:rPr lang="en-US" sz="1100" dirty="0" err="1">
+                <a:solidFill>
+                  <a:schemeClr val="bg1"/>
+                </a:solidFill>
+                <a:latin typeface="Courier New" panose="02070309020205020404" pitchFamily="49" charset="0"/>
+                <a:cs typeface="Courier New" panose="02070309020205020404" pitchFamily="49" charset="0"/>
+              </a:rPr>
+              <a:t>Warehouse.StockItems</a:t>
+            </a:r>
+            <a:r>
+              <a:rPr lang="en-US" sz="1100" dirty="0">
+                <a:solidFill>
+                  <a:schemeClr val="bg1"/>
+                </a:solidFill>
+                <a:latin typeface="Courier New" panose="02070309020205020404" pitchFamily="49" charset="0"/>
+                <a:cs typeface="Courier New" panose="02070309020205020404" pitchFamily="49" charset="0"/>
+              </a:rPr>
+              <a:t> s</a:t>
+            </a:r>
+          </a:p>
+          <a:p>
+            <a:r>
+              <a:rPr lang="en-US" sz="1100" dirty="0">
+                <a:solidFill>
+                  <a:schemeClr val="bg1"/>
+                </a:solidFill>
+                <a:latin typeface="Courier New" panose="02070309020205020404" pitchFamily="49" charset="0"/>
+                <a:cs typeface="Courier New" panose="02070309020205020404" pitchFamily="49" charset="0"/>
+              </a:rPr>
+              <a:t>    INNER JOIN </a:t>
+            </a:r>
+            <a:r>
+              <a:rPr lang="en-US" sz="1100" dirty="0" err="1">
+                <a:solidFill>
+                  <a:schemeClr val="bg1"/>
+                </a:solidFill>
+                <a:latin typeface="Courier New" panose="02070309020205020404" pitchFamily="49" charset="0"/>
+                <a:cs typeface="Courier New" panose="02070309020205020404" pitchFamily="49" charset="0"/>
+              </a:rPr>
+              <a:t>Warehouse.Colors</a:t>
+            </a:r>
+            <a:r>
+              <a:rPr lang="en-US" sz="1100" dirty="0">
+                <a:solidFill>
+                  <a:schemeClr val="bg1"/>
+                </a:solidFill>
+                <a:latin typeface="Courier New" panose="02070309020205020404" pitchFamily="49" charset="0"/>
+                <a:cs typeface="Courier New" panose="02070309020205020404" pitchFamily="49" charset="0"/>
+              </a:rPr>
+              <a:t> c</a:t>
+            </a:r>
+          </a:p>
+          <a:p>
+            <a:r>
+              <a:rPr lang="en-US" sz="1100" dirty="0">
+                <a:solidFill>
+                  <a:schemeClr val="bg1"/>
+                </a:solidFill>
+                <a:latin typeface="Courier New" panose="02070309020205020404" pitchFamily="49" charset="0"/>
+                <a:cs typeface="Courier New" panose="02070309020205020404" pitchFamily="49" charset="0"/>
+              </a:rPr>
+              <a:t>        ON </a:t>
+            </a:r>
+            <a:r>
+              <a:rPr lang="en-US" sz="1100" dirty="0" err="1">
+                <a:solidFill>
+                  <a:schemeClr val="bg1"/>
+                </a:solidFill>
+                <a:latin typeface="Courier New" panose="02070309020205020404" pitchFamily="49" charset="0"/>
+                <a:cs typeface="Courier New" panose="02070309020205020404" pitchFamily="49" charset="0"/>
+              </a:rPr>
+              <a:t>c.ColorID</a:t>
+            </a:r>
+            <a:r>
+              <a:rPr lang="en-US" sz="1100" dirty="0">
+                <a:solidFill>
+                  <a:schemeClr val="bg1"/>
+                </a:solidFill>
+                <a:latin typeface="Courier New" panose="02070309020205020404" pitchFamily="49" charset="0"/>
+                <a:cs typeface="Courier New" panose="02070309020205020404" pitchFamily="49" charset="0"/>
+              </a:rPr>
+              <a:t> = </a:t>
+            </a:r>
+            <a:r>
+              <a:rPr lang="en-US" sz="1100" dirty="0" err="1">
+                <a:solidFill>
+                  <a:schemeClr val="bg1"/>
+                </a:solidFill>
+                <a:latin typeface="Courier New" panose="02070309020205020404" pitchFamily="49" charset="0"/>
+                <a:cs typeface="Courier New" panose="02070309020205020404" pitchFamily="49" charset="0"/>
+              </a:rPr>
+              <a:t>s.ColorID</a:t>
+            </a:r>
+            <a:endParaRPr lang="en-US" sz="1100" dirty="0">
+              <a:solidFill>
+                <a:schemeClr val="bg1"/>
+              </a:solidFill>
+              <a:latin typeface="Courier New" panose="02070309020205020404" pitchFamily="49" charset="0"/>
+              <a:cs typeface="Courier New" panose="02070309020205020404" pitchFamily="49" charset="0"/>
+            </a:endParaRPr>
+          </a:p>
+          <a:p>
+            <a:r>
+              <a:rPr lang="en-US" sz="1100" dirty="0">
+                <a:solidFill>
+                  <a:schemeClr val="bg1"/>
+                </a:solidFill>
+                <a:latin typeface="Courier New" panose="02070309020205020404" pitchFamily="49" charset="0"/>
+                <a:cs typeface="Courier New" panose="02070309020205020404" pitchFamily="49" charset="0"/>
+              </a:rPr>
+              <a:t>    WHERE Size LIKE @Size AND </a:t>
+            </a:r>
+            <a:r>
+              <a:rPr lang="en-US" sz="1100" dirty="0" err="1">
+                <a:solidFill>
+                  <a:schemeClr val="bg1"/>
+                </a:solidFill>
+                <a:latin typeface="Courier New" panose="02070309020205020404" pitchFamily="49" charset="0"/>
+                <a:cs typeface="Courier New" panose="02070309020205020404" pitchFamily="49" charset="0"/>
+              </a:rPr>
+              <a:t>UnitPrice</a:t>
+            </a:r>
+            <a:r>
+              <a:rPr lang="en-US" sz="1100" dirty="0">
+                <a:solidFill>
+                  <a:schemeClr val="bg1"/>
+                </a:solidFill>
+                <a:latin typeface="Courier New" panose="02070309020205020404" pitchFamily="49" charset="0"/>
+                <a:cs typeface="Courier New" panose="02070309020205020404" pitchFamily="49" charset="0"/>
+              </a:rPr>
+              <a:t> &gt; @AVG;</a:t>
+            </a:r>
+          </a:p>
+          <a:p>
+            <a:endParaRPr lang="en-US" sz="1100" dirty="0">
+              <a:solidFill>
+                <a:schemeClr val="bg1"/>
+              </a:solidFill>
+              <a:latin typeface="Courier New" panose="02070309020205020404" pitchFamily="49" charset="0"/>
+              <a:cs typeface="Courier New" panose="02070309020205020404" pitchFamily="49" charset="0"/>
+            </a:endParaRPr>
+          </a:p>
+          <a:p>
+            <a:r>
+              <a:rPr lang="en-US" sz="1100" dirty="0">
+                <a:solidFill>
+                  <a:schemeClr val="bg1"/>
+                </a:solidFill>
+                <a:latin typeface="Courier New" panose="02070309020205020404" pitchFamily="49" charset="0"/>
+                <a:cs typeface="Courier New" panose="02070309020205020404" pitchFamily="49" charset="0"/>
+              </a:rPr>
+              <a:t>    RETURN</a:t>
+            </a:r>
+          </a:p>
+          <a:p>
+            <a:r>
+              <a:rPr lang="en-US" sz="1100" dirty="0">
+                <a:solidFill>
+                  <a:schemeClr val="bg1"/>
+                </a:solidFill>
+                <a:latin typeface="Courier New" panose="02070309020205020404" pitchFamily="49" charset="0"/>
+                <a:cs typeface="Courier New" panose="02070309020205020404" pitchFamily="49" charset="0"/>
+              </a:rPr>
+              <a:t>END;</a:t>
+            </a:r>
+            <a:endParaRPr lang="ru-RU" sz="1100" dirty="0">
+              <a:solidFill>
+                <a:schemeClr val="bg1"/>
+              </a:solidFill>
+              <a:latin typeface="Courier New" panose="02070309020205020404" pitchFamily="49" charset="0"/>
+              <a:cs typeface="Courier New" panose="02070309020205020404" pitchFamily="49" charset="0"/>
+            </a:endParaRPr>
           </a:p>
         </p:txBody>
       </p:sp>
     </p:spTree>
     <p:extLst>
       <p:ext uri="{BB962C8B-B14F-4D97-AF65-F5344CB8AC3E}">
-        <p14:creationId xmlns:p14="http://schemas.microsoft.com/office/powerpoint/2010/main" val="980060165"/>
+        <p14:creationId xmlns:p14="http://schemas.microsoft.com/office/powerpoint/2010/main" val="660993735"/>
       </p:ext>
     </p:extLst>
   </p:cSld>
@@ -8656,7 +8661,7 @@
           <p:cNvPr id="2" name="Заголовок 1">
             <a:extLst>
               <a:ext uri="{FF2B5EF4-FFF2-40B4-BE49-F238E27FC236}">
-                <a16:creationId xmlns:a16="http://schemas.microsoft.com/office/drawing/2014/main" id="{77363AD7-FFE1-0628-56EB-00B5BE131CE9}"/>
+                <a16:creationId xmlns:a16="http://schemas.microsoft.com/office/drawing/2014/main" id="{00A06823-A40C-3486-CDD6-004A156AEFD0}"/>
               </a:ext>
             </a:extLst>
           </p:cNvPr>
@@ -8673,25 +8678,18 @@
           <a:lstStyle/>
           <a:p>
             <a:r>
-              <a:rPr lang="ru-RU" sz="3200" b="1" i="0" dirty="0">
-                <a:solidFill>
-                  <a:schemeClr val="bg1"/>
-                </a:solidFill>
-                <a:effectLst/>
-                <a:latin typeface="Calibri" panose="020F0502020204030204" pitchFamily="34" charset="0"/>
-              </a:rPr>
-              <a:t>Параметры и хранимая процедура</a:t>
-            </a:r>
-            <a:endParaRPr lang="ru-RU" dirty="0"/>
+              <a:rPr lang="ru-RU" dirty="0"/>
+              <a:t>Хранимые процедуры</a:t>
+            </a:r>
           </a:p>
         </p:txBody>
       </p:sp>
       <p:sp>
         <p:nvSpPr>
-          <p:cNvPr id="4" name="TextBox 3">
+          <p:cNvPr id="3" name="TextBox 2">
             <a:extLst>
               <a:ext uri="{FF2B5EF4-FFF2-40B4-BE49-F238E27FC236}">
-                <a16:creationId xmlns:a16="http://schemas.microsoft.com/office/drawing/2014/main" id="{971D8C71-F3D9-88BF-CD17-E5A168488869}"/>
+                <a16:creationId xmlns:a16="http://schemas.microsoft.com/office/drawing/2014/main" id="{7B850070-199C-1D98-D298-0EBE6BC7F575}"/>
               </a:ext>
             </a:extLst>
           </p:cNvPr>
@@ -8700,8 +8698,8 @@
         </p:nvSpPr>
         <p:spPr>
           <a:xfrm>
-            <a:off x="409903" y="1338673"/>
-            <a:ext cx="8334703" cy="2462213"/>
+            <a:off x="500550" y="1121824"/>
+            <a:ext cx="8412222" cy="1015663"/>
           </a:xfrm>
           <a:prstGeom prst="rect">
             <a:avLst/>
@@ -8709,261 +8707,61 @@
           <a:noFill/>
         </p:spPr>
         <p:txBody>
-          <a:bodyPr wrap="square">
+          <a:bodyPr wrap="square" rtlCol="0">
             <a:spAutoFit/>
           </a:bodyPr>
           <a:lstStyle/>
           <a:p>
-            <a:r>
-              <a:rPr lang="ru-RU" sz="2000" b="0" i="0" dirty="0">
-                <a:solidFill>
-                  <a:schemeClr val="bg1"/>
-                </a:solidFill>
-                <a:effectLst/>
-                <a:latin typeface="Consolas" panose="020B0609020204030204" pitchFamily="49" charset="0"/>
-              </a:rPr>
-              <a:t>CREATE PROCEDURE </a:t>
-            </a:r>
-            <a:r>
-              <a:rPr lang="ru-RU" sz="2000" b="0" i="0" dirty="0" err="1">
-                <a:solidFill>
-                  <a:schemeClr val="bg1"/>
-                </a:solidFill>
-                <a:effectLst/>
-                <a:latin typeface="Consolas" panose="020B0609020204030204" pitchFamily="49" charset="0"/>
-              </a:rPr>
-              <a:t>SampleProcedure</a:t>
-            </a:r>
-            <a:r>
-              <a:rPr lang="ru-RU" sz="2000" b="0" i="0" dirty="0">
-                <a:solidFill>
-                  <a:schemeClr val="bg1"/>
-                </a:solidFill>
-                <a:effectLst/>
-                <a:latin typeface="Consolas" panose="020B0609020204030204" pitchFamily="49" charset="0"/>
-              </a:rPr>
-              <a:t> @EmployeeIDPar</a:t>
-            </a:r>
-            <a:r>
-              <a:rPr lang="en-US" sz="2000" b="0" i="0" dirty="0">
-                <a:solidFill>
-                  <a:schemeClr val="bg1"/>
-                </a:solidFill>
-                <a:effectLst/>
-                <a:latin typeface="Consolas" panose="020B0609020204030204" pitchFamily="49" charset="0"/>
-              </a:rPr>
-              <a:t>a</a:t>
-            </a:r>
-            <a:r>
-              <a:rPr lang="ru-RU" sz="2000" b="0" i="0" dirty="0">
-                <a:solidFill>
-                  <a:schemeClr val="bg1"/>
-                </a:solidFill>
-                <a:effectLst/>
-                <a:latin typeface="Consolas" panose="020B0609020204030204" pitchFamily="49" charset="0"/>
-              </a:rPr>
-              <a:t>m INT,</a:t>
-            </a:r>
-            <a:br>
-              <a:rPr lang="ru-RU" sz="2000" b="0" i="0" dirty="0">
-                <a:solidFill>
-                  <a:schemeClr val="bg1"/>
-                </a:solidFill>
-                <a:effectLst/>
-                <a:latin typeface="Consolas" panose="020B0609020204030204" pitchFamily="49" charset="0"/>
-              </a:rPr>
-            </a:br>
-            <a:r>
-              <a:rPr lang="ru-RU" sz="2000" b="0" i="0" dirty="0">
-                <a:solidFill>
-                  <a:schemeClr val="bg1"/>
-                </a:solidFill>
-                <a:effectLst/>
-                <a:latin typeface="Consolas" panose="020B0609020204030204" pitchFamily="49" charset="0"/>
-              </a:rPr>
-              <a:t>@MaxTotal INT OUTPUT</a:t>
-            </a:r>
-            <a:br>
-              <a:rPr lang="ru-RU" sz="2000" b="0" i="0" dirty="0">
-                <a:solidFill>
-                  <a:schemeClr val="bg1"/>
-                </a:solidFill>
-                <a:effectLst/>
-                <a:latin typeface="Consolas" panose="020B0609020204030204" pitchFamily="49" charset="0"/>
-              </a:rPr>
-            </a:br>
-            <a:r>
-              <a:rPr lang="ru-RU" sz="2000" b="0" i="0" dirty="0">
-                <a:solidFill>
-                  <a:schemeClr val="bg1"/>
-                </a:solidFill>
-                <a:effectLst/>
-                <a:latin typeface="Calibri" panose="020F0502020204030204" pitchFamily="34" charset="0"/>
-              </a:rPr>
-              <a:t>Указание направления параметров</a:t>
-            </a:r>
-            <a:br>
-              <a:rPr lang="ru-RU" sz="2000" b="0" i="0" dirty="0">
-                <a:solidFill>
-                  <a:schemeClr val="bg1"/>
-                </a:solidFill>
-                <a:effectLst/>
-                <a:latin typeface="Calibri" panose="020F0502020204030204" pitchFamily="34" charset="0"/>
-              </a:rPr>
-            </a:br>
-            <a:r>
-              <a:rPr lang="ru-RU" sz="2000" b="0" i="0" dirty="0">
-                <a:solidFill>
-                  <a:schemeClr val="bg1"/>
-                </a:solidFill>
-                <a:effectLst/>
-                <a:latin typeface="Consolas" panose="020B0609020204030204" pitchFamily="49" charset="0"/>
-              </a:rPr>
-              <a:t>IN – </a:t>
-            </a:r>
-            <a:r>
-              <a:rPr lang="ru-RU" sz="2000" b="0" i="0" dirty="0">
-                <a:solidFill>
-                  <a:schemeClr val="bg1"/>
-                </a:solidFill>
-                <a:effectLst/>
-                <a:latin typeface="Calibri" panose="020F0502020204030204" pitchFamily="34" charset="0"/>
-              </a:rPr>
-              <a:t>входной (по ум</a:t>
-            </a:r>
+            <a:pPr>
+              <a:buClr>
+                <a:schemeClr val="bg1"/>
+              </a:buClr>
+            </a:pPr>
             <a:r>
               <a:rPr lang="ru-RU" sz="2000" dirty="0">
                 <a:solidFill>
                   <a:schemeClr val="bg1"/>
                 </a:solidFill>
-                <a:latin typeface="Calibri" panose="020F0502020204030204" pitchFamily="34" charset="0"/>
-              </a:rPr>
-              <a:t>о</a:t>
-            </a:r>
-            <a:r>
-              <a:rPr lang="ru-RU" sz="2000" b="0" i="0" dirty="0">
-                <a:solidFill>
-                  <a:schemeClr val="bg1"/>
-                </a:solidFill>
-                <a:effectLst/>
-                <a:latin typeface="Calibri" panose="020F0502020204030204" pitchFamily="34" charset="0"/>
-              </a:rPr>
-              <a:t>лчанию)</a:t>
-            </a:r>
-            <a:br>
-              <a:rPr lang="ru-RU" sz="2000" b="0" i="0" dirty="0">
-                <a:solidFill>
-                  <a:schemeClr val="bg1"/>
-                </a:solidFill>
-                <a:effectLst/>
-                <a:latin typeface="Calibri" panose="020F0502020204030204" pitchFamily="34" charset="0"/>
-              </a:rPr>
-            </a:br>
-            <a:r>
-              <a:rPr lang="ru-RU" sz="2000" b="0" i="0" dirty="0">
-                <a:solidFill>
-                  <a:schemeClr val="bg1"/>
-                </a:solidFill>
-                <a:effectLst/>
-                <a:latin typeface="Consolas" panose="020B0609020204030204" pitchFamily="49" charset="0"/>
-              </a:rPr>
-              <a:t>OUTPUT(OUT) - </a:t>
-            </a:r>
-            <a:r>
-              <a:rPr lang="ru-RU" sz="2000" b="0" i="0" dirty="0">
-                <a:solidFill>
-                  <a:schemeClr val="bg1"/>
-                </a:solidFill>
-                <a:effectLst/>
-                <a:latin typeface="Calibri" panose="020F0502020204030204" pitchFamily="34" charset="0"/>
-              </a:rPr>
-              <a:t>выходной</a:t>
-            </a:r>
-            <a:br>
-              <a:rPr lang="ru-RU" sz="2000" b="0" i="0" dirty="0">
-                <a:solidFill>
-                  <a:schemeClr val="bg1"/>
-                </a:solidFill>
-                <a:effectLst/>
-                <a:latin typeface="Calibri" panose="020F0502020204030204" pitchFamily="34" charset="0"/>
-              </a:rPr>
-            </a:br>
-            <a:r>
-              <a:rPr lang="ru-RU" sz="2000" b="0" i="0" dirty="0">
-                <a:solidFill>
-                  <a:schemeClr val="bg1"/>
-                </a:solidFill>
-                <a:effectLst/>
-                <a:latin typeface="Calibri" panose="020F0502020204030204" pitchFamily="34" charset="0"/>
-              </a:rPr>
-              <a:t>Типы данных параметров</a:t>
-            </a:r>
-            <a:br>
-              <a:rPr lang="ru-RU" sz="2000" b="0" i="0" dirty="0">
-                <a:solidFill>
-                  <a:schemeClr val="bg1"/>
-                </a:solidFill>
-                <a:effectLst/>
-                <a:latin typeface="Calibri" panose="020F0502020204030204" pitchFamily="34" charset="0"/>
-              </a:rPr>
-            </a:br>
-            <a:r>
-              <a:rPr lang="ru-RU" sz="2000" b="0" i="0" dirty="0">
-                <a:solidFill>
-                  <a:schemeClr val="bg1"/>
-                </a:solidFill>
-                <a:effectLst/>
-                <a:latin typeface="Consolas" panose="020B0609020204030204" pitchFamily="49" charset="0"/>
-              </a:rPr>
-              <a:t>RETURN </a:t>
-            </a:r>
-            <a:r>
-              <a:rPr lang="ru-RU" sz="2000" b="0" i="0" dirty="0">
-                <a:solidFill>
-                  <a:schemeClr val="bg1"/>
-                </a:solidFill>
-                <a:effectLst/>
-                <a:latin typeface="Helvetica" panose="020B0604020202020204" pitchFamily="34" charset="0"/>
-              </a:rPr>
-              <a:t>- </a:t>
-            </a:r>
-            <a:r>
-              <a:rPr lang="ru-RU" sz="2000" b="0" i="0" dirty="0">
-                <a:solidFill>
-                  <a:schemeClr val="bg1"/>
-                </a:solidFill>
-                <a:effectLst/>
-                <a:latin typeface="Arial" panose="020B0604020202020204" pitchFamily="34" charset="0"/>
-              </a:rPr>
-              <a:t>Возврат данных из хранимой процедуры</a:t>
-            </a:r>
+              </a:rPr>
+              <a:t>Пользовательские</a:t>
+            </a:r>
+          </a:p>
+          <a:p>
+            <a:pPr>
+              <a:buClr>
+                <a:schemeClr val="bg1"/>
+              </a:buClr>
+            </a:pPr>
             <a:r>
               <a:rPr lang="ru-RU" sz="2000" dirty="0">
                 <a:solidFill>
                   <a:schemeClr val="bg1"/>
                 </a:solidFill>
               </a:rPr>
-              <a:t> </a:t>
-            </a:r>
-            <a:br>
-              <a:rPr lang="ru-RU" dirty="0">
-                <a:solidFill>
-                  <a:schemeClr val="bg1"/>
-                </a:solidFill>
-              </a:rPr>
-            </a:br>
-            <a:endParaRPr lang="ru-RU" dirty="0">
-              <a:solidFill>
+              <a:t>Временные</a:t>
+            </a:r>
+          </a:p>
+          <a:p>
+            <a:pPr>
+              <a:buClr>
                 <a:schemeClr val="bg1"/>
-              </a:solidFill>
-            </a:endParaRPr>
+              </a:buClr>
+            </a:pPr>
+            <a:r>
+              <a:rPr lang="ru-RU" sz="2000" dirty="0">
+                <a:solidFill>
+                  <a:schemeClr val="bg1"/>
+                </a:solidFill>
+              </a:rPr>
+              <a:t>Системные</a:t>
+            </a:r>
           </a:p>
         </p:txBody>
       </p:sp>
     </p:spTree>
     <p:extLst>
       <p:ext uri="{BB962C8B-B14F-4D97-AF65-F5344CB8AC3E}">
-        <p14:creationId xmlns:p14="http://schemas.microsoft.com/office/powerpoint/2010/main" val="1514867884"/>
+        <p14:creationId xmlns:p14="http://schemas.microsoft.com/office/powerpoint/2010/main" val="980060165"/>
       </p:ext>
     </p:extLst>
   </p:cSld>
@@ -9019,8 +8817,9 @@
                 <a:effectLst/>
                 <a:latin typeface="Calibri" panose="020F0502020204030204" pitchFamily="34" charset="0"/>
               </a:rPr>
-              <a:t>Передача параметров в хранимую процедуру</a:t>
-            </a:r>
+              <a:t>Параметры и хранимая процедура</a:t>
+            </a:r>
+            <a:endParaRPr lang="ru-RU" dirty="0"/>
           </a:p>
         </p:txBody>
       </p:sp>
@@ -9039,7 +8838,7 @@
         <p:spPr>
           <a:xfrm>
             <a:off x="409903" y="1338673"/>
-            <a:ext cx="8334703" cy="2154436"/>
+            <a:ext cx="8334703" cy="2462213"/>
           </a:xfrm>
           <a:prstGeom prst="rect">
             <a:avLst/>
@@ -9053,74 +8852,235 @@
           <a:lstStyle/>
           <a:p>
             <a:r>
-              <a:rPr lang="ru-RU" sz="2000" b="1" i="0" dirty="0">
+              <a:rPr lang="ru-RU" sz="2000" b="0" i="0" dirty="0">
+                <a:solidFill>
+                  <a:schemeClr val="bg1"/>
+                </a:solidFill>
+                <a:effectLst/>
+                <a:latin typeface="Consolas" panose="020B0609020204030204" pitchFamily="49" charset="0"/>
+              </a:rPr>
+              <a:t>CREATE PROCEDURE </a:t>
+            </a:r>
+            <a:r>
+              <a:rPr lang="ru-RU" sz="2000" b="0" i="0" dirty="0" err="1">
+                <a:solidFill>
+                  <a:schemeClr val="bg1"/>
+                </a:solidFill>
+                <a:effectLst/>
+                <a:latin typeface="Consolas" panose="020B0609020204030204" pitchFamily="49" charset="0"/>
+              </a:rPr>
+              <a:t>SampleProcedure</a:t>
+            </a:r>
+            <a:r>
+              <a:rPr lang="ru-RU" sz="2000" b="0" i="0" dirty="0">
+                <a:solidFill>
+                  <a:schemeClr val="bg1"/>
+                </a:solidFill>
+                <a:effectLst/>
+                <a:latin typeface="Consolas" panose="020B0609020204030204" pitchFamily="49" charset="0"/>
+              </a:rPr>
+              <a:t> @EmployeeIDPar</a:t>
+            </a:r>
+            <a:r>
+              <a:rPr lang="en-US" sz="2000" b="0" i="0" dirty="0">
+                <a:solidFill>
+                  <a:schemeClr val="bg1"/>
+                </a:solidFill>
+                <a:effectLst/>
+                <a:latin typeface="Consolas" panose="020B0609020204030204" pitchFamily="49" charset="0"/>
+              </a:rPr>
+              <a:t>a</a:t>
+            </a:r>
+            <a:r>
+              <a:rPr lang="ru-RU" sz="2000" b="0" i="0" dirty="0">
+                <a:solidFill>
+                  <a:schemeClr val="bg1"/>
+                </a:solidFill>
+                <a:effectLst/>
+                <a:latin typeface="Consolas" panose="020B0609020204030204" pitchFamily="49" charset="0"/>
+              </a:rPr>
+              <a:t>m INT,</a:t>
+            </a:r>
+            <a:br>
+              <a:rPr lang="ru-RU" sz="2000" b="0" i="0" dirty="0">
+                <a:solidFill>
+                  <a:schemeClr val="bg1"/>
+                </a:solidFill>
+                <a:effectLst/>
+                <a:latin typeface="Consolas" panose="020B0609020204030204" pitchFamily="49" charset="0"/>
+              </a:rPr>
+            </a:br>
+            <a:r>
+              <a:rPr lang="ru-RU" sz="2000" b="0" i="0" dirty="0">
+                <a:solidFill>
+                  <a:schemeClr val="bg1"/>
+                </a:solidFill>
+                <a:effectLst/>
+                <a:latin typeface="Consolas" panose="020B0609020204030204" pitchFamily="49" charset="0"/>
+              </a:rPr>
+              <a:t>@MaxTotal INT OUTPUT</a:t>
+            </a:r>
+            <a:br>
+              <a:rPr lang="ru-RU" sz="2000" b="0" i="0" dirty="0">
+                <a:solidFill>
+                  <a:schemeClr val="bg1"/>
+                </a:solidFill>
+                <a:effectLst/>
+                <a:latin typeface="Consolas" panose="020B0609020204030204" pitchFamily="49" charset="0"/>
+              </a:rPr>
+            </a:br>
+            <a:r>
+              <a:rPr lang="ru-RU" sz="2000" b="0" i="0" dirty="0">
                 <a:solidFill>
                   <a:schemeClr val="bg1"/>
                 </a:solidFill>
                 <a:effectLst/>
                 <a:latin typeface="Calibri" panose="020F0502020204030204" pitchFamily="34" charset="0"/>
               </a:rPr>
-              <a:t>Виды передачи параметров</a:t>
-            </a:r>
-          </a:p>
-          <a:p>
-            <a:r>
-              <a:rPr lang="ru-RU" sz="2000" b="1" i="0" dirty="0">
+              <a:t>Указание направления параметров</a:t>
+            </a:r>
+            <a:br>
+              <a:rPr lang="ru-RU" sz="2000" b="0" i="0" dirty="0">
                 <a:solidFill>
                   <a:schemeClr val="bg1"/>
                 </a:solidFill>
                 <a:effectLst/>
                 <a:latin typeface="Calibri" panose="020F0502020204030204" pitchFamily="34" charset="0"/>
               </a:rPr>
-              <a:t>1) Позиционная передача (по умолчанию) - все</a:t>
-            </a:r>
-          </a:p>
-          <a:p>
-            <a:r>
-              <a:rPr lang="ru-RU" sz="2000" b="1" i="0" dirty="0">
+            </a:br>
+            <a:r>
+              <a:rPr lang="ru-RU" sz="2000" b="0" i="0" dirty="0">
+                <a:solidFill>
+                  <a:schemeClr val="bg1"/>
+                </a:solidFill>
+                <a:effectLst/>
+                <a:latin typeface="Consolas" panose="020B0609020204030204" pitchFamily="49" charset="0"/>
+              </a:rPr>
+              <a:t>IN – </a:t>
+            </a:r>
+            <a:r>
+              <a:rPr lang="ru-RU" sz="2000" b="0" i="0" dirty="0">
                 <a:solidFill>
                   <a:schemeClr val="bg1"/>
                 </a:solidFill>
                 <a:effectLst/>
                 <a:latin typeface="Calibri" panose="020F0502020204030204" pitchFamily="34" charset="0"/>
               </a:rPr>
-              <a:t>параметры должны быть указаны строго в заданном</a:t>
-            </a:r>
-          </a:p>
-          <a:p>
-            <a:r>
-              <a:rPr lang="ru-RU" sz="2000" b="1" i="0" dirty="0">
+              <a:t>входной (по ум</a:t>
+            </a:r>
+            <a:r>
+              <a:rPr lang="ru-RU" sz="2000" dirty="0">
+                <a:solidFill>
+                  <a:schemeClr val="bg1"/>
+                </a:solidFill>
+                <a:latin typeface="Calibri" panose="020F0502020204030204" pitchFamily="34" charset="0"/>
+              </a:rPr>
+              <a:t>о</a:t>
+            </a:r>
+            <a:r>
+              <a:rPr lang="ru-RU" sz="2000" b="0" i="0" dirty="0">
                 <a:solidFill>
                   <a:schemeClr val="bg1"/>
                 </a:solidFill>
                 <a:effectLst/>
                 <a:latin typeface="Calibri" panose="020F0502020204030204" pitchFamily="34" charset="0"/>
               </a:rPr>
-              <a:t>порядке.</a:t>
-            </a:r>
-          </a:p>
-          <a:p>
-            <a:r>
-              <a:rPr lang="ru-RU" sz="2000" b="1" i="0" dirty="0">
+              <a:t>лчанию)</a:t>
+            </a:r>
+            <a:br>
+              <a:rPr lang="ru-RU" sz="2000" b="0" i="0" dirty="0">
                 <a:solidFill>
                   <a:schemeClr val="bg1"/>
                 </a:solidFill>
                 <a:effectLst/>
                 <a:latin typeface="Calibri" panose="020F0502020204030204" pitchFamily="34" charset="0"/>
               </a:rPr>
-              <a:t>2) Именная передача – перед параметром указывается</a:t>
-            </a:r>
-          </a:p>
-          <a:p>
-            <a:r>
-              <a:rPr lang="ru-RU" sz="2000" b="1" i="0" dirty="0">
+            </a:br>
+            <a:r>
+              <a:rPr lang="ru-RU" sz="2000" b="0" i="0" dirty="0">
+                <a:solidFill>
+                  <a:schemeClr val="bg1"/>
+                </a:solidFill>
+                <a:effectLst/>
+                <a:latin typeface="Consolas" panose="020B0609020204030204" pitchFamily="49" charset="0"/>
+              </a:rPr>
+              <a:t>OUTPUT(OUT) - </a:t>
+            </a:r>
+            <a:r>
+              <a:rPr lang="ru-RU" sz="2000" b="0" i="0" dirty="0">
                 <a:solidFill>
                   <a:schemeClr val="bg1"/>
                 </a:solidFill>
                 <a:effectLst/>
                 <a:latin typeface="Calibri" panose="020F0502020204030204" pitchFamily="34" charset="0"/>
               </a:rPr>
-              <a:t>имя параметра</a:t>
+              <a:t>выходной</a:t>
+            </a:r>
+            <a:br>
+              <a:rPr lang="ru-RU" sz="2000" b="0" i="0" dirty="0">
+                <a:solidFill>
+                  <a:schemeClr val="bg1"/>
+                </a:solidFill>
+                <a:effectLst/>
+                <a:latin typeface="Calibri" panose="020F0502020204030204" pitchFamily="34" charset="0"/>
+              </a:rPr>
+            </a:br>
+            <a:r>
+              <a:rPr lang="ru-RU" sz="2000" b="0" i="0" dirty="0">
+                <a:solidFill>
+                  <a:schemeClr val="bg1"/>
+                </a:solidFill>
+                <a:effectLst/>
+                <a:latin typeface="Calibri" panose="020F0502020204030204" pitchFamily="34" charset="0"/>
+              </a:rPr>
+              <a:t>Типы данных параметров</a:t>
+            </a:r>
+            <a:br>
+              <a:rPr lang="ru-RU" sz="2000" b="0" i="0" dirty="0">
+                <a:solidFill>
+                  <a:schemeClr val="bg1"/>
+                </a:solidFill>
+                <a:effectLst/>
+                <a:latin typeface="Calibri" panose="020F0502020204030204" pitchFamily="34" charset="0"/>
+              </a:rPr>
+            </a:br>
+            <a:r>
+              <a:rPr lang="ru-RU" sz="2000" b="0" i="0" dirty="0">
+                <a:solidFill>
+                  <a:schemeClr val="bg1"/>
+                </a:solidFill>
+                <a:effectLst/>
+                <a:latin typeface="Consolas" panose="020B0609020204030204" pitchFamily="49" charset="0"/>
+              </a:rPr>
+              <a:t>RETURN </a:t>
+            </a:r>
+            <a:r>
+              <a:rPr lang="ru-RU" sz="2000" b="0" i="0" dirty="0">
+                <a:solidFill>
+                  <a:schemeClr val="bg1"/>
+                </a:solidFill>
+                <a:effectLst/>
+                <a:latin typeface="Helvetica" panose="020B0604020202020204" pitchFamily="34" charset="0"/>
+              </a:rPr>
+              <a:t>- </a:t>
+            </a:r>
+            <a:r>
+              <a:rPr lang="ru-RU" sz="2000" b="0" i="0" dirty="0">
+                <a:solidFill>
+                  <a:schemeClr val="bg1"/>
+                </a:solidFill>
+                <a:effectLst/>
+                <a:latin typeface="Arial" panose="020B0604020202020204" pitchFamily="34" charset="0"/>
+              </a:rPr>
+              <a:t>Возврат данных из хранимой процедуры</a:t>
+            </a:r>
+            <a:r>
+              <a:rPr lang="ru-RU" sz="2000" dirty="0">
+                <a:solidFill>
+                  <a:schemeClr val="bg1"/>
+                </a:solidFill>
+              </a:rPr>
+              <a:t> </a:t>
             </a:r>
             <a:br>
               <a:rPr lang="ru-RU" dirty="0">
@@ -9140,7 +9100,7 @@
     </p:spTree>
     <p:extLst>
       <p:ext uri="{BB962C8B-B14F-4D97-AF65-F5344CB8AC3E}">
-        <p14:creationId xmlns:p14="http://schemas.microsoft.com/office/powerpoint/2010/main" val="2448086013"/>
+        <p14:creationId xmlns:p14="http://schemas.microsoft.com/office/powerpoint/2010/main" val="1514867884"/>
       </p:ext>
     </p:extLst>
   </p:cSld>
@@ -9196,7 +9156,7 @@
                 <a:effectLst/>
                 <a:latin typeface="Calibri" panose="020F0502020204030204" pitchFamily="34" charset="0"/>
               </a:rPr>
-              <a:t>Обработка ошибок в хранимой процедуре</a:t>
+              <a:t>Передача параметров в хранимую процедуру</a:t>
             </a:r>
           </a:p>
         </p:txBody>
@@ -9237,7 +9197,7 @@
                 <a:effectLst/>
                 <a:latin typeface="Calibri" panose="020F0502020204030204" pitchFamily="34" charset="0"/>
               </a:rPr>
-              <a:t>• @@ERROR. Код ошибки. Возвращает 0, если в предыдущей</a:t>
+              <a:t>Виды передачи параметров</a:t>
             </a:r>
           </a:p>
           <a:p>
@@ -9249,18 +9209,22 @@
                 <a:effectLst/>
                 <a:latin typeface="Calibri" panose="020F0502020204030204" pitchFamily="34" charset="0"/>
               </a:rPr>
-              <a:t>инструкции </a:t>
-            </a:r>
-            <a:r>
-              <a:rPr lang="ru-RU" sz="2000" b="1" i="0" dirty="0" err="1">
+              <a:t>1) Позиционная передача (по умолчанию) - все</a:t>
+            </a:r>
+          </a:p>
+          <a:p>
+            <a:r>
+              <a:rPr lang="ru-RU" sz="2000" b="1" i="0" dirty="0">
                 <a:solidFill>
                   <a:schemeClr val="bg1"/>
                 </a:solidFill>
                 <a:effectLst/>
                 <a:latin typeface="Calibri" panose="020F0502020204030204" pitchFamily="34" charset="0"/>
               </a:rPr>
-              <a:t>Transact</a:t>
-            </a:r>
+              <a:t>параметры должны быть указаны строго в заданном</a:t>
+            </a:r>
+          </a:p>
+          <a:p>
             <a:r>
               <a:rPr lang="ru-RU" sz="2000" b="1" i="0" dirty="0">
                 <a:solidFill>
@@ -9269,7 +9233,7 @@
                 <a:effectLst/>
                 <a:latin typeface="Calibri" panose="020F0502020204030204" pitchFamily="34" charset="0"/>
               </a:rPr>
-              <a:t>-SQL не возникло ошибок.</a:t>
+              <a:t>порядке.</a:t>
             </a:r>
           </a:p>
           <a:p>
@@ -9281,7 +9245,7 @@
                 <a:effectLst/>
                 <a:latin typeface="Calibri" panose="020F0502020204030204" pitchFamily="34" charset="0"/>
               </a:rPr>
-              <a:t>• @@TRANCOUNT. Возвращает число инструкций BEGIN</a:t>
+              <a:t>2) Именная передача – перед параметром указывается</a:t>
             </a:r>
           </a:p>
           <a:p>
@@ -9293,31 +9257,7 @@
                 <a:effectLst/>
                 <a:latin typeface="Calibri" panose="020F0502020204030204" pitchFamily="34" charset="0"/>
               </a:rPr>
-              <a:t>TRANSACTION, выполненных в текущем соединении</a:t>
-            </a:r>
-          </a:p>
-          <a:p>
-            <a:r>
-              <a:rPr lang="ru-RU" sz="2000" b="1" i="0" dirty="0">
-                <a:solidFill>
-                  <a:schemeClr val="bg1"/>
-                </a:solidFill>
-                <a:effectLst/>
-                <a:latin typeface="Calibri" panose="020F0502020204030204" pitchFamily="34" charset="0"/>
-              </a:rPr>
-              <a:t>• @@ROWCOUNT Возвращает число строк, затронутых при</a:t>
-            </a:r>
-          </a:p>
-          <a:p>
-            <a:r>
-              <a:rPr lang="ru-RU" sz="2000" b="1" i="0" dirty="0">
-                <a:solidFill>
-                  <a:schemeClr val="bg1"/>
-                </a:solidFill>
-                <a:effectLst/>
-                <a:latin typeface="Calibri" panose="020F0502020204030204" pitchFamily="34" charset="0"/>
-              </a:rPr>
-              <a:t>выполнении последней инструкции.</a:t>
+              <a:t>имя параметра</a:t>
             </a:r>
             <a:br>
               <a:rPr lang="ru-RU" dirty="0">
@@ -9337,7 +9277,7 @@
     </p:spTree>
     <p:extLst>
       <p:ext uri="{BB962C8B-B14F-4D97-AF65-F5344CB8AC3E}">
-        <p14:creationId xmlns:p14="http://schemas.microsoft.com/office/powerpoint/2010/main" val="1374901752"/>
+        <p14:creationId xmlns:p14="http://schemas.microsoft.com/office/powerpoint/2010/main" val="2448086013"/>
       </p:ext>
     </p:extLst>
   </p:cSld>
@@ -9634,6 +9574,203 @@
           <p:cNvPr id="2" name="Заголовок 1">
             <a:extLst>
               <a:ext uri="{FF2B5EF4-FFF2-40B4-BE49-F238E27FC236}">
+                <a16:creationId xmlns:a16="http://schemas.microsoft.com/office/drawing/2014/main" id="{77363AD7-FFE1-0628-56EB-00B5BE131CE9}"/>
+              </a:ext>
+            </a:extLst>
+          </p:cNvPr>
+          <p:cNvSpPr>
+            <a:spLocks noGrp="1"/>
+          </p:cNvSpPr>
+          <p:nvPr>
+            <p:ph type="title"/>
+          </p:nvPr>
+        </p:nvSpPr>
+        <p:spPr/>
+        <p:txBody>
+          <a:bodyPr/>
+          <a:lstStyle/>
+          <a:p>
+            <a:r>
+              <a:rPr lang="ru-RU" sz="3200" b="1" i="0" dirty="0">
+                <a:solidFill>
+                  <a:schemeClr val="bg1"/>
+                </a:solidFill>
+                <a:effectLst/>
+                <a:latin typeface="Calibri" panose="020F0502020204030204" pitchFamily="34" charset="0"/>
+              </a:rPr>
+              <a:t>Обработка ошибок в хранимой процедуре</a:t>
+            </a:r>
+          </a:p>
+        </p:txBody>
+      </p:sp>
+      <p:sp>
+        <p:nvSpPr>
+          <p:cNvPr id="4" name="TextBox 3">
+            <a:extLst>
+              <a:ext uri="{FF2B5EF4-FFF2-40B4-BE49-F238E27FC236}">
+                <a16:creationId xmlns:a16="http://schemas.microsoft.com/office/drawing/2014/main" id="{971D8C71-F3D9-88BF-CD17-E5A168488869}"/>
+              </a:ext>
+            </a:extLst>
+          </p:cNvPr>
+          <p:cNvSpPr txBox="1"/>
+          <p:nvPr/>
+        </p:nvSpPr>
+        <p:spPr>
+          <a:xfrm>
+            <a:off x="409903" y="1338673"/>
+            <a:ext cx="8334703" cy="2154436"/>
+          </a:xfrm>
+          <a:prstGeom prst="rect">
+            <a:avLst/>
+          </a:prstGeom>
+          <a:noFill/>
+        </p:spPr>
+        <p:txBody>
+          <a:bodyPr wrap="square">
+            <a:spAutoFit/>
+          </a:bodyPr>
+          <a:lstStyle/>
+          <a:p>
+            <a:r>
+              <a:rPr lang="ru-RU" sz="2000" b="1" i="0" dirty="0">
+                <a:solidFill>
+                  <a:schemeClr val="bg1"/>
+                </a:solidFill>
+                <a:effectLst/>
+                <a:latin typeface="Calibri" panose="020F0502020204030204" pitchFamily="34" charset="0"/>
+              </a:rPr>
+              <a:t>• @@ERROR. Код ошибки. Возвращает 0, если в предыдущей</a:t>
+            </a:r>
+          </a:p>
+          <a:p>
+            <a:r>
+              <a:rPr lang="ru-RU" sz="2000" b="1" i="0" dirty="0">
+                <a:solidFill>
+                  <a:schemeClr val="bg1"/>
+                </a:solidFill>
+                <a:effectLst/>
+                <a:latin typeface="Calibri" panose="020F0502020204030204" pitchFamily="34" charset="0"/>
+              </a:rPr>
+              <a:t>инструкции </a:t>
+            </a:r>
+            <a:r>
+              <a:rPr lang="ru-RU" sz="2000" b="1" i="0" dirty="0" err="1">
+                <a:solidFill>
+                  <a:schemeClr val="bg1"/>
+                </a:solidFill>
+                <a:effectLst/>
+                <a:latin typeface="Calibri" panose="020F0502020204030204" pitchFamily="34" charset="0"/>
+              </a:rPr>
+              <a:t>Transact</a:t>
+            </a:r>
+            <a:r>
+              <a:rPr lang="ru-RU" sz="2000" b="1" i="0" dirty="0">
+                <a:solidFill>
+                  <a:schemeClr val="bg1"/>
+                </a:solidFill>
+                <a:effectLst/>
+                <a:latin typeface="Calibri" panose="020F0502020204030204" pitchFamily="34" charset="0"/>
+              </a:rPr>
+              <a:t>-SQL не возникло ошибок.</a:t>
+            </a:r>
+          </a:p>
+          <a:p>
+            <a:r>
+              <a:rPr lang="ru-RU" sz="2000" b="1" i="0" dirty="0">
+                <a:solidFill>
+                  <a:schemeClr val="bg1"/>
+                </a:solidFill>
+                <a:effectLst/>
+                <a:latin typeface="Calibri" panose="020F0502020204030204" pitchFamily="34" charset="0"/>
+              </a:rPr>
+              <a:t>• @@TRANCOUNT. Возвращает число инструкций BEGIN</a:t>
+            </a:r>
+          </a:p>
+          <a:p>
+            <a:r>
+              <a:rPr lang="ru-RU" sz="2000" b="1" i="0" dirty="0">
+                <a:solidFill>
+                  <a:schemeClr val="bg1"/>
+                </a:solidFill>
+                <a:effectLst/>
+                <a:latin typeface="Calibri" panose="020F0502020204030204" pitchFamily="34" charset="0"/>
+              </a:rPr>
+              <a:t>TRANSACTION, выполненных в текущем соединении</a:t>
+            </a:r>
+          </a:p>
+          <a:p>
+            <a:r>
+              <a:rPr lang="ru-RU" sz="2000" b="1" i="0" dirty="0">
+                <a:solidFill>
+                  <a:schemeClr val="bg1"/>
+                </a:solidFill>
+                <a:effectLst/>
+                <a:latin typeface="Calibri" panose="020F0502020204030204" pitchFamily="34" charset="0"/>
+              </a:rPr>
+              <a:t>• @@ROWCOUNT Возвращает число строк, затронутых при</a:t>
+            </a:r>
+          </a:p>
+          <a:p>
+            <a:r>
+              <a:rPr lang="ru-RU" sz="2000" b="1" i="0" dirty="0">
+                <a:solidFill>
+                  <a:schemeClr val="bg1"/>
+                </a:solidFill>
+                <a:effectLst/>
+                <a:latin typeface="Calibri" panose="020F0502020204030204" pitchFamily="34" charset="0"/>
+              </a:rPr>
+              <a:t>выполнении последней инструкции.</a:t>
+            </a:r>
+            <a:br>
+              <a:rPr lang="ru-RU" dirty="0">
+                <a:solidFill>
+                  <a:schemeClr val="bg1"/>
+                </a:solidFill>
+              </a:rPr>
+            </a:br>
+            <a:endParaRPr lang="ru-RU" dirty="0">
+              <a:solidFill>
+                <a:schemeClr val="bg1"/>
+              </a:solidFill>
+            </a:endParaRPr>
+          </a:p>
+        </p:txBody>
+      </p:sp>
+    </p:spTree>
+    <p:extLst>
+      <p:ext uri="{BB962C8B-B14F-4D97-AF65-F5344CB8AC3E}">
+        <p14:creationId xmlns:p14="http://schemas.microsoft.com/office/powerpoint/2010/main" val="1374901752"/>
+      </p:ext>
+    </p:extLst>
+  </p:cSld>
+  <p:clrMapOvr>
+    <a:masterClrMapping/>
+  </p:clrMapOvr>
+</p:sld>
+</file>
+
+<file path=ppt/slides/slide21.xml><?xml version="1.0" encoding="utf-8"?>
+<p:sld xmlns:a="http://schemas.openxmlformats.org/drawingml/2006/main" xmlns:r="http://schemas.openxmlformats.org/officeDocument/2006/relationships" xmlns:p="http://schemas.openxmlformats.org/presentationml/2006/main">
+  <p:cSld>
+    <p:spTree>
+      <p:nvGrpSpPr>
+        <p:cNvPr id="1" name=""/>
+        <p:cNvGrpSpPr/>
+        <p:nvPr/>
+      </p:nvGrpSpPr>
+      <p:grpSpPr>
+        <a:xfrm>
+          <a:off x="0" y="0"/>
+          <a:ext cx="0" cy="0"/>
+          <a:chOff x="0" y="0"/>
+          <a:chExt cx="0" cy="0"/>
+        </a:xfrm>
+      </p:grpSpPr>
+      <p:sp>
+        <p:nvSpPr>
+          <p:cNvPr id="2" name="Заголовок 1">
+            <a:extLst>
+              <a:ext uri="{FF2B5EF4-FFF2-40B4-BE49-F238E27FC236}">
                 <a16:creationId xmlns:a16="http://schemas.microsoft.com/office/drawing/2014/main" id="{3BAD9838-9AE2-1B74-0D7D-7076B4D96A60}"/>
               </a:ext>
             </a:extLst>
@@ -9816,7 +9953,7 @@
 </p:sld>
 </file>
 
-<file path=ppt/slides/slide21.xml><?xml version="1.0" encoding="utf-8"?>
+<file path=ppt/slides/slide22.xml><?xml version="1.0" encoding="utf-8"?>
 <p:sld xmlns:a="http://schemas.openxmlformats.org/drawingml/2006/main" xmlns:r="http://schemas.openxmlformats.org/officeDocument/2006/relationships" xmlns:p="http://schemas.openxmlformats.org/presentationml/2006/main">
   <p:cSld>
     <p:spTree>
@@ -10112,412 +10249,6 @@
 </p:sld>
 </file>
 
-<file path=ppt/slides/slide22.xml><?xml version="1.0" encoding="utf-8"?>
-<p:sld xmlns:a="http://schemas.openxmlformats.org/drawingml/2006/main" xmlns:r="http://schemas.openxmlformats.org/officeDocument/2006/relationships" xmlns:p="http://schemas.openxmlformats.org/presentationml/2006/main">
-  <p:cSld>
-    <p:spTree>
-      <p:nvGrpSpPr>
-        <p:cNvPr id="1" name=""/>
-        <p:cNvGrpSpPr/>
-        <p:nvPr/>
-      </p:nvGrpSpPr>
-      <p:grpSpPr>
-        <a:xfrm>
-          <a:off x="0" y="0"/>
-          <a:ext cx="0" cy="0"/>
-          <a:chOff x="0" y="0"/>
-          <a:chExt cx="0" cy="0"/>
-        </a:xfrm>
-      </p:grpSpPr>
-      <p:sp>
-        <p:nvSpPr>
-          <p:cNvPr id="2" name="Заголовок 1">
-            <a:extLst>
-              <a:ext uri="{FF2B5EF4-FFF2-40B4-BE49-F238E27FC236}">
-                <a16:creationId xmlns:a16="http://schemas.microsoft.com/office/drawing/2014/main" id="{6A6BCFF1-EF04-E477-8900-81E0A0F7EAD3}"/>
-              </a:ext>
-            </a:extLst>
-          </p:cNvPr>
-          <p:cNvSpPr>
-            <a:spLocks noGrp="1"/>
-          </p:cNvSpPr>
-          <p:nvPr>
-            <p:ph type="title"/>
-          </p:nvPr>
-        </p:nvSpPr>
-        <p:spPr/>
-        <p:txBody>
-          <a:bodyPr/>
-          <a:lstStyle/>
-          <a:p>
-            <a:r>
-              <a:rPr lang="ru-RU" dirty="0"/>
-              <a:t>Домашнее задание</a:t>
-            </a:r>
-          </a:p>
-        </p:txBody>
-      </p:sp>
-      <p:sp>
-        <p:nvSpPr>
-          <p:cNvPr id="4" name="TextBox 3">
-            <a:extLst>
-              <a:ext uri="{FF2B5EF4-FFF2-40B4-BE49-F238E27FC236}">
-                <a16:creationId xmlns:a16="http://schemas.microsoft.com/office/drawing/2014/main" id="{33245E22-E22E-750A-4CA8-96703DBB1F61}"/>
-              </a:ext>
-            </a:extLst>
-          </p:cNvPr>
-          <p:cNvSpPr txBox="1"/>
-          <p:nvPr/>
-        </p:nvSpPr>
-        <p:spPr>
-          <a:xfrm>
-            <a:off x="394137" y="1288665"/>
-            <a:ext cx="8035159" cy="3539430"/>
-          </a:xfrm>
-          <a:prstGeom prst="rect">
-            <a:avLst/>
-          </a:prstGeom>
-          <a:noFill/>
-        </p:spPr>
-        <p:txBody>
-          <a:bodyPr wrap="square">
-            <a:spAutoFit/>
-          </a:bodyPr>
-          <a:lstStyle/>
-          <a:p>
-            <a:pPr>
-              <a:buClr>
-                <a:schemeClr val="bg1"/>
-              </a:buClr>
-            </a:pPr>
-            <a:r>
-              <a:rPr lang="ru-RU" sz="1600" dirty="0">
-                <a:solidFill>
-                  <a:schemeClr val="bg1"/>
-                </a:solidFill>
-                <a:latin typeface="Courier New" panose="02070309020205020404" pitchFamily="49" charset="0"/>
-                <a:cs typeface="Courier New" panose="02070309020205020404" pitchFamily="49" charset="0"/>
-              </a:rPr>
-              <a:t>Задания выполняются с использованием базы данных </a:t>
-            </a:r>
-            <a:r>
-              <a:rPr lang="en-US" sz="1600" dirty="0" err="1">
-                <a:solidFill>
-                  <a:schemeClr val="bg1"/>
-                </a:solidFill>
-                <a:latin typeface="Courier New" panose="02070309020205020404" pitchFamily="49" charset="0"/>
-                <a:cs typeface="Courier New" panose="02070309020205020404" pitchFamily="49" charset="0"/>
-              </a:rPr>
-              <a:t>WideWorldImporters</a:t>
-            </a:r>
-            <a:r>
-              <a:rPr lang="en-US" sz="1600" dirty="0">
-                <a:solidFill>
-                  <a:schemeClr val="bg1"/>
-                </a:solidFill>
-                <a:latin typeface="Courier New" panose="02070309020205020404" pitchFamily="49" charset="0"/>
-                <a:cs typeface="Courier New" panose="02070309020205020404" pitchFamily="49" charset="0"/>
-              </a:rPr>
-              <a:t>.</a:t>
-            </a:r>
-            <a:br>
-              <a:rPr lang="en-US" sz="1600" dirty="0">
-                <a:solidFill>
-                  <a:schemeClr val="bg1"/>
-                </a:solidFill>
-                <a:latin typeface="Courier New" panose="02070309020205020404" pitchFamily="49" charset="0"/>
-                <a:cs typeface="Courier New" panose="02070309020205020404" pitchFamily="49" charset="0"/>
-              </a:rPr>
-            </a:br>
-            <a:r>
-              <a:rPr lang="ru-RU" sz="1600" dirty="0">
-                <a:solidFill>
-                  <a:schemeClr val="bg1"/>
-                </a:solidFill>
-                <a:latin typeface="Courier New" panose="02070309020205020404" pitchFamily="49" charset="0"/>
-                <a:cs typeface="Courier New" panose="02070309020205020404" pitchFamily="49" charset="0"/>
-              </a:rPr>
-              <a:t>Бэкап БД можно скачать отсюда:</a:t>
-            </a:r>
-            <a:r>
-              <a:rPr lang="en-US" sz="1600" dirty="0">
-                <a:solidFill>
-                  <a:schemeClr val="bg1"/>
-                </a:solidFill>
-                <a:latin typeface="Courier New" panose="02070309020205020404" pitchFamily="49" charset="0"/>
-                <a:cs typeface="Courier New" panose="02070309020205020404" pitchFamily="49" charset="0"/>
-              </a:rPr>
-              <a:t>https://github.com/Microsoft/sql-server-samples/releases/tag/wide-world-importers-v1.0</a:t>
-            </a:r>
-            <a:br>
-              <a:rPr lang="en-US" sz="1600" dirty="0">
-                <a:solidFill>
-                  <a:schemeClr val="bg1"/>
-                </a:solidFill>
-                <a:latin typeface="Courier New" panose="02070309020205020404" pitchFamily="49" charset="0"/>
-                <a:cs typeface="Courier New" panose="02070309020205020404" pitchFamily="49" charset="0"/>
-              </a:rPr>
-            </a:br>
-            <a:r>
-              <a:rPr lang="ru-RU" sz="1600" dirty="0">
-                <a:solidFill>
-                  <a:schemeClr val="bg1"/>
-                </a:solidFill>
-                <a:latin typeface="Courier New" panose="02070309020205020404" pitchFamily="49" charset="0"/>
-                <a:cs typeface="Courier New" panose="02070309020205020404" pitchFamily="49" charset="0"/>
-              </a:rPr>
-              <a:t>Нужен </a:t>
-            </a:r>
-            <a:r>
-              <a:rPr lang="en-US" sz="1600" dirty="0" err="1">
-                <a:solidFill>
-                  <a:schemeClr val="bg1"/>
-                </a:solidFill>
-                <a:latin typeface="Courier New" panose="02070309020205020404" pitchFamily="49" charset="0"/>
-                <a:cs typeface="Courier New" panose="02070309020205020404" pitchFamily="49" charset="0"/>
-              </a:rPr>
-              <a:t>WideWorldImporters-Full.bak</a:t>
-            </a:r>
-            <a:br>
-              <a:rPr lang="en-US" sz="1600" dirty="0">
-                <a:solidFill>
-                  <a:schemeClr val="bg1"/>
-                </a:solidFill>
-                <a:latin typeface="Courier New" panose="02070309020205020404" pitchFamily="49" charset="0"/>
-                <a:cs typeface="Courier New" panose="02070309020205020404" pitchFamily="49" charset="0"/>
-              </a:rPr>
-            </a:br>
-            <a:r>
-              <a:rPr lang="ru-RU" sz="1600" dirty="0">
-                <a:solidFill>
-                  <a:schemeClr val="bg1"/>
-                </a:solidFill>
-                <a:latin typeface="Courier New" panose="02070309020205020404" pitchFamily="49" charset="0"/>
-                <a:cs typeface="Courier New" panose="02070309020205020404" pitchFamily="49" charset="0"/>
-              </a:rPr>
-              <a:t>Описание </a:t>
-            </a:r>
-            <a:r>
-              <a:rPr lang="en-US" sz="1600" dirty="0" err="1">
-                <a:solidFill>
-                  <a:schemeClr val="bg1"/>
-                </a:solidFill>
-                <a:latin typeface="Courier New" panose="02070309020205020404" pitchFamily="49" charset="0"/>
-                <a:cs typeface="Courier New" panose="02070309020205020404" pitchFamily="49" charset="0"/>
-              </a:rPr>
-              <a:t>WideWorldImporters</a:t>
-            </a:r>
-            <a:br>
-              <a:rPr lang="en-US" sz="1600" dirty="0">
-                <a:solidFill>
-                  <a:schemeClr val="bg1"/>
-                </a:solidFill>
-                <a:latin typeface="Courier New" panose="02070309020205020404" pitchFamily="49" charset="0"/>
-                <a:cs typeface="Courier New" panose="02070309020205020404" pitchFamily="49" charset="0"/>
-              </a:rPr>
-            </a:br>
-            <a:r>
-              <a:rPr lang="en-US" sz="1600" dirty="0">
-                <a:solidFill>
-                  <a:schemeClr val="bg1"/>
-                </a:solidFill>
-                <a:latin typeface="Courier New" panose="02070309020205020404" pitchFamily="49" charset="0"/>
-                <a:cs typeface="Courier New" panose="02070309020205020404" pitchFamily="49" charset="0"/>
-                <a:hlinkClick r:id="rId2"/>
-              </a:rPr>
-              <a:t>https://dataedo.com/samples/html/WideWorldImporters/doc/WideWorldImporters_5/home.html</a:t>
-            </a:r>
-            <a:endParaRPr lang="en-US" sz="1600" dirty="0">
-              <a:solidFill>
-                <a:schemeClr val="bg1"/>
-              </a:solidFill>
-              <a:latin typeface="Courier New" panose="02070309020205020404" pitchFamily="49" charset="0"/>
-              <a:cs typeface="Courier New" panose="02070309020205020404" pitchFamily="49" charset="0"/>
-            </a:endParaRPr>
-          </a:p>
-          <a:p>
-            <a:pPr marL="342900" indent="-342900">
-              <a:buClr>
-                <a:schemeClr val="bg1"/>
-              </a:buClr>
-              <a:buAutoNum type="arabicPeriod"/>
-            </a:pPr>
-            <a:r>
-              <a:rPr lang="ru-RU" sz="1600" dirty="0">
-                <a:solidFill>
-                  <a:schemeClr val="bg1"/>
-                </a:solidFill>
-                <a:latin typeface="Courier New" panose="02070309020205020404" pitchFamily="49" charset="0"/>
-                <a:cs typeface="Courier New" panose="02070309020205020404" pitchFamily="49" charset="0"/>
-              </a:rPr>
-              <a:t>Написать функцию возвращающую Клиента с наибольшей суммой покупки.</a:t>
-            </a:r>
-            <a:endParaRPr lang="en-US" sz="1600" dirty="0">
-              <a:solidFill>
-                <a:schemeClr val="bg1"/>
-              </a:solidFill>
-              <a:latin typeface="Courier New" panose="02070309020205020404" pitchFamily="49" charset="0"/>
-              <a:cs typeface="Courier New" panose="02070309020205020404" pitchFamily="49" charset="0"/>
-            </a:endParaRPr>
-          </a:p>
-          <a:p>
-            <a:pPr marL="342900" indent="-342900">
-              <a:buClr>
-                <a:schemeClr val="bg1"/>
-              </a:buClr>
-              <a:buAutoNum type="arabicPeriod"/>
-            </a:pPr>
-            <a:r>
-              <a:rPr lang="ru-RU" sz="1600" dirty="0">
-                <a:solidFill>
-                  <a:schemeClr val="bg1"/>
-                </a:solidFill>
-                <a:latin typeface="Courier New" panose="02070309020205020404" pitchFamily="49" charset="0"/>
-                <a:cs typeface="Courier New" panose="02070309020205020404" pitchFamily="49" charset="0"/>
-              </a:rPr>
-              <a:t>Написать хранимую процедуру с входящим параметром </a:t>
-            </a:r>
-            <a:r>
-              <a:rPr lang="ru-RU" sz="1600" dirty="0" err="1">
-                <a:solidFill>
-                  <a:schemeClr val="bg1"/>
-                </a:solidFill>
-                <a:latin typeface="Courier New" panose="02070309020205020404" pitchFamily="49" charset="0"/>
-                <a:cs typeface="Courier New" panose="02070309020205020404" pitchFamily="49" charset="0"/>
-              </a:rPr>
-              <a:t>СustomerID</a:t>
-            </a:r>
-            <a:r>
-              <a:rPr lang="ru-RU" sz="1600" dirty="0">
-                <a:solidFill>
-                  <a:schemeClr val="bg1"/>
-                </a:solidFill>
-                <a:latin typeface="Courier New" panose="02070309020205020404" pitchFamily="49" charset="0"/>
-                <a:cs typeface="Courier New" panose="02070309020205020404" pitchFamily="49" charset="0"/>
-              </a:rPr>
-              <a:t>, выводящую сумму покупки по этому клиенту.</a:t>
-            </a:r>
-            <a:br>
-              <a:rPr lang="en-US" sz="1600" dirty="0">
-                <a:solidFill>
-                  <a:schemeClr val="bg1"/>
-                </a:solidFill>
-                <a:latin typeface="Courier New" panose="02070309020205020404" pitchFamily="49" charset="0"/>
-                <a:cs typeface="Courier New" panose="02070309020205020404" pitchFamily="49" charset="0"/>
-              </a:rPr>
-            </a:br>
-            <a:r>
-              <a:rPr lang="ru-RU" sz="1600" dirty="0">
-                <a:solidFill>
-                  <a:schemeClr val="bg1"/>
-                </a:solidFill>
-                <a:latin typeface="Courier New" panose="02070309020205020404" pitchFamily="49" charset="0"/>
-                <a:cs typeface="Courier New" panose="02070309020205020404" pitchFamily="49" charset="0"/>
-              </a:rPr>
-              <a:t>Использовать таблицы:</a:t>
-            </a:r>
-            <a:br>
-              <a:rPr lang="en-US" sz="1600" dirty="0">
-                <a:solidFill>
-                  <a:schemeClr val="bg1"/>
-                </a:solidFill>
-                <a:latin typeface="Courier New" panose="02070309020205020404" pitchFamily="49" charset="0"/>
-                <a:cs typeface="Courier New" panose="02070309020205020404" pitchFamily="49" charset="0"/>
-              </a:rPr>
-            </a:br>
-            <a:r>
-              <a:rPr lang="ru-RU" sz="1600" dirty="0" err="1">
-                <a:solidFill>
-                  <a:schemeClr val="bg1"/>
-                </a:solidFill>
-                <a:latin typeface="Courier New" panose="02070309020205020404" pitchFamily="49" charset="0"/>
-                <a:cs typeface="Courier New" panose="02070309020205020404" pitchFamily="49" charset="0"/>
-              </a:rPr>
-              <a:t>Sales.CustomersSales</a:t>
-            </a:r>
-            <a:r>
-              <a:rPr lang="ru-RU" sz="1600" dirty="0">
-                <a:solidFill>
-                  <a:schemeClr val="bg1"/>
-                </a:solidFill>
-                <a:latin typeface="Courier New" panose="02070309020205020404" pitchFamily="49" charset="0"/>
-                <a:cs typeface="Courier New" panose="02070309020205020404" pitchFamily="49" charset="0"/>
-              </a:rPr>
-              <a:t>.</a:t>
-            </a:r>
-            <a:r>
-              <a:rPr lang="en-US" sz="1600" dirty="0">
-                <a:solidFill>
-                  <a:schemeClr val="bg1"/>
-                </a:solidFill>
-                <a:latin typeface="Courier New" panose="02070309020205020404" pitchFamily="49" charset="0"/>
-                <a:cs typeface="Courier New" panose="02070309020205020404" pitchFamily="49" charset="0"/>
-              </a:rPr>
-              <a:t> </a:t>
-            </a:r>
-            <a:r>
-              <a:rPr lang="ru-RU" sz="1600" dirty="0" err="1">
-                <a:solidFill>
-                  <a:schemeClr val="bg1"/>
-                </a:solidFill>
-                <a:latin typeface="Courier New" panose="02070309020205020404" pitchFamily="49" charset="0"/>
-                <a:cs typeface="Courier New" panose="02070309020205020404" pitchFamily="49" charset="0"/>
-              </a:rPr>
-              <a:t>InvoicesSales</a:t>
-            </a:r>
-            <a:r>
-              <a:rPr lang="ru-RU" sz="1600" dirty="0">
-                <a:solidFill>
-                  <a:schemeClr val="bg1"/>
-                </a:solidFill>
-                <a:latin typeface="Courier New" panose="02070309020205020404" pitchFamily="49" charset="0"/>
-                <a:cs typeface="Courier New" panose="02070309020205020404" pitchFamily="49" charset="0"/>
-              </a:rPr>
-              <a:t>.</a:t>
-            </a:r>
-            <a:r>
-              <a:rPr lang="en-US" sz="1600" dirty="0">
-                <a:solidFill>
-                  <a:schemeClr val="bg1"/>
-                </a:solidFill>
-                <a:latin typeface="Courier New" panose="02070309020205020404" pitchFamily="49" charset="0"/>
-                <a:cs typeface="Courier New" panose="02070309020205020404" pitchFamily="49" charset="0"/>
-              </a:rPr>
-              <a:t> </a:t>
-            </a:r>
-            <a:r>
-              <a:rPr lang="ru-RU" sz="1600" dirty="0" err="1">
-                <a:solidFill>
-                  <a:schemeClr val="bg1"/>
-                </a:solidFill>
-                <a:latin typeface="Courier New" panose="02070309020205020404" pitchFamily="49" charset="0"/>
-                <a:cs typeface="Courier New" panose="02070309020205020404" pitchFamily="49" charset="0"/>
-              </a:rPr>
-              <a:t>InvoiceLines</a:t>
-            </a:r>
-            <a:endParaRPr lang="ru-RU" sz="1600" dirty="0">
-              <a:solidFill>
-                <a:schemeClr val="bg1"/>
-              </a:solidFill>
-              <a:latin typeface="Courier New" panose="02070309020205020404" pitchFamily="49" charset="0"/>
-              <a:cs typeface="Courier New" panose="02070309020205020404" pitchFamily="49" charset="0"/>
-            </a:endParaRPr>
-          </a:p>
-        </p:txBody>
-      </p:sp>
-    </p:spTree>
-    <p:extLst>
-      <p:ext uri="{BB962C8B-B14F-4D97-AF65-F5344CB8AC3E}">
-        <p14:creationId xmlns:p14="http://schemas.microsoft.com/office/powerpoint/2010/main" val="2658651213"/>
-      </p:ext>
-    </p:extLst>
-  </p:cSld>
-  <p:clrMapOvr>
-    <a:masterClrMapping/>
-  </p:clrMapOvr>
-</p:sld>
-</file>
-
 <file path=ppt/slides/slide23.xml><?xml version="1.0" encoding="utf-8"?>
 <p:sld xmlns:a="http://schemas.openxmlformats.org/drawingml/2006/main" xmlns:r="http://schemas.openxmlformats.org/officeDocument/2006/relationships" xmlns:p="http://schemas.openxmlformats.org/presentationml/2006/main">
   <p:cSld>
@@ -10578,6 +10309,412 @@
         <p:spPr>
           <a:xfrm>
             <a:off x="394137" y="1288665"/>
+            <a:ext cx="8035159" cy="3539430"/>
+          </a:xfrm>
+          <a:prstGeom prst="rect">
+            <a:avLst/>
+          </a:prstGeom>
+          <a:noFill/>
+        </p:spPr>
+        <p:txBody>
+          <a:bodyPr wrap="square">
+            <a:spAutoFit/>
+          </a:bodyPr>
+          <a:lstStyle/>
+          <a:p>
+            <a:pPr>
+              <a:buClr>
+                <a:schemeClr val="bg1"/>
+              </a:buClr>
+            </a:pPr>
+            <a:r>
+              <a:rPr lang="ru-RU" sz="1600" dirty="0">
+                <a:solidFill>
+                  <a:schemeClr val="bg1"/>
+                </a:solidFill>
+                <a:latin typeface="Courier New" panose="02070309020205020404" pitchFamily="49" charset="0"/>
+                <a:cs typeface="Courier New" panose="02070309020205020404" pitchFamily="49" charset="0"/>
+              </a:rPr>
+              <a:t>Задания выполняются с использованием базы данных </a:t>
+            </a:r>
+            <a:r>
+              <a:rPr lang="en-US" sz="1600" dirty="0" err="1">
+                <a:solidFill>
+                  <a:schemeClr val="bg1"/>
+                </a:solidFill>
+                <a:latin typeface="Courier New" panose="02070309020205020404" pitchFamily="49" charset="0"/>
+                <a:cs typeface="Courier New" panose="02070309020205020404" pitchFamily="49" charset="0"/>
+              </a:rPr>
+              <a:t>WideWorldImporters</a:t>
+            </a:r>
+            <a:r>
+              <a:rPr lang="en-US" sz="1600" dirty="0">
+                <a:solidFill>
+                  <a:schemeClr val="bg1"/>
+                </a:solidFill>
+                <a:latin typeface="Courier New" panose="02070309020205020404" pitchFamily="49" charset="0"/>
+                <a:cs typeface="Courier New" panose="02070309020205020404" pitchFamily="49" charset="0"/>
+              </a:rPr>
+              <a:t>.</a:t>
+            </a:r>
+            <a:br>
+              <a:rPr lang="en-US" sz="1600" dirty="0">
+                <a:solidFill>
+                  <a:schemeClr val="bg1"/>
+                </a:solidFill>
+                <a:latin typeface="Courier New" panose="02070309020205020404" pitchFamily="49" charset="0"/>
+                <a:cs typeface="Courier New" panose="02070309020205020404" pitchFamily="49" charset="0"/>
+              </a:rPr>
+            </a:br>
+            <a:r>
+              <a:rPr lang="ru-RU" sz="1600" dirty="0">
+                <a:solidFill>
+                  <a:schemeClr val="bg1"/>
+                </a:solidFill>
+                <a:latin typeface="Courier New" panose="02070309020205020404" pitchFamily="49" charset="0"/>
+                <a:cs typeface="Courier New" panose="02070309020205020404" pitchFamily="49" charset="0"/>
+              </a:rPr>
+              <a:t>Бэкап БД можно скачать отсюда:</a:t>
+            </a:r>
+            <a:r>
+              <a:rPr lang="en-US" sz="1600" dirty="0">
+                <a:solidFill>
+                  <a:schemeClr val="bg1"/>
+                </a:solidFill>
+                <a:latin typeface="Courier New" panose="02070309020205020404" pitchFamily="49" charset="0"/>
+                <a:cs typeface="Courier New" panose="02070309020205020404" pitchFamily="49" charset="0"/>
+              </a:rPr>
+              <a:t>https://github.com/Microsoft/sql-server-samples/releases/tag/wide-world-importers-v1.0</a:t>
+            </a:r>
+            <a:br>
+              <a:rPr lang="en-US" sz="1600" dirty="0">
+                <a:solidFill>
+                  <a:schemeClr val="bg1"/>
+                </a:solidFill>
+                <a:latin typeface="Courier New" panose="02070309020205020404" pitchFamily="49" charset="0"/>
+                <a:cs typeface="Courier New" panose="02070309020205020404" pitchFamily="49" charset="0"/>
+              </a:rPr>
+            </a:br>
+            <a:r>
+              <a:rPr lang="ru-RU" sz="1600" dirty="0">
+                <a:solidFill>
+                  <a:schemeClr val="bg1"/>
+                </a:solidFill>
+                <a:latin typeface="Courier New" panose="02070309020205020404" pitchFamily="49" charset="0"/>
+                <a:cs typeface="Courier New" panose="02070309020205020404" pitchFamily="49" charset="0"/>
+              </a:rPr>
+              <a:t>Нужен </a:t>
+            </a:r>
+            <a:r>
+              <a:rPr lang="en-US" sz="1600" dirty="0" err="1">
+                <a:solidFill>
+                  <a:schemeClr val="bg1"/>
+                </a:solidFill>
+                <a:latin typeface="Courier New" panose="02070309020205020404" pitchFamily="49" charset="0"/>
+                <a:cs typeface="Courier New" panose="02070309020205020404" pitchFamily="49" charset="0"/>
+              </a:rPr>
+              <a:t>WideWorldImporters-Full.bak</a:t>
+            </a:r>
+            <a:br>
+              <a:rPr lang="en-US" sz="1600" dirty="0">
+                <a:solidFill>
+                  <a:schemeClr val="bg1"/>
+                </a:solidFill>
+                <a:latin typeface="Courier New" panose="02070309020205020404" pitchFamily="49" charset="0"/>
+                <a:cs typeface="Courier New" panose="02070309020205020404" pitchFamily="49" charset="0"/>
+              </a:rPr>
+            </a:br>
+            <a:r>
+              <a:rPr lang="ru-RU" sz="1600" dirty="0">
+                <a:solidFill>
+                  <a:schemeClr val="bg1"/>
+                </a:solidFill>
+                <a:latin typeface="Courier New" panose="02070309020205020404" pitchFamily="49" charset="0"/>
+                <a:cs typeface="Courier New" panose="02070309020205020404" pitchFamily="49" charset="0"/>
+              </a:rPr>
+              <a:t>Описание </a:t>
+            </a:r>
+            <a:r>
+              <a:rPr lang="en-US" sz="1600" dirty="0" err="1">
+                <a:solidFill>
+                  <a:schemeClr val="bg1"/>
+                </a:solidFill>
+                <a:latin typeface="Courier New" panose="02070309020205020404" pitchFamily="49" charset="0"/>
+                <a:cs typeface="Courier New" panose="02070309020205020404" pitchFamily="49" charset="0"/>
+              </a:rPr>
+              <a:t>WideWorldImporters</a:t>
+            </a:r>
+            <a:br>
+              <a:rPr lang="en-US" sz="1600" dirty="0">
+                <a:solidFill>
+                  <a:schemeClr val="bg1"/>
+                </a:solidFill>
+                <a:latin typeface="Courier New" panose="02070309020205020404" pitchFamily="49" charset="0"/>
+                <a:cs typeface="Courier New" panose="02070309020205020404" pitchFamily="49" charset="0"/>
+              </a:rPr>
+            </a:br>
+            <a:r>
+              <a:rPr lang="en-US" sz="1600" dirty="0">
+                <a:solidFill>
+                  <a:schemeClr val="bg1"/>
+                </a:solidFill>
+                <a:latin typeface="Courier New" panose="02070309020205020404" pitchFamily="49" charset="0"/>
+                <a:cs typeface="Courier New" panose="02070309020205020404" pitchFamily="49" charset="0"/>
+                <a:hlinkClick r:id="rId2"/>
+              </a:rPr>
+              <a:t>https://dataedo.com/samples/html/WideWorldImporters/doc/WideWorldImporters_5/home.html</a:t>
+            </a:r>
+            <a:endParaRPr lang="en-US" sz="1600" dirty="0">
+              <a:solidFill>
+                <a:schemeClr val="bg1"/>
+              </a:solidFill>
+              <a:latin typeface="Courier New" panose="02070309020205020404" pitchFamily="49" charset="0"/>
+              <a:cs typeface="Courier New" panose="02070309020205020404" pitchFamily="49" charset="0"/>
+            </a:endParaRPr>
+          </a:p>
+          <a:p>
+            <a:pPr marL="342900" indent="-342900">
+              <a:buClr>
+                <a:schemeClr val="bg1"/>
+              </a:buClr>
+              <a:buAutoNum type="arabicPeriod"/>
+            </a:pPr>
+            <a:r>
+              <a:rPr lang="ru-RU" sz="1600" dirty="0">
+                <a:solidFill>
+                  <a:schemeClr val="bg1"/>
+                </a:solidFill>
+                <a:latin typeface="Courier New" panose="02070309020205020404" pitchFamily="49" charset="0"/>
+                <a:cs typeface="Courier New" panose="02070309020205020404" pitchFamily="49" charset="0"/>
+              </a:rPr>
+              <a:t>Написать функцию возвращающую Клиента с наибольшей суммой покупки.</a:t>
+            </a:r>
+            <a:endParaRPr lang="en-US" sz="1600" dirty="0">
+              <a:solidFill>
+                <a:schemeClr val="bg1"/>
+              </a:solidFill>
+              <a:latin typeface="Courier New" panose="02070309020205020404" pitchFamily="49" charset="0"/>
+              <a:cs typeface="Courier New" panose="02070309020205020404" pitchFamily="49" charset="0"/>
+            </a:endParaRPr>
+          </a:p>
+          <a:p>
+            <a:pPr marL="342900" indent="-342900">
+              <a:buClr>
+                <a:schemeClr val="bg1"/>
+              </a:buClr>
+              <a:buAutoNum type="arabicPeriod"/>
+            </a:pPr>
+            <a:r>
+              <a:rPr lang="ru-RU" sz="1600" dirty="0">
+                <a:solidFill>
+                  <a:schemeClr val="bg1"/>
+                </a:solidFill>
+                <a:latin typeface="Courier New" panose="02070309020205020404" pitchFamily="49" charset="0"/>
+                <a:cs typeface="Courier New" panose="02070309020205020404" pitchFamily="49" charset="0"/>
+              </a:rPr>
+              <a:t>Написать хранимую процедуру с входящим параметром </a:t>
+            </a:r>
+            <a:r>
+              <a:rPr lang="ru-RU" sz="1600" dirty="0" err="1">
+                <a:solidFill>
+                  <a:schemeClr val="bg1"/>
+                </a:solidFill>
+                <a:latin typeface="Courier New" panose="02070309020205020404" pitchFamily="49" charset="0"/>
+                <a:cs typeface="Courier New" panose="02070309020205020404" pitchFamily="49" charset="0"/>
+              </a:rPr>
+              <a:t>СustomerID</a:t>
+            </a:r>
+            <a:r>
+              <a:rPr lang="ru-RU" sz="1600" dirty="0">
+                <a:solidFill>
+                  <a:schemeClr val="bg1"/>
+                </a:solidFill>
+                <a:latin typeface="Courier New" panose="02070309020205020404" pitchFamily="49" charset="0"/>
+                <a:cs typeface="Courier New" panose="02070309020205020404" pitchFamily="49" charset="0"/>
+              </a:rPr>
+              <a:t>, выводящую сумму покупки по этому клиенту.</a:t>
+            </a:r>
+            <a:br>
+              <a:rPr lang="en-US" sz="1600" dirty="0">
+                <a:solidFill>
+                  <a:schemeClr val="bg1"/>
+                </a:solidFill>
+                <a:latin typeface="Courier New" panose="02070309020205020404" pitchFamily="49" charset="0"/>
+                <a:cs typeface="Courier New" panose="02070309020205020404" pitchFamily="49" charset="0"/>
+              </a:rPr>
+            </a:br>
+            <a:r>
+              <a:rPr lang="ru-RU" sz="1600" dirty="0">
+                <a:solidFill>
+                  <a:schemeClr val="bg1"/>
+                </a:solidFill>
+                <a:latin typeface="Courier New" panose="02070309020205020404" pitchFamily="49" charset="0"/>
+                <a:cs typeface="Courier New" panose="02070309020205020404" pitchFamily="49" charset="0"/>
+              </a:rPr>
+              <a:t>Использовать таблицы:</a:t>
+            </a:r>
+            <a:br>
+              <a:rPr lang="en-US" sz="1600" dirty="0">
+                <a:solidFill>
+                  <a:schemeClr val="bg1"/>
+                </a:solidFill>
+                <a:latin typeface="Courier New" panose="02070309020205020404" pitchFamily="49" charset="0"/>
+                <a:cs typeface="Courier New" panose="02070309020205020404" pitchFamily="49" charset="0"/>
+              </a:rPr>
+            </a:br>
+            <a:r>
+              <a:rPr lang="ru-RU" sz="1600" dirty="0" err="1">
+                <a:solidFill>
+                  <a:schemeClr val="bg1"/>
+                </a:solidFill>
+                <a:latin typeface="Courier New" panose="02070309020205020404" pitchFamily="49" charset="0"/>
+                <a:cs typeface="Courier New" panose="02070309020205020404" pitchFamily="49" charset="0"/>
+              </a:rPr>
+              <a:t>Sales.CustomersSales</a:t>
+            </a:r>
+            <a:r>
+              <a:rPr lang="ru-RU" sz="1600" dirty="0">
+                <a:solidFill>
+                  <a:schemeClr val="bg1"/>
+                </a:solidFill>
+                <a:latin typeface="Courier New" panose="02070309020205020404" pitchFamily="49" charset="0"/>
+                <a:cs typeface="Courier New" panose="02070309020205020404" pitchFamily="49" charset="0"/>
+              </a:rPr>
+              <a:t>.</a:t>
+            </a:r>
+            <a:r>
+              <a:rPr lang="en-US" sz="1600" dirty="0">
+                <a:solidFill>
+                  <a:schemeClr val="bg1"/>
+                </a:solidFill>
+                <a:latin typeface="Courier New" panose="02070309020205020404" pitchFamily="49" charset="0"/>
+                <a:cs typeface="Courier New" panose="02070309020205020404" pitchFamily="49" charset="0"/>
+              </a:rPr>
+              <a:t> </a:t>
+            </a:r>
+            <a:r>
+              <a:rPr lang="ru-RU" sz="1600" dirty="0" err="1">
+                <a:solidFill>
+                  <a:schemeClr val="bg1"/>
+                </a:solidFill>
+                <a:latin typeface="Courier New" panose="02070309020205020404" pitchFamily="49" charset="0"/>
+                <a:cs typeface="Courier New" panose="02070309020205020404" pitchFamily="49" charset="0"/>
+              </a:rPr>
+              <a:t>InvoicesSales</a:t>
+            </a:r>
+            <a:r>
+              <a:rPr lang="ru-RU" sz="1600" dirty="0">
+                <a:solidFill>
+                  <a:schemeClr val="bg1"/>
+                </a:solidFill>
+                <a:latin typeface="Courier New" panose="02070309020205020404" pitchFamily="49" charset="0"/>
+                <a:cs typeface="Courier New" panose="02070309020205020404" pitchFamily="49" charset="0"/>
+              </a:rPr>
+              <a:t>.</a:t>
+            </a:r>
+            <a:r>
+              <a:rPr lang="en-US" sz="1600" dirty="0">
+                <a:solidFill>
+                  <a:schemeClr val="bg1"/>
+                </a:solidFill>
+                <a:latin typeface="Courier New" panose="02070309020205020404" pitchFamily="49" charset="0"/>
+                <a:cs typeface="Courier New" panose="02070309020205020404" pitchFamily="49" charset="0"/>
+              </a:rPr>
+              <a:t> </a:t>
+            </a:r>
+            <a:r>
+              <a:rPr lang="ru-RU" sz="1600" dirty="0" err="1">
+                <a:solidFill>
+                  <a:schemeClr val="bg1"/>
+                </a:solidFill>
+                <a:latin typeface="Courier New" panose="02070309020205020404" pitchFamily="49" charset="0"/>
+                <a:cs typeface="Courier New" panose="02070309020205020404" pitchFamily="49" charset="0"/>
+              </a:rPr>
+              <a:t>InvoiceLines</a:t>
+            </a:r>
+            <a:endParaRPr lang="ru-RU" sz="1600" dirty="0">
+              <a:solidFill>
+                <a:schemeClr val="bg1"/>
+              </a:solidFill>
+              <a:latin typeface="Courier New" panose="02070309020205020404" pitchFamily="49" charset="0"/>
+              <a:cs typeface="Courier New" panose="02070309020205020404" pitchFamily="49" charset="0"/>
+            </a:endParaRPr>
+          </a:p>
+        </p:txBody>
+      </p:sp>
+    </p:spTree>
+    <p:extLst>
+      <p:ext uri="{BB962C8B-B14F-4D97-AF65-F5344CB8AC3E}">
+        <p14:creationId xmlns:p14="http://schemas.microsoft.com/office/powerpoint/2010/main" val="2658651213"/>
+      </p:ext>
+    </p:extLst>
+  </p:cSld>
+  <p:clrMapOvr>
+    <a:masterClrMapping/>
+  </p:clrMapOvr>
+</p:sld>
+</file>
+
+<file path=ppt/slides/slide24.xml><?xml version="1.0" encoding="utf-8"?>
+<p:sld xmlns:a="http://schemas.openxmlformats.org/drawingml/2006/main" xmlns:r="http://schemas.openxmlformats.org/officeDocument/2006/relationships" xmlns:p="http://schemas.openxmlformats.org/presentationml/2006/main">
+  <p:cSld>
+    <p:spTree>
+      <p:nvGrpSpPr>
+        <p:cNvPr id="1" name=""/>
+        <p:cNvGrpSpPr/>
+        <p:nvPr/>
+      </p:nvGrpSpPr>
+      <p:grpSpPr>
+        <a:xfrm>
+          <a:off x="0" y="0"/>
+          <a:ext cx="0" cy="0"/>
+          <a:chOff x="0" y="0"/>
+          <a:chExt cx="0" cy="0"/>
+        </a:xfrm>
+      </p:grpSpPr>
+      <p:sp>
+        <p:nvSpPr>
+          <p:cNvPr id="2" name="Заголовок 1">
+            <a:extLst>
+              <a:ext uri="{FF2B5EF4-FFF2-40B4-BE49-F238E27FC236}">
+                <a16:creationId xmlns:a16="http://schemas.microsoft.com/office/drawing/2014/main" id="{6A6BCFF1-EF04-E477-8900-81E0A0F7EAD3}"/>
+              </a:ext>
+            </a:extLst>
+          </p:cNvPr>
+          <p:cNvSpPr>
+            <a:spLocks noGrp="1"/>
+          </p:cNvSpPr>
+          <p:nvPr>
+            <p:ph type="title"/>
+          </p:nvPr>
+        </p:nvSpPr>
+        <p:spPr/>
+        <p:txBody>
+          <a:bodyPr/>
+          <a:lstStyle/>
+          <a:p>
+            <a:r>
+              <a:rPr lang="ru-RU" dirty="0"/>
+              <a:t>Домашнее задание</a:t>
+            </a:r>
+          </a:p>
+        </p:txBody>
+      </p:sp>
+      <p:sp>
+        <p:nvSpPr>
+          <p:cNvPr id="4" name="TextBox 3">
+            <a:extLst>
+              <a:ext uri="{FF2B5EF4-FFF2-40B4-BE49-F238E27FC236}">
+                <a16:creationId xmlns:a16="http://schemas.microsoft.com/office/drawing/2014/main" id="{33245E22-E22E-750A-4CA8-96703DBB1F61}"/>
+              </a:ext>
+            </a:extLst>
+          </p:cNvPr>
+          <p:cNvSpPr txBox="1"/>
+          <p:nvPr/>
+        </p:nvSpPr>
+        <p:spPr>
+          <a:xfrm>
+            <a:off x="394137" y="1288665"/>
             <a:ext cx="8035159" cy="1077218"/>
           </a:xfrm>
           <a:prstGeom prst="rect">
@@ -10713,7 +10850,7 @@
 </p:sld>
 </file>
 
-<file path=ppt/slides/slide24.xml><?xml version="1.0" encoding="utf-8"?>
+<file path=ppt/slides/slide25.xml><?xml version="1.0" encoding="utf-8"?>
 <p:sld xmlns:a="http://schemas.openxmlformats.org/drawingml/2006/main" xmlns:r="http://schemas.openxmlformats.org/officeDocument/2006/relationships" xmlns:p="http://schemas.openxmlformats.org/presentationml/2006/main">
   <p:cSld>
     <p:spTree>
@@ -10780,7 +10917,7 @@
 </p:sld>
 </file>
 
-<file path=ppt/slides/slide25.xml><?xml version="1.0" encoding="utf-8"?>
+<file path=ppt/slides/slide26.xml><?xml version="1.0" encoding="utf-8"?>
 <p:sld xmlns:a="http://schemas.openxmlformats.org/drawingml/2006/main" xmlns:r="http://schemas.openxmlformats.org/officeDocument/2006/relationships" xmlns:p="http://schemas.openxmlformats.org/presentationml/2006/main">
   <p:cSld>
     <p:spTree>
@@ -10894,7 +11031,7 @@
 </p:sld>
 </file>
 
-<file path=ppt/slides/slide26.xml><?xml version="1.0" encoding="utf-8"?>
+<file path=ppt/slides/slide27.xml><?xml version="1.0" encoding="utf-8"?>
 <p:sld xmlns:a="http://schemas.openxmlformats.org/drawingml/2006/main" xmlns:r="http://schemas.openxmlformats.org/officeDocument/2006/relationships" xmlns:p="http://schemas.openxmlformats.org/presentationml/2006/main">
   <p:cSld>
     <p:spTree>
@@ -12293,7 +12430,7 @@
         <p:spPr>
           <a:xfrm>
             <a:off x="500550" y="1121824"/>
-            <a:ext cx="8412222" cy="3785652"/>
+            <a:ext cx="8412222" cy="1323439"/>
           </a:xfrm>
           <a:prstGeom prst="rect">
             <a:avLst/>
@@ -12320,55 +12457,6 @@
                 </a:solidFill>
               </a:rPr>
               <a:t>Модульное программирование. Вы можете создать функцию один раз, сохранить ее в базе данных и вызывать ее в своей программе любое количество раз. Пользовательские функции могут быть изменены независимо от исходного кода программы.</a:t>
-            </a:r>
-          </a:p>
-          <a:p>
-            <a:pPr marL="457200" indent="-457200">
-              <a:buClr>
-                <a:schemeClr val="bg1"/>
-              </a:buClr>
-              <a:buFont typeface="+mj-lt"/>
-              <a:buAutoNum type="arabicPeriod"/>
-            </a:pPr>
-            <a:r>
-              <a:rPr lang="ru-RU" sz="2000" dirty="0">
-                <a:solidFill>
-                  <a:schemeClr val="bg1"/>
-                </a:solidFill>
-              </a:rPr>
-              <a:t>Более быстрое исполнение. Подобно хранимым процедурам, определяемые пользователем функции </a:t>
-            </a:r>
-            <a:r>
-              <a:rPr lang="ru-RU" sz="2000" dirty="0" err="1">
-                <a:solidFill>
-                  <a:schemeClr val="bg1"/>
-                </a:solidFill>
-              </a:rPr>
-              <a:t>Transact</a:t>
-            </a:r>
-            <a:r>
-              <a:rPr lang="ru-RU" sz="2000" dirty="0">
-                <a:solidFill>
-                  <a:schemeClr val="bg1"/>
-                </a:solidFill>
-              </a:rPr>
-              <a:t>-SQL сокращают затраты на компиляцию кода </a:t>
-            </a:r>
-            <a:r>
-              <a:rPr lang="ru-RU" sz="2000" dirty="0" err="1">
-                <a:solidFill>
-                  <a:schemeClr val="bg1"/>
-                </a:solidFill>
-              </a:rPr>
-              <a:t>Transact</a:t>
-            </a:r>
-            <a:r>
-              <a:rPr lang="ru-RU" sz="2000" dirty="0">
-                <a:solidFill>
-                  <a:schemeClr val="bg1"/>
-                </a:solidFill>
-              </a:rPr>
-              <a:t>-SQL за счет кэширования планов и их повторного использования для повторного выполнения. Это означает, что пользовательскую функцию не нужно повторно анализировать и оптимизировать при каждом использовании, что приводит к гораздо более быстрому выполнению.</a:t>
             </a:r>
           </a:p>
         </p:txBody>
@@ -12446,7 +12534,7 @@
         <p:spPr>
           <a:xfrm>
             <a:off x="500550" y="1121824"/>
-            <a:ext cx="8412222" cy="1938992"/>
+            <a:ext cx="8412222" cy="2246769"/>
           </a:xfrm>
           <a:prstGeom prst="rect">
             <a:avLst/>
@@ -12470,7 +12558,39 @@
                   <a:schemeClr val="bg1"/>
                 </a:solidFill>
               </a:rPr>
-              <a:t>3. Сокращение сетевого трафика. Операция, которая фильтрует данные на основе некоторого сложного ограничения, которое не может быть выражено в одном скалярном выражении, может быть выражена как функция. Затем эту функцию можно вызвать в предложении WHERE, чтобы уменьшить количество строк, отправляемых клиенту.</a:t>
+              <a:t>2. Более быстрое исполнение. Подобно хранимым процедурам, определяемые пользователем функции </a:t>
+            </a:r>
+            <a:r>
+              <a:rPr lang="ru-RU" sz="2000" dirty="0" err="1">
+                <a:solidFill>
+                  <a:schemeClr val="bg1"/>
+                </a:solidFill>
+              </a:rPr>
+              <a:t>Transact</a:t>
+            </a:r>
+            <a:r>
+              <a:rPr lang="ru-RU" sz="2000" dirty="0">
+                <a:solidFill>
+                  <a:schemeClr val="bg1"/>
+                </a:solidFill>
+              </a:rPr>
+              <a:t>-SQL сокращают затраты на компиляцию кода </a:t>
+            </a:r>
+            <a:r>
+              <a:rPr lang="ru-RU" sz="2000" dirty="0" err="1">
+                <a:solidFill>
+                  <a:schemeClr val="bg1"/>
+                </a:solidFill>
+              </a:rPr>
+              <a:t>Transact</a:t>
+            </a:r>
+            <a:r>
+              <a:rPr lang="ru-RU" sz="2000" dirty="0">
+                <a:solidFill>
+                  <a:schemeClr val="bg1"/>
+                </a:solidFill>
+              </a:rPr>
+              <a:t>-SQL за счет кэширования планов и их повторного использования для повторного выполнения. Это означает, что пользовательскую функцию не нужно повторно анализировать и оптимизировать при каждом использовании, что приводит к гораздо более быстрому выполнению.</a:t>
             </a:r>
           </a:p>
         </p:txBody>
@@ -12478,7 +12598,7 @@
     </p:spTree>
     <p:extLst>
       <p:ext uri="{BB962C8B-B14F-4D97-AF65-F5344CB8AC3E}">
-        <p14:creationId xmlns:p14="http://schemas.microsoft.com/office/powerpoint/2010/main" val="3378984940"/>
+        <p14:creationId xmlns:p14="http://schemas.microsoft.com/office/powerpoint/2010/main" val="2319426787"/>
       </p:ext>
     </p:extLst>
   </p:cSld>
@@ -12510,7 +12630,7 @@
           <p:cNvPr id="2" name="Заголовок 1">
             <a:extLst>
               <a:ext uri="{FF2B5EF4-FFF2-40B4-BE49-F238E27FC236}">
-                <a16:creationId xmlns:a16="http://schemas.microsoft.com/office/drawing/2014/main" id="{6EAED64F-542A-B9C0-279C-7B8096D5C8F8}"/>
+                <a16:creationId xmlns:a16="http://schemas.microsoft.com/office/drawing/2014/main" id="{39B4084F-39F6-50CF-5304-57151ADB6A4C}"/>
               </a:ext>
             </a:extLst>
           </p:cNvPr>
@@ -12527,19 +12647,18 @@
           <a:lstStyle/>
           <a:p>
             <a:r>
-              <a:rPr lang="en-US" dirty="0"/>
-              <a:t>EXECUTE AS</a:t>
-            </a:r>
-            <a:endParaRPr lang="ru-RU" dirty="0"/>
+              <a:rPr lang="ru-RU" dirty="0"/>
+              <a:t>Функции и процедуры</a:t>
+            </a:r>
           </a:p>
         </p:txBody>
       </p:sp>
       <p:sp>
         <p:nvSpPr>
-          <p:cNvPr id="3" name="TextBox 2">
+          <p:cNvPr id="5" name="TextBox 4">
             <a:extLst>
               <a:ext uri="{FF2B5EF4-FFF2-40B4-BE49-F238E27FC236}">
-                <a16:creationId xmlns:a16="http://schemas.microsoft.com/office/drawing/2014/main" id="{17FFCFB7-D104-FAA3-A6E2-F95FDE782645}"/>
+                <a16:creationId xmlns:a16="http://schemas.microsoft.com/office/drawing/2014/main" id="{544466D4-A473-9D47-6ED6-B3F2C95045F7}"/>
               </a:ext>
             </a:extLst>
           </p:cNvPr>
@@ -12549,7 +12668,7 @@
         <p:spPr>
           <a:xfrm>
             <a:off x="500550" y="1121824"/>
-            <a:ext cx="8412222" cy="2862322"/>
+            <a:ext cx="8412222" cy="1938992"/>
           </a:xfrm>
           <a:prstGeom prst="rect">
             <a:avLst/>
@@ -12568,73 +12687,12 @@
               </a:buClr>
             </a:pPr>
             <a:r>
-              <a:rPr lang="ru-RU" sz="1600" b="1" i="0" dirty="0">
-                <a:solidFill>
-                  <a:srgbClr val="E6E6E6"/>
-                </a:solidFill>
-                <a:effectLst/>
-                <a:latin typeface="Segoe UI" panose="020B0502040204020203" pitchFamily="34" charset="0"/>
-              </a:rPr>
-              <a:t>Функции (кроме встроенных функций с табличным значением), хранимые процедуры и триггеры DML:</a:t>
-            </a:r>
-            <a:endParaRPr lang="en-US" sz="1600" b="1" i="0" dirty="0">
-              <a:solidFill>
-                <a:srgbClr val="E6E6E6"/>
-              </a:solidFill>
-              <a:effectLst/>
-              <a:latin typeface="Segoe UI" panose="020B0502040204020203" pitchFamily="34" charset="0"/>
-            </a:endParaRPr>
-          </a:p>
-          <a:p>
-            <a:pPr>
-              <a:buClr>
-                <a:schemeClr val="bg1"/>
-              </a:buClr>
-            </a:pPr>
-            <a:r>
-              <a:rPr lang="en-US" sz="2800" b="1" i="0" dirty="0">
-                <a:solidFill>
-                  <a:srgbClr val="E6E6E6"/>
-                </a:solidFill>
-                <a:effectLst/>
-                <a:latin typeface="Segoe UI" panose="020B0502040204020203" pitchFamily="34" charset="0"/>
-              </a:rPr>
-              <a:t>CALLER</a:t>
-            </a:r>
-          </a:p>
-          <a:p>
-            <a:pPr>
-              <a:buClr>
-                <a:schemeClr val="bg1"/>
-              </a:buClr>
-            </a:pPr>
-            <a:r>
               <a:rPr lang="ru-RU" sz="2000" dirty="0">
                 <a:solidFill>
                   <a:schemeClr val="bg1"/>
                 </a:solidFill>
               </a:rPr>
-              <a:t>Указывает, что операторы внутри модуля выполняются в контексте вызывающего модуля. Пользователь, выполняющий модуль, должен иметь соответствующие разрешения не только для самого модуля, но и для любых объектов базы данных, на которые ссылается модуль.</a:t>
-            </a:r>
-            <a:endParaRPr lang="en-US" sz="2000" dirty="0">
-              <a:solidFill>
-                <a:schemeClr val="bg1"/>
-              </a:solidFill>
-            </a:endParaRPr>
-          </a:p>
-          <a:p>
-            <a:pPr>
-              <a:buClr>
-                <a:schemeClr val="bg1"/>
-              </a:buClr>
-            </a:pPr>
-            <a:r>
-              <a:rPr lang="ru-RU" sz="2000" dirty="0">
-                <a:solidFill>
-                  <a:schemeClr val="bg1"/>
-                </a:solidFill>
-              </a:rPr>
-              <a:t>CALLER используется по умолчанию для всех модулей</a:t>
+              <a:t>3. Сокращение сетевого трафика. Операция, которая фильтрует данные на основе некоторого сложного ограничения, которое не может быть выражено в одном скалярном выражении, может быть выражена как функция. Затем эту функцию можно вызвать в предложении WHERE, чтобы уменьшить количество строк, отправляемых клиенту.</a:t>
             </a:r>
           </a:p>
         </p:txBody>
@@ -12642,7 +12700,7 @@
     </p:spTree>
     <p:extLst>
       <p:ext uri="{BB962C8B-B14F-4D97-AF65-F5344CB8AC3E}">
-        <p14:creationId xmlns:p14="http://schemas.microsoft.com/office/powerpoint/2010/main" val="2540789055"/>
+        <p14:creationId xmlns:p14="http://schemas.microsoft.com/office/powerpoint/2010/main" val="3378984940"/>
       </p:ext>
     </p:extLst>
   </p:cSld>
@@ -12713,7 +12771,7 @@
         <p:spPr>
           <a:xfrm>
             <a:off x="500550" y="1121824"/>
-            <a:ext cx="8412222" cy="1877437"/>
+            <a:ext cx="8412222" cy="2862322"/>
           </a:xfrm>
           <a:prstGeom prst="rect">
             <a:avLst/>
@@ -12732,16 +12790,16 @@
               </a:buClr>
             </a:pPr>
             <a:r>
-              <a:rPr lang="en-US" sz="3600" b="1" i="0" dirty="0">
+              <a:rPr lang="ru-RU" sz="1600" b="1" i="0" dirty="0">
                 <a:solidFill>
                   <a:srgbClr val="E6E6E6"/>
                 </a:solidFill>
                 <a:effectLst/>
                 <a:latin typeface="Segoe UI" panose="020B0502040204020203" pitchFamily="34" charset="0"/>
               </a:rPr>
-              <a:t>SELF</a:t>
-            </a:r>
-            <a:endParaRPr lang="en-US" sz="2800" b="1" i="0" dirty="0">
+              <a:t>Функции (кроме встроенных функций с табличным значением), хранимые процедуры и триггеры DML:</a:t>
+            </a:r>
+            <a:endParaRPr lang="en-US" sz="1600" b="1" i="0" dirty="0">
               <a:solidFill>
                 <a:srgbClr val="E6E6E6"/>
               </a:solidFill>
@@ -12756,28 +12814,49 @@
               </a:buClr>
             </a:pPr>
             <a:r>
+              <a:rPr lang="en-US" sz="2800" b="1" i="0" dirty="0">
+                <a:solidFill>
+                  <a:srgbClr val="E6E6E6"/>
+                </a:solidFill>
+                <a:effectLst/>
+                <a:latin typeface="Segoe UI" panose="020B0502040204020203" pitchFamily="34" charset="0"/>
+              </a:rPr>
+              <a:t>CALLER</a:t>
+            </a:r>
+          </a:p>
+          <a:p>
+            <a:pPr>
+              <a:buClr>
+                <a:schemeClr val="bg1"/>
+              </a:buClr>
+            </a:pPr>
+            <a:r>
               <a:rPr lang="ru-RU" sz="2000" dirty="0">
                 <a:solidFill>
                   <a:schemeClr val="bg1"/>
                 </a:solidFill>
               </a:rPr>
-              <a:t>EXECUTE AS SELF эквивалентно EXECUTE AS &lt;</a:t>
-            </a:r>
-            <a:r>
-              <a:rPr lang="ru-RU" sz="2000" dirty="0" err="1">
-                <a:solidFill>
-                  <a:schemeClr val="bg1"/>
-                </a:solidFill>
-              </a:rPr>
-              <a:t>имя_пользователя</a:t>
-            </a:r>
+              <a:t>Указывает, что операторы внутри модуля выполняются в контексте вызывающего модуля. Пользователь, выполняющий модуль, должен иметь соответствующие разрешения не только для самого модуля, но и для любых объектов базы данных, на которые ссылается модуль.</a:t>
+            </a:r>
+            <a:endParaRPr lang="en-US" sz="2000" dirty="0">
+              <a:solidFill>
+                <a:schemeClr val="bg1"/>
+              </a:solidFill>
+            </a:endParaRPr>
+          </a:p>
+          <a:p>
+            <a:pPr>
+              <a:buClr>
+                <a:schemeClr val="bg1"/>
+              </a:buClr>
+            </a:pPr>
             <a:r>
               <a:rPr lang="ru-RU" sz="2000" dirty="0">
                 <a:solidFill>
                   <a:schemeClr val="bg1"/>
                 </a:solidFill>
               </a:rPr>
-              <a:t>&gt;, где указанный пользователь — это человек, создающий или изменяющий модуль. Фактический идентификатор пользователя, создающего или изменяющего модули</a:t>
+              <a:t>CALLER используется по умолчанию для всех модулей</a:t>
             </a:r>
           </a:p>
         </p:txBody>
@@ -12785,7 +12864,7 @@
     </p:spTree>
     <p:extLst>
       <p:ext uri="{BB962C8B-B14F-4D97-AF65-F5344CB8AC3E}">
-        <p14:creationId xmlns:p14="http://schemas.microsoft.com/office/powerpoint/2010/main" val="613718024"/>
+        <p14:creationId xmlns:p14="http://schemas.microsoft.com/office/powerpoint/2010/main" val="2540789055"/>
       </p:ext>
     </p:extLst>
   </p:cSld>

--- a/Программирование.pptx
+++ b/Программирование.pptx
@@ -7214,8 +7214,8 @@
         </p:nvSpPr>
         <p:spPr>
           <a:xfrm>
-            <a:off x="500549" y="1029950"/>
-            <a:ext cx="6198123" cy="2677656"/>
+            <a:off x="500549" y="1029949"/>
+            <a:ext cx="7478680" cy="3046988"/>
           </a:xfrm>
           <a:prstGeom prst="rect">
             <a:avLst/>
@@ -7229,7 +7229,7 @@
           <a:lstStyle/>
           <a:p>
             <a:r>
-              <a:rPr lang="en-US" dirty="0">
+              <a:rPr lang="en-US" sz="1600" dirty="0">
                 <a:solidFill>
                   <a:schemeClr val="bg1"/>
                 </a:solidFill>
@@ -7239,7 +7239,7 @@
               <a:t>CREATE FUNCTION </a:t>
             </a:r>
             <a:r>
-              <a:rPr lang="en-US" dirty="0" err="1">
+              <a:rPr lang="en-US" sz="1600" dirty="0" err="1">
                 <a:solidFill>
                   <a:schemeClr val="bg1"/>
                 </a:solidFill>
@@ -7249,7 +7249,7 @@
               <a:t>dbo.fGetSumOrder</a:t>
             </a:r>
             <a:r>
-              <a:rPr lang="en-US" dirty="0">
+              <a:rPr lang="en-US" sz="1600" dirty="0">
                 <a:solidFill>
                   <a:schemeClr val="bg1"/>
                 </a:solidFill>
@@ -7261,7 +7261,7 @@
           </a:p>
           <a:p>
             <a:r>
-              <a:rPr lang="en-US" dirty="0">
+              <a:rPr lang="en-US" sz="1600" dirty="0">
                 <a:solidFill>
                   <a:schemeClr val="bg1"/>
                 </a:solidFill>
@@ -7273,7 +7273,7 @@
           </a:p>
           <a:p>
             <a:r>
-              <a:rPr lang="en-US" dirty="0">
+              <a:rPr lang="en-US" sz="1600" dirty="0">
                 <a:solidFill>
                   <a:schemeClr val="bg1"/>
                 </a:solidFill>
@@ -7285,7 +7285,7 @@
           </a:p>
           <a:p>
             <a:r>
-              <a:rPr lang="en-US" dirty="0">
+              <a:rPr lang="en-US" sz="1600" dirty="0">
                 <a:solidFill>
                   <a:schemeClr val="bg1"/>
                 </a:solidFill>
@@ -7297,7 +7297,7 @@
           </a:p>
           <a:p>
             <a:r>
-              <a:rPr lang="en-US" dirty="0">
+              <a:rPr lang="en-US" sz="1600" dirty="0">
                 <a:solidFill>
                   <a:schemeClr val="bg1"/>
                 </a:solidFill>
@@ -7309,7 +7309,7 @@
           </a:p>
           <a:p>
             <a:r>
-              <a:rPr lang="en-US" dirty="0">
+              <a:rPr lang="en-US" sz="1600" dirty="0">
                 <a:solidFill>
                   <a:schemeClr val="bg1"/>
                 </a:solidFill>
@@ -7321,7 +7321,7 @@
           </a:p>
           <a:p>
             <a:r>
-              <a:rPr lang="en-US" dirty="0">
+              <a:rPr lang="en-US" sz="1600" dirty="0">
                 <a:solidFill>
                   <a:schemeClr val="bg1"/>
                 </a:solidFill>
@@ -7331,7 +7331,7 @@
               <a:t>        (SELECT SUM(Quantity * </a:t>
             </a:r>
             <a:r>
-              <a:rPr lang="en-US" dirty="0" err="1">
+              <a:rPr lang="en-US" sz="1600" dirty="0" err="1">
                 <a:solidFill>
                   <a:schemeClr val="bg1"/>
                 </a:solidFill>
@@ -7341,7 +7341,7 @@
               <a:t>UnitPrice</a:t>
             </a:r>
             <a:r>
-              <a:rPr lang="en-US" dirty="0">
+              <a:rPr lang="en-US" sz="1600" dirty="0">
                 <a:solidFill>
                   <a:schemeClr val="bg1"/>
                 </a:solidFill>
@@ -7353,7 +7353,7 @@
           </a:p>
           <a:p>
             <a:r>
-              <a:rPr lang="en-US" dirty="0">
+              <a:rPr lang="en-US" sz="1600" dirty="0">
                 <a:solidFill>
                   <a:schemeClr val="bg1"/>
                 </a:solidFill>
@@ -7363,7 +7363,7 @@
               <a:t>        FROM </a:t>
             </a:r>
             <a:r>
-              <a:rPr lang="en-US" dirty="0" err="1">
+              <a:rPr lang="en-US" sz="1600" dirty="0" err="1">
                 <a:solidFill>
                   <a:schemeClr val="bg1"/>
                 </a:solidFill>
@@ -7372,7 +7372,7 @@
               </a:rPr>
               <a:t>Sales.OrderLines</a:t>
             </a:r>
-            <a:endParaRPr lang="en-US" dirty="0">
+            <a:endParaRPr lang="en-US" sz="1600" dirty="0">
               <a:solidFill>
                 <a:schemeClr val="bg1"/>
               </a:solidFill>
@@ -7382,7 +7382,7 @@
           </a:p>
           <a:p>
             <a:r>
-              <a:rPr lang="en-US" dirty="0">
+              <a:rPr lang="en-US" sz="1600" dirty="0">
                 <a:solidFill>
                   <a:schemeClr val="bg1"/>
                 </a:solidFill>
@@ -7392,7 +7392,7 @@
               <a:t>        WHERE </a:t>
             </a:r>
             <a:r>
-              <a:rPr lang="en-US" dirty="0" err="1">
+              <a:rPr lang="en-US" sz="1600" dirty="0" err="1">
                 <a:solidFill>
                   <a:schemeClr val="bg1"/>
                 </a:solidFill>
@@ -7402,7 +7402,7 @@
               <a:t>OrderID</a:t>
             </a:r>
             <a:r>
-              <a:rPr lang="en-US" dirty="0">
+              <a:rPr lang="en-US" sz="1600" dirty="0">
                 <a:solidFill>
                   <a:schemeClr val="bg1"/>
                 </a:solidFill>
@@ -7413,7 +7413,7 @@
             </a:r>
           </a:p>
           <a:p>
-            <a:endParaRPr lang="en-US" dirty="0">
+            <a:endParaRPr lang="en-US" sz="1600" dirty="0">
               <a:solidFill>
                 <a:schemeClr val="bg1"/>
               </a:solidFill>
@@ -7423,7 +7423,7 @@
           </a:p>
           <a:p>
             <a:r>
-              <a:rPr lang="en-US" dirty="0">
+              <a:rPr lang="en-US" sz="1600" dirty="0">
                 <a:solidFill>
                   <a:schemeClr val="bg1"/>
                 </a:solidFill>
@@ -7435,7 +7435,7 @@
           </a:p>
           <a:p>
             <a:r>
-              <a:rPr lang="en-US" dirty="0">
+              <a:rPr lang="en-US" sz="1600" dirty="0">
                 <a:solidFill>
                   <a:schemeClr val="bg1"/>
                 </a:solidFill>
@@ -7444,7 +7444,7 @@
               </a:rPr>
               <a:t>END;</a:t>
             </a:r>
-            <a:endParaRPr lang="ru-RU" dirty="0">
+            <a:endParaRPr lang="ru-RU" sz="1600" dirty="0">
               <a:solidFill>
                 <a:schemeClr val="bg1"/>
               </a:solidFill>
